--- a/oral_projet/revue_2/diaporama_revue_2_dylan.pptx
+++ b/oral_projet/revue_2/diaporama_revue_2_dylan.pptx
@@ -4464,7 +4464,7 @@
             <a:pPr algn="ctr"/>
             <a:r>
               <a:rPr lang="fr-FR" sz="1200" dirty="0"/>
-              <a:t>Mr ANGIBAUD</a:t>
+              <a:t>M. ANGIBAUD</a:t>
             </a:r>
           </a:p>
           <a:p>

--- a/oral_projet/revue_2/diaporama_revue_2_dylan.pptx
+++ b/oral_projet/revue_2/diaporama_revue_2_dylan.pptx
@@ -7891,114 +7891,6 @@
           </a:p>
         </p:txBody>
       </p:sp>
-      <p:pic>
-        <p:nvPicPr>
-          <p:cNvPr id="4" name="Image 3">
-            <a:extLst>
-              <a:ext uri="{FF2B5EF4-FFF2-40B4-BE49-F238E27FC236}">
-                <a16:creationId xmlns:a16="http://schemas.microsoft.com/office/drawing/2014/main" id="{D397238E-4CC4-4E40-A03F-CA5168B16AFC}"/>
-              </a:ext>
-            </a:extLst>
-          </p:cNvPr>
-          <p:cNvPicPr>
-            <a:picLocks noChangeAspect="1"/>
-          </p:cNvPicPr>
-          <p:nvPr/>
-        </p:nvPicPr>
-        <p:blipFill>
-          <a:blip r:embed="rId4">
-            <a:extLst>
-              <a:ext uri="{28A0092B-C50C-407E-A947-70E740481C1C}">
-                <a14:useLocalDpi xmlns:a14="http://schemas.microsoft.com/office/drawing/2010/main" val="0"/>
-              </a:ext>
-            </a:extLst>
-          </a:blip>
-          <a:stretch>
-            <a:fillRect/>
-          </a:stretch>
-        </p:blipFill>
-        <p:spPr>
-          <a:xfrm>
-            <a:off x="1881432" y="4945224"/>
-            <a:ext cx="990600" cy="990600"/>
-          </a:xfrm>
-          <a:prstGeom prst="rect">
-            <a:avLst/>
-          </a:prstGeom>
-        </p:spPr>
-      </p:pic>
-      <p:pic>
-        <p:nvPicPr>
-          <p:cNvPr id="6" name="Image 5">
-            <a:extLst>
-              <a:ext uri="{FF2B5EF4-FFF2-40B4-BE49-F238E27FC236}">
-                <a16:creationId xmlns:a16="http://schemas.microsoft.com/office/drawing/2014/main" id="{217C5B42-FC3B-460B-B430-4FE5CFDEFE08}"/>
-              </a:ext>
-            </a:extLst>
-          </p:cNvPr>
-          <p:cNvPicPr>
-            <a:picLocks noChangeAspect="1"/>
-          </p:cNvPicPr>
-          <p:nvPr/>
-        </p:nvPicPr>
-        <p:blipFill>
-          <a:blip r:embed="rId5">
-            <a:extLst>
-              <a:ext uri="{28A0092B-C50C-407E-A947-70E740481C1C}">
-                <a14:useLocalDpi xmlns:a14="http://schemas.microsoft.com/office/drawing/2010/main" val="0"/>
-              </a:ext>
-            </a:extLst>
-          </a:blip>
-          <a:stretch>
-            <a:fillRect/>
-          </a:stretch>
-        </p:blipFill>
-        <p:spPr>
-          <a:xfrm>
-            <a:off x="6753255" y="4945224"/>
-            <a:ext cx="1194833" cy="1297393"/>
-          </a:xfrm>
-          <a:prstGeom prst="rect">
-            <a:avLst/>
-          </a:prstGeom>
-        </p:spPr>
-      </p:pic>
-      <p:pic>
-        <p:nvPicPr>
-          <p:cNvPr id="27" name="Image 26">
-            <a:extLst>
-              <a:ext uri="{FF2B5EF4-FFF2-40B4-BE49-F238E27FC236}">
-                <a16:creationId xmlns:a16="http://schemas.microsoft.com/office/drawing/2014/main" id="{2743F8F1-CE6B-4582-819C-46D84CFAEC85}"/>
-              </a:ext>
-            </a:extLst>
-          </p:cNvPr>
-          <p:cNvPicPr>
-            <a:picLocks noChangeAspect="1"/>
-          </p:cNvPicPr>
-          <p:nvPr/>
-        </p:nvPicPr>
-        <p:blipFill>
-          <a:blip r:embed="rId6">
-            <a:extLst>
-              <a:ext uri="{28A0092B-C50C-407E-A947-70E740481C1C}">
-                <a14:useLocalDpi xmlns:a14="http://schemas.microsoft.com/office/drawing/2010/main" val="0"/>
-              </a:ext>
-            </a:extLst>
-          </a:blip>
-          <a:stretch>
-            <a:fillRect/>
-          </a:stretch>
-        </p:blipFill>
-        <p:spPr>
-          <a:xfrm>
-            <a:off x="4450205" y="3918856"/>
-            <a:ext cx="1082352" cy="1082352"/>
-          </a:xfrm>
-          <a:prstGeom prst="rect">
-            <a:avLst/>
-          </a:prstGeom>
-        </p:spPr>
-      </p:pic>
       <p:sp>
         <p:nvSpPr>
           <p:cNvPr id="7" name="ZoneTexte 6">
@@ -8013,7 +7905,7 @@
         </p:nvSpPr>
         <p:spPr>
           <a:xfrm>
-            <a:off x="3714642" y="1427584"/>
+            <a:off x="4115087" y="1292497"/>
             <a:ext cx="4309685" cy="523220"/>
           </a:xfrm>
           <a:prstGeom prst="rect">
@@ -8029,7 +7921,7 @@
           <a:p>
             <a:r>
               <a:rPr lang="fr-FR" sz="2800" dirty="0"/>
-              <a:t>Partie 1 : Anémomètre</a:t>
+              <a:t>Partie 1 : Pluviomètre</a:t>
             </a:r>
           </a:p>
         </p:txBody>
@@ -14433,7 +14325,7 @@
 </file>
 
 <file path=ppt/slides/slide5.xml><?xml version="1.0" encoding="utf-8"?>
-<p:sld xmlns:a="http://schemas.openxmlformats.org/drawingml/2006/main" xmlns:r="http://schemas.openxmlformats.org/officeDocument/2006/relationships" xmlns:p="http://schemas.openxmlformats.org/presentationml/2006/main">
+<p:sld xmlns:a="http://schemas.openxmlformats.org/drawingml/2006/main" xmlns:r="http://schemas.openxmlformats.org/officeDocument/2006/relationships" xmlns:p="http://schemas.openxmlformats.org/presentationml/2006/main" show="0">
   <p:cSld>
     <p:spTree>
       <p:nvGrpSpPr>
@@ -14935,418 +14827,6 @@
           </a:p>
         </p:txBody>
       </p:sp>
-      <p:pic>
-        <p:nvPicPr>
-          <p:cNvPr id="29" name="Image 28">
-            <a:extLst>
-              <a:ext uri="{FF2B5EF4-FFF2-40B4-BE49-F238E27FC236}">
-                <a16:creationId xmlns:a16="http://schemas.microsoft.com/office/drawing/2014/main" id="{209747D1-F6E3-409A-B896-B03CE9516BF8}"/>
-              </a:ext>
-            </a:extLst>
-          </p:cNvPr>
-          <p:cNvPicPr>
-            <a:picLocks noChangeAspect="1"/>
-          </p:cNvPicPr>
-          <p:nvPr/>
-        </p:nvPicPr>
-        <p:blipFill>
-          <a:blip r:embed="rId4">
-            <a:extLst>
-              <a:ext uri="{28A0092B-C50C-407E-A947-70E740481C1C}">
-                <a14:useLocalDpi xmlns:a14="http://schemas.microsoft.com/office/drawing/2010/main" val="0"/>
-              </a:ext>
-            </a:extLst>
-          </a:blip>
-          <a:stretch>
-            <a:fillRect/>
-          </a:stretch>
-        </p:blipFill>
-        <p:spPr>
-          <a:xfrm>
-            <a:off x="6719022" y="2512865"/>
-            <a:ext cx="728101" cy="728101"/>
-          </a:xfrm>
-          <a:prstGeom prst="rect">
-            <a:avLst/>
-          </a:prstGeom>
-        </p:spPr>
-      </p:pic>
-      <p:pic>
-        <p:nvPicPr>
-          <p:cNvPr id="25" name="Image 24">
-            <a:extLst>
-              <a:ext uri="{FF2B5EF4-FFF2-40B4-BE49-F238E27FC236}">
-                <a16:creationId xmlns:a16="http://schemas.microsoft.com/office/drawing/2014/main" id="{93BBF0E5-204B-42FF-9A5D-235230C6F27F}"/>
-              </a:ext>
-            </a:extLst>
-          </p:cNvPr>
-          <p:cNvPicPr>
-            <a:picLocks noChangeAspect="1"/>
-          </p:cNvPicPr>
-          <p:nvPr/>
-        </p:nvPicPr>
-        <p:blipFill>
-          <a:blip r:embed="rId5">
-            <a:extLst>
-              <a:ext uri="{28A0092B-C50C-407E-A947-70E740481C1C}">
-                <a14:useLocalDpi xmlns:a14="http://schemas.microsoft.com/office/drawing/2010/main" val="0"/>
-              </a:ext>
-            </a:extLst>
-          </a:blip>
-          <a:stretch>
-            <a:fillRect/>
-          </a:stretch>
-        </p:blipFill>
-        <p:spPr>
-          <a:xfrm>
-            <a:off x="6959469" y="3772894"/>
-            <a:ext cx="487653" cy="487653"/>
-          </a:xfrm>
-          <a:prstGeom prst="rect">
-            <a:avLst/>
-          </a:prstGeom>
-        </p:spPr>
-      </p:pic>
-      <p:pic>
-        <p:nvPicPr>
-          <p:cNvPr id="35" name="Image 34">
-            <a:extLst>
-              <a:ext uri="{FF2B5EF4-FFF2-40B4-BE49-F238E27FC236}">
-                <a16:creationId xmlns:a16="http://schemas.microsoft.com/office/drawing/2014/main" id="{3AA4106B-4FA4-4D66-995F-237DE6EAEF75}"/>
-              </a:ext>
-            </a:extLst>
-          </p:cNvPr>
-          <p:cNvPicPr>
-            <a:picLocks noChangeAspect="1"/>
-          </p:cNvPicPr>
-          <p:nvPr/>
-        </p:nvPicPr>
-        <p:blipFill>
-          <a:blip r:embed="rId6">
-            <a:extLst>
-              <a:ext uri="{28A0092B-C50C-407E-A947-70E740481C1C}">
-                <a14:useLocalDpi xmlns:a14="http://schemas.microsoft.com/office/drawing/2010/main" val="0"/>
-              </a:ext>
-            </a:extLst>
-          </a:blip>
-          <a:stretch>
-            <a:fillRect/>
-          </a:stretch>
-        </p:blipFill>
-        <p:spPr>
-          <a:xfrm>
-            <a:off x="7215446" y="4929137"/>
-            <a:ext cx="527336" cy="527336"/>
-          </a:xfrm>
-          <a:prstGeom prst="rect">
-            <a:avLst/>
-          </a:prstGeom>
-        </p:spPr>
-      </p:pic>
-      <p:pic>
-        <p:nvPicPr>
-          <p:cNvPr id="4" name="Image 3">
-            <a:extLst>
-              <a:ext uri="{FF2B5EF4-FFF2-40B4-BE49-F238E27FC236}">
-                <a16:creationId xmlns:a16="http://schemas.microsoft.com/office/drawing/2014/main" id="{225101B9-36CD-4BE6-A596-45C653C1A0BF}"/>
-              </a:ext>
-            </a:extLst>
-          </p:cNvPr>
-          <p:cNvPicPr>
-            <a:picLocks noChangeAspect="1"/>
-          </p:cNvPicPr>
-          <p:nvPr/>
-        </p:nvPicPr>
-        <p:blipFill>
-          <a:blip r:embed="rId7">
-            <a:extLst>
-              <a:ext uri="{28A0092B-C50C-407E-A947-70E740481C1C}">
-                <a14:useLocalDpi xmlns:a14="http://schemas.microsoft.com/office/drawing/2010/main" val="0"/>
-              </a:ext>
-            </a:extLst>
-          </a:blip>
-          <a:stretch>
-            <a:fillRect/>
-          </a:stretch>
-        </p:blipFill>
-        <p:spPr>
-          <a:xfrm>
-            <a:off x="7086558" y="4322761"/>
-            <a:ext cx="487653" cy="487653"/>
-          </a:xfrm>
-          <a:prstGeom prst="rect">
-            <a:avLst/>
-          </a:prstGeom>
-        </p:spPr>
-      </p:pic>
-      <p:sp>
-        <p:nvSpPr>
-          <p:cNvPr id="2" name="ZoneTexte 1">
-            <a:extLst>
-              <a:ext uri="{FF2B5EF4-FFF2-40B4-BE49-F238E27FC236}">
-                <a16:creationId xmlns:a16="http://schemas.microsoft.com/office/drawing/2014/main" id="{05E036AC-ACE8-48BF-BBAF-B4AEC36D3108}"/>
-              </a:ext>
-            </a:extLst>
-          </p:cNvPr>
-          <p:cNvSpPr txBox="1"/>
-          <p:nvPr/>
-        </p:nvSpPr>
-        <p:spPr>
-          <a:xfrm>
-            <a:off x="3041778" y="2692250"/>
-            <a:ext cx="3322041" cy="369332"/>
-          </a:xfrm>
-          <a:prstGeom prst="rect">
-            <a:avLst/>
-          </a:prstGeom>
-          <a:noFill/>
-        </p:spPr>
-        <p:txBody>
-          <a:bodyPr wrap="square" rtlCol="0">
-            <a:spAutoFit/>
-          </a:bodyPr>
-          <a:lstStyle/>
-          <a:p>
-            <a:pPr marL="285750" indent="-285750">
-              <a:buFontTx/>
-              <a:buChar char="-"/>
-            </a:pPr>
-            <a:r>
-              <a:rPr lang="fr-FR" dirty="0"/>
-              <a:t>Démarrer l'acquisition</a:t>
-            </a:r>
-          </a:p>
-        </p:txBody>
-      </p:sp>
-      <p:sp>
-        <p:nvSpPr>
-          <p:cNvPr id="5" name="ZoneTexte 4">
-            <a:extLst>
-              <a:ext uri="{FF2B5EF4-FFF2-40B4-BE49-F238E27FC236}">
-                <a16:creationId xmlns:a16="http://schemas.microsoft.com/office/drawing/2014/main" id="{542281A4-00AF-4DEE-83C9-52B2A9F880D0}"/>
-              </a:ext>
-            </a:extLst>
-          </p:cNvPr>
-          <p:cNvSpPr txBox="1"/>
-          <p:nvPr/>
-        </p:nvSpPr>
-        <p:spPr>
-          <a:xfrm>
-            <a:off x="3041778" y="3264661"/>
-            <a:ext cx="3250607" cy="646331"/>
-          </a:xfrm>
-          <a:prstGeom prst="rect">
-            <a:avLst/>
-          </a:prstGeom>
-          <a:noFill/>
-        </p:spPr>
-        <p:txBody>
-          <a:bodyPr wrap="square" rtlCol="0">
-            <a:spAutoFit/>
-          </a:bodyPr>
-          <a:lstStyle/>
-          <a:p>
-            <a:r>
-              <a:rPr lang="fr-FR" dirty="0"/>
-              <a:t>-    Mesurer la direction du vent</a:t>
-            </a:r>
-          </a:p>
-          <a:p>
-            <a:endParaRPr lang="fr-FR" dirty="0"/>
-          </a:p>
-        </p:txBody>
-      </p:sp>
-      <p:sp>
-        <p:nvSpPr>
-          <p:cNvPr id="6" name="ZoneTexte 5">
-            <a:extLst>
-              <a:ext uri="{FF2B5EF4-FFF2-40B4-BE49-F238E27FC236}">
-                <a16:creationId xmlns:a16="http://schemas.microsoft.com/office/drawing/2014/main" id="{7850E2D6-F8C4-40F5-98CF-62074DCA6F4B}"/>
-              </a:ext>
-            </a:extLst>
-          </p:cNvPr>
-          <p:cNvSpPr txBox="1"/>
-          <p:nvPr/>
-        </p:nvSpPr>
-        <p:spPr>
-          <a:xfrm>
-            <a:off x="3041778" y="3854470"/>
-            <a:ext cx="2861108" cy="646331"/>
-          </a:xfrm>
-          <a:prstGeom prst="rect">
-            <a:avLst/>
-          </a:prstGeom>
-          <a:noFill/>
-        </p:spPr>
-        <p:txBody>
-          <a:bodyPr wrap="square" rtlCol="0">
-            <a:spAutoFit/>
-          </a:bodyPr>
-          <a:lstStyle/>
-          <a:p>
-            <a:r>
-              <a:rPr lang="fr-FR" dirty="0"/>
-              <a:t>-    Mesurer la force du vent</a:t>
-            </a:r>
-          </a:p>
-          <a:p>
-            <a:endParaRPr lang="fr-FR" dirty="0"/>
-          </a:p>
-        </p:txBody>
-      </p:sp>
-      <p:sp>
-        <p:nvSpPr>
-          <p:cNvPr id="7" name="ZoneTexte 6">
-            <a:extLst>
-              <a:ext uri="{FF2B5EF4-FFF2-40B4-BE49-F238E27FC236}">
-                <a16:creationId xmlns:a16="http://schemas.microsoft.com/office/drawing/2014/main" id="{8BECE744-1AC3-40E4-AAE7-4BE4A8A4A5D5}"/>
-              </a:ext>
-            </a:extLst>
-          </p:cNvPr>
-          <p:cNvSpPr txBox="1"/>
-          <p:nvPr/>
-        </p:nvSpPr>
-        <p:spPr>
-          <a:xfrm>
-            <a:off x="3041778" y="4429503"/>
-            <a:ext cx="3514988" cy="646331"/>
-          </a:xfrm>
-          <a:prstGeom prst="rect">
-            <a:avLst/>
-          </a:prstGeom>
-          <a:noFill/>
-        </p:spPr>
-        <p:txBody>
-          <a:bodyPr wrap="square" rtlCol="0">
-            <a:spAutoFit/>
-          </a:bodyPr>
-          <a:lstStyle/>
-          <a:p>
-            <a:r>
-              <a:rPr lang="fr-FR" dirty="0"/>
-              <a:t>-    Définir la période des mesures</a:t>
-            </a:r>
-          </a:p>
-          <a:p>
-            <a:endParaRPr lang="fr-FR" dirty="0"/>
-          </a:p>
-        </p:txBody>
-      </p:sp>
-      <p:sp>
-        <p:nvSpPr>
-          <p:cNvPr id="11" name="ZoneTexte 10">
-            <a:extLst>
-              <a:ext uri="{FF2B5EF4-FFF2-40B4-BE49-F238E27FC236}">
-                <a16:creationId xmlns:a16="http://schemas.microsoft.com/office/drawing/2014/main" id="{307C9646-6910-4ED9-89DA-0D27774FC650}"/>
-              </a:ext>
-            </a:extLst>
-          </p:cNvPr>
-          <p:cNvSpPr txBox="1"/>
-          <p:nvPr/>
-        </p:nvSpPr>
-        <p:spPr>
-          <a:xfrm>
-            <a:off x="3041778" y="4752669"/>
-            <a:ext cx="3677244" cy="923330"/>
-          </a:xfrm>
-          <a:prstGeom prst="rect">
-            <a:avLst/>
-          </a:prstGeom>
-          <a:noFill/>
-        </p:spPr>
-        <p:txBody>
-          <a:bodyPr wrap="square" rtlCol="0">
-            <a:spAutoFit/>
-          </a:bodyPr>
-          <a:lstStyle/>
-          <a:p>
-            <a:endParaRPr lang="fr-FR" dirty="0"/>
-          </a:p>
-          <a:p>
-            <a:r>
-              <a:rPr lang="fr-FR" dirty="0"/>
-              <a:t>-     Envoyer les mesures dans la BDD</a:t>
-            </a:r>
-          </a:p>
-          <a:p>
-            <a:endParaRPr lang="fr-FR" dirty="0"/>
-          </a:p>
-        </p:txBody>
-      </p:sp>
-      <p:sp>
-        <p:nvSpPr>
-          <p:cNvPr id="12" name="ZoneTexte 11">
-            <a:extLst>
-              <a:ext uri="{FF2B5EF4-FFF2-40B4-BE49-F238E27FC236}">
-                <a16:creationId xmlns:a16="http://schemas.microsoft.com/office/drawing/2014/main" id="{A055705F-59A8-43B2-B070-22F171CD9E9B}"/>
-              </a:ext>
-            </a:extLst>
-          </p:cNvPr>
-          <p:cNvSpPr txBox="1"/>
-          <p:nvPr/>
-        </p:nvSpPr>
-        <p:spPr>
-          <a:xfrm>
-            <a:off x="3041778" y="1789374"/>
-            <a:ext cx="7373922" cy="923330"/>
-          </a:xfrm>
-          <a:prstGeom prst="rect">
-            <a:avLst/>
-          </a:prstGeom>
-          <a:noFill/>
-        </p:spPr>
-        <p:txBody>
-          <a:bodyPr wrap="square" rtlCol="0">
-            <a:spAutoFit/>
-          </a:bodyPr>
-          <a:lstStyle/>
-          <a:p>
-            <a:r>
-              <a:rPr lang="fr-FR" dirty="0"/>
-              <a:t>Un système (Raspberry) récupèrera automatiquement les différentes mesures énoncées ci-dessus.</a:t>
-            </a:r>
-          </a:p>
-          <a:p>
-            <a:endParaRPr lang="fr-FR" dirty="0"/>
-          </a:p>
-        </p:txBody>
-      </p:sp>
-      <p:pic>
-        <p:nvPicPr>
-          <p:cNvPr id="14" name="Image 13">
-            <a:extLst>
-              <a:ext uri="{FF2B5EF4-FFF2-40B4-BE49-F238E27FC236}">
-                <a16:creationId xmlns:a16="http://schemas.microsoft.com/office/drawing/2014/main" id="{91A48376-3A1D-42DD-A47C-440EA5F074DD}"/>
-              </a:ext>
-            </a:extLst>
-          </p:cNvPr>
-          <p:cNvPicPr>
-            <a:picLocks noChangeAspect="1"/>
-          </p:cNvPicPr>
-          <p:nvPr/>
-        </p:nvPicPr>
-        <p:blipFill>
-          <a:blip r:embed="rId8">
-            <a:extLst>
-              <a:ext uri="{28A0092B-C50C-407E-A947-70E740481C1C}">
-                <a14:useLocalDpi xmlns:a14="http://schemas.microsoft.com/office/drawing/2010/main" val="0"/>
-              </a:ext>
-            </a:extLst>
-          </a:blip>
-          <a:stretch>
-            <a:fillRect/>
-          </a:stretch>
-        </p:blipFill>
-        <p:spPr>
-          <a:xfrm>
-            <a:off x="6828818" y="3192584"/>
-            <a:ext cx="650296" cy="650296"/>
-          </a:xfrm>
-          <a:prstGeom prst="rect">
-            <a:avLst/>
-          </a:prstGeom>
-        </p:spPr>
-      </p:pic>
     </p:spTree>
     <p:extLst>
       <p:ext uri="{BB962C8B-B14F-4D97-AF65-F5344CB8AC3E}">
@@ -15357,874 +14837,18 @@
   <p:clrMapOvr>
     <a:masterClrMapping/>
   </p:clrMapOvr>
-  <mc:AlternateContent xmlns:mc="http://schemas.openxmlformats.org/markup-compatibility/2006" xmlns:p14="http://schemas.microsoft.com/office/powerpoint/2010/main">
-    <mc:Choice Requires="p14">
+  <mc:AlternateContent xmlns:mc="http://schemas.openxmlformats.org/markup-compatibility/2006">
+    <mc:Choice xmlns:p14="http://schemas.microsoft.com/office/powerpoint/2010/main" Requires="p14">
       <p:transition spd="slow">
         <p14:reveal/>
       </p:transition>
     </mc:Choice>
-    <mc:Fallback xmlns="">
+    <mc:Fallback>
       <p:transition spd="slow">
         <p:fade/>
       </p:transition>
     </mc:Fallback>
   </mc:AlternateContent>
-  <p:timing>
-    <p:tnLst>
-      <p:par>
-        <p:cTn id="1" dur="indefinite" restart="never" nodeType="tmRoot">
-          <p:childTnLst>
-            <p:seq concurrent="1" nextAc="seek">
-              <p:cTn id="2" dur="indefinite" nodeType="mainSeq">
-                <p:childTnLst>
-                  <p:par>
-                    <p:cTn id="3" fill="hold">
-                      <p:stCondLst>
-                        <p:cond delay="indefinite"/>
-                      </p:stCondLst>
-                      <p:childTnLst>
-                        <p:par>
-                          <p:cTn id="4" fill="hold">
-                            <p:stCondLst>
-                              <p:cond delay="0"/>
-                            </p:stCondLst>
-                            <p:childTnLst>
-                              <p:par>
-                                <p:cTn id="5" presetID="42" presetClass="entr" presetSubtype="0" fill="hold" nodeType="clickEffect">
-                                  <p:stCondLst>
-                                    <p:cond delay="0"/>
-                                  </p:stCondLst>
-                                  <p:childTnLst>
-                                    <p:set>
-                                      <p:cBhvr>
-                                        <p:cTn id="6" dur="1" fill="hold">
-                                          <p:stCondLst>
-                                            <p:cond delay="0"/>
-                                          </p:stCondLst>
-                                        </p:cTn>
-                                        <p:tgtEl>
-                                          <p:spTgt spid="29"/>
-                                        </p:tgtEl>
-                                        <p:attrNameLst>
-                                          <p:attrName>style.visibility</p:attrName>
-                                        </p:attrNameLst>
-                                      </p:cBhvr>
-                                      <p:to>
-                                        <p:strVal val="visible"/>
-                                      </p:to>
-                                    </p:set>
-                                    <p:animEffect transition="in" filter="fade">
-                                      <p:cBhvr>
-                                        <p:cTn id="7" dur="1000"/>
-                                        <p:tgtEl>
-                                          <p:spTgt spid="29"/>
-                                        </p:tgtEl>
-                                      </p:cBhvr>
-                                    </p:animEffect>
-                                    <p:anim calcmode="lin" valueType="num">
-                                      <p:cBhvr>
-                                        <p:cTn id="8" dur="1000" fill="hold"/>
-                                        <p:tgtEl>
-                                          <p:spTgt spid="29"/>
-                                        </p:tgtEl>
-                                        <p:attrNameLst>
-                                          <p:attrName>ppt_x</p:attrName>
-                                        </p:attrNameLst>
-                                      </p:cBhvr>
-                                      <p:tavLst>
-                                        <p:tav tm="0">
-                                          <p:val>
-                                            <p:strVal val="#ppt_x"/>
-                                          </p:val>
-                                        </p:tav>
-                                        <p:tav tm="100000">
-                                          <p:val>
-                                            <p:strVal val="#ppt_x"/>
-                                          </p:val>
-                                        </p:tav>
-                                      </p:tavLst>
-                                    </p:anim>
-                                    <p:anim calcmode="lin" valueType="num">
-                                      <p:cBhvr>
-                                        <p:cTn id="9" dur="1000" fill="hold"/>
-                                        <p:tgtEl>
-                                          <p:spTgt spid="29"/>
-                                        </p:tgtEl>
-                                        <p:attrNameLst>
-                                          <p:attrName>ppt_y</p:attrName>
-                                        </p:attrNameLst>
-                                      </p:cBhvr>
-                                      <p:tavLst>
-                                        <p:tav tm="0">
-                                          <p:val>
-                                            <p:strVal val="#ppt_y+.1"/>
-                                          </p:val>
-                                        </p:tav>
-                                        <p:tav tm="100000">
-                                          <p:val>
-                                            <p:strVal val="#ppt_y"/>
-                                          </p:val>
-                                        </p:tav>
-                                      </p:tavLst>
-                                    </p:anim>
-                                  </p:childTnLst>
-                                </p:cTn>
-                              </p:par>
-                              <p:par>
-                                <p:cTn id="10" presetID="42" presetClass="entr" presetSubtype="0" fill="hold" grpId="0" nodeType="withEffect">
-                                  <p:stCondLst>
-                                    <p:cond delay="0"/>
-                                  </p:stCondLst>
-                                  <p:childTnLst>
-                                    <p:set>
-                                      <p:cBhvr>
-                                        <p:cTn id="11" dur="1" fill="hold">
-                                          <p:stCondLst>
-                                            <p:cond delay="0"/>
-                                          </p:stCondLst>
-                                        </p:cTn>
-                                        <p:tgtEl>
-                                          <p:spTgt spid="2"/>
-                                        </p:tgtEl>
-                                        <p:attrNameLst>
-                                          <p:attrName>style.visibility</p:attrName>
-                                        </p:attrNameLst>
-                                      </p:cBhvr>
-                                      <p:to>
-                                        <p:strVal val="visible"/>
-                                      </p:to>
-                                    </p:set>
-                                    <p:animEffect transition="in" filter="fade">
-                                      <p:cBhvr>
-                                        <p:cTn id="12" dur="1000"/>
-                                        <p:tgtEl>
-                                          <p:spTgt spid="2"/>
-                                        </p:tgtEl>
-                                      </p:cBhvr>
-                                    </p:animEffect>
-                                    <p:anim calcmode="lin" valueType="num">
-                                      <p:cBhvr>
-                                        <p:cTn id="13" dur="1000" fill="hold"/>
-                                        <p:tgtEl>
-                                          <p:spTgt spid="2"/>
-                                        </p:tgtEl>
-                                        <p:attrNameLst>
-                                          <p:attrName>ppt_x</p:attrName>
-                                        </p:attrNameLst>
-                                      </p:cBhvr>
-                                      <p:tavLst>
-                                        <p:tav tm="0">
-                                          <p:val>
-                                            <p:strVal val="#ppt_x"/>
-                                          </p:val>
-                                        </p:tav>
-                                        <p:tav tm="100000">
-                                          <p:val>
-                                            <p:strVal val="#ppt_x"/>
-                                          </p:val>
-                                        </p:tav>
-                                      </p:tavLst>
-                                    </p:anim>
-                                    <p:anim calcmode="lin" valueType="num">
-                                      <p:cBhvr>
-                                        <p:cTn id="14" dur="1000" fill="hold"/>
-                                        <p:tgtEl>
-                                          <p:spTgt spid="2"/>
-                                        </p:tgtEl>
-                                        <p:attrNameLst>
-                                          <p:attrName>ppt_y</p:attrName>
-                                        </p:attrNameLst>
-                                      </p:cBhvr>
-                                      <p:tavLst>
-                                        <p:tav tm="0">
-                                          <p:val>
-                                            <p:strVal val="#ppt_y+.1"/>
-                                          </p:val>
-                                        </p:tav>
-                                        <p:tav tm="100000">
-                                          <p:val>
-                                            <p:strVal val="#ppt_y"/>
-                                          </p:val>
-                                        </p:tav>
-                                      </p:tavLst>
-                                    </p:anim>
-                                  </p:childTnLst>
-                                </p:cTn>
-                              </p:par>
-                            </p:childTnLst>
-                          </p:cTn>
-                        </p:par>
-                      </p:childTnLst>
-                    </p:cTn>
-                  </p:par>
-                  <p:par>
-                    <p:cTn id="15" fill="hold">
-                      <p:stCondLst>
-                        <p:cond delay="indefinite"/>
-                      </p:stCondLst>
-                      <p:childTnLst>
-                        <p:par>
-                          <p:cTn id="16" fill="hold">
-                            <p:stCondLst>
-                              <p:cond delay="0"/>
-                            </p:stCondLst>
-                            <p:childTnLst>
-                              <p:par>
-                                <p:cTn id="17" presetID="42" presetClass="entr" presetSubtype="0" fill="hold" grpId="0" nodeType="clickEffect">
-                                  <p:stCondLst>
-                                    <p:cond delay="0"/>
-                                  </p:stCondLst>
-                                  <p:childTnLst>
-                                    <p:set>
-                                      <p:cBhvr>
-                                        <p:cTn id="18" dur="1" fill="hold">
-                                          <p:stCondLst>
-                                            <p:cond delay="0"/>
-                                          </p:stCondLst>
-                                        </p:cTn>
-                                        <p:tgtEl>
-                                          <p:spTgt spid="5"/>
-                                        </p:tgtEl>
-                                        <p:attrNameLst>
-                                          <p:attrName>style.visibility</p:attrName>
-                                        </p:attrNameLst>
-                                      </p:cBhvr>
-                                      <p:to>
-                                        <p:strVal val="visible"/>
-                                      </p:to>
-                                    </p:set>
-                                    <p:animEffect transition="in" filter="fade">
-                                      <p:cBhvr>
-                                        <p:cTn id="19" dur="1000"/>
-                                        <p:tgtEl>
-                                          <p:spTgt spid="5"/>
-                                        </p:tgtEl>
-                                      </p:cBhvr>
-                                    </p:animEffect>
-                                    <p:anim calcmode="lin" valueType="num">
-                                      <p:cBhvr>
-                                        <p:cTn id="20" dur="1000" fill="hold"/>
-                                        <p:tgtEl>
-                                          <p:spTgt spid="5"/>
-                                        </p:tgtEl>
-                                        <p:attrNameLst>
-                                          <p:attrName>ppt_x</p:attrName>
-                                        </p:attrNameLst>
-                                      </p:cBhvr>
-                                      <p:tavLst>
-                                        <p:tav tm="0">
-                                          <p:val>
-                                            <p:strVal val="#ppt_x"/>
-                                          </p:val>
-                                        </p:tav>
-                                        <p:tav tm="100000">
-                                          <p:val>
-                                            <p:strVal val="#ppt_x"/>
-                                          </p:val>
-                                        </p:tav>
-                                      </p:tavLst>
-                                    </p:anim>
-                                    <p:anim calcmode="lin" valueType="num">
-                                      <p:cBhvr>
-                                        <p:cTn id="21" dur="1000" fill="hold"/>
-                                        <p:tgtEl>
-                                          <p:spTgt spid="5"/>
-                                        </p:tgtEl>
-                                        <p:attrNameLst>
-                                          <p:attrName>ppt_y</p:attrName>
-                                        </p:attrNameLst>
-                                      </p:cBhvr>
-                                      <p:tavLst>
-                                        <p:tav tm="0">
-                                          <p:val>
-                                            <p:strVal val="#ppt_y+.1"/>
-                                          </p:val>
-                                        </p:tav>
-                                        <p:tav tm="100000">
-                                          <p:val>
-                                            <p:strVal val="#ppt_y"/>
-                                          </p:val>
-                                        </p:tav>
-                                      </p:tavLst>
-                                    </p:anim>
-                                  </p:childTnLst>
-                                </p:cTn>
-                              </p:par>
-                            </p:childTnLst>
-                          </p:cTn>
-                        </p:par>
-                      </p:childTnLst>
-                    </p:cTn>
-                  </p:par>
-                  <p:par>
-                    <p:cTn id="22" fill="hold">
-                      <p:stCondLst>
-                        <p:cond delay="indefinite"/>
-                      </p:stCondLst>
-                      <p:childTnLst>
-                        <p:par>
-                          <p:cTn id="23" fill="hold">
-                            <p:stCondLst>
-                              <p:cond delay="0"/>
-                            </p:stCondLst>
-                            <p:childTnLst>
-                              <p:par>
-                                <p:cTn id="24" presetID="42" presetClass="entr" presetSubtype="0" fill="hold" grpId="0" nodeType="clickEffect">
-                                  <p:stCondLst>
-                                    <p:cond delay="0"/>
-                                  </p:stCondLst>
-                                  <p:childTnLst>
-                                    <p:set>
-                                      <p:cBhvr>
-                                        <p:cTn id="25" dur="1" fill="hold">
-                                          <p:stCondLst>
-                                            <p:cond delay="0"/>
-                                          </p:stCondLst>
-                                        </p:cTn>
-                                        <p:tgtEl>
-                                          <p:spTgt spid="6"/>
-                                        </p:tgtEl>
-                                        <p:attrNameLst>
-                                          <p:attrName>style.visibility</p:attrName>
-                                        </p:attrNameLst>
-                                      </p:cBhvr>
-                                      <p:to>
-                                        <p:strVal val="visible"/>
-                                      </p:to>
-                                    </p:set>
-                                    <p:animEffect transition="in" filter="fade">
-                                      <p:cBhvr>
-                                        <p:cTn id="26" dur="1000"/>
-                                        <p:tgtEl>
-                                          <p:spTgt spid="6"/>
-                                        </p:tgtEl>
-                                      </p:cBhvr>
-                                    </p:animEffect>
-                                    <p:anim calcmode="lin" valueType="num">
-                                      <p:cBhvr>
-                                        <p:cTn id="27" dur="1000" fill="hold"/>
-                                        <p:tgtEl>
-                                          <p:spTgt spid="6"/>
-                                        </p:tgtEl>
-                                        <p:attrNameLst>
-                                          <p:attrName>ppt_x</p:attrName>
-                                        </p:attrNameLst>
-                                      </p:cBhvr>
-                                      <p:tavLst>
-                                        <p:tav tm="0">
-                                          <p:val>
-                                            <p:strVal val="#ppt_x"/>
-                                          </p:val>
-                                        </p:tav>
-                                        <p:tav tm="100000">
-                                          <p:val>
-                                            <p:strVal val="#ppt_x"/>
-                                          </p:val>
-                                        </p:tav>
-                                      </p:tavLst>
-                                    </p:anim>
-                                    <p:anim calcmode="lin" valueType="num">
-                                      <p:cBhvr>
-                                        <p:cTn id="28" dur="1000" fill="hold"/>
-                                        <p:tgtEl>
-                                          <p:spTgt spid="6"/>
-                                        </p:tgtEl>
-                                        <p:attrNameLst>
-                                          <p:attrName>ppt_y</p:attrName>
-                                        </p:attrNameLst>
-                                      </p:cBhvr>
-                                      <p:tavLst>
-                                        <p:tav tm="0">
-                                          <p:val>
-                                            <p:strVal val="#ppt_y+.1"/>
-                                          </p:val>
-                                        </p:tav>
-                                        <p:tav tm="100000">
-                                          <p:val>
-                                            <p:strVal val="#ppt_y"/>
-                                          </p:val>
-                                        </p:tav>
-                                      </p:tavLst>
-                                    </p:anim>
-                                  </p:childTnLst>
-                                </p:cTn>
-                              </p:par>
-                              <p:par>
-                                <p:cTn id="29" presetID="42" presetClass="entr" presetSubtype="0" fill="hold" nodeType="withEffect">
-                                  <p:stCondLst>
-                                    <p:cond delay="0"/>
-                                  </p:stCondLst>
-                                  <p:childTnLst>
-                                    <p:set>
-                                      <p:cBhvr>
-                                        <p:cTn id="30" dur="1" fill="hold">
-                                          <p:stCondLst>
-                                            <p:cond delay="0"/>
-                                          </p:stCondLst>
-                                        </p:cTn>
-                                        <p:tgtEl>
-                                          <p:spTgt spid="25"/>
-                                        </p:tgtEl>
-                                        <p:attrNameLst>
-                                          <p:attrName>style.visibility</p:attrName>
-                                        </p:attrNameLst>
-                                      </p:cBhvr>
-                                      <p:to>
-                                        <p:strVal val="visible"/>
-                                      </p:to>
-                                    </p:set>
-                                    <p:animEffect transition="in" filter="fade">
-                                      <p:cBhvr>
-                                        <p:cTn id="31" dur="1000"/>
-                                        <p:tgtEl>
-                                          <p:spTgt spid="25"/>
-                                        </p:tgtEl>
-                                      </p:cBhvr>
-                                    </p:animEffect>
-                                    <p:anim calcmode="lin" valueType="num">
-                                      <p:cBhvr>
-                                        <p:cTn id="32" dur="1000" fill="hold"/>
-                                        <p:tgtEl>
-                                          <p:spTgt spid="25"/>
-                                        </p:tgtEl>
-                                        <p:attrNameLst>
-                                          <p:attrName>ppt_x</p:attrName>
-                                        </p:attrNameLst>
-                                      </p:cBhvr>
-                                      <p:tavLst>
-                                        <p:tav tm="0">
-                                          <p:val>
-                                            <p:strVal val="#ppt_x"/>
-                                          </p:val>
-                                        </p:tav>
-                                        <p:tav tm="100000">
-                                          <p:val>
-                                            <p:strVal val="#ppt_x"/>
-                                          </p:val>
-                                        </p:tav>
-                                      </p:tavLst>
-                                    </p:anim>
-                                    <p:anim calcmode="lin" valueType="num">
-                                      <p:cBhvr>
-                                        <p:cTn id="33" dur="1000" fill="hold"/>
-                                        <p:tgtEl>
-                                          <p:spTgt spid="25"/>
-                                        </p:tgtEl>
-                                        <p:attrNameLst>
-                                          <p:attrName>ppt_y</p:attrName>
-                                        </p:attrNameLst>
-                                      </p:cBhvr>
-                                      <p:tavLst>
-                                        <p:tav tm="0">
-                                          <p:val>
-                                            <p:strVal val="#ppt_y+.1"/>
-                                          </p:val>
-                                        </p:tav>
-                                        <p:tav tm="100000">
-                                          <p:val>
-                                            <p:strVal val="#ppt_y"/>
-                                          </p:val>
-                                        </p:tav>
-                                      </p:tavLst>
-                                    </p:anim>
-                                  </p:childTnLst>
-                                </p:cTn>
-                              </p:par>
-                            </p:childTnLst>
-                          </p:cTn>
-                        </p:par>
-                      </p:childTnLst>
-                    </p:cTn>
-                  </p:par>
-                  <p:par>
-                    <p:cTn id="34" fill="hold">
-                      <p:stCondLst>
-                        <p:cond delay="indefinite"/>
-                      </p:stCondLst>
-                      <p:childTnLst>
-                        <p:par>
-                          <p:cTn id="35" fill="hold">
-                            <p:stCondLst>
-                              <p:cond delay="0"/>
-                            </p:stCondLst>
-                            <p:childTnLst>
-                              <p:par>
-                                <p:cTn id="36" presetID="42" presetClass="entr" presetSubtype="0" fill="hold" grpId="0" nodeType="clickEffect">
-                                  <p:stCondLst>
-                                    <p:cond delay="0"/>
-                                  </p:stCondLst>
-                                  <p:childTnLst>
-                                    <p:set>
-                                      <p:cBhvr>
-                                        <p:cTn id="37" dur="1" fill="hold">
-                                          <p:stCondLst>
-                                            <p:cond delay="0"/>
-                                          </p:stCondLst>
-                                        </p:cTn>
-                                        <p:tgtEl>
-                                          <p:spTgt spid="7"/>
-                                        </p:tgtEl>
-                                        <p:attrNameLst>
-                                          <p:attrName>style.visibility</p:attrName>
-                                        </p:attrNameLst>
-                                      </p:cBhvr>
-                                      <p:to>
-                                        <p:strVal val="visible"/>
-                                      </p:to>
-                                    </p:set>
-                                    <p:animEffect transition="in" filter="fade">
-                                      <p:cBhvr>
-                                        <p:cTn id="38" dur="1000"/>
-                                        <p:tgtEl>
-                                          <p:spTgt spid="7"/>
-                                        </p:tgtEl>
-                                      </p:cBhvr>
-                                    </p:animEffect>
-                                    <p:anim calcmode="lin" valueType="num">
-                                      <p:cBhvr>
-                                        <p:cTn id="39" dur="1000" fill="hold"/>
-                                        <p:tgtEl>
-                                          <p:spTgt spid="7"/>
-                                        </p:tgtEl>
-                                        <p:attrNameLst>
-                                          <p:attrName>ppt_x</p:attrName>
-                                        </p:attrNameLst>
-                                      </p:cBhvr>
-                                      <p:tavLst>
-                                        <p:tav tm="0">
-                                          <p:val>
-                                            <p:strVal val="#ppt_x"/>
-                                          </p:val>
-                                        </p:tav>
-                                        <p:tav tm="100000">
-                                          <p:val>
-                                            <p:strVal val="#ppt_x"/>
-                                          </p:val>
-                                        </p:tav>
-                                      </p:tavLst>
-                                    </p:anim>
-                                    <p:anim calcmode="lin" valueType="num">
-                                      <p:cBhvr>
-                                        <p:cTn id="40" dur="1000" fill="hold"/>
-                                        <p:tgtEl>
-                                          <p:spTgt spid="7"/>
-                                        </p:tgtEl>
-                                        <p:attrNameLst>
-                                          <p:attrName>ppt_y</p:attrName>
-                                        </p:attrNameLst>
-                                      </p:cBhvr>
-                                      <p:tavLst>
-                                        <p:tav tm="0">
-                                          <p:val>
-                                            <p:strVal val="#ppt_y+.1"/>
-                                          </p:val>
-                                        </p:tav>
-                                        <p:tav tm="100000">
-                                          <p:val>
-                                            <p:strVal val="#ppt_y"/>
-                                          </p:val>
-                                        </p:tav>
-                                      </p:tavLst>
-                                    </p:anim>
-                                  </p:childTnLst>
-                                </p:cTn>
-                              </p:par>
-                              <p:par>
-                                <p:cTn id="41" presetID="42" presetClass="entr" presetSubtype="0" fill="hold" nodeType="withEffect">
-                                  <p:stCondLst>
-                                    <p:cond delay="0"/>
-                                  </p:stCondLst>
-                                  <p:childTnLst>
-                                    <p:set>
-                                      <p:cBhvr>
-                                        <p:cTn id="42" dur="1" fill="hold">
-                                          <p:stCondLst>
-                                            <p:cond delay="0"/>
-                                          </p:stCondLst>
-                                        </p:cTn>
-                                        <p:tgtEl>
-                                          <p:spTgt spid="4"/>
-                                        </p:tgtEl>
-                                        <p:attrNameLst>
-                                          <p:attrName>style.visibility</p:attrName>
-                                        </p:attrNameLst>
-                                      </p:cBhvr>
-                                      <p:to>
-                                        <p:strVal val="visible"/>
-                                      </p:to>
-                                    </p:set>
-                                    <p:animEffect transition="in" filter="fade">
-                                      <p:cBhvr>
-                                        <p:cTn id="43" dur="1000"/>
-                                        <p:tgtEl>
-                                          <p:spTgt spid="4"/>
-                                        </p:tgtEl>
-                                      </p:cBhvr>
-                                    </p:animEffect>
-                                    <p:anim calcmode="lin" valueType="num">
-                                      <p:cBhvr>
-                                        <p:cTn id="44" dur="1000" fill="hold"/>
-                                        <p:tgtEl>
-                                          <p:spTgt spid="4"/>
-                                        </p:tgtEl>
-                                        <p:attrNameLst>
-                                          <p:attrName>ppt_x</p:attrName>
-                                        </p:attrNameLst>
-                                      </p:cBhvr>
-                                      <p:tavLst>
-                                        <p:tav tm="0">
-                                          <p:val>
-                                            <p:strVal val="#ppt_x"/>
-                                          </p:val>
-                                        </p:tav>
-                                        <p:tav tm="100000">
-                                          <p:val>
-                                            <p:strVal val="#ppt_x"/>
-                                          </p:val>
-                                        </p:tav>
-                                      </p:tavLst>
-                                    </p:anim>
-                                    <p:anim calcmode="lin" valueType="num">
-                                      <p:cBhvr>
-                                        <p:cTn id="45" dur="1000" fill="hold"/>
-                                        <p:tgtEl>
-                                          <p:spTgt spid="4"/>
-                                        </p:tgtEl>
-                                        <p:attrNameLst>
-                                          <p:attrName>ppt_y</p:attrName>
-                                        </p:attrNameLst>
-                                      </p:cBhvr>
-                                      <p:tavLst>
-                                        <p:tav tm="0">
-                                          <p:val>
-                                            <p:strVal val="#ppt_y+.1"/>
-                                          </p:val>
-                                        </p:tav>
-                                        <p:tav tm="100000">
-                                          <p:val>
-                                            <p:strVal val="#ppt_y"/>
-                                          </p:val>
-                                        </p:tav>
-                                      </p:tavLst>
-                                    </p:anim>
-                                  </p:childTnLst>
-                                </p:cTn>
-                              </p:par>
-                            </p:childTnLst>
-                          </p:cTn>
-                        </p:par>
-                      </p:childTnLst>
-                    </p:cTn>
-                  </p:par>
-                  <p:par>
-                    <p:cTn id="46" fill="hold">
-                      <p:stCondLst>
-                        <p:cond delay="indefinite"/>
-                      </p:stCondLst>
-                      <p:childTnLst>
-                        <p:par>
-                          <p:cTn id="47" fill="hold">
-                            <p:stCondLst>
-                              <p:cond delay="0"/>
-                            </p:stCondLst>
-                            <p:childTnLst>
-                              <p:par>
-                                <p:cTn id="48" presetID="42" presetClass="entr" presetSubtype="0" fill="hold" grpId="0" nodeType="clickEffect">
-                                  <p:stCondLst>
-                                    <p:cond delay="0"/>
-                                  </p:stCondLst>
-                                  <p:childTnLst>
-                                    <p:set>
-                                      <p:cBhvr>
-                                        <p:cTn id="49" dur="1" fill="hold">
-                                          <p:stCondLst>
-                                            <p:cond delay="0"/>
-                                          </p:stCondLst>
-                                        </p:cTn>
-                                        <p:tgtEl>
-                                          <p:spTgt spid="11"/>
-                                        </p:tgtEl>
-                                        <p:attrNameLst>
-                                          <p:attrName>style.visibility</p:attrName>
-                                        </p:attrNameLst>
-                                      </p:cBhvr>
-                                      <p:to>
-                                        <p:strVal val="visible"/>
-                                      </p:to>
-                                    </p:set>
-                                    <p:animEffect transition="in" filter="fade">
-                                      <p:cBhvr>
-                                        <p:cTn id="50" dur="1000"/>
-                                        <p:tgtEl>
-                                          <p:spTgt spid="11"/>
-                                        </p:tgtEl>
-                                      </p:cBhvr>
-                                    </p:animEffect>
-                                    <p:anim calcmode="lin" valueType="num">
-                                      <p:cBhvr>
-                                        <p:cTn id="51" dur="1000" fill="hold"/>
-                                        <p:tgtEl>
-                                          <p:spTgt spid="11"/>
-                                        </p:tgtEl>
-                                        <p:attrNameLst>
-                                          <p:attrName>ppt_x</p:attrName>
-                                        </p:attrNameLst>
-                                      </p:cBhvr>
-                                      <p:tavLst>
-                                        <p:tav tm="0">
-                                          <p:val>
-                                            <p:strVal val="#ppt_x"/>
-                                          </p:val>
-                                        </p:tav>
-                                        <p:tav tm="100000">
-                                          <p:val>
-                                            <p:strVal val="#ppt_x"/>
-                                          </p:val>
-                                        </p:tav>
-                                      </p:tavLst>
-                                    </p:anim>
-                                    <p:anim calcmode="lin" valueType="num">
-                                      <p:cBhvr>
-                                        <p:cTn id="52" dur="1000" fill="hold"/>
-                                        <p:tgtEl>
-                                          <p:spTgt spid="11"/>
-                                        </p:tgtEl>
-                                        <p:attrNameLst>
-                                          <p:attrName>ppt_y</p:attrName>
-                                        </p:attrNameLst>
-                                      </p:cBhvr>
-                                      <p:tavLst>
-                                        <p:tav tm="0">
-                                          <p:val>
-                                            <p:strVal val="#ppt_y+.1"/>
-                                          </p:val>
-                                        </p:tav>
-                                        <p:tav tm="100000">
-                                          <p:val>
-                                            <p:strVal val="#ppt_y"/>
-                                          </p:val>
-                                        </p:tav>
-                                      </p:tavLst>
-                                    </p:anim>
-                                  </p:childTnLst>
-                                </p:cTn>
-                              </p:par>
-                              <p:par>
-                                <p:cTn id="53" presetID="42" presetClass="entr" presetSubtype="0" fill="hold" nodeType="withEffect">
-                                  <p:stCondLst>
-                                    <p:cond delay="0"/>
-                                  </p:stCondLst>
-                                  <p:childTnLst>
-                                    <p:set>
-                                      <p:cBhvr>
-                                        <p:cTn id="54" dur="1" fill="hold">
-                                          <p:stCondLst>
-                                            <p:cond delay="0"/>
-                                          </p:stCondLst>
-                                        </p:cTn>
-                                        <p:tgtEl>
-                                          <p:spTgt spid="35"/>
-                                        </p:tgtEl>
-                                        <p:attrNameLst>
-                                          <p:attrName>style.visibility</p:attrName>
-                                        </p:attrNameLst>
-                                      </p:cBhvr>
-                                      <p:to>
-                                        <p:strVal val="visible"/>
-                                      </p:to>
-                                    </p:set>
-                                    <p:animEffect transition="in" filter="fade">
-                                      <p:cBhvr>
-                                        <p:cTn id="55" dur="1000"/>
-                                        <p:tgtEl>
-                                          <p:spTgt spid="35"/>
-                                        </p:tgtEl>
-                                      </p:cBhvr>
-                                    </p:animEffect>
-                                    <p:anim calcmode="lin" valueType="num">
-                                      <p:cBhvr>
-                                        <p:cTn id="56" dur="1000" fill="hold"/>
-                                        <p:tgtEl>
-                                          <p:spTgt spid="35"/>
-                                        </p:tgtEl>
-                                        <p:attrNameLst>
-                                          <p:attrName>ppt_x</p:attrName>
-                                        </p:attrNameLst>
-                                      </p:cBhvr>
-                                      <p:tavLst>
-                                        <p:tav tm="0">
-                                          <p:val>
-                                            <p:strVal val="#ppt_x"/>
-                                          </p:val>
-                                        </p:tav>
-                                        <p:tav tm="100000">
-                                          <p:val>
-                                            <p:strVal val="#ppt_x"/>
-                                          </p:val>
-                                        </p:tav>
-                                      </p:tavLst>
-                                    </p:anim>
-                                    <p:anim calcmode="lin" valueType="num">
-                                      <p:cBhvr>
-                                        <p:cTn id="57" dur="1000" fill="hold"/>
-                                        <p:tgtEl>
-                                          <p:spTgt spid="35"/>
-                                        </p:tgtEl>
-                                        <p:attrNameLst>
-                                          <p:attrName>ppt_y</p:attrName>
-                                        </p:attrNameLst>
-                                      </p:cBhvr>
-                                      <p:tavLst>
-                                        <p:tav tm="0">
-                                          <p:val>
-                                            <p:strVal val="#ppt_y+.1"/>
-                                          </p:val>
-                                        </p:tav>
-                                        <p:tav tm="100000">
-                                          <p:val>
-                                            <p:strVal val="#ppt_y"/>
-                                          </p:val>
-                                        </p:tav>
-                                      </p:tavLst>
-                                    </p:anim>
-                                  </p:childTnLst>
-                                </p:cTn>
-                              </p:par>
-                            </p:childTnLst>
-                          </p:cTn>
-                        </p:par>
-                      </p:childTnLst>
-                    </p:cTn>
-                  </p:par>
-                </p:childTnLst>
-              </p:cTn>
-              <p:prevCondLst>
-                <p:cond evt="onPrev" delay="0">
-                  <p:tgtEl>
-                    <p:sldTgt/>
-                  </p:tgtEl>
-                </p:cond>
-              </p:prevCondLst>
-              <p:nextCondLst>
-                <p:cond evt="onNext" delay="0">
-                  <p:tgtEl>
-                    <p:sldTgt/>
-                  </p:tgtEl>
-                </p:cond>
-              </p:nextCondLst>
-            </p:seq>
-          </p:childTnLst>
-        </p:cTn>
-      </p:par>
-    </p:tnLst>
-    <p:bldLst>
-      <p:bldP spid="2" grpId="0"/>
-      <p:bldP spid="5" grpId="0"/>
-      <p:bldP spid="6" grpId="0"/>
-      <p:bldP spid="7" grpId="0"/>
-      <p:bldP spid="11" grpId="0"/>
-    </p:bldLst>
-  </p:timing>
 </p:sld>
 </file>
 

--- a/oral_projet/revue_2/diaporama_revue_2_dylan.pptx
+++ b/oral_projet/revue_2/diaporama_revue_2_dylan.pptx
@@ -5,7 +5,7 @@
     <p:sldMasterId id="2147483648" r:id="rId1"/>
   </p:sldMasterIdLst>
   <p:notesMasterIdLst>
-    <p:notesMasterId r:id="rId16"/>
+    <p:notesMasterId r:id="rId17"/>
   </p:notesMasterIdLst>
   <p:sldIdLst>
     <p:sldId id="256" r:id="rId2"/>
@@ -20,8 +20,9 @@
     <p:sldId id="270" r:id="rId11"/>
     <p:sldId id="266" r:id="rId12"/>
     <p:sldId id="268" r:id="rId13"/>
-    <p:sldId id="271" r:id="rId14"/>
-    <p:sldId id="269" r:id="rId15"/>
+    <p:sldId id="272" r:id="rId14"/>
+    <p:sldId id="271" r:id="rId15"/>
+    <p:sldId id="269" r:id="rId16"/>
   </p:sldIdLst>
   <p:sldSz cx="12192000" cy="6858000"/>
   <p:notesSz cx="6858000" cy="9144000"/>
@@ -214,7 +215,7 @@
           <a:p>
             <a:fld id="{7BEC4371-174F-4615-858D-8B61BA547698}" type="datetimeFigureOut">
               <a:rPr lang="fr-FR" smtClean="0"/>
-              <a:t>22/02/2018</a:t>
+              <a:t>12/03/2018</a:t>
             </a:fld>
             <a:endParaRPr lang="fr-FR"/>
           </a:p>
@@ -628,7 +629,7 @@
           <a:p>
             <a:fld id="{125942D7-A464-4365-815E-3C7EAFC3F152}" type="datetimeFigureOut">
               <a:rPr lang="fr-FR" smtClean="0"/>
-              <a:t>22/02/2018</a:t>
+              <a:t>12/03/2018</a:t>
             </a:fld>
             <a:endParaRPr lang="fr-FR"/>
           </a:p>
@@ -838,7 +839,7 @@
           <a:p>
             <a:fld id="{125942D7-A464-4365-815E-3C7EAFC3F152}" type="datetimeFigureOut">
               <a:rPr lang="fr-FR" smtClean="0"/>
-              <a:t>22/02/2018</a:t>
+              <a:t>12/03/2018</a:t>
             </a:fld>
             <a:endParaRPr lang="fr-FR"/>
           </a:p>
@@ -1058,7 +1059,7 @@
           <a:p>
             <a:fld id="{125942D7-A464-4365-815E-3C7EAFC3F152}" type="datetimeFigureOut">
               <a:rPr lang="fr-FR" smtClean="0"/>
-              <a:t>22/02/2018</a:t>
+              <a:t>12/03/2018</a:t>
             </a:fld>
             <a:endParaRPr lang="fr-FR"/>
           </a:p>
@@ -1268,7 +1269,7 @@
           <a:p>
             <a:fld id="{125942D7-A464-4365-815E-3C7EAFC3F152}" type="datetimeFigureOut">
               <a:rPr lang="fr-FR" smtClean="0"/>
-              <a:t>22/02/2018</a:t>
+              <a:t>12/03/2018</a:t>
             </a:fld>
             <a:endParaRPr lang="fr-FR"/>
           </a:p>
@@ -1555,7 +1556,7 @@
           <a:p>
             <a:fld id="{125942D7-A464-4365-815E-3C7EAFC3F152}" type="datetimeFigureOut">
               <a:rPr lang="fr-FR" smtClean="0"/>
-              <a:t>22/02/2018</a:t>
+              <a:t>12/03/2018</a:t>
             </a:fld>
             <a:endParaRPr lang="fr-FR"/>
           </a:p>
@@ -1832,7 +1833,7 @@
           <a:p>
             <a:fld id="{125942D7-A464-4365-815E-3C7EAFC3F152}" type="datetimeFigureOut">
               <a:rPr lang="fr-FR" smtClean="0"/>
-              <a:t>22/02/2018</a:t>
+              <a:t>12/03/2018</a:t>
             </a:fld>
             <a:endParaRPr lang="fr-FR"/>
           </a:p>
@@ -2256,7 +2257,7 @@
           <a:p>
             <a:fld id="{125942D7-A464-4365-815E-3C7EAFC3F152}" type="datetimeFigureOut">
               <a:rPr lang="fr-FR" smtClean="0"/>
-              <a:t>22/02/2018</a:t>
+              <a:t>12/03/2018</a:t>
             </a:fld>
             <a:endParaRPr lang="fr-FR"/>
           </a:p>
@@ -2409,7 +2410,7 @@
           <a:p>
             <a:fld id="{125942D7-A464-4365-815E-3C7EAFC3F152}" type="datetimeFigureOut">
               <a:rPr lang="fr-FR" smtClean="0"/>
-              <a:t>22/02/2018</a:t>
+              <a:t>12/03/2018</a:t>
             </a:fld>
             <a:endParaRPr lang="fr-FR"/>
           </a:p>
@@ -2534,7 +2535,7 @@
           <a:p>
             <a:fld id="{125942D7-A464-4365-815E-3C7EAFC3F152}" type="datetimeFigureOut">
               <a:rPr lang="fr-FR" smtClean="0"/>
-              <a:t>22/02/2018</a:t>
+              <a:t>12/03/2018</a:t>
             </a:fld>
             <a:endParaRPr lang="fr-FR"/>
           </a:p>
@@ -2857,7 +2858,7 @@
           <a:p>
             <a:fld id="{125942D7-A464-4365-815E-3C7EAFC3F152}" type="datetimeFigureOut">
               <a:rPr lang="fr-FR" smtClean="0"/>
-              <a:t>22/02/2018</a:t>
+              <a:t>12/03/2018</a:t>
             </a:fld>
             <a:endParaRPr lang="fr-FR"/>
           </a:p>
@@ -3157,7 +3158,7 @@
           <a:p>
             <a:fld id="{125942D7-A464-4365-815E-3C7EAFC3F152}" type="datetimeFigureOut">
               <a:rPr lang="fr-FR" smtClean="0"/>
-              <a:t>22/02/2018</a:t>
+              <a:t>12/03/2018</a:t>
             </a:fld>
             <a:endParaRPr lang="fr-FR"/>
           </a:p>
@@ -3410,7 +3411,7 @@
           <a:p>
             <a:fld id="{125942D7-A464-4365-815E-3C7EAFC3F152}" type="datetimeFigureOut">
               <a:rPr lang="fr-FR" smtClean="0"/>
-              <a:t>22/02/2018</a:t>
+              <a:t>12/03/2018</a:t>
             </a:fld>
             <a:endParaRPr lang="fr-FR"/>
           </a:p>
@@ -7905,8 +7906,8 @@
         </p:nvSpPr>
         <p:spPr>
           <a:xfrm>
-            <a:off x="4115087" y="1292497"/>
-            <a:ext cx="4309685" cy="523220"/>
+            <a:off x="4329183" y="1292497"/>
+            <a:ext cx="3317559" cy="523220"/>
           </a:xfrm>
           <a:prstGeom prst="rect">
             <a:avLst/>
@@ -8736,6 +8737,874 @@
         </p:nvSpPr>
         <p:spPr>
           <a:xfrm>
+            <a:off x="3714642" y="523056"/>
+            <a:ext cx="5110576" cy="769441"/>
+          </a:xfrm>
+          <a:prstGeom prst="rect">
+            <a:avLst/>
+          </a:prstGeom>
+          <a:noFill/>
+        </p:spPr>
+        <p:txBody>
+          <a:bodyPr wrap="square" rtlCol="0">
+            <a:spAutoFit/>
+          </a:bodyPr>
+          <a:lstStyle/>
+          <a:p>
+            <a:r>
+              <a:rPr lang="fr-FR" sz="4400" dirty="0">
+                <a:latin typeface="Berlin Sans FB" panose="020E0602020502020306" pitchFamily="34" charset="0"/>
+              </a:rPr>
+              <a:t>Solutions trouvées</a:t>
+            </a:r>
+          </a:p>
+        </p:txBody>
+      </p:sp>
+      <p:sp>
+        <p:nvSpPr>
+          <p:cNvPr id="7" name="ZoneTexte 6">
+            <a:extLst>
+              <a:ext uri="{FF2B5EF4-FFF2-40B4-BE49-F238E27FC236}">
+                <a16:creationId xmlns:a16="http://schemas.microsoft.com/office/drawing/2014/main" id="{F5143EC5-EF8B-4615-B050-3E12BF28AC28}"/>
+              </a:ext>
+            </a:extLst>
+          </p:cNvPr>
+          <p:cNvSpPr txBox="1"/>
+          <p:nvPr/>
+        </p:nvSpPr>
+        <p:spPr>
+          <a:xfrm>
+            <a:off x="4626992" y="1292497"/>
+            <a:ext cx="2721941" cy="523220"/>
+          </a:xfrm>
+          <a:prstGeom prst="rect">
+            <a:avLst/>
+          </a:prstGeom>
+          <a:noFill/>
+        </p:spPr>
+        <p:txBody>
+          <a:bodyPr wrap="square" rtlCol="0">
+            <a:spAutoFit/>
+          </a:bodyPr>
+          <a:lstStyle/>
+          <a:p>
+            <a:r>
+              <a:rPr lang="fr-FR" sz="2800" dirty="0"/>
+              <a:t>Partie 2 : Android</a:t>
+            </a:r>
+          </a:p>
+        </p:txBody>
+      </p:sp>
+    </p:spTree>
+    <p:extLst>
+      <p:ext uri="{BB962C8B-B14F-4D97-AF65-F5344CB8AC3E}">
+        <p14:creationId xmlns:p14="http://schemas.microsoft.com/office/powerpoint/2010/main" val="1615925150"/>
+      </p:ext>
+    </p:extLst>
+  </p:cSld>
+  <p:clrMapOvr>
+    <a:masterClrMapping/>
+  </p:clrMapOvr>
+  <mc:AlternateContent xmlns:mc="http://schemas.openxmlformats.org/markup-compatibility/2006" xmlns:p14="http://schemas.microsoft.com/office/powerpoint/2010/main">
+    <mc:Choice Requires="p14">
+      <p:transition spd="slow">
+        <p14:reveal/>
+      </p:transition>
+    </mc:Choice>
+    <mc:Fallback xmlns="">
+      <p:transition spd="slow">
+        <p:fade/>
+      </p:transition>
+    </mc:Fallback>
+  </mc:AlternateContent>
+</p:sld>
+</file>
+
+<file path=ppt/slides/slide14.xml><?xml version="1.0" encoding="utf-8"?>
+<p:sld xmlns:a="http://schemas.openxmlformats.org/drawingml/2006/main" xmlns:r="http://schemas.openxmlformats.org/officeDocument/2006/relationships" xmlns:p="http://schemas.openxmlformats.org/presentationml/2006/main">
+  <p:cSld>
+    <p:spTree>
+      <p:nvGrpSpPr>
+        <p:cNvPr id="1" name=""/>
+        <p:cNvGrpSpPr/>
+        <p:nvPr/>
+      </p:nvGrpSpPr>
+      <p:grpSpPr>
+        <a:xfrm>
+          <a:off x="0" y="0"/>
+          <a:ext cx="0" cy="0"/>
+          <a:chOff x="0" y="0"/>
+          <a:chExt cx="0" cy="0"/>
+        </a:xfrm>
+      </p:grpSpPr>
+      <p:pic>
+        <p:nvPicPr>
+          <p:cNvPr id="8" name="Image 7">
+            <a:extLst>
+              <a:ext uri="{FF2B5EF4-FFF2-40B4-BE49-F238E27FC236}">
+                <a16:creationId xmlns:a16="http://schemas.microsoft.com/office/drawing/2014/main" id="{2BB825C5-31DA-4A56-85EA-536DBF510A31}"/>
+              </a:ext>
+            </a:extLst>
+          </p:cNvPr>
+          <p:cNvPicPr>
+            <a:picLocks noChangeAspect="1"/>
+          </p:cNvPicPr>
+          <p:nvPr/>
+        </p:nvPicPr>
+        <p:blipFill>
+          <a:blip r:embed="rId2">
+            <a:extLst>
+              <a:ext uri="{28A0092B-C50C-407E-A947-70E740481C1C}">
+                <a14:useLocalDpi xmlns:a14="http://schemas.microsoft.com/office/drawing/2010/main" val="0"/>
+              </a:ext>
+            </a:extLst>
+          </a:blip>
+          <a:stretch>
+            <a:fillRect/>
+          </a:stretch>
+        </p:blipFill>
+        <p:spPr>
+          <a:xfrm>
+            <a:off x="1068751" y="66457"/>
+            <a:ext cx="1259497" cy="776690"/>
+          </a:xfrm>
+          <a:prstGeom prst="rect">
+            <a:avLst/>
+          </a:prstGeom>
+        </p:spPr>
+      </p:pic>
+      <p:pic>
+        <p:nvPicPr>
+          <p:cNvPr id="10" name="Image 9">
+            <a:extLst>
+              <a:ext uri="{FF2B5EF4-FFF2-40B4-BE49-F238E27FC236}">
+                <a16:creationId xmlns:a16="http://schemas.microsoft.com/office/drawing/2014/main" id="{8EE7436F-49F2-41E0-93E4-D247B4705294}"/>
+              </a:ext>
+            </a:extLst>
+          </p:cNvPr>
+          <p:cNvPicPr>
+            <a:picLocks noChangeAspect="1"/>
+          </p:cNvPicPr>
+          <p:nvPr/>
+        </p:nvPicPr>
+        <p:blipFill>
+          <a:blip r:embed="rId3">
+            <a:extLst>
+              <a:ext uri="{28A0092B-C50C-407E-A947-70E740481C1C}">
+                <a14:useLocalDpi xmlns:a14="http://schemas.microsoft.com/office/drawing/2010/main" val="0"/>
+              </a:ext>
+            </a:extLst>
+          </a:blip>
+          <a:stretch>
+            <a:fillRect/>
+          </a:stretch>
+        </p:blipFill>
+        <p:spPr>
+          <a:xfrm>
+            <a:off x="9681085" y="238153"/>
+            <a:ext cx="1802101" cy="569807"/>
+          </a:xfrm>
+          <a:prstGeom prst="rect">
+            <a:avLst/>
+          </a:prstGeom>
+        </p:spPr>
+      </p:pic>
+      <p:cxnSp>
+        <p:nvCxnSpPr>
+          <p:cNvPr id="16" name="Connecteur droit 15">
+            <a:extLst>
+              <a:ext uri="{FF2B5EF4-FFF2-40B4-BE49-F238E27FC236}">
+                <a16:creationId xmlns:a16="http://schemas.microsoft.com/office/drawing/2014/main" id="{7319284A-BD6F-4A96-8E2B-E0A4B52E53C6}"/>
+              </a:ext>
+            </a:extLst>
+          </p:cNvPr>
+          <p:cNvCxnSpPr>
+            <a:cxnSpLocks/>
+          </p:cNvCxnSpPr>
+          <p:nvPr/>
+        </p:nvCxnSpPr>
+        <p:spPr>
+          <a:xfrm flipV="1">
+            <a:off x="0" y="454803"/>
+            <a:ext cx="738231" cy="1798"/>
+          </a:xfrm>
+          <a:prstGeom prst="line">
+            <a:avLst/>
+          </a:prstGeom>
+        </p:spPr>
+        <p:style>
+          <a:lnRef idx="3">
+            <a:schemeClr val="dk1"/>
+          </a:lnRef>
+          <a:fillRef idx="0">
+            <a:schemeClr val="dk1"/>
+          </a:fillRef>
+          <a:effectRef idx="2">
+            <a:schemeClr val="dk1"/>
+          </a:effectRef>
+          <a:fontRef idx="minor">
+            <a:schemeClr val="tx1"/>
+          </a:fontRef>
+        </p:style>
+      </p:cxnSp>
+      <p:cxnSp>
+        <p:nvCxnSpPr>
+          <p:cNvPr id="20" name="Connecteur droit 19">
+            <a:extLst>
+              <a:ext uri="{FF2B5EF4-FFF2-40B4-BE49-F238E27FC236}">
+                <a16:creationId xmlns:a16="http://schemas.microsoft.com/office/drawing/2014/main" id="{08874CF7-F149-4C81-B61E-74E18342BA8A}"/>
+              </a:ext>
+            </a:extLst>
+          </p:cNvPr>
+          <p:cNvCxnSpPr>
+            <a:cxnSpLocks/>
+          </p:cNvCxnSpPr>
+          <p:nvPr/>
+        </p:nvCxnSpPr>
+        <p:spPr>
+          <a:xfrm>
+            <a:off x="2573222" y="454803"/>
+            <a:ext cx="6829482" cy="10398"/>
+          </a:xfrm>
+          <a:prstGeom prst="line">
+            <a:avLst/>
+          </a:prstGeom>
+        </p:spPr>
+        <p:style>
+          <a:lnRef idx="3">
+            <a:schemeClr val="dk1"/>
+          </a:lnRef>
+          <a:fillRef idx="0">
+            <a:schemeClr val="dk1"/>
+          </a:fillRef>
+          <a:effectRef idx="2">
+            <a:schemeClr val="dk1"/>
+          </a:effectRef>
+          <a:fontRef idx="minor">
+            <a:schemeClr val="tx1"/>
+          </a:fontRef>
+        </p:style>
+      </p:cxnSp>
+      <p:cxnSp>
+        <p:nvCxnSpPr>
+          <p:cNvPr id="26" name="Connecteur droit 25">
+            <a:extLst>
+              <a:ext uri="{FF2B5EF4-FFF2-40B4-BE49-F238E27FC236}">
+                <a16:creationId xmlns:a16="http://schemas.microsoft.com/office/drawing/2014/main" id="{BB3B35CC-057B-48C1-880F-3306A6559175}"/>
+              </a:ext>
+            </a:extLst>
+          </p:cNvPr>
+          <p:cNvCxnSpPr>
+            <a:cxnSpLocks/>
+          </p:cNvCxnSpPr>
+          <p:nvPr/>
+        </p:nvCxnSpPr>
+        <p:spPr>
+          <a:xfrm>
+            <a:off x="738231" y="454803"/>
+            <a:ext cx="344203" cy="484764"/>
+          </a:xfrm>
+          <a:prstGeom prst="line">
+            <a:avLst/>
+          </a:prstGeom>
+        </p:spPr>
+        <p:style>
+          <a:lnRef idx="3">
+            <a:schemeClr val="dk1"/>
+          </a:lnRef>
+          <a:fillRef idx="0">
+            <a:schemeClr val="dk1"/>
+          </a:fillRef>
+          <a:effectRef idx="2">
+            <a:schemeClr val="dk1"/>
+          </a:effectRef>
+          <a:fontRef idx="minor">
+            <a:schemeClr val="tx1"/>
+          </a:fontRef>
+        </p:style>
+      </p:cxnSp>
+      <p:cxnSp>
+        <p:nvCxnSpPr>
+          <p:cNvPr id="32" name="Connecteur droit 31">
+            <a:extLst>
+              <a:ext uri="{FF2B5EF4-FFF2-40B4-BE49-F238E27FC236}">
+                <a16:creationId xmlns:a16="http://schemas.microsoft.com/office/drawing/2014/main" id="{4AD96496-1EB6-4E48-9BB2-5C255495C686}"/>
+              </a:ext>
+            </a:extLst>
+          </p:cNvPr>
+          <p:cNvCxnSpPr>
+            <a:cxnSpLocks/>
+          </p:cNvCxnSpPr>
+          <p:nvPr/>
+        </p:nvCxnSpPr>
+        <p:spPr>
+          <a:xfrm>
+            <a:off x="1082434" y="938268"/>
+            <a:ext cx="1146585" cy="0"/>
+          </a:xfrm>
+          <a:prstGeom prst="line">
+            <a:avLst/>
+          </a:prstGeom>
+        </p:spPr>
+        <p:style>
+          <a:lnRef idx="3">
+            <a:schemeClr val="dk1"/>
+          </a:lnRef>
+          <a:fillRef idx="0">
+            <a:schemeClr val="dk1"/>
+          </a:fillRef>
+          <a:effectRef idx="2">
+            <a:schemeClr val="dk1"/>
+          </a:effectRef>
+          <a:fontRef idx="minor">
+            <a:schemeClr val="tx1"/>
+          </a:fontRef>
+        </p:style>
+      </p:cxnSp>
+      <p:cxnSp>
+        <p:nvCxnSpPr>
+          <p:cNvPr id="51" name="Connecteur droit 50">
+            <a:extLst>
+              <a:ext uri="{FF2B5EF4-FFF2-40B4-BE49-F238E27FC236}">
+                <a16:creationId xmlns:a16="http://schemas.microsoft.com/office/drawing/2014/main" id="{C035BFA6-ECBF-4775-BA81-19D2CA41AA8D}"/>
+              </a:ext>
+            </a:extLst>
+          </p:cNvPr>
+          <p:cNvCxnSpPr>
+            <a:cxnSpLocks/>
+          </p:cNvCxnSpPr>
+          <p:nvPr/>
+        </p:nvCxnSpPr>
+        <p:spPr>
+          <a:xfrm>
+            <a:off x="9402704" y="465201"/>
+            <a:ext cx="344203" cy="495163"/>
+          </a:xfrm>
+          <a:prstGeom prst="line">
+            <a:avLst/>
+          </a:prstGeom>
+        </p:spPr>
+        <p:style>
+          <a:lnRef idx="3">
+            <a:schemeClr val="dk1"/>
+          </a:lnRef>
+          <a:fillRef idx="0">
+            <a:schemeClr val="dk1"/>
+          </a:fillRef>
+          <a:effectRef idx="2">
+            <a:schemeClr val="dk1"/>
+          </a:effectRef>
+          <a:fontRef idx="minor">
+            <a:schemeClr val="tx1"/>
+          </a:fontRef>
+        </p:style>
+      </p:cxnSp>
+      <p:cxnSp>
+        <p:nvCxnSpPr>
+          <p:cNvPr id="52" name="Connecteur droit 51">
+            <a:extLst>
+              <a:ext uri="{FF2B5EF4-FFF2-40B4-BE49-F238E27FC236}">
+                <a16:creationId xmlns:a16="http://schemas.microsoft.com/office/drawing/2014/main" id="{FA310BC7-694B-4984-99A2-61A1F4F6EBF9}"/>
+              </a:ext>
+            </a:extLst>
+          </p:cNvPr>
+          <p:cNvCxnSpPr>
+            <a:cxnSpLocks/>
+          </p:cNvCxnSpPr>
+          <p:nvPr/>
+        </p:nvCxnSpPr>
+        <p:spPr>
+          <a:xfrm flipH="1">
+            <a:off x="11370469" y="448308"/>
+            <a:ext cx="364332" cy="501657"/>
+          </a:xfrm>
+          <a:prstGeom prst="line">
+            <a:avLst/>
+          </a:prstGeom>
+        </p:spPr>
+        <p:style>
+          <a:lnRef idx="3">
+            <a:schemeClr val="dk1"/>
+          </a:lnRef>
+          <a:fillRef idx="0">
+            <a:schemeClr val="dk1"/>
+          </a:fillRef>
+          <a:effectRef idx="2">
+            <a:schemeClr val="dk1"/>
+          </a:effectRef>
+          <a:fontRef idx="minor">
+            <a:schemeClr val="tx1"/>
+          </a:fontRef>
+        </p:style>
+      </p:cxnSp>
+      <p:cxnSp>
+        <p:nvCxnSpPr>
+          <p:cNvPr id="53" name="Connecteur droit 52">
+            <a:extLst>
+              <a:ext uri="{FF2B5EF4-FFF2-40B4-BE49-F238E27FC236}">
+                <a16:creationId xmlns:a16="http://schemas.microsoft.com/office/drawing/2014/main" id="{BE0649BD-EE59-4DDA-960F-95B2572F9F13}"/>
+              </a:ext>
+            </a:extLst>
+          </p:cNvPr>
+          <p:cNvCxnSpPr>
+            <a:cxnSpLocks/>
+          </p:cNvCxnSpPr>
+          <p:nvPr/>
+        </p:nvCxnSpPr>
+        <p:spPr>
+          <a:xfrm>
+            <a:off x="9743203" y="949965"/>
+            <a:ext cx="1627266" cy="0"/>
+          </a:xfrm>
+          <a:prstGeom prst="line">
+            <a:avLst/>
+          </a:prstGeom>
+        </p:spPr>
+        <p:style>
+          <a:lnRef idx="3">
+            <a:schemeClr val="dk1"/>
+          </a:lnRef>
+          <a:fillRef idx="0">
+            <a:schemeClr val="dk1"/>
+          </a:fillRef>
+          <a:effectRef idx="2">
+            <a:schemeClr val="dk1"/>
+          </a:effectRef>
+          <a:fontRef idx="minor">
+            <a:schemeClr val="tx1"/>
+          </a:fontRef>
+        </p:style>
+      </p:cxnSp>
+      <p:cxnSp>
+        <p:nvCxnSpPr>
+          <p:cNvPr id="55" name="Connecteur droit 54">
+            <a:extLst>
+              <a:ext uri="{FF2B5EF4-FFF2-40B4-BE49-F238E27FC236}">
+                <a16:creationId xmlns:a16="http://schemas.microsoft.com/office/drawing/2014/main" id="{52AA9200-DAFA-4EEF-AC13-4C7CE82A59EC}"/>
+              </a:ext>
+            </a:extLst>
+          </p:cNvPr>
+          <p:cNvCxnSpPr>
+            <a:cxnSpLocks/>
+          </p:cNvCxnSpPr>
+          <p:nvPr/>
+        </p:nvCxnSpPr>
+        <p:spPr>
+          <a:xfrm>
+            <a:off x="11715750" y="454801"/>
+            <a:ext cx="476249" cy="10400"/>
+          </a:xfrm>
+          <a:prstGeom prst="line">
+            <a:avLst/>
+          </a:prstGeom>
+        </p:spPr>
+        <p:style>
+          <a:lnRef idx="3">
+            <a:schemeClr val="dk1"/>
+          </a:lnRef>
+          <a:fillRef idx="0">
+            <a:schemeClr val="dk1"/>
+          </a:fillRef>
+          <a:effectRef idx="2">
+            <a:schemeClr val="dk1"/>
+          </a:effectRef>
+          <a:fontRef idx="minor">
+            <a:schemeClr val="tx1"/>
+          </a:fontRef>
+        </p:style>
+      </p:cxnSp>
+      <p:cxnSp>
+        <p:nvCxnSpPr>
+          <p:cNvPr id="23" name="Connecteur droit 22">
+            <a:extLst>
+              <a:ext uri="{FF2B5EF4-FFF2-40B4-BE49-F238E27FC236}">
+                <a16:creationId xmlns:a16="http://schemas.microsoft.com/office/drawing/2014/main" id="{BCB092C8-0080-4E56-957E-0046D4C83988}"/>
+              </a:ext>
+            </a:extLst>
+          </p:cNvPr>
+          <p:cNvCxnSpPr>
+            <a:cxnSpLocks/>
+          </p:cNvCxnSpPr>
+          <p:nvPr/>
+        </p:nvCxnSpPr>
+        <p:spPr>
+          <a:xfrm flipH="1">
+            <a:off x="2216372" y="446356"/>
+            <a:ext cx="364332" cy="501657"/>
+          </a:xfrm>
+          <a:prstGeom prst="line">
+            <a:avLst/>
+          </a:prstGeom>
+        </p:spPr>
+        <p:style>
+          <a:lnRef idx="3">
+            <a:schemeClr val="dk1"/>
+          </a:lnRef>
+          <a:fillRef idx="0">
+            <a:schemeClr val="dk1"/>
+          </a:fillRef>
+          <a:effectRef idx="2">
+            <a:schemeClr val="dk1"/>
+          </a:effectRef>
+          <a:fontRef idx="minor">
+            <a:schemeClr val="tx1"/>
+          </a:fontRef>
+        </p:style>
+      </p:cxnSp>
+      <p:pic>
+        <p:nvPicPr>
+          <p:cNvPr id="57" name="Image 56">
+            <a:extLst>
+              <a:ext uri="{FF2B5EF4-FFF2-40B4-BE49-F238E27FC236}">
+                <a16:creationId xmlns:a16="http://schemas.microsoft.com/office/drawing/2014/main" id="{12B16FB2-5844-4B92-AE69-9BAC858C22BB}"/>
+              </a:ext>
+            </a:extLst>
+          </p:cNvPr>
+          <p:cNvPicPr>
+            <a:picLocks noChangeAspect="1"/>
+          </p:cNvPicPr>
+          <p:nvPr/>
+        </p:nvPicPr>
+        <p:blipFill>
+          <a:blip r:embed="rId3">
+            <a:extLst>
+              <a:ext uri="{28A0092B-C50C-407E-A947-70E740481C1C}">
+                <a14:useLocalDpi xmlns:a14="http://schemas.microsoft.com/office/drawing/2010/main" val="0"/>
+              </a:ext>
+            </a:extLst>
+          </a:blip>
+          <a:stretch>
+            <a:fillRect/>
+          </a:stretch>
+        </p:blipFill>
+        <p:spPr>
+          <a:xfrm>
+            <a:off x="9681085" y="238153"/>
+            <a:ext cx="1802101" cy="569807"/>
+          </a:xfrm>
+          <a:prstGeom prst="rect">
+            <a:avLst/>
+          </a:prstGeom>
+        </p:spPr>
+      </p:pic>
+      <p:cxnSp>
+        <p:nvCxnSpPr>
+          <p:cNvPr id="58" name="Connecteur droit 57">
+            <a:extLst>
+              <a:ext uri="{FF2B5EF4-FFF2-40B4-BE49-F238E27FC236}">
+                <a16:creationId xmlns:a16="http://schemas.microsoft.com/office/drawing/2014/main" id="{01599350-F8B0-4FDC-B003-981189A8D654}"/>
+              </a:ext>
+            </a:extLst>
+          </p:cNvPr>
+          <p:cNvCxnSpPr>
+            <a:cxnSpLocks/>
+          </p:cNvCxnSpPr>
+          <p:nvPr/>
+        </p:nvCxnSpPr>
+        <p:spPr>
+          <a:xfrm>
+            <a:off x="2573222" y="454803"/>
+            <a:ext cx="6829482" cy="10398"/>
+          </a:xfrm>
+          <a:prstGeom prst="line">
+            <a:avLst/>
+          </a:prstGeom>
+        </p:spPr>
+        <p:style>
+          <a:lnRef idx="3">
+            <a:schemeClr val="dk1"/>
+          </a:lnRef>
+          <a:fillRef idx="0">
+            <a:schemeClr val="dk1"/>
+          </a:fillRef>
+          <a:effectRef idx="2">
+            <a:schemeClr val="dk1"/>
+          </a:effectRef>
+          <a:fontRef idx="minor">
+            <a:schemeClr val="tx1"/>
+          </a:fontRef>
+        </p:style>
+      </p:cxnSp>
+      <p:cxnSp>
+        <p:nvCxnSpPr>
+          <p:cNvPr id="59" name="Connecteur droit 58">
+            <a:extLst>
+              <a:ext uri="{FF2B5EF4-FFF2-40B4-BE49-F238E27FC236}">
+                <a16:creationId xmlns:a16="http://schemas.microsoft.com/office/drawing/2014/main" id="{BC6E6150-6054-4785-84EC-0C46D82034C2}"/>
+              </a:ext>
+            </a:extLst>
+          </p:cNvPr>
+          <p:cNvCxnSpPr>
+            <a:cxnSpLocks/>
+          </p:cNvCxnSpPr>
+          <p:nvPr/>
+        </p:nvCxnSpPr>
+        <p:spPr>
+          <a:xfrm>
+            <a:off x="738231" y="454803"/>
+            <a:ext cx="344203" cy="484764"/>
+          </a:xfrm>
+          <a:prstGeom prst="line">
+            <a:avLst/>
+          </a:prstGeom>
+        </p:spPr>
+        <p:style>
+          <a:lnRef idx="3">
+            <a:schemeClr val="dk1"/>
+          </a:lnRef>
+          <a:fillRef idx="0">
+            <a:schemeClr val="dk1"/>
+          </a:fillRef>
+          <a:effectRef idx="2">
+            <a:schemeClr val="dk1"/>
+          </a:effectRef>
+          <a:fontRef idx="minor">
+            <a:schemeClr val="tx1"/>
+          </a:fontRef>
+        </p:style>
+      </p:cxnSp>
+      <p:cxnSp>
+        <p:nvCxnSpPr>
+          <p:cNvPr id="60" name="Connecteur droit 59">
+            <a:extLst>
+              <a:ext uri="{FF2B5EF4-FFF2-40B4-BE49-F238E27FC236}">
+                <a16:creationId xmlns:a16="http://schemas.microsoft.com/office/drawing/2014/main" id="{CBC9961A-8EC2-4287-A398-BCA4138D409D}"/>
+              </a:ext>
+            </a:extLst>
+          </p:cNvPr>
+          <p:cNvCxnSpPr>
+            <a:cxnSpLocks/>
+          </p:cNvCxnSpPr>
+          <p:nvPr/>
+        </p:nvCxnSpPr>
+        <p:spPr>
+          <a:xfrm>
+            <a:off x="1082434" y="938268"/>
+            <a:ext cx="1146585" cy="0"/>
+          </a:xfrm>
+          <a:prstGeom prst="line">
+            <a:avLst/>
+          </a:prstGeom>
+        </p:spPr>
+        <p:style>
+          <a:lnRef idx="3">
+            <a:schemeClr val="dk1"/>
+          </a:lnRef>
+          <a:fillRef idx="0">
+            <a:schemeClr val="dk1"/>
+          </a:fillRef>
+          <a:effectRef idx="2">
+            <a:schemeClr val="dk1"/>
+          </a:effectRef>
+          <a:fontRef idx="minor">
+            <a:schemeClr val="tx1"/>
+          </a:fontRef>
+        </p:style>
+      </p:cxnSp>
+      <p:cxnSp>
+        <p:nvCxnSpPr>
+          <p:cNvPr id="61" name="Connecteur droit 60">
+            <a:extLst>
+              <a:ext uri="{FF2B5EF4-FFF2-40B4-BE49-F238E27FC236}">
+                <a16:creationId xmlns:a16="http://schemas.microsoft.com/office/drawing/2014/main" id="{152B7C45-2543-4665-BC07-4DB71CA9F337}"/>
+              </a:ext>
+            </a:extLst>
+          </p:cNvPr>
+          <p:cNvCxnSpPr>
+            <a:cxnSpLocks/>
+          </p:cNvCxnSpPr>
+          <p:nvPr/>
+        </p:nvCxnSpPr>
+        <p:spPr>
+          <a:xfrm>
+            <a:off x="9402704" y="465201"/>
+            <a:ext cx="344203" cy="495163"/>
+          </a:xfrm>
+          <a:prstGeom prst="line">
+            <a:avLst/>
+          </a:prstGeom>
+        </p:spPr>
+        <p:style>
+          <a:lnRef idx="3">
+            <a:schemeClr val="dk1"/>
+          </a:lnRef>
+          <a:fillRef idx="0">
+            <a:schemeClr val="dk1"/>
+          </a:fillRef>
+          <a:effectRef idx="2">
+            <a:schemeClr val="dk1"/>
+          </a:effectRef>
+          <a:fontRef idx="minor">
+            <a:schemeClr val="tx1"/>
+          </a:fontRef>
+        </p:style>
+      </p:cxnSp>
+      <p:cxnSp>
+        <p:nvCxnSpPr>
+          <p:cNvPr id="62" name="Connecteur droit 61">
+            <a:extLst>
+              <a:ext uri="{FF2B5EF4-FFF2-40B4-BE49-F238E27FC236}">
+                <a16:creationId xmlns:a16="http://schemas.microsoft.com/office/drawing/2014/main" id="{00A84DC3-A112-46A3-B71C-04D85339323D}"/>
+              </a:ext>
+            </a:extLst>
+          </p:cNvPr>
+          <p:cNvCxnSpPr>
+            <a:cxnSpLocks/>
+          </p:cNvCxnSpPr>
+          <p:nvPr/>
+        </p:nvCxnSpPr>
+        <p:spPr>
+          <a:xfrm flipH="1">
+            <a:off x="11370469" y="448308"/>
+            <a:ext cx="364332" cy="501657"/>
+          </a:xfrm>
+          <a:prstGeom prst="line">
+            <a:avLst/>
+          </a:prstGeom>
+        </p:spPr>
+        <p:style>
+          <a:lnRef idx="3">
+            <a:schemeClr val="dk1"/>
+          </a:lnRef>
+          <a:fillRef idx="0">
+            <a:schemeClr val="dk1"/>
+          </a:fillRef>
+          <a:effectRef idx="2">
+            <a:schemeClr val="dk1"/>
+          </a:effectRef>
+          <a:fontRef idx="minor">
+            <a:schemeClr val="tx1"/>
+          </a:fontRef>
+        </p:style>
+      </p:cxnSp>
+      <p:cxnSp>
+        <p:nvCxnSpPr>
+          <p:cNvPr id="63" name="Connecteur droit 62">
+            <a:extLst>
+              <a:ext uri="{FF2B5EF4-FFF2-40B4-BE49-F238E27FC236}">
+                <a16:creationId xmlns:a16="http://schemas.microsoft.com/office/drawing/2014/main" id="{C50788C6-8F68-44EC-AB54-94C1D2FE554D}"/>
+              </a:ext>
+            </a:extLst>
+          </p:cNvPr>
+          <p:cNvCxnSpPr>
+            <a:cxnSpLocks/>
+          </p:cNvCxnSpPr>
+          <p:nvPr/>
+        </p:nvCxnSpPr>
+        <p:spPr>
+          <a:xfrm>
+            <a:off x="9743203" y="949965"/>
+            <a:ext cx="1627266" cy="0"/>
+          </a:xfrm>
+          <a:prstGeom prst="line">
+            <a:avLst/>
+          </a:prstGeom>
+        </p:spPr>
+        <p:style>
+          <a:lnRef idx="3">
+            <a:schemeClr val="dk1"/>
+          </a:lnRef>
+          <a:fillRef idx="0">
+            <a:schemeClr val="dk1"/>
+          </a:fillRef>
+          <a:effectRef idx="2">
+            <a:schemeClr val="dk1"/>
+          </a:effectRef>
+          <a:fontRef idx="minor">
+            <a:schemeClr val="tx1"/>
+          </a:fontRef>
+        </p:style>
+      </p:cxnSp>
+      <p:cxnSp>
+        <p:nvCxnSpPr>
+          <p:cNvPr id="64" name="Connecteur droit 63">
+            <a:extLst>
+              <a:ext uri="{FF2B5EF4-FFF2-40B4-BE49-F238E27FC236}">
+                <a16:creationId xmlns:a16="http://schemas.microsoft.com/office/drawing/2014/main" id="{BC4D4E5F-5636-45CB-873C-EC085AB307A3}"/>
+              </a:ext>
+            </a:extLst>
+          </p:cNvPr>
+          <p:cNvCxnSpPr>
+            <a:cxnSpLocks/>
+          </p:cNvCxnSpPr>
+          <p:nvPr/>
+        </p:nvCxnSpPr>
+        <p:spPr>
+          <a:xfrm>
+            <a:off x="11715750" y="454801"/>
+            <a:ext cx="476249" cy="10400"/>
+          </a:xfrm>
+          <a:prstGeom prst="line">
+            <a:avLst/>
+          </a:prstGeom>
+        </p:spPr>
+        <p:style>
+          <a:lnRef idx="3">
+            <a:schemeClr val="dk1"/>
+          </a:lnRef>
+          <a:fillRef idx="0">
+            <a:schemeClr val="dk1"/>
+          </a:fillRef>
+          <a:effectRef idx="2">
+            <a:schemeClr val="dk1"/>
+          </a:effectRef>
+          <a:fontRef idx="minor">
+            <a:schemeClr val="tx1"/>
+          </a:fontRef>
+        </p:style>
+      </p:cxnSp>
+      <p:cxnSp>
+        <p:nvCxnSpPr>
+          <p:cNvPr id="65" name="Connecteur droit 64">
+            <a:extLst>
+              <a:ext uri="{FF2B5EF4-FFF2-40B4-BE49-F238E27FC236}">
+                <a16:creationId xmlns:a16="http://schemas.microsoft.com/office/drawing/2014/main" id="{E6F6B4C5-0E3B-46C9-859D-EE774175D36F}"/>
+              </a:ext>
+            </a:extLst>
+          </p:cNvPr>
+          <p:cNvCxnSpPr>
+            <a:cxnSpLocks/>
+          </p:cNvCxnSpPr>
+          <p:nvPr/>
+        </p:nvCxnSpPr>
+        <p:spPr>
+          <a:xfrm flipH="1">
+            <a:off x="2216372" y="446356"/>
+            <a:ext cx="364332" cy="501657"/>
+          </a:xfrm>
+          <a:prstGeom prst="line">
+            <a:avLst/>
+          </a:prstGeom>
+        </p:spPr>
+        <p:style>
+          <a:lnRef idx="3">
+            <a:schemeClr val="dk1"/>
+          </a:lnRef>
+          <a:fillRef idx="0">
+            <a:schemeClr val="dk1"/>
+          </a:fillRef>
+          <a:effectRef idx="2">
+            <a:schemeClr val="dk1"/>
+          </a:effectRef>
+          <a:fontRef idx="minor">
+            <a:schemeClr val="tx1"/>
+          </a:fontRef>
+        </p:style>
+      </p:cxnSp>
+      <p:sp>
+        <p:nvSpPr>
+          <p:cNvPr id="2" name="ZoneTexte 1">
+            <a:extLst>
+              <a:ext uri="{FF2B5EF4-FFF2-40B4-BE49-F238E27FC236}">
+                <a16:creationId xmlns:a16="http://schemas.microsoft.com/office/drawing/2014/main" id="{128A5370-27C5-4A3F-98D7-D74D075851FE}"/>
+              </a:ext>
+            </a:extLst>
+          </p:cNvPr>
+          <p:cNvSpPr txBox="1"/>
+          <p:nvPr/>
+        </p:nvSpPr>
+        <p:spPr>
+          <a:xfrm>
             <a:off x="4569176" y="523056"/>
             <a:ext cx="2659224" cy="769441"/>
           </a:xfrm>
@@ -8784,7 +9653,7 @@
 </p:sld>
 </file>
 
-<file path=ppt/slides/slide14.xml><?xml version="1.0" encoding="utf-8"?>
+<file path=ppt/slides/slide15.xml><?xml version="1.0" encoding="utf-8"?>
 <p:sld xmlns:a="http://schemas.openxmlformats.org/drawingml/2006/main" xmlns:r="http://schemas.openxmlformats.org/officeDocument/2006/relationships" xmlns:p="http://schemas.openxmlformats.org/presentationml/2006/main">
   <p:cSld>
     <p:spTree>
@@ -14837,13 +15706,13 @@
   <p:clrMapOvr>
     <a:masterClrMapping/>
   </p:clrMapOvr>
-  <mc:AlternateContent xmlns:mc="http://schemas.openxmlformats.org/markup-compatibility/2006">
-    <mc:Choice xmlns:p14="http://schemas.microsoft.com/office/powerpoint/2010/main" Requires="p14">
+  <mc:AlternateContent xmlns:mc="http://schemas.openxmlformats.org/markup-compatibility/2006" xmlns:p14="http://schemas.microsoft.com/office/powerpoint/2010/main">
+    <mc:Choice Requires="p14">
       <p:transition spd="slow">
         <p14:reveal/>
       </p:transition>
     </mc:Choice>
-    <mc:Fallback>
+    <mc:Fallback xmlns="">
       <p:transition spd="slow">
         <p:fade/>
       </p:transition>

--- a/oral_projet/revue_2/diaporama_revue_2_dylan.pptx
+++ b/oral_projet/revue_2/diaporama_revue_2_dylan.pptx
@@ -3896,7 +3896,7 @@
         </p:nvSpPr>
         <p:spPr>
           <a:xfrm>
-            <a:off x="3425695" y="575643"/>
+            <a:off x="3561144" y="478126"/>
             <a:ext cx="4853637" cy="769441"/>
           </a:xfrm>
           <a:prstGeom prst="rect">
@@ -5346,10 +5346,10 @@
       </p:sp>
       <p:pic>
         <p:nvPicPr>
-          <p:cNvPr id="11" name="Image 10">
-            <a:extLst>
-              <a:ext uri="{FF2B5EF4-FFF2-40B4-BE49-F238E27FC236}">
-                <a16:creationId xmlns:a16="http://schemas.microsoft.com/office/drawing/2014/main" id="{86B33DD6-7E4D-4C02-A197-909EE2B10B7B}"/>
+          <p:cNvPr id="3" name="Image 2">
+            <a:extLst>
+              <a:ext uri="{FF2B5EF4-FFF2-40B4-BE49-F238E27FC236}">
+                <a16:creationId xmlns:a16="http://schemas.microsoft.com/office/drawing/2014/main" id="{4BD826E4-028A-42A8-BDAA-7099CED3A78E}"/>
               </a:ext>
             </a:extLst>
           </p:cNvPr>
@@ -5359,21 +5359,15 @@
           <p:nvPr/>
         </p:nvPicPr>
         <p:blipFill>
-          <a:blip r:embed="rId4">
-            <a:extLst>
-              <a:ext uri="{28A0092B-C50C-407E-A947-70E740481C1C}">
-                <a14:useLocalDpi xmlns:a14="http://schemas.microsoft.com/office/drawing/2010/main" val="0"/>
-              </a:ext>
-            </a:extLst>
-          </a:blip>
+          <a:blip r:embed="rId4"/>
           <a:stretch>
             <a:fillRect/>
           </a:stretch>
         </p:blipFill>
         <p:spPr>
           <a:xfrm>
-            <a:off x="1433191" y="1642187"/>
-            <a:ext cx="9620500" cy="4627983"/>
+            <a:off x="1225846" y="1418109"/>
+            <a:ext cx="10144623" cy="5255207"/>
           </a:xfrm>
           <a:prstGeom prst="rect">
             <a:avLst/>
@@ -11234,7 +11228,7 @@
         </p:nvSpPr>
         <p:spPr>
           <a:xfrm>
-            <a:off x="2909987" y="712782"/>
+            <a:off x="3175405" y="466586"/>
             <a:ext cx="5632597" cy="769441"/>
           </a:xfrm>
           <a:prstGeom prst="rect">
@@ -11257,87 +11251,108 @@
           </a:p>
         </p:txBody>
       </p:sp>
-      <p:pic>
-        <p:nvPicPr>
-          <p:cNvPr id="67" name="Image 66">
-            <a:extLst>
-              <a:ext uri="{FF2B5EF4-FFF2-40B4-BE49-F238E27FC236}">
-                <a16:creationId xmlns:a16="http://schemas.microsoft.com/office/drawing/2014/main" id="{A566DD53-EBF4-4DD6-821C-713526EBA995}"/>
-              </a:ext>
-            </a:extLst>
-          </p:cNvPr>
-          <p:cNvPicPr>
-            <a:picLocks noChangeAspect="1"/>
-          </p:cNvPicPr>
-          <p:nvPr/>
-        </p:nvPicPr>
-        <p:blipFill>
-          <a:blip r:embed="rId4">
-            <a:duotone>
-              <a:schemeClr val="accent2">
-                <a:shade val="45000"/>
-                <a:satMod val="135000"/>
-              </a:schemeClr>
-              <a:prstClr val="white"/>
-            </a:duotone>
-            <a:extLst>
-              <a:ext uri="{28A0092B-C50C-407E-A947-70E740481C1C}">
-                <a14:useLocalDpi xmlns:a14="http://schemas.microsoft.com/office/drawing/2010/main" val="0"/>
-              </a:ext>
-            </a:extLst>
-          </a:blip>
-          <a:stretch>
-            <a:fillRect/>
-          </a:stretch>
-        </p:blipFill>
-        <p:spPr>
-          <a:xfrm>
-            <a:off x="2003103" y="2553363"/>
-            <a:ext cx="325145" cy="325145"/>
-          </a:xfrm>
-          <a:prstGeom prst="rect">
-            <a:avLst/>
-          </a:prstGeom>
-        </p:spPr>
-      </p:pic>
-      <p:sp>
-        <p:nvSpPr>
-          <p:cNvPr id="68" name="ZoneTexte 67">
-            <a:extLst>
-              <a:ext uri="{FF2B5EF4-FFF2-40B4-BE49-F238E27FC236}">
-                <a16:creationId xmlns:a16="http://schemas.microsoft.com/office/drawing/2014/main" id="{4411CF1A-4F62-4662-9940-BD11D2B94D6C}"/>
-              </a:ext>
-            </a:extLst>
-          </p:cNvPr>
-          <p:cNvSpPr txBox="1"/>
-          <p:nvPr/>
-        </p:nvSpPr>
-        <p:spPr>
-          <a:xfrm>
-            <a:off x="2598862" y="2386341"/>
-            <a:ext cx="6223276" cy="923330"/>
-          </a:xfrm>
-          <a:prstGeom prst="rect">
-            <a:avLst/>
-          </a:prstGeom>
-          <a:noFill/>
-        </p:spPr>
-        <p:txBody>
-          <a:bodyPr wrap="square" rtlCol="0">
-            <a:spAutoFit/>
-          </a:bodyPr>
-          <a:lstStyle/>
-          <a:p>
-            <a:pPr algn="just"/>
-            <a:r>
-              <a:rPr lang="fr-FR" i="1" dirty="0">
-                <a:latin typeface="+mj-lt"/>
-              </a:rPr>
-              <a:t>Le Groupe Olivier est spécialisé dans la production de tomates et de concombres sous serres en verre dans la région nantaise à Haute-Goulaine et Saint-Julien-de-Concelles.</a:t>
-            </a:r>
-          </a:p>
-        </p:txBody>
-      </p:sp>
+      <p:grpSp>
+        <p:nvGrpSpPr>
+          <p:cNvPr id="2" name="Groupe 1">
+            <a:extLst>
+              <a:ext uri="{FF2B5EF4-FFF2-40B4-BE49-F238E27FC236}">
+                <a16:creationId xmlns:a16="http://schemas.microsoft.com/office/drawing/2014/main" id="{47709D6C-4CF8-4F43-81B2-2C77908D00A9}"/>
+              </a:ext>
+            </a:extLst>
+          </p:cNvPr>
+          <p:cNvGrpSpPr/>
+          <p:nvPr/>
+        </p:nvGrpSpPr>
+        <p:grpSpPr>
+          <a:xfrm>
+            <a:off x="2130941" y="2386341"/>
+            <a:ext cx="6691197" cy="923330"/>
+            <a:chOff x="2130941" y="2386341"/>
+            <a:chExt cx="6691197" cy="923330"/>
+          </a:xfrm>
+        </p:grpSpPr>
+        <p:pic>
+          <p:nvPicPr>
+            <p:cNvPr id="67" name="Image 66">
+              <a:extLst>
+                <a:ext uri="{FF2B5EF4-FFF2-40B4-BE49-F238E27FC236}">
+                  <a16:creationId xmlns:a16="http://schemas.microsoft.com/office/drawing/2014/main" id="{A566DD53-EBF4-4DD6-821C-713526EBA995}"/>
+                </a:ext>
+              </a:extLst>
+            </p:cNvPr>
+            <p:cNvPicPr>
+              <a:picLocks noChangeAspect="1"/>
+            </p:cNvPicPr>
+            <p:nvPr/>
+          </p:nvPicPr>
+          <p:blipFill>
+            <a:blip r:embed="rId4">
+              <a:duotone>
+                <a:schemeClr val="accent2">
+                  <a:shade val="45000"/>
+                  <a:satMod val="135000"/>
+                </a:schemeClr>
+                <a:prstClr val="white"/>
+              </a:duotone>
+              <a:extLst>
+                <a:ext uri="{28A0092B-C50C-407E-A947-70E740481C1C}">
+                  <a14:useLocalDpi xmlns:a14="http://schemas.microsoft.com/office/drawing/2010/main" val="0"/>
+                </a:ext>
+              </a:extLst>
+            </a:blip>
+            <a:stretch>
+              <a:fillRect/>
+            </a:stretch>
+          </p:blipFill>
+          <p:spPr>
+            <a:xfrm>
+              <a:off x="2130941" y="2685433"/>
+              <a:ext cx="325145" cy="325145"/>
+            </a:xfrm>
+            <a:prstGeom prst="rect">
+              <a:avLst/>
+            </a:prstGeom>
+          </p:spPr>
+        </p:pic>
+        <p:sp>
+          <p:nvSpPr>
+            <p:cNvPr id="68" name="ZoneTexte 67">
+              <a:extLst>
+                <a:ext uri="{FF2B5EF4-FFF2-40B4-BE49-F238E27FC236}">
+                  <a16:creationId xmlns:a16="http://schemas.microsoft.com/office/drawing/2014/main" id="{4411CF1A-4F62-4662-9940-BD11D2B94D6C}"/>
+                </a:ext>
+              </a:extLst>
+            </p:cNvPr>
+            <p:cNvSpPr txBox="1"/>
+            <p:nvPr/>
+          </p:nvSpPr>
+          <p:spPr>
+            <a:xfrm>
+              <a:off x="2598862" y="2386341"/>
+              <a:ext cx="6223276" cy="923330"/>
+            </a:xfrm>
+            <a:prstGeom prst="rect">
+              <a:avLst/>
+            </a:prstGeom>
+            <a:noFill/>
+          </p:spPr>
+          <p:txBody>
+            <a:bodyPr wrap="square" rtlCol="0">
+              <a:spAutoFit/>
+            </a:bodyPr>
+            <a:lstStyle/>
+            <a:p>
+              <a:pPr algn="just"/>
+              <a:r>
+                <a:rPr lang="fr-FR" i="1" dirty="0">
+                  <a:latin typeface="+mj-lt"/>
+                </a:rPr>
+                <a:t>Le Groupe Olivier est spécialisé dans la production de tomates et de concombres sous serres en verre dans la région nantaise à Haute-Goulaine et Saint-Julien-de-Concelles.</a:t>
+              </a:r>
+            </a:p>
+          </p:txBody>
+        </p:sp>
+      </p:grpSp>
       <p:sp>
         <p:nvSpPr>
           <p:cNvPr id="69" name="ZoneTexte 68">
@@ -11786,7 +11801,7 @@
                                           </p:stCondLst>
                                         </p:cTn>
                                         <p:tgtEl>
-                                          <p:spTgt spid="67"/>
+                                          <p:spTgt spid="78"/>
                                         </p:tgtEl>
                                         <p:attrNameLst>
                                           <p:attrName>style.visibility</p:attrName>
@@ -11800,7 +11815,7 @@
                                       <p:cBhvr>
                                         <p:cTn id="7" dur="1000"/>
                                         <p:tgtEl>
-                                          <p:spTgt spid="67"/>
+                                          <p:spTgt spid="78"/>
                                         </p:tgtEl>
                                       </p:cBhvr>
                                     </p:animEffect>
@@ -11808,7 +11823,7 @@
                                       <p:cBhvr>
                                         <p:cTn id="8" dur="1000" fill="hold"/>
                                         <p:tgtEl>
-                                          <p:spTgt spid="67"/>
+                                          <p:spTgt spid="78"/>
                                         </p:tgtEl>
                                         <p:attrNameLst>
                                           <p:attrName>ppt_x</p:attrName>
@@ -11831,7 +11846,7 @@
                                       <p:cBhvr>
                                         <p:cTn id="9" dur="1000" fill="hold"/>
                                         <p:tgtEl>
-                                          <p:spTgt spid="67"/>
+                                          <p:spTgt spid="78"/>
                                         </p:tgtEl>
                                         <p:attrNameLst>
                                           <p:attrName>ppt_y</p:attrName>
@@ -11867,7 +11882,7 @@
                                           </p:stCondLst>
                                         </p:cTn>
                                         <p:tgtEl>
-                                          <p:spTgt spid="68"/>
+                                          <p:spTgt spid="69"/>
                                         </p:tgtEl>
                                         <p:attrNameLst>
                                           <p:attrName>style.visibility</p:attrName>
@@ -11881,7 +11896,7 @@
                                       <p:cBhvr>
                                         <p:cTn id="12" dur="1000"/>
                                         <p:tgtEl>
-                                          <p:spTgt spid="68"/>
+                                          <p:spTgt spid="69"/>
                                         </p:tgtEl>
                                       </p:cBhvr>
                                     </p:animEffect>
@@ -11889,7 +11904,7 @@
                                       <p:cBhvr>
                                         <p:cTn id="13" dur="1000" fill="hold"/>
                                         <p:tgtEl>
-                                          <p:spTgt spid="68"/>
+                                          <p:spTgt spid="69"/>
                                         </p:tgtEl>
                                         <p:attrNameLst>
                                           <p:attrName>ppt_x</p:attrName>
@@ -11912,7 +11927,331 @@
                                       <p:cBhvr>
                                         <p:cTn id="14" dur="1000" fill="hold"/>
                                         <p:tgtEl>
-                                          <p:spTgt spid="68"/>
+                                          <p:spTgt spid="69"/>
+                                        </p:tgtEl>
+                                        <p:attrNameLst>
+                                          <p:attrName>ppt_y</p:attrName>
+                                        </p:attrNameLst>
+                                      </p:cBhvr>
+                                      <p:tavLst>
+                                        <p:tav tm="0">
+                                          <p:val>
+                                            <p:strVal val="#ppt_y+.1"/>
+                                          </p:val>
+                                        </p:tav>
+                                        <p:tav tm="100000">
+                                          <p:val>
+                                            <p:strVal val="#ppt_y"/>
+                                          </p:val>
+                                        </p:tav>
+                                      </p:tavLst>
+                                    </p:anim>
+                                  </p:childTnLst>
+                                </p:cTn>
+                              </p:par>
+                              <p:par>
+                                <p:cTn id="15" presetID="42" presetClass="entr" presetSubtype="0" fill="hold" nodeType="withEffect">
+                                  <p:stCondLst>
+                                    <p:cond delay="0"/>
+                                  </p:stCondLst>
+                                  <p:childTnLst>
+                                    <p:set>
+                                      <p:cBhvr>
+                                        <p:cTn id="16" dur="1" fill="hold">
+                                          <p:stCondLst>
+                                            <p:cond delay="0"/>
+                                          </p:stCondLst>
+                                        </p:cTn>
+                                        <p:tgtEl>
+                                          <p:spTgt spid="74"/>
+                                        </p:tgtEl>
+                                        <p:attrNameLst>
+                                          <p:attrName>style.visibility</p:attrName>
+                                        </p:attrNameLst>
+                                      </p:cBhvr>
+                                      <p:to>
+                                        <p:strVal val="visible"/>
+                                      </p:to>
+                                    </p:set>
+                                    <p:animEffect transition="in" filter="fade">
+                                      <p:cBhvr>
+                                        <p:cTn id="17" dur="1000"/>
+                                        <p:tgtEl>
+                                          <p:spTgt spid="74"/>
+                                        </p:tgtEl>
+                                      </p:cBhvr>
+                                    </p:animEffect>
+                                    <p:anim calcmode="lin" valueType="num">
+                                      <p:cBhvr>
+                                        <p:cTn id="18" dur="1000" fill="hold"/>
+                                        <p:tgtEl>
+                                          <p:spTgt spid="74"/>
+                                        </p:tgtEl>
+                                        <p:attrNameLst>
+                                          <p:attrName>ppt_x</p:attrName>
+                                        </p:attrNameLst>
+                                      </p:cBhvr>
+                                      <p:tavLst>
+                                        <p:tav tm="0">
+                                          <p:val>
+                                            <p:strVal val="#ppt_x"/>
+                                          </p:val>
+                                        </p:tav>
+                                        <p:tav tm="100000">
+                                          <p:val>
+                                            <p:strVal val="#ppt_x"/>
+                                          </p:val>
+                                        </p:tav>
+                                      </p:tavLst>
+                                    </p:anim>
+                                    <p:anim calcmode="lin" valueType="num">
+                                      <p:cBhvr>
+                                        <p:cTn id="19" dur="1000" fill="hold"/>
+                                        <p:tgtEl>
+                                          <p:spTgt spid="74"/>
+                                        </p:tgtEl>
+                                        <p:attrNameLst>
+                                          <p:attrName>ppt_y</p:attrName>
+                                        </p:attrNameLst>
+                                      </p:cBhvr>
+                                      <p:tavLst>
+                                        <p:tav tm="0">
+                                          <p:val>
+                                            <p:strVal val="#ppt_y+.1"/>
+                                          </p:val>
+                                        </p:tav>
+                                        <p:tav tm="100000">
+                                          <p:val>
+                                            <p:strVal val="#ppt_y"/>
+                                          </p:val>
+                                        </p:tav>
+                                      </p:tavLst>
+                                    </p:anim>
+                                  </p:childTnLst>
+                                </p:cTn>
+                              </p:par>
+                              <p:par>
+                                <p:cTn id="20" presetID="42" presetClass="entr" presetSubtype="0" fill="hold" nodeType="withEffect">
+                                  <p:stCondLst>
+                                    <p:cond delay="0"/>
+                                  </p:stCondLst>
+                                  <p:childTnLst>
+                                    <p:set>
+                                      <p:cBhvr>
+                                        <p:cTn id="21" dur="1" fill="hold">
+                                          <p:stCondLst>
+                                            <p:cond delay="0"/>
+                                          </p:stCondLst>
+                                        </p:cTn>
+                                        <p:tgtEl>
+                                          <p:spTgt spid="75"/>
+                                        </p:tgtEl>
+                                        <p:attrNameLst>
+                                          <p:attrName>style.visibility</p:attrName>
+                                        </p:attrNameLst>
+                                      </p:cBhvr>
+                                      <p:to>
+                                        <p:strVal val="visible"/>
+                                      </p:to>
+                                    </p:set>
+                                    <p:animEffect transition="in" filter="fade">
+                                      <p:cBhvr>
+                                        <p:cTn id="22" dur="1000"/>
+                                        <p:tgtEl>
+                                          <p:spTgt spid="75"/>
+                                        </p:tgtEl>
+                                      </p:cBhvr>
+                                    </p:animEffect>
+                                    <p:anim calcmode="lin" valueType="num">
+                                      <p:cBhvr>
+                                        <p:cTn id="23" dur="1000" fill="hold"/>
+                                        <p:tgtEl>
+                                          <p:spTgt spid="75"/>
+                                        </p:tgtEl>
+                                        <p:attrNameLst>
+                                          <p:attrName>ppt_x</p:attrName>
+                                        </p:attrNameLst>
+                                      </p:cBhvr>
+                                      <p:tavLst>
+                                        <p:tav tm="0">
+                                          <p:val>
+                                            <p:strVal val="#ppt_x"/>
+                                          </p:val>
+                                        </p:tav>
+                                        <p:tav tm="100000">
+                                          <p:val>
+                                            <p:strVal val="#ppt_x"/>
+                                          </p:val>
+                                        </p:tav>
+                                      </p:tavLst>
+                                    </p:anim>
+                                    <p:anim calcmode="lin" valueType="num">
+                                      <p:cBhvr>
+                                        <p:cTn id="24" dur="1000" fill="hold"/>
+                                        <p:tgtEl>
+                                          <p:spTgt spid="75"/>
+                                        </p:tgtEl>
+                                        <p:attrNameLst>
+                                          <p:attrName>ppt_y</p:attrName>
+                                        </p:attrNameLst>
+                                      </p:cBhvr>
+                                      <p:tavLst>
+                                        <p:tav tm="0">
+                                          <p:val>
+                                            <p:strVal val="#ppt_y+.1"/>
+                                          </p:val>
+                                        </p:tav>
+                                        <p:tav tm="100000">
+                                          <p:val>
+                                            <p:strVal val="#ppt_y"/>
+                                          </p:val>
+                                        </p:tav>
+                                      </p:tavLst>
+                                    </p:anim>
+                                  </p:childTnLst>
+                                </p:cTn>
+                              </p:par>
+                              <p:par>
+                                <p:cTn id="25" presetID="42" presetClass="entr" presetSubtype="0" fill="hold" nodeType="withEffect">
+                                  <p:stCondLst>
+                                    <p:cond delay="0"/>
+                                  </p:stCondLst>
+                                  <p:childTnLst>
+                                    <p:set>
+                                      <p:cBhvr>
+                                        <p:cTn id="26" dur="1" fill="hold">
+                                          <p:stCondLst>
+                                            <p:cond delay="0"/>
+                                          </p:stCondLst>
+                                        </p:cTn>
+                                        <p:tgtEl>
+                                          <p:spTgt spid="76"/>
+                                        </p:tgtEl>
+                                        <p:attrNameLst>
+                                          <p:attrName>style.visibility</p:attrName>
+                                        </p:attrNameLst>
+                                      </p:cBhvr>
+                                      <p:to>
+                                        <p:strVal val="visible"/>
+                                      </p:to>
+                                    </p:set>
+                                    <p:animEffect transition="in" filter="fade">
+                                      <p:cBhvr>
+                                        <p:cTn id="27" dur="1000"/>
+                                        <p:tgtEl>
+                                          <p:spTgt spid="76"/>
+                                        </p:tgtEl>
+                                      </p:cBhvr>
+                                    </p:animEffect>
+                                    <p:anim calcmode="lin" valueType="num">
+                                      <p:cBhvr>
+                                        <p:cTn id="28" dur="1000" fill="hold"/>
+                                        <p:tgtEl>
+                                          <p:spTgt spid="76"/>
+                                        </p:tgtEl>
+                                        <p:attrNameLst>
+                                          <p:attrName>ppt_x</p:attrName>
+                                        </p:attrNameLst>
+                                      </p:cBhvr>
+                                      <p:tavLst>
+                                        <p:tav tm="0">
+                                          <p:val>
+                                            <p:strVal val="#ppt_x"/>
+                                          </p:val>
+                                        </p:tav>
+                                        <p:tav tm="100000">
+                                          <p:val>
+                                            <p:strVal val="#ppt_x"/>
+                                          </p:val>
+                                        </p:tav>
+                                      </p:tavLst>
+                                    </p:anim>
+                                    <p:anim calcmode="lin" valueType="num">
+                                      <p:cBhvr>
+                                        <p:cTn id="29" dur="1000" fill="hold"/>
+                                        <p:tgtEl>
+                                          <p:spTgt spid="76"/>
+                                        </p:tgtEl>
+                                        <p:attrNameLst>
+                                          <p:attrName>ppt_y</p:attrName>
+                                        </p:attrNameLst>
+                                      </p:cBhvr>
+                                      <p:tavLst>
+                                        <p:tav tm="0">
+                                          <p:val>
+                                            <p:strVal val="#ppt_y+.1"/>
+                                          </p:val>
+                                        </p:tav>
+                                        <p:tav tm="100000">
+                                          <p:val>
+                                            <p:strVal val="#ppt_y"/>
+                                          </p:val>
+                                        </p:tav>
+                                      </p:tavLst>
+                                    </p:anim>
+                                  </p:childTnLst>
+                                </p:cTn>
+                              </p:par>
+                              <p:par>
+                                <p:cTn id="30" presetID="42" presetClass="entr" presetSubtype="0" fill="hold" nodeType="withEffect">
+                                  <p:stCondLst>
+                                    <p:cond delay="0"/>
+                                  </p:stCondLst>
+                                  <p:childTnLst>
+                                    <p:set>
+                                      <p:cBhvr>
+                                        <p:cTn id="31" dur="1" fill="hold">
+                                          <p:stCondLst>
+                                            <p:cond delay="0"/>
+                                          </p:stCondLst>
+                                        </p:cTn>
+                                        <p:tgtEl>
+                                          <p:spTgt spid="77"/>
+                                        </p:tgtEl>
+                                        <p:attrNameLst>
+                                          <p:attrName>style.visibility</p:attrName>
+                                        </p:attrNameLst>
+                                      </p:cBhvr>
+                                      <p:to>
+                                        <p:strVal val="visible"/>
+                                      </p:to>
+                                    </p:set>
+                                    <p:animEffect transition="in" filter="fade">
+                                      <p:cBhvr>
+                                        <p:cTn id="32" dur="1000"/>
+                                        <p:tgtEl>
+                                          <p:spTgt spid="77"/>
+                                        </p:tgtEl>
+                                      </p:cBhvr>
+                                    </p:animEffect>
+                                    <p:anim calcmode="lin" valueType="num">
+                                      <p:cBhvr>
+                                        <p:cTn id="33" dur="1000" fill="hold"/>
+                                        <p:tgtEl>
+                                          <p:spTgt spid="77"/>
+                                        </p:tgtEl>
+                                        <p:attrNameLst>
+                                          <p:attrName>ppt_x</p:attrName>
+                                        </p:attrNameLst>
+                                      </p:cBhvr>
+                                      <p:tavLst>
+                                        <p:tav tm="0">
+                                          <p:val>
+                                            <p:strVal val="#ppt_x"/>
+                                          </p:val>
+                                        </p:tav>
+                                        <p:tav tm="100000">
+                                          <p:val>
+                                            <p:strVal val="#ppt_x"/>
+                                          </p:val>
+                                        </p:tav>
+                                      </p:tavLst>
+                                    </p:anim>
+                                    <p:anim calcmode="lin" valueType="num">
+                                      <p:cBhvr>
+                                        <p:cTn id="34" dur="1000" fill="hold"/>
+                                        <p:tgtEl>
+                                          <p:spTgt spid="77"/>
                                         </p:tgtEl>
                                         <p:attrNameLst>
                                           <p:attrName>ppt_y</p:attrName>
@@ -11941,343 +12280,19 @@
                     </p:cTn>
                   </p:par>
                   <p:par>
-                    <p:cTn id="15" fill="hold">
+                    <p:cTn id="35" fill="hold">
                       <p:stCondLst>
                         <p:cond delay="indefinite"/>
                       </p:stCondLst>
                       <p:childTnLst>
                         <p:par>
-                          <p:cTn id="16" fill="hold">
+                          <p:cTn id="36" fill="hold">
                             <p:stCondLst>
                               <p:cond delay="0"/>
                             </p:stCondLst>
                             <p:childTnLst>
                               <p:par>
-                                <p:cTn id="17" presetID="42" presetClass="entr" presetSubtype="0" fill="hold" nodeType="clickEffect">
-                                  <p:stCondLst>
-                                    <p:cond delay="0"/>
-                                  </p:stCondLst>
-                                  <p:childTnLst>
-                                    <p:set>
-                                      <p:cBhvr>
-                                        <p:cTn id="18" dur="1" fill="hold">
-                                          <p:stCondLst>
-                                            <p:cond delay="0"/>
-                                          </p:stCondLst>
-                                        </p:cTn>
-                                        <p:tgtEl>
-                                          <p:spTgt spid="78"/>
-                                        </p:tgtEl>
-                                        <p:attrNameLst>
-                                          <p:attrName>style.visibility</p:attrName>
-                                        </p:attrNameLst>
-                                      </p:cBhvr>
-                                      <p:to>
-                                        <p:strVal val="visible"/>
-                                      </p:to>
-                                    </p:set>
-                                    <p:animEffect transition="in" filter="fade">
-                                      <p:cBhvr>
-                                        <p:cTn id="19" dur="1000"/>
-                                        <p:tgtEl>
-                                          <p:spTgt spid="78"/>
-                                        </p:tgtEl>
-                                      </p:cBhvr>
-                                    </p:animEffect>
-                                    <p:anim calcmode="lin" valueType="num">
-                                      <p:cBhvr>
-                                        <p:cTn id="20" dur="1000" fill="hold"/>
-                                        <p:tgtEl>
-                                          <p:spTgt spid="78"/>
-                                        </p:tgtEl>
-                                        <p:attrNameLst>
-                                          <p:attrName>ppt_x</p:attrName>
-                                        </p:attrNameLst>
-                                      </p:cBhvr>
-                                      <p:tavLst>
-                                        <p:tav tm="0">
-                                          <p:val>
-                                            <p:strVal val="#ppt_x"/>
-                                          </p:val>
-                                        </p:tav>
-                                        <p:tav tm="100000">
-                                          <p:val>
-                                            <p:strVal val="#ppt_x"/>
-                                          </p:val>
-                                        </p:tav>
-                                      </p:tavLst>
-                                    </p:anim>
-                                    <p:anim calcmode="lin" valueType="num">
-                                      <p:cBhvr>
-                                        <p:cTn id="21" dur="1000" fill="hold"/>
-                                        <p:tgtEl>
-                                          <p:spTgt spid="78"/>
-                                        </p:tgtEl>
-                                        <p:attrNameLst>
-                                          <p:attrName>ppt_y</p:attrName>
-                                        </p:attrNameLst>
-                                      </p:cBhvr>
-                                      <p:tavLst>
-                                        <p:tav tm="0">
-                                          <p:val>
-                                            <p:strVal val="#ppt_y+.1"/>
-                                          </p:val>
-                                        </p:tav>
-                                        <p:tav tm="100000">
-                                          <p:val>
-                                            <p:strVal val="#ppt_y"/>
-                                          </p:val>
-                                        </p:tav>
-                                      </p:tavLst>
-                                    </p:anim>
-                                  </p:childTnLst>
-                                </p:cTn>
-                              </p:par>
-                              <p:par>
-                                <p:cTn id="22" presetID="42" presetClass="entr" presetSubtype="0" fill="hold" grpId="0" nodeType="withEffect">
-                                  <p:stCondLst>
-                                    <p:cond delay="0"/>
-                                  </p:stCondLst>
-                                  <p:childTnLst>
-                                    <p:set>
-                                      <p:cBhvr>
-                                        <p:cTn id="23" dur="1" fill="hold">
-                                          <p:stCondLst>
-                                            <p:cond delay="0"/>
-                                          </p:stCondLst>
-                                        </p:cTn>
-                                        <p:tgtEl>
-                                          <p:spTgt spid="69"/>
-                                        </p:tgtEl>
-                                        <p:attrNameLst>
-                                          <p:attrName>style.visibility</p:attrName>
-                                        </p:attrNameLst>
-                                      </p:cBhvr>
-                                      <p:to>
-                                        <p:strVal val="visible"/>
-                                      </p:to>
-                                    </p:set>
-                                    <p:animEffect transition="in" filter="fade">
-                                      <p:cBhvr>
-                                        <p:cTn id="24" dur="1000"/>
-                                        <p:tgtEl>
-                                          <p:spTgt spid="69"/>
-                                        </p:tgtEl>
-                                      </p:cBhvr>
-                                    </p:animEffect>
-                                    <p:anim calcmode="lin" valueType="num">
-                                      <p:cBhvr>
-                                        <p:cTn id="25" dur="1000" fill="hold"/>
-                                        <p:tgtEl>
-                                          <p:spTgt spid="69"/>
-                                        </p:tgtEl>
-                                        <p:attrNameLst>
-                                          <p:attrName>ppt_x</p:attrName>
-                                        </p:attrNameLst>
-                                      </p:cBhvr>
-                                      <p:tavLst>
-                                        <p:tav tm="0">
-                                          <p:val>
-                                            <p:strVal val="#ppt_x"/>
-                                          </p:val>
-                                        </p:tav>
-                                        <p:tav tm="100000">
-                                          <p:val>
-                                            <p:strVal val="#ppt_x"/>
-                                          </p:val>
-                                        </p:tav>
-                                      </p:tavLst>
-                                    </p:anim>
-                                    <p:anim calcmode="lin" valueType="num">
-                                      <p:cBhvr>
-                                        <p:cTn id="26" dur="1000" fill="hold"/>
-                                        <p:tgtEl>
-                                          <p:spTgt spid="69"/>
-                                        </p:tgtEl>
-                                        <p:attrNameLst>
-                                          <p:attrName>ppt_y</p:attrName>
-                                        </p:attrNameLst>
-                                      </p:cBhvr>
-                                      <p:tavLst>
-                                        <p:tav tm="0">
-                                          <p:val>
-                                            <p:strVal val="#ppt_y+.1"/>
-                                          </p:val>
-                                        </p:tav>
-                                        <p:tav tm="100000">
-                                          <p:val>
-                                            <p:strVal val="#ppt_y"/>
-                                          </p:val>
-                                        </p:tav>
-                                      </p:tavLst>
-                                    </p:anim>
-                                  </p:childTnLst>
-                                </p:cTn>
-                              </p:par>
-                              <p:par>
-                                <p:cTn id="27" presetID="42" presetClass="entr" presetSubtype="0" fill="hold" nodeType="withEffect">
-                                  <p:stCondLst>
-                                    <p:cond delay="0"/>
-                                  </p:stCondLst>
-                                  <p:childTnLst>
-                                    <p:set>
-                                      <p:cBhvr>
-                                        <p:cTn id="28" dur="1" fill="hold">
-                                          <p:stCondLst>
-                                            <p:cond delay="0"/>
-                                          </p:stCondLst>
-                                        </p:cTn>
-                                        <p:tgtEl>
-                                          <p:spTgt spid="74"/>
-                                        </p:tgtEl>
-                                        <p:attrNameLst>
-                                          <p:attrName>style.visibility</p:attrName>
-                                        </p:attrNameLst>
-                                      </p:cBhvr>
-                                      <p:to>
-                                        <p:strVal val="visible"/>
-                                      </p:to>
-                                    </p:set>
-                                    <p:animEffect transition="in" filter="fade">
-                                      <p:cBhvr>
-                                        <p:cTn id="29" dur="1000"/>
-                                        <p:tgtEl>
-                                          <p:spTgt spid="74"/>
-                                        </p:tgtEl>
-                                      </p:cBhvr>
-                                    </p:animEffect>
-                                    <p:anim calcmode="lin" valueType="num">
-                                      <p:cBhvr>
-                                        <p:cTn id="30" dur="1000" fill="hold"/>
-                                        <p:tgtEl>
-                                          <p:spTgt spid="74"/>
-                                        </p:tgtEl>
-                                        <p:attrNameLst>
-                                          <p:attrName>ppt_x</p:attrName>
-                                        </p:attrNameLst>
-                                      </p:cBhvr>
-                                      <p:tavLst>
-                                        <p:tav tm="0">
-                                          <p:val>
-                                            <p:strVal val="#ppt_x"/>
-                                          </p:val>
-                                        </p:tav>
-                                        <p:tav tm="100000">
-                                          <p:val>
-                                            <p:strVal val="#ppt_x"/>
-                                          </p:val>
-                                        </p:tav>
-                                      </p:tavLst>
-                                    </p:anim>
-                                    <p:anim calcmode="lin" valueType="num">
-                                      <p:cBhvr>
-                                        <p:cTn id="31" dur="1000" fill="hold"/>
-                                        <p:tgtEl>
-                                          <p:spTgt spid="74"/>
-                                        </p:tgtEl>
-                                        <p:attrNameLst>
-                                          <p:attrName>ppt_y</p:attrName>
-                                        </p:attrNameLst>
-                                      </p:cBhvr>
-                                      <p:tavLst>
-                                        <p:tav tm="0">
-                                          <p:val>
-                                            <p:strVal val="#ppt_y+.1"/>
-                                          </p:val>
-                                        </p:tav>
-                                        <p:tav tm="100000">
-                                          <p:val>
-                                            <p:strVal val="#ppt_y"/>
-                                          </p:val>
-                                        </p:tav>
-                                      </p:tavLst>
-                                    </p:anim>
-                                  </p:childTnLst>
-                                </p:cTn>
-                              </p:par>
-                              <p:par>
-                                <p:cTn id="32" presetID="42" presetClass="entr" presetSubtype="0" fill="hold" nodeType="withEffect">
-                                  <p:stCondLst>
-                                    <p:cond delay="0"/>
-                                  </p:stCondLst>
-                                  <p:childTnLst>
-                                    <p:set>
-                                      <p:cBhvr>
-                                        <p:cTn id="33" dur="1" fill="hold">
-                                          <p:stCondLst>
-                                            <p:cond delay="0"/>
-                                          </p:stCondLst>
-                                        </p:cTn>
-                                        <p:tgtEl>
-                                          <p:spTgt spid="75"/>
-                                        </p:tgtEl>
-                                        <p:attrNameLst>
-                                          <p:attrName>style.visibility</p:attrName>
-                                        </p:attrNameLst>
-                                      </p:cBhvr>
-                                      <p:to>
-                                        <p:strVal val="visible"/>
-                                      </p:to>
-                                    </p:set>
-                                    <p:animEffect transition="in" filter="fade">
-                                      <p:cBhvr>
-                                        <p:cTn id="34" dur="1000"/>
-                                        <p:tgtEl>
-                                          <p:spTgt spid="75"/>
-                                        </p:tgtEl>
-                                      </p:cBhvr>
-                                    </p:animEffect>
-                                    <p:anim calcmode="lin" valueType="num">
-                                      <p:cBhvr>
-                                        <p:cTn id="35" dur="1000" fill="hold"/>
-                                        <p:tgtEl>
-                                          <p:spTgt spid="75"/>
-                                        </p:tgtEl>
-                                        <p:attrNameLst>
-                                          <p:attrName>ppt_x</p:attrName>
-                                        </p:attrNameLst>
-                                      </p:cBhvr>
-                                      <p:tavLst>
-                                        <p:tav tm="0">
-                                          <p:val>
-                                            <p:strVal val="#ppt_x"/>
-                                          </p:val>
-                                        </p:tav>
-                                        <p:tav tm="100000">
-                                          <p:val>
-                                            <p:strVal val="#ppt_x"/>
-                                          </p:val>
-                                        </p:tav>
-                                      </p:tavLst>
-                                    </p:anim>
-                                    <p:anim calcmode="lin" valueType="num">
-                                      <p:cBhvr>
-                                        <p:cTn id="36" dur="1000" fill="hold"/>
-                                        <p:tgtEl>
-                                          <p:spTgt spid="75"/>
-                                        </p:tgtEl>
-                                        <p:attrNameLst>
-                                          <p:attrName>ppt_y</p:attrName>
-                                        </p:attrNameLst>
-                                      </p:cBhvr>
-                                      <p:tavLst>
-                                        <p:tav tm="0">
-                                          <p:val>
-                                            <p:strVal val="#ppt_y+.1"/>
-                                          </p:val>
-                                        </p:tav>
-                                        <p:tav tm="100000">
-                                          <p:val>
-                                            <p:strVal val="#ppt_y"/>
-                                          </p:val>
-                                        </p:tav>
-                                      </p:tavLst>
-                                    </p:anim>
-                                  </p:childTnLst>
-                                </p:cTn>
-                              </p:par>
-                              <p:par>
-                                <p:cTn id="37" presetID="42" presetClass="entr" presetSubtype="0" fill="hold" nodeType="withEffect">
+                                <p:cTn id="37" presetID="42" presetClass="entr" presetSubtype="0" fill="hold" nodeType="clickEffect">
                                   <p:stCondLst>
                                     <p:cond delay="0"/>
                                   </p:stCondLst>
@@ -12290,7 +12305,7 @@
                                           </p:stCondLst>
                                         </p:cTn>
                                         <p:tgtEl>
-                                          <p:spTgt spid="76"/>
+                                          <p:spTgt spid="71"/>
                                         </p:tgtEl>
                                         <p:attrNameLst>
                                           <p:attrName>style.visibility</p:attrName>
@@ -12304,7 +12319,7 @@
                                       <p:cBhvr>
                                         <p:cTn id="39" dur="1000"/>
                                         <p:tgtEl>
-                                          <p:spTgt spid="76"/>
+                                          <p:spTgt spid="71"/>
                                         </p:tgtEl>
                                       </p:cBhvr>
                                     </p:animEffect>
@@ -12312,7 +12327,7 @@
                                       <p:cBhvr>
                                         <p:cTn id="40" dur="1000" fill="hold"/>
                                         <p:tgtEl>
-                                          <p:spTgt spid="76"/>
+                                          <p:spTgt spid="71"/>
                                         </p:tgtEl>
                                         <p:attrNameLst>
                                           <p:attrName>ppt_x</p:attrName>
@@ -12335,7 +12350,7 @@
                                       <p:cBhvr>
                                         <p:cTn id="41" dur="1000" fill="hold"/>
                                         <p:tgtEl>
-                                          <p:spTgt spid="76"/>
+                                          <p:spTgt spid="71"/>
                                         </p:tgtEl>
                                         <p:attrNameLst>
                                           <p:attrName>ppt_y</p:attrName>
@@ -12371,7 +12386,7 @@
                                           </p:stCondLst>
                                         </p:cTn>
                                         <p:tgtEl>
-                                          <p:spTgt spid="77"/>
+                                          <p:spTgt spid="70"/>
                                         </p:tgtEl>
                                         <p:attrNameLst>
                                           <p:attrName>style.visibility</p:attrName>
@@ -12385,193 +12400,13 @@
                                       <p:cBhvr>
                                         <p:cTn id="44" dur="1000"/>
                                         <p:tgtEl>
-                                          <p:spTgt spid="77"/>
+                                          <p:spTgt spid="70"/>
                                         </p:tgtEl>
                                       </p:cBhvr>
                                     </p:animEffect>
                                     <p:anim calcmode="lin" valueType="num">
                                       <p:cBhvr>
                                         <p:cTn id="45" dur="1000" fill="hold"/>
-                                        <p:tgtEl>
-                                          <p:spTgt spid="77"/>
-                                        </p:tgtEl>
-                                        <p:attrNameLst>
-                                          <p:attrName>ppt_x</p:attrName>
-                                        </p:attrNameLst>
-                                      </p:cBhvr>
-                                      <p:tavLst>
-                                        <p:tav tm="0">
-                                          <p:val>
-                                            <p:strVal val="#ppt_x"/>
-                                          </p:val>
-                                        </p:tav>
-                                        <p:tav tm="100000">
-                                          <p:val>
-                                            <p:strVal val="#ppt_x"/>
-                                          </p:val>
-                                        </p:tav>
-                                      </p:tavLst>
-                                    </p:anim>
-                                    <p:anim calcmode="lin" valueType="num">
-                                      <p:cBhvr>
-                                        <p:cTn id="46" dur="1000" fill="hold"/>
-                                        <p:tgtEl>
-                                          <p:spTgt spid="77"/>
-                                        </p:tgtEl>
-                                        <p:attrNameLst>
-                                          <p:attrName>ppt_y</p:attrName>
-                                        </p:attrNameLst>
-                                      </p:cBhvr>
-                                      <p:tavLst>
-                                        <p:tav tm="0">
-                                          <p:val>
-                                            <p:strVal val="#ppt_y+.1"/>
-                                          </p:val>
-                                        </p:tav>
-                                        <p:tav tm="100000">
-                                          <p:val>
-                                            <p:strVal val="#ppt_y"/>
-                                          </p:val>
-                                        </p:tav>
-                                      </p:tavLst>
-                                    </p:anim>
-                                  </p:childTnLst>
-                                </p:cTn>
-                              </p:par>
-                            </p:childTnLst>
-                          </p:cTn>
-                        </p:par>
-                      </p:childTnLst>
-                    </p:cTn>
-                  </p:par>
-                  <p:par>
-                    <p:cTn id="47" fill="hold">
-                      <p:stCondLst>
-                        <p:cond delay="indefinite"/>
-                      </p:stCondLst>
-                      <p:childTnLst>
-                        <p:par>
-                          <p:cTn id="48" fill="hold">
-                            <p:stCondLst>
-                              <p:cond delay="0"/>
-                            </p:stCondLst>
-                            <p:childTnLst>
-                              <p:par>
-                                <p:cTn id="49" presetID="42" presetClass="entr" presetSubtype="0" fill="hold" nodeType="clickEffect">
-                                  <p:stCondLst>
-                                    <p:cond delay="0"/>
-                                  </p:stCondLst>
-                                  <p:childTnLst>
-                                    <p:set>
-                                      <p:cBhvr>
-                                        <p:cTn id="50" dur="1" fill="hold">
-                                          <p:stCondLst>
-                                            <p:cond delay="0"/>
-                                          </p:stCondLst>
-                                        </p:cTn>
-                                        <p:tgtEl>
-                                          <p:spTgt spid="71"/>
-                                        </p:tgtEl>
-                                        <p:attrNameLst>
-                                          <p:attrName>style.visibility</p:attrName>
-                                        </p:attrNameLst>
-                                      </p:cBhvr>
-                                      <p:to>
-                                        <p:strVal val="visible"/>
-                                      </p:to>
-                                    </p:set>
-                                    <p:animEffect transition="in" filter="fade">
-                                      <p:cBhvr>
-                                        <p:cTn id="51" dur="1000"/>
-                                        <p:tgtEl>
-                                          <p:spTgt spid="71"/>
-                                        </p:tgtEl>
-                                      </p:cBhvr>
-                                    </p:animEffect>
-                                    <p:anim calcmode="lin" valueType="num">
-                                      <p:cBhvr>
-                                        <p:cTn id="52" dur="1000" fill="hold"/>
-                                        <p:tgtEl>
-                                          <p:spTgt spid="71"/>
-                                        </p:tgtEl>
-                                        <p:attrNameLst>
-                                          <p:attrName>ppt_x</p:attrName>
-                                        </p:attrNameLst>
-                                      </p:cBhvr>
-                                      <p:tavLst>
-                                        <p:tav tm="0">
-                                          <p:val>
-                                            <p:strVal val="#ppt_x"/>
-                                          </p:val>
-                                        </p:tav>
-                                        <p:tav tm="100000">
-                                          <p:val>
-                                            <p:strVal val="#ppt_x"/>
-                                          </p:val>
-                                        </p:tav>
-                                      </p:tavLst>
-                                    </p:anim>
-                                    <p:anim calcmode="lin" valueType="num">
-                                      <p:cBhvr>
-                                        <p:cTn id="53" dur="1000" fill="hold"/>
-                                        <p:tgtEl>
-                                          <p:spTgt spid="71"/>
-                                        </p:tgtEl>
-                                        <p:attrNameLst>
-                                          <p:attrName>ppt_y</p:attrName>
-                                        </p:attrNameLst>
-                                      </p:cBhvr>
-                                      <p:tavLst>
-                                        <p:tav tm="0">
-                                          <p:val>
-                                            <p:strVal val="#ppt_y+.1"/>
-                                          </p:val>
-                                        </p:tav>
-                                        <p:tav tm="100000">
-                                          <p:val>
-                                            <p:strVal val="#ppt_y"/>
-                                          </p:val>
-                                        </p:tav>
-                                      </p:tavLst>
-                                    </p:anim>
-                                  </p:childTnLst>
-                                </p:cTn>
-                              </p:par>
-                              <p:par>
-                                <p:cTn id="54" presetID="42" presetClass="entr" presetSubtype="0" fill="hold" nodeType="withEffect">
-                                  <p:stCondLst>
-                                    <p:cond delay="0"/>
-                                  </p:stCondLst>
-                                  <p:childTnLst>
-                                    <p:set>
-                                      <p:cBhvr>
-                                        <p:cTn id="55" dur="1" fill="hold">
-                                          <p:stCondLst>
-                                            <p:cond delay="0"/>
-                                          </p:stCondLst>
-                                        </p:cTn>
-                                        <p:tgtEl>
-                                          <p:spTgt spid="70"/>
-                                        </p:tgtEl>
-                                        <p:attrNameLst>
-                                          <p:attrName>style.visibility</p:attrName>
-                                        </p:attrNameLst>
-                                      </p:cBhvr>
-                                      <p:to>
-                                        <p:strVal val="visible"/>
-                                      </p:to>
-                                    </p:set>
-                                    <p:animEffect transition="in" filter="fade">
-                                      <p:cBhvr>
-                                        <p:cTn id="56" dur="1000"/>
-                                        <p:tgtEl>
-                                          <p:spTgt spid="70"/>
-                                        </p:tgtEl>
-                                      </p:cBhvr>
-                                    </p:animEffect>
-                                    <p:anim calcmode="lin" valueType="num">
-                                      <p:cBhvr>
-                                        <p:cTn id="57" dur="1000" fill="hold"/>
                                         <p:tgtEl>
                                           <p:spTgt spid="70"/>
                                         </p:tgtEl>
@@ -12594,7 +12429,7 @@
                                     </p:anim>
                                     <p:anim calcmode="lin" valueType="num">
                                       <p:cBhvr>
-                                        <p:cTn id="58" dur="1000" fill="hold"/>
+                                        <p:cTn id="46" dur="1000" fill="hold"/>
                                         <p:tgtEl>
                                           <p:spTgt spid="70"/>
                                         </p:tgtEl>
@@ -12619,14 +12454,14 @@
                                 </p:cTn>
                               </p:par>
                               <p:par>
-                                <p:cTn id="59" presetID="42" presetClass="entr" presetSubtype="0" fill="hold" nodeType="withEffect">
+                                <p:cTn id="47" presetID="42" presetClass="entr" presetSubtype="0" fill="hold" nodeType="withEffect">
                                   <p:stCondLst>
                                     <p:cond delay="0"/>
                                   </p:stCondLst>
                                   <p:childTnLst>
                                     <p:set>
                                       <p:cBhvr>
-                                        <p:cTn id="60" dur="1" fill="hold">
+                                        <p:cTn id="48" dur="1" fill="hold">
                                           <p:stCondLst>
                                             <p:cond delay="0"/>
                                           </p:stCondLst>
@@ -12644,7 +12479,7 @@
                                     </p:set>
                                     <p:animEffect transition="in" filter="fade">
                                       <p:cBhvr>
-                                        <p:cTn id="61" dur="1000"/>
+                                        <p:cTn id="49" dur="1000"/>
                                         <p:tgtEl>
                                           <p:spTgt spid="73"/>
                                         </p:tgtEl>
@@ -12652,7 +12487,7 @@
                                     </p:animEffect>
                                     <p:anim calcmode="lin" valueType="num">
                                       <p:cBhvr>
-                                        <p:cTn id="62" dur="1000" fill="hold"/>
+                                        <p:cTn id="50" dur="1000" fill="hold"/>
                                         <p:tgtEl>
                                           <p:spTgt spid="73"/>
                                         </p:tgtEl>
@@ -12675,7 +12510,7 @@
                                     </p:anim>
                                     <p:anim calcmode="lin" valueType="num">
                                       <p:cBhvr>
-                                        <p:cTn id="63" dur="1000" fill="hold"/>
+                                        <p:cTn id="51" dur="1000" fill="hold"/>
                                         <p:tgtEl>
                                           <p:spTgt spid="73"/>
                                         </p:tgtEl>
@@ -12700,14 +12535,14 @@
                                 </p:cTn>
                               </p:par>
                               <p:par>
-                                <p:cTn id="64" presetID="42" presetClass="entr" presetSubtype="0" fill="hold" nodeType="withEffect">
+                                <p:cTn id="52" presetID="42" presetClass="entr" presetSubtype="0" fill="hold" nodeType="withEffect">
                                   <p:stCondLst>
                                     <p:cond delay="0"/>
                                   </p:stCondLst>
                                   <p:childTnLst>
                                     <p:set>
                                       <p:cBhvr>
-                                        <p:cTn id="65" dur="1" fill="hold">
+                                        <p:cTn id="53" dur="1" fill="hold">
                                           <p:stCondLst>
                                             <p:cond delay="0"/>
                                           </p:stCondLst>
@@ -12725,7 +12560,7 @@
                                     </p:set>
                                     <p:animEffect transition="in" filter="fade">
                                       <p:cBhvr>
-                                        <p:cTn id="66" dur="1000"/>
+                                        <p:cTn id="54" dur="1000"/>
                                         <p:tgtEl>
                                           <p:spTgt spid="72"/>
                                         </p:tgtEl>
@@ -12733,7 +12568,7 @@
                                     </p:animEffect>
                                     <p:anim calcmode="lin" valueType="num">
                                       <p:cBhvr>
-                                        <p:cTn id="67" dur="1000" fill="hold"/>
+                                        <p:cTn id="55" dur="1000" fill="hold"/>
                                         <p:tgtEl>
                                           <p:spTgt spid="72"/>
                                         </p:tgtEl>
@@ -12756,7 +12591,7 @@
                                     </p:anim>
                                     <p:anim calcmode="lin" valueType="num">
                                       <p:cBhvr>
-                                        <p:cTn id="68" dur="1000" fill="hold"/>
+                                        <p:cTn id="56" dur="1000" fill="hold"/>
                                         <p:tgtEl>
                                           <p:spTgt spid="72"/>
                                         </p:tgtEl>
@@ -12808,7 +12643,6 @@
       </p:par>
     </p:tnLst>
     <p:bldLst>
-      <p:bldP spid="68" grpId="0"/>
       <p:bldP spid="69" grpId="0"/>
     </p:bldLst>
   </p:timing>
@@ -13614,7 +13448,7 @@
         </p:blipFill>
         <p:spPr>
           <a:xfrm>
-            <a:off x="1883849" y="1366032"/>
+            <a:off x="1892238" y="1276553"/>
             <a:ext cx="8191450" cy="5500573"/>
           </a:xfrm>
           <a:prstGeom prst="rect">
@@ -13636,7 +13470,7 @@
         </p:nvSpPr>
         <p:spPr>
           <a:xfrm>
-            <a:off x="3056330" y="596591"/>
+            <a:off x="3224407" y="481962"/>
             <a:ext cx="5534593" cy="769441"/>
           </a:xfrm>
           <a:prstGeom prst="rect">
@@ -14129,8 +13963,8 @@
         </p:nvSpPr>
         <p:spPr>
           <a:xfrm>
-            <a:off x="3216457" y="729745"/>
-            <a:ext cx="5632597" cy="769441"/>
+            <a:off x="3784961" y="469751"/>
+            <a:ext cx="4413485" cy="769441"/>
           </a:xfrm>
           <a:prstGeom prst="rect">
             <a:avLst/>
@@ -14152,494 +13986,587 @@
           </a:p>
         </p:txBody>
       </p:sp>
-      <p:sp>
-        <p:nvSpPr>
-          <p:cNvPr id="3" name="ZoneTexte 2">
-            <a:extLst>
-              <a:ext uri="{FF2B5EF4-FFF2-40B4-BE49-F238E27FC236}">
-                <a16:creationId xmlns:a16="http://schemas.microsoft.com/office/drawing/2014/main" id="{DCCD1615-1755-47F7-AF0B-75E932931245}"/>
-              </a:ext>
-            </a:extLst>
-          </p:cNvPr>
-          <p:cNvSpPr txBox="1"/>
-          <p:nvPr/>
-        </p:nvSpPr>
-        <p:spPr>
-          <a:xfrm>
-            <a:off x="1156800" y="3143689"/>
-            <a:ext cx="2695434" cy="1754326"/>
-          </a:xfrm>
-          <a:prstGeom prst="rect">
-            <a:avLst/>
-          </a:prstGeom>
-          <a:noFill/>
-        </p:spPr>
-        <p:txBody>
-          <a:bodyPr wrap="square" rtlCol="0">
-            <a:spAutoFit/>
-          </a:bodyPr>
-          <a:lstStyle/>
-          <a:p>
-            <a:r>
-              <a:rPr lang="fr-FR" dirty="0"/>
-              <a:t>Etudiant 1 : Steven</a:t>
-            </a:r>
-          </a:p>
-          <a:p>
-            <a:endParaRPr lang="fr-FR" dirty="0"/>
-          </a:p>
-          <a:p>
-            <a:r>
-              <a:rPr lang="fr-FR" dirty="0"/>
-              <a:t>Partie rapsberry acquisition</a:t>
-            </a:r>
-          </a:p>
-          <a:p>
-            <a:endParaRPr lang="fr-FR" dirty="0"/>
-          </a:p>
-          <a:p>
-            <a:endParaRPr lang="fr-FR" dirty="0"/>
-          </a:p>
-        </p:txBody>
-      </p:sp>
-      <p:pic>
-        <p:nvPicPr>
-          <p:cNvPr id="5" name="Graphique 4" descr="Homme">
-            <a:extLst>
-              <a:ext uri="{FF2B5EF4-FFF2-40B4-BE49-F238E27FC236}">
-                <a16:creationId xmlns:a16="http://schemas.microsoft.com/office/drawing/2014/main" id="{5D686FEC-E0C7-47CC-8656-80B2ECA6AD95}"/>
-              </a:ext>
-            </a:extLst>
-          </p:cNvPr>
-          <p:cNvPicPr>
-            <a:picLocks noChangeAspect="1"/>
-          </p:cNvPicPr>
-          <p:nvPr/>
-        </p:nvPicPr>
-        <p:blipFill>
-          <a:blip r:embed="rId4">
-            <a:extLst>
-              <a:ext uri="{28A0092B-C50C-407E-A947-70E740481C1C}">
-                <a14:useLocalDpi xmlns:a14="http://schemas.microsoft.com/office/drawing/2010/main" val="0"/>
-              </a:ext>
-              <a:ext uri="{96DAC541-7B7A-43D3-8B79-37D633B846F1}">
-                <asvg:svgBlip xmlns:asvg="http://schemas.microsoft.com/office/drawing/2016/SVG/main" r:embed="rId5"/>
-              </a:ext>
-            </a:extLst>
-          </a:blip>
-          <a:stretch>
-            <a:fillRect/>
-          </a:stretch>
-        </p:blipFill>
-        <p:spPr>
-          <a:xfrm>
-            <a:off x="281031" y="2962470"/>
-            <a:ext cx="914400" cy="914400"/>
-          </a:xfrm>
-          <a:prstGeom prst="rect">
-            <a:avLst/>
-          </a:prstGeom>
-        </p:spPr>
-      </p:pic>
-      <p:pic>
-        <p:nvPicPr>
-          <p:cNvPr id="7" name="Graphique 6" descr="Homme">
-            <a:extLst>
-              <a:ext uri="{FF2B5EF4-FFF2-40B4-BE49-F238E27FC236}">
-                <a16:creationId xmlns:a16="http://schemas.microsoft.com/office/drawing/2014/main" id="{3F1DAEDE-C978-4A30-ADE4-E1C09F165B74}"/>
-              </a:ext>
-            </a:extLst>
-          </p:cNvPr>
-          <p:cNvPicPr>
-            <a:picLocks noChangeAspect="1"/>
-          </p:cNvPicPr>
-          <p:nvPr/>
-        </p:nvPicPr>
-        <p:blipFill>
-          <a:blip r:embed="rId4">
-            <a:extLst>
-              <a:ext uri="{28A0092B-C50C-407E-A947-70E740481C1C}">
-                <a14:useLocalDpi xmlns:a14="http://schemas.microsoft.com/office/drawing/2010/main" val="0"/>
-              </a:ext>
-              <a:ext uri="{96DAC541-7B7A-43D3-8B79-37D633B846F1}">
-                <asvg:svgBlip xmlns:asvg="http://schemas.microsoft.com/office/drawing/2016/SVG/main" r:embed="rId5"/>
-              </a:ext>
-            </a:extLst>
-          </a:blip>
-          <a:stretch>
-            <a:fillRect/>
-          </a:stretch>
-        </p:blipFill>
-        <p:spPr>
-          <a:xfrm>
-            <a:off x="7822163" y="2962470"/>
-            <a:ext cx="914400" cy="914400"/>
-          </a:xfrm>
-          <a:prstGeom prst="rect">
-            <a:avLst/>
-          </a:prstGeom>
-        </p:spPr>
-      </p:pic>
-      <p:pic>
-        <p:nvPicPr>
-          <p:cNvPr id="11" name="Graphique 10" descr="Homme">
-            <a:extLst>
-              <a:ext uri="{FF2B5EF4-FFF2-40B4-BE49-F238E27FC236}">
-                <a16:creationId xmlns:a16="http://schemas.microsoft.com/office/drawing/2014/main" id="{3D1F2BD8-2A52-4A51-B903-B49EC1DF010D}"/>
-              </a:ext>
-            </a:extLst>
-          </p:cNvPr>
-          <p:cNvPicPr>
-            <a:picLocks noChangeAspect="1"/>
-          </p:cNvPicPr>
-          <p:nvPr/>
-        </p:nvPicPr>
-        <p:blipFill>
-          <a:blip r:embed="rId4">
-            <a:extLst>
-              <a:ext uri="{28A0092B-C50C-407E-A947-70E740481C1C}">
-                <a14:useLocalDpi xmlns:a14="http://schemas.microsoft.com/office/drawing/2010/main" val="0"/>
-              </a:ext>
-              <a:ext uri="{96DAC541-7B7A-43D3-8B79-37D633B846F1}">
-                <asvg:svgBlip xmlns:asvg="http://schemas.microsoft.com/office/drawing/2016/SVG/main" r:embed="rId5"/>
-              </a:ext>
-            </a:extLst>
-          </a:blip>
-          <a:stretch>
-            <a:fillRect/>
-          </a:stretch>
-        </p:blipFill>
-        <p:spPr>
-          <a:xfrm>
-            <a:off x="281031" y="5229808"/>
-            <a:ext cx="914400" cy="914400"/>
-          </a:xfrm>
-          <a:prstGeom prst="rect">
-            <a:avLst/>
-          </a:prstGeom>
-        </p:spPr>
-      </p:pic>
-      <p:pic>
-        <p:nvPicPr>
-          <p:cNvPr id="13" name="Graphique 12" descr="Homme">
-            <a:extLst>
-              <a:ext uri="{FF2B5EF4-FFF2-40B4-BE49-F238E27FC236}">
-                <a16:creationId xmlns:a16="http://schemas.microsoft.com/office/drawing/2014/main" id="{496E86E9-0365-4241-B0E0-3139B1B41DA9}"/>
-              </a:ext>
-            </a:extLst>
-          </p:cNvPr>
-          <p:cNvPicPr>
-            <a:picLocks noChangeAspect="1"/>
-          </p:cNvPicPr>
-          <p:nvPr/>
-        </p:nvPicPr>
-        <p:blipFill>
-          <a:blip r:embed="rId4">
-            <a:extLst>
-              <a:ext uri="{28A0092B-C50C-407E-A947-70E740481C1C}">
-                <a14:useLocalDpi xmlns:a14="http://schemas.microsoft.com/office/drawing/2010/main" val="0"/>
-              </a:ext>
-              <a:ext uri="{96DAC541-7B7A-43D3-8B79-37D633B846F1}">
-                <asvg:svgBlip xmlns:asvg="http://schemas.microsoft.com/office/drawing/2016/SVG/main" r:embed="rId5"/>
-              </a:ext>
-            </a:extLst>
-          </a:blip>
-          <a:stretch>
-            <a:fillRect/>
-          </a:stretch>
-        </p:blipFill>
-        <p:spPr>
-          <a:xfrm>
-            <a:off x="7999445" y="5229808"/>
-            <a:ext cx="914400" cy="914400"/>
-          </a:xfrm>
-          <a:prstGeom prst="rect">
-            <a:avLst/>
-          </a:prstGeom>
-        </p:spPr>
-      </p:pic>
-      <p:sp>
-        <p:nvSpPr>
-          <p:cNvPr id="14" name="ZoneTexte 13">
-            <a:extLst>
-              <a:ext uri="{FF2B5EF4-FFF2-40B4-BE49-F238E27FC236}">
-                <a16:creationId xmlns:a16="http://schemas.microsoft.com/office/drawing/2014/main" id="{863FAC4E-CD11-44F8-9555-8D34A7409E4A}"/>
-              </a:ext>
-            </a:extLst>
-          </p:cNvPr>
-          <p:cNvSpPr txBox="1"/>
-          <p:nvPr/>
-        </p:nvSpPr>
-        <p:spPr>
-          <a:xfrm>
-            <a:off x="1151783" y="5363842"/>
-            <a:ext cx="2434177" cy="1200329"/>
-          </a:xfrm>
-          <a:prstGeom prst="rect">
-            <a:avLst/>
-          </a:prstGeom>
-          <a:noFill/>
-        </p:spPr>
-        <p:txBody>
-          <a:bodyPr wrap="square" rtlCol="0">
-            <a:spAutoFit/>
-          </a:bodyPr>
-          <a:lstStyle/>
-          <a:p>
-            <a:r>
-              <a:rPr lang="fr-FR" dirty="0"/>
-              <a:t>Etudiant 2 : Willy </a:t>
-            </a:r>
-          </a:p>
-          <a:p>
-            <a:endParaRPr lang="fr-FR" dirty="0"/>
-          </a:p>
-          <a:p>
-            <a:r>
-              <a:rPr lang="fr-FR" dirty="0"/>
-              <a:t>Partie Web avec Netbeans</a:t>
-            </a:r>
-          </a:p>
-        </p:txBody>
-      </p:sp>
-      <p:sp>
-        <p:nvSpPr>
-          <p:cNvPr id="15" name="ZoneTexte 14">
-            <a:extLst>
-              <a:ext uri="{FF2B5EF4-FFF2-40B4-BE49-F238E27FC236}">
-                <a16:creationId xmlns:a16="http://schemas.microsoft.com/office/drawing/2014/main" id="{7FF94F4B-10E1-4E4D-AD68-D90A8EAAB109}"/>
-              </a:ext>
-            </a:extLst>
-          </p:cNvPr>
-          <p:cNvSpPr txBox="1"/>
-          <p:nvPr/>
-        </p:nvSpPr>
-        <p:spPr>
-          <a:xfrm>
-            <a:off x="8736563" y="3107094"/>
-            <a:ext cx="2404188" cy="1754326"/>
-          </a:xfrm>
-          <a:prstGeom prst="rect">
-            <a:avLst/>
-          </a:prstGeom>
-          <a:noFill/>
-        </p:spPr>
-        <p:txBody>
-          <a:bodyPr wrap="square" rtlCol="0">
-            <a:spAutoFit/>
-          </a:bodyPr>
-          <a:lstStyle/>
-          <a:p>
-            <a:r>
-              <a:rPr lang="fr-FR" dirty="0"/>
-              <a:t>Etudiant 3 : Samuel</a:t>
-            </a:r>
-          </a:p>
-          <a:p>
-            <a:endParaRPr lang="fr-FR" dirty="0"/>
-          </a:p>
-          <a:p>
-            <a:r>
-              <a:rPr lang="fr-FR" dirty="0"/>
-              <a:t>Partie BDD avec le serveur Wamp</a:t>
-            </a:r>
-          </a:p>
-          <a:p>
-            <a:endParaRPr lang="fr-FR" dirty="0"/>
-          </a:p>
-          <a:p>
-            <a:endParaRPr lang="fr-FR" dirty="0"/>
-          </a:p>
-        </p:txBody>
-      </p:sp>
-      <p:sp>
-        <p:nvSpPr>
-          <p:cNvPr id="17" name="ZoneTexte 16">
-            <a:extLst>
-              <a:ext uri="{FF2B5EF4-FFF2-40B4-BE49-F238E27FC236}">
-                <a16:creationId xmlns:a16="http://schemas.microsoft.com/office/drawing/2014/main" id="{6832ED2D-AB77-4E11-94A7-1ABB51FE6ACA}"/>
-              </a:ext>
-            </a:extLst>
-          </p:cNvPr>
-          <p:cNvSpPr txBox="1"/>
-          <p:nvPr/>
-        </p:nvSpPr>
-        <p:spPr>
-          <a:xfrm>
-            <a:off x="8736563" y="5339257"/>
-            <a:ext cx="2633906" cy="1200329"/>
-          </a:xfrm>
-          <a:prstGeom prst="rect">
-            <a:avLst/>
-          </a:prstGeom>
-          <a:noFill/>
-        </p:spPr>
-        <p:txBody>
-          <a:bodyPr wrap="square" rtlCol="0">
-            <a:spAutoFit/>
-          </a:bodyPr>
-          <a:lstStyle/>
-          <a:p>
-            <a:r>
-              <a:rPr lang="fr-FR" dirty="0"/>
-              <a:t>Etudiant 4 : Dylan</a:t>
-            </a:r>
-          </a:p>
-          <a:p>
-            <a:endParaRPr lang="fr-FR" dirty="0"/>
-          </a:p>
-          <a:p>
-            <a:r>
-              <a:rPr lang="fr-FR" dirty="0"/>
-              <a:t>Partie Application androïd avec androïd studio</a:t>
-            </a:r>
-          </a:p>
-        </p:txBody>
-      </p:sp>
-      <p:pic>
-        <p:nvPicPr>
-          <p:cNvPr id="27" name="Image 26" descr="Une image contenant moniteur, intérieur, assis, équipement électronique&#10;&#10;Description générée avec un niveau de confiance élevé">
-            <a:extLst>
-              <a:ext uri="{FF2B5EF4-FFF2-40B4-BE49-F238E27FC236}">
-                <a16:creationId xmlns:a16="http://schemas.microsoft.com/office/drawing/2014/main" id="{B6EC8198-D126-44D7-8F4B-D3D9110D7FC4}"/>
-              </a:ext>
-            </a:extLst>
-          </p:cNvPr>
-          <p:cNvPicPr>
-            <a:picLocks noChangeAspect="1"/>
-          </p:cNvPicPr>
-          <p:nvPr/>
-        </p:nvPicPr>
-        <p:blipFill>
-          <a:blip r:embed="rId6">
-            <a:extLst>
-              <a:ext uri="{28A0092B-C50C-407E-A947-70E740481C1C}">
-                <a14:useLocalDpi xmlns:a14="http://schemas.microsoft.com/office/drawing/2010/main" val="0"/>
-              </a:ext>
-            </a:extLst>
-          </a:blip>
-          <a:stretch>
-            <a:fillRect/>
-          </a:stretch>
-        </p:blipFill>
-        <p:spPr>
-          <a:xfrm>
-            <a:off x="3156101" y="5441548"/>
-            <a:ext cx="885508" cy="885508"/>
-          </a:xfrm>
-          <a:prstGeom prst="rect">
-            <a:avLst/>
-          </a:prstGeom>
-        </p:spPr>
-      </p:pic>
-      <p:pic>
-        <p:nvPicPr>
-          <p:cNvPr id="29" name="Image 28">
-            <a:extLst>
-              <a:ext uri="{FF2B5EF4-FFF2-40B4-BE49-F238E27FC236}">
-                <a16:creationId xmlns:a16="http://schemas.microsoft.com/office/drawing/2014/main" id="{A30184B6-9240-4D20-B2A0-857E1B72DC81}"/>
-              </a:ext>
-            </a:extLst>
-          </p:cNvPr>
-          <p:cNvPicPr>
-            <a:picLocks noChangeAspect="1"/>
-          </p:cNvPicPr>
-          <p:nvPr/>
-        </p:nvPicPr>
-        <p:blipFill>
-          <a:blip r:embed="rId7">
-            <a:extLst>
-              <a:ext uri="{28A0092B-C50C-407E-A947-70E740481C1C}">
-                <a14:useLocalDpi xmlns:a14="http://schemas.microsoft.com/office/drawing/2010/main" val="0"/>
-              </a:ext>
-            </a:extLst>
-          </a:blip>
-          <a:stretch>
-            <a:fillRect/>
-          </a:stretch>
-        </p:blipFill>
-        <p:spPr>
-          <a:xfrm>
-            <a:off x="7355100" y="5491966"/>
-            <a:ext cx="715646" cy="715646"/>
-          </a:xfrm>
-          <a:prstGeom prst="rect">
-            <a:avLst/>
-          </a:prstGeom>
-        </p:spPr>
-      </p:pic>
-      <p:pic>
-        <p:nvPicPr>
-          <p:cNvPr id="31" name="Image 30">
-            <a:extLst>
-              <a:ext uri="{FF2B5EF4-FFF2-40B4-BE49-F238E27FC236}">
-                <a16:creationId xmlns:a16="http://schemas.microsoft.com/office/drawing/2014/main" id="{61AE4316-C586-49EC-B2DB-6F52702C83C5}"/>
-              </a:ext>
-            </a:extLst>
-          </p:cNvPr>
-          <p:cNvPicPr>
-            <a:picLocks noChangeAspect="1"/>
-          </p:cNvPicPr>
-          <p:nvPr/>
-        </p:nvPicPr>
-        <p:blipFill>
-          <a:blip r:embed="rId8">
-            <a:extLst>
-              <a:ext uri="{28A0092B-C50C-407E-A947-70E740481C1C}">
-                <a14:useLocalDpi xmlns:a14="http://schemas.microsoft.com/office/drawing/2010/main" val="0"/>
-              </a:ext>
-            </a:extLst>
-          </a:blip>
-          <a:stretch>
-            <a:fillRect/>
-          </a:stretch>
-        </p:blipFill>
-        <p:spPr>
-          <a:xfrm>
-            <a:off x="3311659" y="3254307"/>
-            <a:ext cx="729950" cy="729950"/>
-          </a:xfrm>
-          <a:prstGeom prst="rect">
-            <a:avLst/>
-          </a:prstGeom>
-        </p:spPr>
-      </p:pic>
-      <p:pic>
-        <p:nvPicPr>
-          <p:cNvPr id="33" name="Image 32">
-            <a:extLst>
-              <a:ext uri="{FF2B5EF4-FFF2-40B4-BE49-F238E27FC236}">
-                <a16:creationId xmlns:a16="http://schemas.microsoft.com/office/drawing/2014/main" id="{73EEA239-206F-481C-B216-8B7BC114274A}"/>
-              </a:ext>
-            </a:extLst>
-          </p:cNvPr>
-          <p:cNvPicPr>
-            <a:picLocks noChangeAspect="1"/>
-          </p:cNvPicPr>
-          <p:nvPr/>
-        </p:nvPicPr>
-        <p:blipFill>
-          <a:blip r:embed="rId9">
-            <a:extLst>
-              <a:ext uri="{28A0092B-C50C-407E-A947-70E740481C1C}">
-                <a14:useLocalDpi xmlns:a14="http://schemas.microsoft.com/office/drawing/2010/main" val="0"/>
-              </a:ext>
-            </a:extLst>
-          </a:blip>
-          <a:stretch>
-            <a:fillRect/>
-          </a:stretch>
-        </p:blipFill>
-        <p:spPr>
-          <a:xfrm>
-            <a:off x="7106517" y="3143689"/>
-            <a:ext cx="715646" cy="715646"/>
-          </a:xfrm>
-          <a:prstGeom prst="rect">
-            <a:avLst/>
-          </a:prstGeom>
-        </p:spPr>
-      </p:pic>
+      <p:grpSp>
+        <p:nvGrpSpPr>
+          <p:cNvPr id="12" name="Groupe 11">
+            <a:extLst>
+              <a:ext uri="{FF2B5EF4-FFF2-40B4-BE49-F238E27FC236}">
+                <a16:creationId xmlns:a16="http://schemas.microsoft.com/office/drawing/2014/main" id="{B77CB88B-46B3-478B-98A1-B80D351A58F7}"/>
+              </a:ext>
+            </a:extLst>
+          </p:cNvPr>
+          <p:cNvGrpSpPr/>
+          <p:nvPr/>
+        </p:nvGrpSpPr>
+        <p:grpSpPr>
+          <a:xfrm>
+            <a:off x="1364888" y="4492634"/>
+            <a:ext cx="3931515" cy="923330"/>
+            <a:chOff x="636652" y="4577566"/>
+            <a:chExt cx="3931515" cy="923330"/>
+          </a:xfrm>
+        </p:grpSpPr>
+        <p:pic>
+          <p:nvPicPr>
+            <p:cNvPr id="11" name="Graphique 10" descr="Homme">
+              <a:extLst>
+                <a:ext uri="{FF2B5EF4-FFF2-40B4-BE49-F238E27FC236}">
+                  <a16:creationId xmlns:a16="http://schemas.microsoft.com/office/drawing/2014/main" id="{3D1F2BD8-2A52-4A51-B903-B49EC1DF010D}"/>
+                </a:ext>
+              </a:extLst>
+            </p:cNvPr>
+            <p:cNvPicPr>
+              <a:picLocks noChangeAspect="1"/>
+            </p:cNvPicPr>
+            <p:nvPr/>
+          </p:nvPicPr>
+          <p:blipFill>
+            <a:blip r:embed="rId4">
+              <a:extLst>
+                <a:ext uri="{28A0092B-C50C-407E-A947-70E740481C1C}">
+                  <a14:useLocalDpi xmlns:a14="http://schemas.microsoft.com/office/drawing/2010/main" val="0"/>
+                </a:ext>
+                <a:ext uri="{96DAC541-7B7A-43D3-8B79-37D633B846F1}">
+                  <asvg:svgBlip xmlns:asvg="http://schemas.microsoft.com/office/drawing/2016/SVG/main" r:embed="rId5"/>
+                </a:ext>
+              </a:extLst>
+            </a:blip>
+            <a:stretch>
+              <a:fillRect/>
+            </a:stretch>
+          </p:blipFill>
+          <p:spPr>
+            <a:xfrm>
+              <a:off x="636652" y="4577566"/>
+              <a:ext cx="914400" cy="914400"/>
+            </a:xfrm>
+            <a:prstGeom prst="rect">
+              <a:avLst/>
+            </a:prstGeom>
+          </p:spPr>
+        </p:pic>
+        <p:sp>
+          <p:nvSpPr>
+            <p:cNvPr id="14" name="ZoneTexte 13">
+              <a:extLst>
+                <a:ext uri="{FF2B5EF4-FFF2-40B4-BE49-F238E27FC236}">
+                  <a16:creationId xmlns:a16="http://schemas.microsoft.com/office/drawing/2014/main" id="{863FAC4E-CD11-44F8-9555-8D34A7409E4A}"/>
+                </a:ext>
+              </a:extLst>
+            </p:cNvPr>
+            <p:cNvSpPr txBox="1"/>
+            <p:nvPr/>
+          </p:nvSpPr>
+          <p:spPr>
+            <a:xfrm>
+              <a:off x="1546425" y="4577566"/>
+              <a:ext cx="2039536" cy="923330"/>
+            </a:xfrm>
+            <a:prstGeom prst="rect">
+              <a:avLst/>
+            </a:prstGeom>
+            <a:noFill/>
+          </p:spPr>
+          <p:txBody>
+            <a:bodyPr wrap="square" rtlCol="0">
+              <a:spAutoFit/>
+            </a:bodyPr>
+            <a:lstStyle/>
+            <a:p>
+              <a:r>
+                <a:rPr lang="fr-FR" u="sng" dirty="0"/>
+                <a:t>Etudiant 2 :</a:t>
+              </a:r>
+              <a:r>
+                <a:rPr lang="fr-FR" dirty="0"/>
+                <a:t> Willy </a:t>
+              </a:r>
+            </a:p>
+            <a:p>
+              <a:r>
+                <a:rPr lang="fr-FR" i="1" dirty="0"/>
+                <a:t>- Partie Web avec Netbeans</a:t>
+              </a:r>
+            </a:p>
+          </p:txBody>
+        </p:sp>
+        <p:pic>
+          <p:nvPicPr>
+            <p:cNvPr id="27" name="Image 26" descr="Une image contenant moniteur, intérieur, assis, équipement électronique&#10;&#10;Description générée avec un niveau de confiance élevé">
+              <a:extLst>
+                <a:ext uri="{FF2B5EF4-FFF2-40B4-BE49-F238E27FC236}">
+                  <a16:creationId xmlns:a16="http://schemas.microsoft.com/office/drawing/2014/main" id="{B6EC8198-D126-44D7-8F4B-D3D9110D7FC4}"/>
+                </a:ext>
+              </a:extLst>
+            </p:cNvPr>
+            <p:cNvPicPr>
+              <a:picLocks noChangeAspect="1"/>
+            </p:cNvPicPr>
+            <p:nvPr/>
+          </p:nvPicPr>
+          <p:blipFill>
+            <a:blip r:embed="rId6">
+              <a:extLst>
+                <a:ext uri="{28A0092B-C50C-407E-A947-70E740481C1C}">
+                  <a14:useLocalDpi xmlns:a14="http://schemas.microsoft.com/office/drawing/2010/main" val="0"/>
+                </a:ext>
+              </a:extLst>
+            </a:blip>
+            <a:stretch>
+              <a:fillRect/>
+            </a:stretch>
+          </p:blipFill>
+          <p:spPr>
+            <a:xfrm>
+              <a:off x="3682659" y="4615388"/>
+              <a:ext cx="885508" cy="885508"/>
+            </a:xfrm>
+            <a:prstGeom prst="rect">
+              <a:avLst/>
+            </a:prstGeom>
+          </p:spPr>
+        </p:pic>
+      </p:grpSp>
+      <p:grpSp>
+        <p:nvGrpSpPr>
+          <p:cNvPr id="19" name="Groupe 18">
+            <a:extLst>
+              <a:ext uri="{FF2B5EF4-FFF2-40B4-BE49-F238E27FC236}">
+                <a16:creationId xmlns:a16="http://schemas.microsoft.com/office/drawing/2014/main" id="{D3D8E2A0-F89B-4857-9684-6A77D761EF63}"/>
+              </a:ext>
+            </a:extLst>
+          </p:cNvPr>
+          <p:cNvGrpSpPr/>
+          <p:nvPr/>
+        </p:nvGrpSpPr>
+        <p:grpSpPr>
+          <a:xfrm>
+            <a:off x="6768092" y="4349669"/>
+            <a:ext cx="4025405" cy="1200329"/>
+            <a:chOff x="6433444" y="4457977"/>
+            <a:chExt cx="4025405" cy="1200329"/>
+          </a:xfrm>
+        </p:grpSpPr>
+        <p:pic>
+          <p:nvPicPr>
+            <p:cNvPr id="13" name="Graphique 12" descr="Homme">
+              <a:extLst>
+                <a:ext uri="{FF2B5EF4-FFF2-40B4-BE49-F238E27FC236}">
+                  <a16:creationId xmlns:a16="http://schemas.microsoft.com/office/drawing/2014/main" id="{496E86E9-0365-4241-B0E0-3139B1B41DA9}"/>
+                </a:ext>
+              </a:extLst>
+            </p:cNvPr>
+            <p:cNvPicPr>
+              <a:picLocks noChangeAspect="1"/>
+            </p:cNvPicPr>
+            <p:nvPr/>
+          </p:nvPicPr>
+          <p:blipFill>
+            <a:blip r:embed="rId4">
+              <a:extLst>
+                <a:ext uri="{28A0092B-C50C-407E-A947-70E740481C1C}">
+                  <a14:useLocalDpi xmlns:a14="http://schemas.microsoft.com/office/drawing/2010/main" val="0"/>
+                </a:ext>
+                <a:ext uri="{96DAC541-7B7A-43D3-8B79-37D633B846F1}">
+                  <asvg:svgBlip xmlns:asvg="http://schemas.microsoft.com/office/drawing/2016/SVG/main" r:embed="rId5"/>
+                </a:ext>
+              </a:extLst>
+            </a:blip>
+            <a:stretch>
+              <a:fillRect/>
+            </a:stretch>
+          </p:blipFill>
+          <p:spPr>
+            <a:xfrm>
+              <a:off x="6433444" y="4577566"/>
+              <a:ext cx="914400" cy="914400"/>
+            </a:xfrm>
+            <a:prstGeom prst="rect">
+              <a:avLst/>
+            </a:prstGeom>
+          </p:spPr>
+        </p:pic>
+        <p:sp>
+          <p:nvSpPr>
+            <p:cNvPr id="17" name="ZoneTexte 16">
+              <a:extLst>
+                <a:ext uri="{FF2B5EF4-FFF2-40B4-BE49-F238E27FC236}">
+                  <a16:creationId xmlns:a16="http://schemas.microsoft.com/office/drawing/2014/main" id="{6832ED2D-AB77-4E11-94A7-1ABB51FE6ACA}"/>
+                </a:ext>
+              </a:extLst>
+            </p:cNvPr>
+            <p:cNvSpPr txBox="1"/>
+            <p:nvPr/>
+          </p:nvSpPr>
+          <p:spPr>
+            <a:xfrm>
+              <a:off x="7347843" y="4457977"/>
+              <a:ext cx="2223995" cy="1200329"/>
+            </a:xfrm>
+            <a:prstGeom prst="rect">
+              <a:avLst/>
+            </a:prstGeom>
+            <a:noFill/>
+          </p:spPr>
+          <p:txBody>
+            <a:bodyPr wrap="square" rtlCol="0">
+              <a:spAutoFit/>
+            </a:bodyPr>
+            <a:lstStyle/>
+            <a:p>
+              <a:r>
+                <a:rPr lang="fr-FR" u="sng" dirty="0"/>
+                <a:t>Etudiant 4 :</a:t>
+              </a:r>
+              <a:r>
+                <a:rPr lang="fr-FR" dirty="0"/>
+                <a:t> Dylan</a:t>
+              </a:r>
+            </a:p>
+            <a:p>
+              <a:r>
+                <a:rPr lang="fr-FR" i="1" dirty="0"/>
+                <a:t>- Partie Application androïd avec androïd studio</a:t>
+              </a:r>
+            </a:p>
+          </p:txBody>
+        </p:sp>
+        <p:pic>
+          <p:nvPicPr>
+            <p:cNvPr id="29" name="Image 28">
+              <a:extLst>
+                <a:ext uri="{FF2B5EF4-FFF2-40B4-BE49-F238E27FC236}">
+                  <a16:creationId xmlns:a16="http://schemas.microsoft.com/office/drawing/2014/main" id="{A30184B6-9240-4D20-B2A0-857E1B72DC81}"/>
+                </a:ext>
+              </a:extLst>
+            </p:cNvPr>
+            <p:cNvPicPr>
+              <a:picLocks noChangeAspect="1"/>
+            </p:cNvPicPr>
+            <p:nvPr/>
+          </p:nvPicPr>
+          <p:blipFill>
+            <a:blip r:embed="rId7">
+              <a:extLst>
+                <a:ext uri="{28A0092B-C50C-407E-A947-70E740481C1C}">
+                  <a14:useLocalDpi xmlns:a14="http://schemas.microsoft.com/office/drawing/2010/main" val="0"/>
+                </a:ext>
+              </a:extLst>
+            </a:blip>
+            <a:stretch>
+              <a:fillRect/>
+            </a:stretch>
+          </p:blipFill>
+          <p:spPr>
+            <a:xfrm>
+              <a:off x="9743203" y="4700318"/>
+              <a:ext cx="715646" cy="715646"/>
+            </a:xfrm>
+            <a:prstGeom prst="rect">
+              <a:avLst/>
+            </a:prstGeom>
+          </p:spPr>
+        </p:pic>
+      </p:grpSp>
+      <p:grpSp>
+        <p:nvGrpSpPr>
+          <p:cNvPr id="6" name="Groupe 5">
+            <a:extLst>
+              <a:ext uri="{FF2B5EF4-FFF2-40B4-BE49-F238E27FC236}">
+                <a16:creationId xmlns:a16="http://schemas.microsoft.com/office/drawing/2014/main" id="{99476641-8F11-4C86-87BC-B7ABA8312DF2}"/>
+              </a:ext>
+            </a:extLst>
+          </p:cNvPr>
+          <p:cNvGrpSpPr/>
+          <p:nvPr/>
+        </p:nvGrpSpPr>
+        <p:grpSpPr>
+          <a:xfrm>
+            <a:off x="1364888" y="2596665"/>
+            <a:ext cx="3775957" cy="927638"/>
+            <a:chOff x="636652" y="2871088"/>
+            <a:chExt cx="3775957" cy="927638"/>
+          </a:xfrm>
+        </p:grpSpPr>
+        <p:sp>
+          <p:nvSpPr>
+            <p:cNvPr id="3" name="ZoneTexte 2">
+              <a:extLst>
+                <a:ext uri="{FF2B5EF4-FFF2-40B4-BE49-F238E27FC236}">
+                  <a16:creationId xmlns:a16="http://schemas.microsoft.com/office/drawing/2014/main" id="{DCCD1615-1755-47F7-AF0B-75E932931245}"/>
+                </a:ext>
+              </a:extLst>
+            </p:cNvPr>
+            <p:cNvSpPr txBox="1"/>
+            <p:nvPr/>
+          </p:nvSpPr>
+          <p:spPr>
+            <a:xfrm>
+              <a:off x="1551052" y="2871088"/>
+              <a:ext cx="2034908" cy="923330"/>
+            </a:xfrm>
+            <a:prstGeom prst="rect">
+              <a:avLst/>
+            </a:prstGeom>
+            <a:noFill/>
+          </p:spPr>
+          <p:txBody>
+            <a:bodyPr wrap="square" rtlCol="0">
+              <a:spAutoFit/>
+            </a:bodyPr>
+            <a:lstStyle/>
+            <a:p>
+              <a:r>
+                <a:rPr lang="fr-FR" u="sng" dirty="0"/>
+                <a:t>Etudiant 1 :</a:t>
+              </a:r>
+              <a:r>
+                <a:rPr lang="fr-FR" dirty="0"/>
+                <a:t> Steven</a:t>
+              </a:r>
+            </a:p>
+            <a:p>
+              <a:r>
+                <a:rPr lang="fr-FR" dirty="0"/>
+                <a:t>- </a:t>
+              </a:r>
+              <a:r>
+                <a:rPr lang="fr-FR" i="1" dirty="0"/>
+                <a:t>Partie </a:t>
+              </a:r>
+              <a:r>
+                <a:rPr lang="fr-FR" i="1" dirty="0" err="1"/>
+                <a:t>Rapsberry</a:t>
+              </a:r>
+              <a:r>
+                <a:rPr lang="fr-FR" i="1" dirty="0"/>
+                <a:t> acquisition</a:t>
+              </a:r>
+            </a:p>
+          </p:txBody>
+        </p:sp>
+        <p:pic>
+          <p:nvPicPr>
+            <p:cNvPr id="5" name="Graphique 4" descr="Homme">
+              <a:extLst>
+                <a:ext uri="{FF2B5EF4-FFF2-40B4-BE49-F238E27FC236}">
+                  <a16:creationId xmlns:a16="http://schemas.microsoft.com/office/drawing/2014/main" id="{5D686FEC-E0C7-47CC-8656-80B2ECA6AD95}"/>
+                </a:ext>
+              </a:extLst>
+            </p:cNvPr>
+            <p:cNvPicPr>
+              <a:picLocks noChangeAspect="1"/>
+            </p:cNvPicPr>
+            <p:nvPr/>
+          </p:nvPicPr>
+          <p:blipFill>
+            <a:blip r:embed="rId4">
+              <a:extLst>
+                <a:ext uri="{28A0092B-C50C-407E-A947-70E740481C1C}">
+                  <a14:useLocalDpi xmlns:a14="http://schemas.microsoft.com/office/drawing/2010/main" val="0"/>
+                </a:ext>
+                <a:ext uri="{96DAC541-7B7A-43D3-8B79-37D633B846F1}">
+                  <asvg:svgBlip xmlns:asvg="http://schemas.microsoft.com/office/drawing/2016/SVG/main" r:embed="rId5"/>
+                </a:ext>
+              </a:extLst>
+            </a:blip>
+            <a:stretch>
+              <a:fillRect/>
+            </a:stretch>
+          </p:blipFill>
+          <p:spPr>
+            <a:xfrm>
+              <a:off x="636652" y="2884326"/>
+              <a:ext cx="914400" cy="914400"/>
+            </a:xfrm>
+            <a:prstGeom prst="rect">
+              <a:avLst/>
+            </a:prstGeom>
+          </p:spPr>
+        </p:pic>
+        <p:pic>
+          <p:nvPicPr>
+            <p:cNvPr id="31" name="Image 30">
+              <a:extLst>
+                <a:ext uri="{FF2B5EF4-FFF2-40B4-BE49-F238E27FC236}">
+                  <a16:creationId xmlns:a16="http://schemas.microsoft.com/office/drawing/2014/main" id="{61AE4316-C586-49EC-B2DB-6F52702C83C5}"/>
+                </a:ext>
+              </a:extLst>
+            </p:cNvPr>
+            <p:cNvPicPr>
+              <a:picLocks noChangeAspect="1"/>
+            </p:cNvPicPr>
+            <p:nvPr/>
+          </p:nvPicPr>
+          <p:blipFill>
+            <a:blip r:embed="rId8">
+              <a:extLst>
+                <a:ext uri="{28A0092B-C50C-407E-A947-70E740481C1C}">
+                  <a14:useLocalDpi xmlns:a14="http://schemas.microsoft.com/office/drawing/2010/main" val="0"/>
+                </a:ext>
+              </a:extLst>
+            </a:blip>
+            <a:stretch>
+              <a:fillRect/>
+            </a:stretch>
+          </p:blipFill>
+          <p:spPr>
+            <a:xfrm>
+              <a:off x="3682659" y="2977890"/>
+              <a:ext cx="729950" cy="729950"/>
+            </a:xfrm>
+            <a:prstGeom prst="rect">
+              <a:avLst/>
+            </a:prstGeom>
+          </p:spPr>
+        </p:pic>
+      </p:grpSp>
+      <p:grpSp>
+        <p:nvGrpSpPr>
+          <p:cNvPr id="18" name="Groupe 17">
+            <a:extLst>
+              <a:ext uri="{FF2B5EF4-FFF2-40B4-BE49-F238E27FC236}">
+                <a16:creationId xmlns:a16="http://schemas.microsoft.com/office/drawing/2014/main" id="{C1AFFCC2-FB4C-484C-99E7-FFC5872CB1B7}"/>
+              </a:ext>
+            </a:extLst>
+          </p:cNvPr>
+          <p:cNvGrpSpPr/>
+          <p:nvPr/>
+        </p:nvGrpSpPr>
+        <p:grpSpPr>
+          <a:xfrm>
+            <a:off x="6773198" y="2596665"/>
+            <a:ext cx="4025405" cy="923330"/>
+            <a:chOff x="6433444" y="2871088"/>
+            <a:chExt cx="4025405" cy="923330"/>
+          </a:xfrm>
+        </p:grpSpPr>
+        <p:pic>
+          <p:nvPicPr>
+            <p:cNvPr id="7" name="Graphique 6" descr="Homme">
+              <a:extLst>
+                <a:ext uri="{FF2B5EF4-FFF2-40B4-BE49-F238E27FC236}">
+                  <a16:creationId xmlns:a16="http://schemas.microsoft.com/office/drawing/2014/main" id="{3F1DAEDE-C978-4A30-ADE4-E1C09F165B74}"/>
+                </a:ext>
+              </a:extLst>
+            </p:cNvPr>
+            <p:cNvPicPr>
+              <a:picLocks noChangeAspect="1"/>
+            </p:cNvPicPr>
+            <p:nvPr/>
+          </p:nvPicPr>
+          <p:blipFill>
+            <a:blip r:embed="rId4">
+              <a:extLst>
+                <a:ext uri="{28A0092B-C50C-407E-A947-70E740481C1C}">
+                  <a14:useLocalDpi xmlns:a14="http://schemas.microsoft.com/office/drawing/2010/main" val="0"/>
+                </a:ext>
+                <a:ext uri="{96DAC541-7B7A-43D3-8B79-37D633B846F1}">
+                  <asvg:svgBlip xmlns:asvg="http://schemas.microsoft.com/office/drawing/2016/SVG/main" r:embed="rId5"/>
+                </a:ext>
+              </a:extLst>
+            </a:blip>
+            <a:stretch>
+              <a:fillRect/>
+            </a:stretch>
+          </p:blipFill>
+          <p:spPr>
+            <a:xfrm>
+              <a:off x="6433444" y="2875396"/>
+              <a:ext cx="914400" cy="914400"/>
+            </a:xfrm>
+            <a:prstGeom prst="rect">
+              <a:avLst/>
+            </a:prstGeom>
+          </p:spPr>
+        </p:pic>
+        <p:sp>
+          <p:nvSpPr>
+            <p:cNvPr id="15" name="ZoneTexte 14">
+              <a:extLst>
+                <a:ext uri="{FF2B5EF4-FFF2-40B4-BE49-F238E27FC236}">
+                  <a16:creationId xmlns:a16="http://schemas.microsoft.com/office/drawing/2014/main" id="{7FF94F4B-10E1-4E4D-AD68-D90A8EAAB109}"/>
+                </a:ext>
+              </a:extLst>
+            </p:cNvPr>
+            <p:cNvSpPr txBox="1"/>
+            <p:nvPr/>
+          </p:nvSpPr>
+          <p:spPr>
+            <a:xfrm>
+              <a:off x="7347844" y="2871088"/>
+              <a:ext cx="2034908" cy="923330"/>
+            </a:xfrm>
+            <a:prstGeom prst="rect">
+              <a:avLst/>
+            </a:prstGeom>
+            <a:noFill/>
+          </p:spPr>
+          <p:txBody>
+            <a:bodyPr wrap="square" rtlCol="0">
+              <a:spAutoFit/>
+            </a:bodyPr>
+            <a:lstStyle/>
+            <a:p>
+              <a:r>
+                <a:rPr lang="fr-FR" u="sng" dirty="0"/>
+                <a:t>Etudiant 3 :</a:t>
+              </a:r>
+              <a:r>
+                <a:rPr lang="fr-FR" dirty="0"/>
+                <a:t> Samuel</a:t>
+              </a:r>
+            </a:p>
+            <a:p>
+              <a:r>
+                <a:rPr lang="fr-FR" i="1" dirty="0"/>
+                <a:t>- Partie BDD avec le serveur </a:t>
+              </a:r>
+              <a:r>
+                <a:rPr lang="fr-FR" i="1" dirty="0" err="1"/>
+                <a:t>Wamp</a:t>
+              </a:r>
+              <a:endParaRPr lang="fr-FR" i="1" dirty="0"/>
+            </a:p>
+          </p:txBody>
+        </p:sp>
+        <p:pic>
+          <p:nvPicPr>
+            <p:cNvPr id="33" name="Image 32">
+              <a:extLst>
+                <a:ext uri="{FF2B5EF4-FFF2-40B4-BE49-F238E27FC236}">
+                  <a16:creationId xmlns:a16="http://schemas.microsoft.com/office/drawing/2014/main" id="{73EEA239-206F-481C-B216-8B7BC114274A}"/>
+                </a:ext>
+              </a:extLst>
+            </p:cNvPr>
+            <p:cNvPicPr>
+              <a:picLocks noChangeAspect="1"/>
+            </p:cNvPicPr>
+            <p:nvPr/>
+          </p:nvPicPr>
+          <p:blipFill>
+            <a:blip r:embed="rId9">
+              <a:extLst>
+                <a:ext uri="{28A0092B-C50C-407E-A947-70E740481C1C}">
+                  <a14:useLocalDpi xmlns:a14="http://schemas.microsoft.com/office/drawing/2010/main" val="0"/>
+                </a:ext>
+              </a:extLst>
+            </a:blip>
+            <a:stretch>
+              <a:fillRect/>
+            </a:stretch>
+          </p:blipFill>
+          <p:spPr>
+            <a:xfrm>
+              <a:off x="9743203" y="3002750"/>
+              <a:ext cx="715646" cy="715646"/>
+            </a:xfrm>
+            <a:prstGeom prst="rect">
+              <a:avLst/>
+            </a:prstGeom>
+          </p:spPr>
+        </p:pic>
+      </p:grpSp>
     </p:spTree>
     <p:extLst>
       <p:ext uri="{BB962C8B-B14F-4D97-AF65-F5344CB8AC3E}">
@@ -14662,534 +14589,6 @@
       </p:transition>
     </mc:Fallback>
   </mc:AlternateContent>
-  <p:timing>
-    <p:tnLst>
-      <p:par>
-        <p:cTn id="1" dur="indefinite" restart="never" nodeType="tmRoot">
-          <p:childTnLst>
-            <p:seq concurrent="1" nextAc="seek">
-              <p:cTn id="2" dur="indefinite" nodeType="mainSeq">
-                <p:childTnLst>
-                  <p:par>
-                    <p:cTn id="3" fill="hold">
-                      <p:stCondLst>
-                        <p:cond delay="indefinite"/>
-                      </p:stCondLst>
-                      <p:childTnLst>
-                        <p:par>
-                          <p:cTn id="4" fill="hold">
-                            <p:stCondLst>
-                              <p:cond delay="0"/>
-                            </p:stCondLst>
-                            <p:childTnLst>
-                              <p:par>
-                                <p:cTn id="5" presetID="10" presetClass="entr" presetSubtype="0" fill="hold" nodeType="clickEffect">
-                                  <p:stCondLst>
-                                    <p:cond delay="0"/>
-                                  </p:stCondLst>
-                                  <p:childTnLst>
-                                    <p:set>
-                                      <p:cBhvr>
-                                        <p:cTn id="6" dur="1" fill="hold">
-                                          <p:stCondLst>
-                                            <p:cond delay="0"/>
-                                          </p:stCondLst>
-                                        </p:cTn>
-                                        <p:tgtEl>
-                                          <p:spTgt spid="5"/>
-                                        </p:tgtEl>
-                                        <p:attrNameLst>
-                                          <p:attrName>style.visibility</p:attrName>
-                                        </p:attrNameLst>
-                                      </p:cBhvr>
-                                      <p:to>
-                                        <p:strVal val="visible"/>
-                                      </p:to>
-                                    </p:set>
-                                    <p:animEffect transition="in" filter="fade">
-                                      <p:cBhvr>
-                                        <p:cTn id="7" dur="500"/>
-                                        <p:tgtEl>
-                                          <p:spTgt spid="5"/>
-                                        </p:tgtEl>
-                                      </p:cBhvr>
-                                    </p:animEffect>
-                                  </p:childTnLst>
-                                </p:cTn>
-                              </p:par>
-                              <p:par>
-                                <p:cTn id="8" presetID="10" presetClass="entr" presetSubtype="0" fill="hold" grpId="0" nodeType="withEffect">
-                                  <p:stCondLst>
-                                    <p:cond delay="0"/>
-                                  </p:stCondLst>
-                                  <p:childTnLst>
-                                    <p:set>
-                                      <p:cBhvr>
-                                        <p:cTn id="9" dur="1" fill="hold">
-                                          <p:stCondLst>
-                                            <p:cond delay="0"/>
-                                          </p:stCondLst>
-                                        </p:cTn>
-                                        <p:tgtEl>
-                                          <p:spTgt spid="3"/>
-                                        </p:tgtEl>
-                                        <p:attrNameLst>
-                                          <p:attrName>style.visibility</p:attrName>
-                                        </p:attrNameLst>
-                                      </p:cBhvr>
-                                      <p:to>
-                                        <p:strVal val="visible"/>
-                                      </p:to>
-                                    </p:set>
-                                    <p:animEffect transition="in" filter="fade">
-                                      <p:cBhvr>
-                                        <p:cTn id="10" dur="500"/>
-                                        <p:tgtEl>
-                                          <p:spTgt spid="3"/>
-                                        </p:tgtEl>
-                                      </p:cBhvr>
-                                    </p:animEffect>
-                                  </p:childTnLst>
-                                </p:cTn>
-                              </p:par>
-                              <p:par>
-                                <p:cTn id="11" presetID="10" presetClass="entr" presetSubtype="0" fill="hold" nodeType="withEffect">
-                                  <p:stCondLst>
-                                    <p:cond delay="0"/>
-                                  </p:stCondLst>
-                                  <p:childTnLst>
-                                    <p:set>
-                                      <p:cBhvr>
-                                        <p:cTn id="12" dur="1" fill="hold">
-                                          <p:stCondLst>
-                                            <p:cond delay="0"/>
-                                          </p:stCondLst>
-                                        </p:cTn>
-                                        <p:tgtEl>
-                                          <p:spTgt spid="31"/>
-                                        </p:tgtEl>
-                                        <p:attrNameLst>
-                                          <p:attrName>style.visibility</p:attrName>
-                                        </p:attrNameLst>
-                                      </p:cBhvr>
-                                      <p:to>
-                                        <p:strVal val="visible"/>
-                                      </p:to>
-                                    </p:set>
-                                    <p:animEffect transition="in" filter="fade">
-                                      <p:cBhvr>
-                                        <p:cTn id="13" dur="500"/>
-                                        <p:tgtEl>
-                                          <p:spTgt spid="31"/>
-                                        </p:tgtEl>
-                                      </p:cBhvr>
-                                    </p:animEffect>
-                                  </p:childTnLst>
-                                </p:cTn>
-                              </p:par>
-                            </p:childTnLst>
-                          </p:cTn>
-                        </p:par>
-                      </p:childTnLst>
-                    </p:cTn>
-                  </p:par>
-                  <p:par>
-                    <p:cTn id="14" fill="hold">
-                      <p:stCondLst>
-                        <p:cond delay="indefinite"/>
-                      </p:stCondLst>
-                      <p:childTnLst>
-                        <p:par>
-                          <p:cTn id="15" fill="hold">
-                            <p:stCondLst>
-                              <p:cond delay="0"/>
-                            </p:stCondLst>
-                            <p:childTnLst>
-                              <p:par>
-                                <p:cTn id="16" presetID="10" presetClass="entr" presetSubtype="0" fill="hold" nodeType="clickEffect">
-                                  <p:stCondLst>
-                                    <p:cond delay="0"/>
-                                  </p:stCondLst>
-                                  <p:childTnLst>
-                                    <p:set>
-                                      <p:cBhvr>
-                                        <p:cTn id="17" dur="1" fill="hold">
-                                          <p:stCondLst>
-                                            <p:cond delay="0"/>
-                                          </p:stCondLst>
-                                        </p:cTn>
-                                        <p:tgtEl>
-                                          <p:spTgt spid="11"/>
-                                        </p:tgtEl>
-                                        <p:attrNameLst>
-                                          <p:attrName>style.visibility</p:attrName>
-                                        </p:attrNameLst>
-                                      </p:cBhvr>
-                                      <p:to>
-                                        <p:strVal val="visible"/>
-                                      </p:to>
-                                    </p:set>
-                                    <p:animEffect transition="in" filter="fade">
-                                      <p:cBhvr>
-                                        <p:cTn id="18" dur="500"/>
-                                        <p:tgtEl>
-                                          <p:spTgt spid="11"/>
-                                        </p:tgtEl>
-                                      </p:cBhvr>
-                                    </p:animEffect>
-                                  </p:childTnLst>
-                                </p:cTn>
-                              </p:par>
-                              <p:par>
-                                <p:cTn id="19" presetID="10" presetClass="entr" presetSubtype="0" fill="hold" grpId="0" nodeType="withEffect">
-                                  <p:stCondLst>
-                                    <p:cond delay="0"/>
-                                  </p:stCondLst>
-                                  <p:childTnLst>
-                                    <p:set>
-                                      <p:cBhvr>
-                                        <p:cTn id="20" dur="1" fill="hold">
-                                          <p:stCondLst>
-                                            <p:cond delay="0"/>
-                                          </p:stCondLst>
-                                        </p:cTn>
-                                        <p:tgtEl>
-                                          <p:spTgt spid="14"/>
-                                        </p:tgtEl>
-                                        <p:attrNameLst>
-                                          <p:attrName>style.visibility</p:attrName>
-                                        </p:attrNameLst>
-                                      </p:cBhvr>
-                                      <p:to>
-                                        <p:strVal val="visible"/>
-                                      </p:to>
-                                    </p:set>
-                                    <p:animEffect transition="in" filter="fade">
-                                      <p:cBhvr>
-                                        <p:cTn id="21" dur="500"/>
-                                        <p:tgtEl>
-                                          <p:spTgt spid="14"/>
-                                        </p:tgtEl>
-                                      </p:cBhvr>
-                                    </p:animEffect>
-                                  </p:childTnLst>
-                                </p:cTn>
-                              </p:par>
-                              <p:par>
-                                <p:cTn id="22" presetID="10" presetClass="entr" presetSubtype="0" fill="hold" nodeType="withEffect">
-                                  <p:stCondLst>
-                                    <p:cond delay="0"/>
-                                  </p:stCondLst>
-                                  <p:childTnLst>
-                                    <p:set>
-                                      <p:cBhvr>
-                                        <p:cTn id="23" dur="1" fill="hold">
-                                          <p:stCondLst>
-                                            <p:cond delay="0"/>
-                                          </p:stCondLst>
-                                        </p:cTn>
-                                        <p:tgtEl>
-                                          <p:spTgt spid="27"/>
-                                        </p:tgtEl>
-                                        <p:attrNameLst>
-                                          <p:attrName>style.visibility</p:attrName>
-                                        </p:attrNameLst>
-                                      </p:cBhvr>
-                                      <p:to>
-                                        <p:strVal val="visible"/>
-                                      </p:to>
-                                    </p:set>
-                                    <p:animEffect transition="in" filter="fade">
-                                      <p:cBhvr>
-                                        <p:cTn id="24" dur="500"/>
-                                        <p:tgtEl>
-                                          <p:spTgt spid="27"/>
-                                        </p:tgtEl>
-                                      </p:cBhvr>
-                                    </p:animEffect>
-                                  </p:childTnLst>
-                                </p:cTn>
-                              </p:par>
-                            </p:childTnLst>
-                          </p:cTn>
-                        </p:par>
-                      </p:childTnLst>
-                    </p:cTn>
-                  </p:par>
-                  <p:par>
-                    <p:cTn id="25" fill="hold">
-                      <p:stCondLst>
-                        <p:cond delay="indefinite"/>
-                      </p:stCondLst>
-                      <p:childTnLst>
-                        <p:par>
-                          <p:cTn id="26" fill="hold">
-                            <p:stCondLst>
-                              <p:cond delay="0"/>
-                            </p:stCondLst>
-                            <p:childTnLst>
-                              <p:par>
-                                <p:cTn id="27" presetID="10" presetClass="entr" presetSubtype="0" fill="hold" nodeType="clickEffect">
-                                  <p:stCondLst>
-                                    <p:cond delay="0"/>
-                                  </p:stCondLst>
-                                  <p:childTnLst>
-                                    <p:set>
-                                      <p:cBhvr>
-                                        <p:cTn id="28" dur="1" fill="hold">
-                                          <p:stCondLst>
-                                            <p:cond delay="0"/>
-                                          </p:stCondLst>
-                                        </p:cTn>
-                                        <p:tgtEl>
-                                          <p:spTgt spid="33"/>
-                                        </p:tgtEl>
-                                        <p:attrNameLst>
-                                          <p:attrName>style.visibility</p:attrName>
-                                        </p:attrNameLst>
-                                      </p:cBhvr>
-                                      <p:to>
-                                        <p:strVal val="visible"/>
-                                      </p:to>
-                                    </p:set>
-                                    <p:animEffect transition="in" filter="fade">
-                                      <p:cBhvr>
-                                        <p:cTn id="29" dur="500"/>
-                                        <p:tgtEl>
-                                          <p:spTgt spid="33"/>
-                                        </p:tgtEl>
-                                      </p:cBhvr>
-                                    </p:animEffect>
-                                  </p:childTnLst>
-                                </p:cTn>
-                              </p:par>
-                              <p:par>
-                                <p:cTn id="30" presetID="10" presetClass="entr" presetSubtype="0" fill="hold" nodeType="withEffect">
-                                  <p:stCondLst>
-                                    <p:cond delay="0"/>
-                                  </p:stCondLst>
-                                  <p:childTnLst>
-                                    <p:set>
-                                      <p:cBhvr>
-                                        <p:cTn id="31" dur="1" fill="hold">
-                                          <p:stCondLst>
-                                            <p:cond delay="0"/>
-                                          </p:stCondLst>
-                                        </p:cTn>
-                                        <p:tgtEl>
-                                          <p:spTgt spid="7"/>
-                                        </p:tgtEl>
-                                        <p:attrNameLst>
-                                          <p:attrName>style.visibility</p:attrName>
-                                        </p:attrNameLst>
-                                      </p:cBhvr>
-                                      <p:to>
-                                        <p:strVal val="visible"/>
-                                      </p:to>
-                                    </p:set>
-                                    <p:animEffect transition="in" filter="fade">
-                                      <p:cBhvr>
-                                        <p:cTn id="32" dur="500"/>
-                                        <p:tgtEl>
-                                          <p:spTgt spid="7"/>
-                                        </p:tgtEl>
-                                      </p:cBhvr>
-                                    </p:animEffect>
-                                  </p:childTnLst>
-                                </p:cTn>
-                              </p:par>
-                              <p:par>
-                                <p:cTn id="33" presetID="10" presetClass="entr" presetSubtype="0" fill="hold" grpId="0" nodeType="withEffect">
-                                  <p:stCondLst>
-                                    <p:cond delay="0"/>
-                                  </p:stCondLst>
-                                  <p:childTnLst>
-                                    <p:set>
-                                      <p:cBhvr>
-                                        <p:cTn id="34" dur="1" fill="hold">
-                                          <p:stCondLst>
-                                            <p:cond delay="0"/>
-                                          </p:stCondLst>
-                                        </p:cTn>
-                                        <p:tgtEl>
-                                          <p:spTgt spid="15"/>
-                                        </p:tgtEl>
-                                        <p:attrNameLst>
-                                          <p:attrName>style.visibility</p:attrName>
-                                        </p:attrNameLst>
-                                      </p:cBhvr>
-                                      <p:to>
-                                        <p:strVal val="visible"/>
-                                      </p:to>
-                                    </p:set>
-                                    <p:animEffect transition="in" filter="fade">
-                                      <p:cBhvr>
-                                        <p:cTn id="35" dur="500"/>
-                                        <p:tgtEl>
-                                          <p:spTgt spid="15"/>
-                                        </p:tgtEl>
-                                      </p:cBhvr>
-                                    </p:animEffect>
-                                  </p:childTnLst>
-                                </p:cTn>
-                              </p:par>
-                            </p:childTnLst>
-                          </p:cTn>
-                        </p:par>
-                      </p:childTnLst>
-                    </p:cTn>
-                  </p:par>
-                  <p:par>
-                    <p:cTn id="36" fill="hold">
-                      <p:stCondLst>
-                        <p:cond delay="indefinite"/>
-                      </p:stCondLst>
-                      <p:childTnLst>
-                        <p:par>
-                          <p:cTn id="37" fill="hold">
-                            <p:stCondLst>
-                              <p:cond delay="0"/>
-                            </p:stCondLst>
-                            <p:childTnLst>
-                              <p:par>
-                                <p:cTn id="38" presetID="10" presetClass="entr" presetSubtype="0" fill="hold" nodeType="clickEffect">
-                                  <p:stCondLst>
-                                    <p:cond delay="0"/>
-                                  </p:stCondLst>
-                                  <p:childTnLst>
-                                    <p:set>
-                                      <p:cBhvr>
-                                        <p:cTn id="39" dur="1" fill="hold">
-                                          <p:stCondLst>
-                                            <p:cond delay="0"/>
-                                          </p:stCondLst>
-                                        </p:cTn>
-                                        <p:tgtEl>
-                                          <p:spTgt spid="29"/>
-                                        </p:tgtEl>
-                                        <p:attrNameLst>
-                                          <p:attrName>style.visibility</p:attrName>
-                                        </p:attrNameLst>
-                                      </p:cBhvr>
-                                      <p:to>
-                                        <p:strVal val="visible"/>
-                                      </p:to>
-                                    </p:set>
-                                    <p:animEffect transition="in" filter="fade">
-                                      <p:cBhvr>
-                                        <p:cTn id="40" dur="500"/>
-                                        <p:tgtEl>
-                                          <p:spTgt spid="29"/>
-                                        </p:tgtEl>
-                                      </p:cBhvr>
-                                    </p:animEffect>
-                                  </p:childTnLst>
-                                </p:cTn>
-                              </p:par>
-                              <p:par>
-                                <p:cTn id="41" presetID="10" presetClass="entr" presetSubtype="0" fill="hold" grpId="0" nodeType="withEffect">
-                                  <p:stCondLst>
-                                    <p:cond delay="0"/>
-                                  </p:stCondLst>
-                                  <p:childTnLst>
-                                    <p:set>
-                                      <p:cBhvr>
-                                        <p:cTn id="42" dur="1" fill="hold">
-                                          <p:stCondLst>
-                                            <p:cond delay="0"/>
-                                          </p:stCondLst>
-                                        </p:cTn>
-                                        <p:tgtEl>
-                                          <p:spTgt spid="17"/>
-                                        </p:tgtEl>
-                                        <p:attrNameLst>
-                                          <p:attrName>style.visibility</p:attrName>
-                                        </p:attrNameLst>
-                                      </p:cBhvr>
-                                      <p:to>
-                                        <p:strVal val="visible"/>
-                                      </p:to>
-                                    </p:set>
-                                    <p:animEffect transition="in" filter="fade">
-                                      <p:cBhvr>
-                                        <p:cTn id="43" dur="500"/>
-                                        <p:tgtEl>
-                                          <p:spTgt spid="17"/>
-                                        </p:tgtEl>
-                                      </p:cBhvr>
-                                    </p:animEffect>
-                                  </p:childTnLst>
-                                </p:cTn>
-                              </p:par>
-                              <p:par>
-                                <p:cTn id="44" presetID="10" presetClass="entr" presetSubtype="0" fill="hold" nodeType="withEffect">
-                                  <p:stCondLst>
-                                    <p:cond delay="0"/>
-                                  </p:stCondLst>
-                                  <p:childTnLst>
-                                    <p:set>
-                                      <p:cBhvr>
-                                        <p:cTn id="45" dur="1" fill="hold">
-                                          <p:stCondLst>
-                                            <p:cond delay="0"/>
-                                          </p:stCondLst>
-                                        </p:cTn>
-                                        <p:tgtEl>
-                                          <p:spTgt spid="13"/>
-                                        </p:tgtEl>
-                                        <p:attrNameLst>
-                                          <p:attrName>style.visibility</p:attrName>
-                                        </p:attrNameLst>
-                                      </p:cBhvr>
-                                      <p:to>
-                                        <p:strVal val="visible"/>
-                                      </p:to>
-                                    </p:set>
-                                    <p:animEffect transition="in" filter="fade">
-                                      <p:cBhvr>
-                                        <p:cTn id="46" dur="500"/>
-                                        <p:tgtEl>
-                                          <p:spTgt spid="13"/>
-                                        </p:tgtEl>
-                                      </p:cBhvr>
-                                    </p:animEffect>
-                                  </p:childTnLst>
-                                </p:cTn>
-                              </p:par>
-                            </p:childTnLst>
-                          </p:cTn>
-                        </p:par>
-                      </p:childTnLst>
-                    </p:cTn>
-                  </p:par>
-                </p:childTnLst>
-              </p:cTn>
-              <p:prevCondLst>
-                <p:cond evt="onPrev" delay="0">
-                  <p:tgtEl>
-                    <p:sldTgt/>
-                  </p:tgtEl>
-                </p:cond>
-              </p:prevCondLst>
-              <p:nextCondLst>
-                <p:cond evt="onNext" delay="0">
-                  <p:tgtEl>
-                    <p:sldTgt/>
-                  </p:tgtEl>
-                </p:cond>
-              </p:nextCondLst>
-            </p:seq>
-          </p:childTnLst>
-        </p:cTn>
-      </p:par>
-    </p:tnLst>
-    <p:bldLst>
-      <p:bldP spid="3" grpId="0"/>
-      <p:bldP spid="14" grpId="0"/>
-      <p:bldP spid="15" grpId="0"/>
-      <p:bldP spid="17" grpId="0"/>
-    </p:bldLst>
-  </p:timing>
 </p:sld>
 </file>
 

--- a/oral_projet/revue_2/diaporama_revue_2_dylan.pptx
+++ b/oral_projet/revue_2/diaporama_revue_2_dylan.pptx
@@ -15072,8 +15072,8 @@
         </p:nvSpPr>
         <p:spPr>
           <a:xfrm>
-            <a:off x="3362957" y="583565"/>
-            <a:ext cx="7253761" cy="769441"/>
+            <a:off x="3779870" y="479063"/>
+            <a:ext cx="4416185" cy="769441"/>
           </a:xfrm>
           <a:prstGeom prst="rect">
             <a:avLst/>
@@ -15941,8 +15941,8 @@
         </p:nvSpPr>
         <p:spPr>
           <a:xfrm>
-            <a:off x="2988527" y="691412"/>
-            <a:ext cx="6243927" cy="1446550"/>
+            <a:off x="3699957" y="465670"/>
+            <a:ext cx="4583494" cy="1446550"/>
           </a:xfrm>
           <a:prstGeom prst="rect">
             <a:avLst/>
@@ -15955,6 +15955,7 @@
           </a:bodyPr>
           <a:lstStyle/>
           <a:p>
+            <a:pPr algn="ctr"/>
             <a:r>
               <a:rPr lang="fr-FR" sz="4400" dirty="0">
                 <a:latin typeface="Berlin Sans FB" panose="020E0602020502020306" pitchFamily="34" charset="0"/>

--- a/oral_projet/revue_2/diaporama_revue_2_dylan.pptx
+++ b/oral_projet/revue_2/diaporama_revue_2_dylan.pptx
@@ -5,24 +5,23 @@
     <p:sldMasterId id="2147483648" r:id="rId1"/>
   </p:sldMasterIdLst>
   <p:notesMasterIdLst>
-    <p:notesMasterId r:id="rId17"/>
+    <p:notesMasterId r:id="rId16"/>
   </p:notesMasterIdLst>
   <p:sldIdLst>
     <p:sldId id="256" r:id="rId2"/>
     <p:sldId id="259" r:id="rId3"/>
     <p:sldId id="261" r:id="rId4"/>
     <p:sldId id="258" r:id="rId5"/>
-    <p:sldId id="260" r:id="rId6"/>
-    <p:sldId id="262" r:id="rId7"/>
-    <p:sldId id="263" r:id="rId8"/>
-    <p:sldId id="264" r:id="rId9"/>
-    <p:sldId id="265" r:id="rId10"/>
-    <p:sldId id="270" r:id="rId11"/>
-    <p:sldId id="266" r:id="rId12"/>
+    <p:sldId id="262" r:id="rId6"/>
+    <p:sldId id="263" r:id="rId7"/>
+    <p:sldId id="264" r:id="rId8"/>
+    <p:sldId id="265" r:id="rId9"/>
+    <p:sldId id="270" r:id="rId10"/>
+    <p:sldId id="266" r:id="rId11"/>
+    <p:sldId id="260" r:id="rId12"/>
     <p:sldId id="268" r:id="rId13"/>
     <p:sldId id="272" r:id="rId14"/>
     <p:sldId id="271" r:id="rId15"/>
-    <p:sldId id="269" r:id="rId16"/>
   </p:sldIdLst>
   <p:sldSz cx="12192000" cy="6858000"/>
   <p:notesSz cx="6858000" cy="9144000"/>
@@ -4537,869 +4536,6 @@
 </file>
 
 <file path=ppt/slides/slide10.xml><?xml version="1.0" encoding="utf-8"?>
-<p:sld xmlns:a="http://schemas.openxmlformats.org/drawingml/2006/main" xmlns:r="http://schemas.openxmlformats.org/officeDocument/2006/relationships" xmlns:p="http://schemas.openxmlformats.org/presentationml/2006/main">
-  <p:cSld>
-    <p:spTree>
-      <p:nvGrpSpPr>
-        <p:cNvPr id="1" name=""/>
-        <p:cNvGrpSpPr/>
-        <p:nvPr/>
-      </p:nvGrpSpPr>
-      <p:grpSpPr>
-        <a:xfrm>
-          <a:off x="0" y="0"/>
-          <a:ext cx="0" cy="0"/>
-          <a:chOff x="0" y="0"/>
-          <a:chExt cx="0" cy="0"/>
-        </a:xfrm>
-      </p:grpSpPr>
-      <p:pic>
-        <p:nvPicPr>
-          <p:cNvPr id="8" name="Image 7">
-            <a:extLst>
-              <a:ext uri="{FF2B5EF4-FFF2-40B4-BE49-F238E27FC236}">
-                <a16:creationId xmlns:a16="http://schemas.microsoft.com/office/drawing/2014/main" id="{2BB825C5-31DA-4A56-85EA-536DBF510A31}"/>
-              </a:ext>
-            </a:extLst>
-          </p:cNvPr>
-          <p:cNvPicPr>
-            <a:picLocks noChangeAspect="1"/>
-          </p:cNvPicPr>
-          <p:nvPr/>
-        </p:nvPicPr>
-        <p:blipFill>
-          <a:blip r:embed="rId2">
-            <a:extLst>
-              <a:ext uri="{28A0092B-C50C-407E-A947-70E740481C1C}">
-                <a14:useLocalDpi xmlns:a14="http://schemas.microsoft.com/office/drawing/2010/main" val="0"/>
-              </a:ext>
-            </a:extLst>
-          </a:blip>
-          <a:stretch>
-            <a:fillRect/>
-          </a:stretch>
-        </p:blipFill>
-        <p:spPr>
-          <a:xfrm>
-            <a:off x="1068751" y="66457"/>
-            <a:ext cx="1259497" cy="776690"/>
-          </a:xfrm>
-          <a:prstGeom prst="rect">
-            <a:avLst/>
-          </a:prstGeom>
-        </p:spPr>
-      </p:pic>
-      <p:pic>
-        <p:nvPicPr>
-          <p:cNvPr id="10" name="Image 9">
-            <a:extLst>
-              <a:ext uri="{FF2B5EF4-FFF2-40B4-BE49-F238E27FC236}">
-                <a16:creationId xmlns:a16="http://schemas.microsoft.com/office/drawing/2014/main" id="{8EE7436F-49F2-41E0-93E4-D247B4705294}"/>
-              </a:ext>
-            </a:extLst>
-          </p:cNvPr>
-          <p:cNvPicPr>
-            <a:picLocks noChangeAspect="1"/>
-          </p:cNvPicPr>
-          <p:nvPr/>
-        </p:nvPicPr>
-        <p:blipFill>
-          <a:blip r:embed="rId3">
-            <a:extLst>
-              <a:ext uri="{28A0092B-C50C-407E-A947-70E740481C1C}">
-                <a14:useLocalDpi xmlns:a14="http://schemas.microsoft.com/office/drawing/2010/main" val="0"/>
-              </a:ext>
-            </a:extLst>
-          </a:blip>
-          <a:stretch>
-            <a:fillRect/>
-          </a:stretch>
-        </p:blipFill>
-        <p:spPr>
-          <a:xfrm>
-            <a:off x="9681085" y="238153"/>
-            <a:ext cx="1802101" cy="569807"/>
-          </a:xfrm>
-          <a:prstGeom prst="rect">
-            <a:avLst/>
-          </a:prstGeom>
-        </p:spPr>
-      </p:pic>
-      <p:cxnSp>
-        <p:nvCxnSpPr>
-          <p:cNvPr id="16" name="Connecteur droit 15">
-            <a:extLst>
-              <a:ext uri="{FF2B5EF4-FFF2-40B4-BE49-F238E27FC236}">
-                <a16:creationId xmlns:a16="http://schemas.microsoft.com/office/drawing/2014/main" id="{7319284A-BD6F-4A96-8E2B-E0A4B52E53C6}"/>
-              </a:ext>
-            </a:extLst>
-          </p:cNvPr>
-          <p:cNvCxnSpPr>
-            <a:cxnSpLocks/>
-          </p:cNvCxnSpPr>
-          <p:nvPr/>
-        </p:nvCxnSpPr>
-        <p:spPr>
-          <a:xfrm flipV="1">
-            <a:off x="0" y="454803"/>
-            <a:ext cx="738231" cy="1798"/>
-          </a:xfrm>
-          <a:prstGeom prst="line">
-            <a:avLst/>
-          </a:prstGeom>
-        </p:spPr>
-        <p:style>
-          <a:lnRef idx="3">
-            <a:schemeClr val="dk1"/>
-          </a:lnRef>
-          <a:fillRef idx="0">
-            <a:schemeClr val="dk1"/>
-          </a:fillRef>
-          <a:effectRef idx="2">
-            <a:schemeClr val="dk1"/>
-          </a:effectRef>
-          <a:fontRef idx="minor">
-            <a:schemeClr val="tx1"/>
-          </a:fontRef>
-        </p:style>
-      </p:cxnSp>
-      <p:cxnSp>
-        <p:nvCxnSpPr>
-          <p:cNvPr id="20" name="Connecteur droit 19">
-            <a:extLst>
-              <a:ext uri="{FF2B5EF4-FFF2-40B4-BE49-F238E27FC236}">
-                <a16:creationId xmlns:a16="http://schemas.microsoft.com/office/drawing/2014/main" id="{08874CF7-F149-4C81-B61E-74E18342BA8A}"/>
-              </a:ext>
-            </a:extLst>
-          </p:cNvPr>
-          <p:cNvCxnSpPr>
-            <a:cxnSpLocks/>
-          </p:cNvCxnSpPr>
-          <p:nvPr/>
-        </p:nvCxnSpPr>
-        <p:spPr>
-          <a:xfrm>
-            <a:off x="2573222" y="454803"/>
-            <a:ext cx="6829482" cy="10398"/>
-          </a:xfrm>
-          <a:prstGeom prst="line">
-            <a:avLst/>
-          </a:prstGeom>
-        </p:spPr>
-        <p:style>
-          <a:lnRef idx="3">
-            <a:schemeClr val="dk1"/>
-          </a:lnRef>
-          <a:fillRef idx="0">
-            <a:schemeClr val="dk1"/>
-          </a:fillRef>
-          <a:effectRef idx="2">
-            <a:schemeClr val="dk1"/>
-          </a:effectRef>
-          <a:fontRef idx="minor">
-            <a:schemeClr val="tx1"/>
-          </a:fontRef>
-        </p:style>
-      </p:cxnSp>
-      <p:cxnSp>
-        <p:nvCxnSpPr>
-          <p:cNvPr id="26" name="Connecteur droit 25">
-            <a:extLst>
-              <a:ext uri="{FF2B5EF4-FFF2-40B4-BE49-F238E27FC236}">
-                <a16:creationId xmlns:a16="http://schemas.microsoft.com/office/drawing/2014/main" id="{BB3B35CC-057B-48C1-880F-3306A6559175}"/>
-              </a:ext>
-            </a:extLst>
-          </p:cNvPr>
-          <p:cNvCxnSpPr>
-            <a:cxnSpLocks/>
-          </p:cNvCxnSpPr>
-          <p:nvPr/>
-        </p:nvCxnSpPr>
-        <p:spPr>
-          <a:xfrm>
-            <a:off x="738231" y="454803"/>
-            <a:ext cx="344203" cy="484764"/>
-          </a:xfrm>
-          <a:prstGeom prst="line">
-            <a:avLst/>
-          </a:prstGeom>
-        </p:spPr>
-        <p:style>
-          <a:lnRef idx="3">
-            <a:schemeClr val="dk1"/>
-          </a:lnRef>
-          <a:fillRef idx="0">
-            <a:schemeClr val="dk1"/>
-          </a:fillRef>
-          <a:effectRef idx="2">
-            <a:schemeClr val="dk1"/>
-          </a:effectRef>
-          <a:fontRef idx="minor">
-            <a:schemeClr val="tx1"/>
-          </a:fontRef>
-        </p:style>
-      </p:cxnSp>
-      <p:cxnSp>
-        <p:nvCxnSpPr>
-          <p:cNvPr id="32" name="Connecteur droit 31">
-            <a:extLst>
-              <a:ext uri="{FF2B5EF4-FFF2-40B4-BE49-F238E27FC236}">
-                <a16:creationId xmlns:a16="http://schemas.microsoft.com/office/drawing/2014/main" id="{4AD96496-1EB6-4E48-9BB2-5C255495C686}"/>
-              </a:ext>
-            </a:extLst>
-          </p:cNvPr>
-          <p:cNvCxnSpPr>
-            <a:cxnSpLocks/>
-          </p:cNvCxnSpPr>
-          <p:nvPr/>
-        </p:nvCxnSpPr>
-        <p:spPr>
-          <a:xfrm>
-            <a:off x="1082434" y="938268"/>
-            <a:ext cx="1146585" cy="0"/>
-          </a:xfrm>
-          <a:prstGeom prst="line">
-            <a:avLst/>
-          </a:prstGeom>
-        </p:spPr>
-        <p:style>
-          <a:lnRef idx="3">
-            <a:schemeClr val="dk1"/>
-          </a:lnRef>
-          <a:fillRef idx="0">
-            <a:schemeClr val="dk1"/>
-          </a:fillRef>
-          <a:effectRef idx="2">
-            <a:schemeClr val="dk1"/>
-          </a:effectRef>
-          <a:fontRef idx="minor">
-            <a:schemeClr val="tx1"/>
-          </a:fontRef>
-        </p:style>
-      </p:cxnSp>
-      <p:cxnSp>
-        <p:nvCxnSpPr>
-          <p:cNvPr id="51" name="Connecteur droit 50">
-            <a:extLst>
-              <a:ext uri="{FF2B5EF4-FFF2-40B4-BE49-F238E27FC236}">
-                <a16:creationId xmlns:a16="http://schemas.microsoft.com/office/drawing/2014/main" id="{C035BFA6-ECBF-4775-BA81-19D2CA41AA8D}"/>
-              </a:ext>
-            </a:extLst>
-          </p:cNvPr>
-          <p:cNvCxnSpPr>
-            <a:cxnSpLocks/>
-          </p:cNvCxnSpPr>
-          <p:nvPr/>
-        </p:nvCxnSpPr>
-        <p:spPr>
-          <a:xfrm>
-            <a:off x="9402704" y="465201"/>
-            <a:ext cx="344203" cy="495163"/>
-          </a:xfrm>
-          <a:prstGeom prst="line">
-            <a:avLst/>
-          </a:prstGeom>
-        </p:spPr>
-        <p:style>
-          <a:lnRef idx="3">
-            <a:schemeClr val="dk1"/>
-          </a:lnRef>
-          <a:fillRef idx="0">
-            <a:schemeClr val="dk1"/>
-          </a:fillRef>
-          <a:effectRef idx="2">
-            <a:schemeClr val="dk1"/>
-          </a:effectRef>
-          <a:fontRef idx="minor">
-            <a:schemeClr val="tx1"/>
-          </a:fontRef>
-        </p:style>
-      </p:cxnSp>
-      <p:cxnSp>
-        <p:nvCxnSpPr>
-          <p:cNvPr id="52" name="Connecteur droit 51">
-            <a:extLst>
-              <a:ext uri="{FF2B5EF4-FFF2-40B4-BE49-F238E27FC236}">
-                <a16:creationId xmlns:a16="http://schemas.microsoft.com/office/drawing/2014/main" id="{FA310BC7-694B-4984-99A2-61A1F4F6EBF9}"/>
-              </a:ext>
-            </a:extLst>
-          </p:cNvPr>
-          <p:cNvCxnSpPr>
-            <a:cxnSpLocks/>
-          </p:cNvCxnSpPr>
-          <p:nvPr/>
-        </p:nvCxnSpPr>
-        <p:spPr>
-          <a:xfrm flipH="1">
-            <a:off x="11370469" y="448308"/>
-            <a:ext cx="364332" cy="501657"/>
-          </a:xfrm>
-          <a:prstGeom prst="line">
-            <a:avLst/>
-          </a:prstGeom>
-        </p:spPr>
-        <p:style>
-          <a:lnRef idx="3">
-            <a:schemeClr val="dk1"/>
-          </a:lnRef>
-          <a:fillRef idx="0">
-            <a:schemeClr val="dk1"/>
-          </a:fillRef>
-          <a:effectRef idx="2">
-            <a:schemeClr val="dk1"/>
-          </a:effectRef>
-          <a:fontRef idx="minor">
-            <a:schemeClr val="tx1"/>
-          </a:fontRef>
-        </p:style>
-      </p:cxnSp>
-      <p:cxnSp>
-        <p:nvCxnSpPr>
-          <p:cNvPr id="53" name="Connecteur droit 52">
-            <a:extLst>
-              <a:ext uri="{FF2B5EF4-FFF2-40B4-BE49-F238E27FC236}">
-                <a16:creationId xmlns:a16="http://schemas.microsoft.com/office/drawing/2014/main" id="{BE0649BD-EE59-4DDA-960F-95B2572F9F13}"/>
-              </a:ext>
-            </a:extLst>
-          </p:cNvPr>
-          <p:cNvCxnSpPr>
-            <a:cxnSpLocks/>
-          </p:cNvCxnSpPr>
-          <p:nvPr/>
-        </p:nvCxnSpPr>
-        <p:spPr>
-          <a:xfrm>
-            <a:off x="9743203" y="949965"/>
-            <a:ext cx="1627266" cy="0"/>
-          </a:xfrm>
-          <a:prstGeom prst="line">
-            <a:avLst/>
-          </a:prstGeom>
-        </p:spPr>
-        <p:style>
-          <a:lnRef idx="3">
-            <a:schemeClr val="dk1"/>
-          </a:lnRef>
-          <a:fillRef idx="0">
-            <a:schemeClr val="dk1"/>
-          </a:fillRef>
-          <a:effectRef idx="2">
-            <a:schemeClr val="dk1"/>
-          </a:effectRef>
-          <a:fontRef idx="minor">
-            <a:schemeClr val="tx1"/>
-          </a:fontRef>
-        </p:style>
-      </p:cxnSp>
-      <p:cxnSp>
-        <p:nvCxnSpPr>
-          <p:cNvPr id="55" name="Connecteur droit 54">
-            <a:extLst>
-              <a:ext uri="{FF2B5EF4-FFF2-40B4-BE49-F238E27FC236}">
-                <a16:creationId xmlns:a16="http://schemas.microsoft.com/office/drawing/2014/main" id="{52AA9200-DAFA-4EEF-AC13-4C7CE82A59EC}"/>
-              </a:ext>
-            </a:extLst>
-          </p:cNvPr>
-          <p:cNvCxnSpPr>
-            <a:cxnSpLocks/>
-          </p:cNvCxnSpPr>
-          <p:nvPr/>
-        </p:nvCxnSpPr>
-        <p:spPr>
-          <a:xfrm>
-            <a:off x="11715750" y="454801"/>
-            <a:ext cx="476249" cy="10400"/>
-          </a:xfrm>
-          <a:prstGeom prst="line">
-            <a:avLst/>
-          </a:prstGeom>
-        </p:spPr>
-        <p:style>
-          <a:lnRef idx="3">
-            <a:schemeClr val="dk1"/>
-          </a:lnRef>
-          <a:fillRef idx="0">
-            <a:schemeClr val="dk1"/>
-          </a:fillRef>
-          <a:effectRef idx="2">
-            <a:schemeClr val="dk1"/>
-          </a:effectRef>
-          <a:fontRef idx="minor">
-            <a:schemeClr val="tx1"/>
-          </a:fontRef>
-        </p:style>
-      </p:cxnSp>
-      <p:cxnSp>
-        <p:nvCxnSpPr>
-          <p:cNvPr id="23" name="Connecteur droit 22">
-            <a:extLst>
-              <a:ext uri="{FF2B5EF4-FFF2-40B4-BE49-F238E27FC236}">
-                <a16:creationId xmlns:a16="http://schemas.microsoft.com/office/drawing/2014/main" id="{BCB092C8-0080-4E56-957E-0046D4C83988}"/>
-              </a:ext>
-            </a:extLst>
-          </p:cNvPr>
-          <p:cNvCxnSpPr>
-            <a:cxnSpLocks/>
-          </p:cNvCxnSpPr>
-          <p:nvPr/>
-        </p:nvCxnSpPr>
-        <p:spPr>
-          <a:xfrm flipH="1">
-            <a:off x="2216372" y="446356"/>
-            <a:ext cx="364332" cy="501657"/>
-          </a:xfrm>
-          <a:prstGeom prst="line">
-            <a:avLst/>
-          </a:prstGeom>
-        </p:spPr>
-        <p:style>
-          <a:lnRef idx="3">
-            <a:schemeClr val="dk1"/>
-          </a:lnRef>
-          <a:fillRef idx="0">
-            <a:schemeClr val="dk1"/>
-          </a:fillRef>
-          <a:effectRef idx="2">
-            <a:schemeClr val="dk1"/>
-          </a:effectRef>
-          <a:fontRef idx="minor">
-            <a:schemeClr val="tx1"/>
-          </a:fontRef>
-        </p:style>
-      </p:cxnSp>
-      <p:pic>
-        <p:nvPicPr>
-          <p:cNvPr id="57" name="Image 56">
-            <a:extLst>
-              <a:ext uri="{FF2B5EF4-FFF2-40B4-BE49-F238E27FC236}">
-                <a16:creationId xmlns:a16="http://schemas.microsoft.com/office/drawing/2014/main" id="{12B16FB2-5844-4B92-AE69-9BAC858C22BB}"/>
-              </a:ext>
-            </a:extLst>
-          </p:cNvPr>
-          <p:cNvPicPr>
-            <a:picLocks noChangeAspect="1"/>
-          </p:cNvPicPr>
-          <p:nvPr/>
-        </p:nvPicPr>
-        <p:blipFill>
-          <a:blip r:embed="rId3">
-            <a:extLst>
-              <a:ext uri="{28A0092B-C50C-407E-A947-70E740481C1C}">
-                <a14:useLocalDpi xmlns:a14="http://schemas.microsoft.com/office/drawing/2010/main" val="0"/>
-              </a:ext>
-            </a:extLst>
-          </a:blip>
-          <a:stretch>
-            <a:fillRect/>
-          </a:stretch>
-        </p:blipFill>
-        <p:spPr>
-          <a:xfrm>
-            <a:off x="9681085" y="238153"/>
-            <a:ext cx="1802101" cy="569807"/>
-          </a:xfrm>
-          <a:prstGeom prst="rect">
-            <a:avLst/>
-          </a:prstGeom>
-        </p:spPr>
-      </p:pic>
-      <p:cxnSp>
-        <p:nvCxnSpPr>
-          <p:cNvPr id="58" name="Connecteur droit 57">
-            <a:extLst>
-              <a:ext uri="{FF2B5EF4-FFF2-40B4-BE49-F238E27FC236}">
-                <a16:creationId xmlns:a16="http://schemas.microsoft.com/office/drawing/2014/main" id="{01599350-F8B0-4FDC-B003-981189A8D654}"/>
-              </a:ext>
-            </a:extLst>
-          </p:cNvPr>
-          <p:cNvCxnSpPr>
-            <a:cxnSpLocks/>
-          </p:cNvCxnSpPr>
-          <p:nvPr/>
-        </p:nvCxnSpPr>
-        <p:spPr>
-          <a:xfrm>
-            <a:off x="2573222" y="454803"/>
-            <a:ext cx="6829482" cy="10398"/>
-          </a:xfrm>
-          <a:prstGeom prst="line">
-            <a:avLst/>
-          </a:prstGeom>
-        </p:spPr>
-        <p:style>
-          <a:lnRef idx="3">
-            <a:schemeClr val="dk1"/>
-          </a:lnRef>
-          <a:fillRef idx="0">
-            <a:schemeClr val="dk1"/>
-          </a:fillRef>
-          <a:effectRef idx="2">
-            <a:schemeClr val="dk1"/>
-          </a:effectRef>
-          <a:fontRef idx="minor">
-            <a:schemeClr val="tx1"/>
-          </a:fontRef>
-        </p:style>
-      </p:cxnSp>
-      <p:cxnSp>
-        <p:nvCxnSpPr>
-          <p:cNvPr id="59" name="Connecteur droit 58">
-            <a:extLst>
-              <a:ext uri="{FF2B5EF4-FFF2-40B4-BE49-F238E27FC236}">
-                <a16:creationId xmlns:a16="http://schemas.microsoft.com/office/drawing/2014/main" id="{BC6E6150-6054-4785-84EC-0C46D82034C2}"/>
-              </a:ext>
-            </a:extLst>
-          </p:cNvPr>
-          <p:cNvCxnSpPr>
-            <a:cxnSpLocks/>
-          </p:cNvCxnSpPr>
-          <p:nvPr/>
-        </p:nvCxnSpPr>
-        <p:spPr>
-          <a:xfrm>
-            <a:off x="738231" y="454803"/>
-            <a:ext cx="344203" cy="484764"/>
-          </a:xfrm>
-          <a:prstGeom prst="line">
-            <a:avLst/>
-          </a:prstGeom>
-        </p:spPr>
-        <p:style>
-          <a:lnRef idx="3">
-            <a:schemeClr val="dk1"/>
-          </a:lnRef>
-          <a:fillRef idx="0">
-            <a:schemeClr val="dk1"/>
-          </a:fillRef>
-          <a:effectRef idx="2">
-            <a:schemeClr val="dk1"/>
-          </a:effectRef>
-          <a:fontRef idx="minor">
-            <a:schemeClr val="tx1"/>
-          </a:fontRef>
-        </p:style>
-      </p:cxnSp>
-      <p:cxnSp>
-        <p:nvCxnSpPr>
-          <p:cNvPr id="60" name="Connecteur droit 59">
-            <a:extLst>
-              <a:ext uri="{FF2B5EF4-FFF2-40B4-BE49-F238E27FC236}">
-                <a16:creationId xmlns:a16="http://schemas.microsoft.com/office/drawing/2014/main" id="{CBC9961A-8EC2-4287-A398-BCA4138D409D}"/>
-              </a:ext>
-            </a:extLst>
-          </p:cNvPr>
-          <p:cNvCxnSpPr>
-            <a:cxnSpLocks/>
-          </p:cNvCxnSpPr>
-          <p:nvPr/>
-        </p:nvCxnSpPr>
-        <p:spPr>
-          <a:xfrm>
-            <a:off x="1082434" y="938268"/>
-            <a:ext cx="1146585" cy="0"/>
-          </a:xfrm>
-          <a:prstGeom prst="line">
-            <a:avLst/>
-          </a:prstGeom>
-        </p:spPr>
-        <p:style>
-          <a:lnRef idx="3">
-            <a:schemeClr val="dk1"/>
-          </a:lnRef>
-          <a:fillRef idx="0">
-            <a:schemeClr val="dk1"/>
-          </a:fillRef>
-          <a:effectRef idx="2">
-            <a:schemeClr val="dk1"/>
-          </a:effectRef>
-          <a:fontRef idx="minor">
-            <a:schemeClr val="tx1"/>
-          </a:fontRef>
-        </p:style>
-      </p:cxnSp>
-      <p:cxnSp>
-        <p:nvCxnSpPr>
-          <p:cNvPr id="61" name="Connecteur droit 60">
-            <a:extLst>
-              <a:ext uri="{FF2B5EF4-FFF2-40B4-BE49-F238E27FC236}">
-                <a16:creationId xmlns:a16="http://schemas.microsoft.com/office/drawing/2014/main" id="{152B7C45-2543-4665-BC07-4DB71CA9F337}"/>
-              </a:ext>
-            </a:extLst>
-          </p:cNvPr>
-          <p:cNvCxnSpPr>
-            <a:cxnSpLocks/>
-          </p:cNvCxnSpPr>
-          <p:nvPr/>
-        </p:nvCxnSpPr>
-        <p:spPr>
-          <a:xfrm>
-            <a:off x="9402704" y="465201"/>
-            <a:ext cx="344203" cy="495163"/>
-          </a:xfrm>
-          <a:prstGeom prst="line">
-            <a:avLst/>
-          </a:prstGeom>
-        </p:spPr>
-        <p:style>
-          <a:lnRef idx="3">
-            <a:schemeClr val="dk1"/>
-          </a:lnRef>
-          <a:fillRef idx="0">
-            <a:schemeClr val="dk1"/>
-          </a:fillRef>
-          <a:effectRef idx="2">
-            <a:schemeClr val="dk1"/>
-          </a:effectRef>
-          <a:fontRef idx="minor">
-            <a:schemeClr val="tx1"/>
-          </a:fontRef>
-        </p:style>
-      </p:cxnSp>
-      <p:cxnSp>
-        <p:nvCxnSpPr>
-          <p:cNvPr id="62" name="Connecteur droit 61">
-            <a:extLst>
-              <a:ext uri="{FF2B5EF4-FFF2-40B4-BE49-F238E27FC236}">
-                <a16:creationId xmlns:a16="http://schemas.microsoft.com/office/drawing/2014/main" id="{00A84DC3-A112-46A3-B71C-04D85339323D}"/>
-              </a:ext>
-            </a:extLst>
-          </p:cNvPr>
-          <p:cNvCxnSpPr>
-            <a:cxnSpLocks/>
-          </p:cNvCxnSpPr>
-          <p:nvPr/>
-        </p:nvCxnSpPr>
-        <p:spPr>
-          <a:xfrm flipH="1">
-            <a:off x="11370469" y="448308"/>
-            <a:ext cx="364332" cy="501657"/>
-          </a:xfrm>
-          <a:prstGeom prst="line">
-            <a:avLst/>
-          </a:prstGeom>
-        </p:spPr>
-        <p:style>
-          <a:lnRef idx="3">
-            <a:schemeClr val="dk1"/>
-          </a:lnRef>
-          <a:fillRef idx="0">
-            <a:schemeClr val="dk1"/>
-          </a:fillRef>
-          <a:effectRef idx="2">
-            <a:schemeClr val="dk1"/>
-          </a:effectRef>
-          <a:fontRef idx="minor">
-            <a:schemeClr val="tx1"/>
-          </a:fontRef>
-        </p:style>
-      </p:cxnSp>
-      <p:cxnSp>
-        <p:nvCxnSpPr>
-          <p:cNvPr id="63" name="Connecteur droit 62">
-            <a:extLst>
-              <a:ext uri="{FF2B5EF4-FFF2-40B4-BE49-F238E27FC236}">
-                <a16:creationId xmlns:a16="http://schemas.microsoft.com/office/drawing/2014/main" id="{C50788C6-8F68-44EC-AB54-94C1D2FE554D}"/>
-              </a:ext>
-            </a:extLst>
-          </p:cNvPr>
-          <p:cNvCxnSpPr>
-            <a:cxnSpLocks/>
-          </p:cNvCxnSpPr>
-          <p:nvPr/>
-        </p:nvCxnSpPr>
-        <p:spPr>
-          <a:xfrm>
-            <a:off x="9743203" y="949965"/>
-            <a:ext cx="1627266" cy="0"/>
-          </a:xfrm>
-          <a:prstGeom prst="line">
-            <a:avLst/>
-          </a:prstGeom>
-        </p:spPr>
-        <p:style>
-          <a:lnRef idx="3">
-            <a:schemeClr val="dk1"/>
-          </a:lnRef>
-          <a:fillRef idx="0">
-            <a:schemeClr val="dk1"/>
-          </a:fillRef>
-          <a:effectRef idx="2">
-            <a:schemeClr val="dk1"/>
-          </a:effectRef>
-          <a:fontRef idx="minor">
-            <a:schemeClr val="tx1"/>
-          </a:fontRef>
-        </p:style>
-      </p:cxnSp>
-      <p:cxnSp>
-        <p:nvCxnSpPr>
-          <p:cNvPr id="64" name="Connecteur droit 63">
-            <a:extLst>
-              <a:ext uri="{FF2B5EF4-FFF2-40B4-BE49-F238E27FC236}">
-                <a16:creationId xmlns:a16="http://schemas.microsoft.com/office/drawing/2014/main" id="{BC4D4E5F-5636-45CB-873C-EC085AB307A3}"/>
-              </a:ext>
-            </a:extLst>
-          </p:cNvPr>
-          <p:cNvCxnSpPr>
-            <a:cxnSpLocks/>
-          </p:cNvCxnSpPr>
-          <p:nvPr/>
-        </p:nvCxnSpPr>
-        <p:spPr>
-          <a:xfrm>
-            <a:off x="11715750" y="454801"/>
-            <a:ext cx="476249" cy="10400"/>
-          </a:xfrm>
-          <a:prstGeom prst="line">
-            <a:avLst/>
-          </a:prstGeom>
-        </p:spPr>
-        <p:style>
-          <a:lnRef idx="3">
-            <a:schemeClr val="dk1"/>
-          </a:lnRef>
-          <a:fillRef idx="0">
-            <a:schemeClr val="dk1"/>
-          </a:fillRef>
-          <a:effectRef idx="2">
-            <a:schemeClr val="dk1"/>
-          </a:effectRef>
-          <a:fontRef idx="minor">
-            <a:schemeClr val="tx1"/>
-          </a:fontRef>
-        </p:style>
-      </p:cxnSp>
-      <p:cxnSp>
-        <p:nvCxnSpPr>
-          <p:cNvPr id="65" name="Connecteur droit 64">
-            <a:extLst>
-              <a:ext uri="{FF2B5EF4-FFF2-40B4-BE49-F238E27FC236}">
-                <a16:creationId xmlns:a16="http://schemas.microsoft.com/office/drawing/2014/main" id="{E6F6B4C5-0E3B-46C9-859D-EE774175D36F}"/>
-              </a:ext>
-            </a:extLst>
-          </p:cNvPr>
-          <p:cNvCxnSpPr>
-            <a:cxnSpLocks/>
-          </p:cNvCxnSpPr>
-          <p:nvPr/>
-        </p:nvCxnSpPr>
-        <p:spPr>
-          <a:xfrm flipH="1">
-            <a:off x="2216372" y="446356"/>
-            <a:ext cx="364332" cy="501657"/>
-          </a:xfrm>
-          <a:prstGeom prst="line">
-            <a:avLst/>
-          </a:prstGeom>
-        </p:spPr>
-        <p:style>
-          <a:lnRef idx="3">
-            <a:schemeClr val="dk1"/>
-          </a:lnRef>
-          <a:fillRef idx="0">
-            <a:schemeClr val="dk1"/>
-          </a:fillRef>
-          <a:effectRef idx="2">
-            <a:schemeClr val="dk1"/>
-          </a:effectRef>
-          <a:fontRef idx="minor">
-            <a:schemeClr val="tx1"/>
-          </a:fontRef>
-        </p:style>
-      </p:cxnSp>
-      <p:sp>
-        <p:nvSpPr>
-          <p:cNvPr id="2" name="ZoneTexte 1">
-            <a:extLst>
-              <a:ext uri="{FF2B5EF4-FFF2-40B4-BE49-F238E27FC236}">
-                <a16:creationId xmlns:a16="http://schemas.microsoft.com/office/drawing/2014/main" id="{27396238-7A76-4B8F-981D-280A71EC12F4}"/>
-              </a:ext>
-            </a:extLst>
-          </p:cNvPr>
-          <p:cNvSpPr txBox="1"/>
-          <p:nvPr/>
-        </p:nvSpPr>
-        <p:spPr>
-          <a:xfrm>
-            <a:off x="3228837" y="553547"/>
-            <a:ext cx="4675598" cy="769441"/>
-          </a:xfrm>
-          <a:prstGeom prst="rect">
-            <a:avLst/>
-          </a:prstGeom>
-          <a:noFill/>
-        </p:spPr>
-        <p:txBody>
-          <a:bodyPr wrap="square" rtlCol="0">
-            <a:spAutoFit/>
-          </a:bodyPr>
-          <a:lstStyle/>
-          <a:p>
-            <a:r>
-              <a:rPr lang="fr-FR" sz="4400" dirty="0">
-                <a:latin typeface="Berlin Sans FB" panose="020E0602020502020306" pitchFamily="34" charset="0"/>
-              </a:rPr>
-              <a:t>Base de données</a:t>
-            </a:r>
-          </a:p>
-        </p:txBody>
-      </p:sp>
-      <p:pic>
-        <p:nvPicPr>
-          <p:cNvPr id="3" name="Image 2">
-            <a:extLst>
-              <a:ext uri="{FF2B5EF4-FFF2-40B4-BE49-F238E27FC236}">
-                <a16:creationId xmlns:a16="http://schemas.microsoft.com/office/drawing/2014/main" id="{4BD826E4-028A-42A8-BDAA-7099CED3A78E}"/>
-              </a:ext>
-            </a:extLst>
-          </p:cNvPr>
-          <p:cNvPicPr>
-            <a:picLocks noChangeAspect="1"/>
-          </p:cNvPicPr>
-          <p:nvPr/>
-        </p:nvPicPr>
-        <p:blipFill>
-          <a:blip r:embed="rId4"/>
-          <a:stretch>
-            <a:fillRect/>
-          </a:stretch>
-        </p:blipFill>
-        <p:spPr>
-          <a:xfrm>
-            <a:off x="1225846" y="1418109"/>
-            <a:ext cx="10144623" cy="5255207"/>
-          </a:xfrm>
-          <a:prstGeom prst="rect">
-            <a:avLst/>
-          </a:prstGeom>
-        </p:spPr>
-      </p:pic>
-    </p:spTree>
-    <p:extLst>
-      <p:ext uri="{BB962C8B-B14F-4D97-AF65-F5344CB8AC3E}">
-        <p14:creationId xmlns:p14="http://schemas.microsoft.com/office/powerpoint/2010/main" val="3188051435"/>
-      </p:ext>
-    </p:extLst>
-  </p:cSld>
-  <p:clrMapOvr>
-    <a:masterClrMapping/>
-  </p:clrMapOvr>
-  <mc:AlternateContent xmlns:mc="http://schemas.openxmlformats.org/markup-compatibility/2006" xmlns:p14="http://schemas.microsoft.com/office/powerpoint/2010/main">
-    <mc:Choice Requires="p14">
-      <p:transition spd="slow">
-        <p14:reveal/>
-      </p:transition>
-    </mc:Choice>
-    <mc:Fallback xmlns="">
-      <p:transition spd="slow">
-        <p:fade/>
-      </p:transition>
-    </mc:Fallback>
-  </mc:AlternateContent>
-</p:sld>
-</file>
-
-<file path=ppt/slides/slide11.xml><?xml version="1.0" encoding="utf-8"?>
 <p:sld xmlns:a="http://schemas.openxmlformats.org/drawingml/2006/main" xmlns:r="http://schemas.openxmlformats.org/officeDocument/2006/relationships" xmlns:p="http://schemas.openxmlformats.org/presentationml/2006/main">
   <p:cSld>
     <p:spTree>
@@ -7078,6 +6214,534 @@
 </p:sld>
 </file>
 
+<file path=ppt/slides/slide11.xml><?xml version="1.0" encoding="utf-8"?>
+<p:sld xmlns:a="http://schemas.openxmlformats.org/drawingml/2006/main" xmlns:r="http://schemas.openxmlformats.org/officeDocument/2006/relationships" xmlns:p="http://schemas.openxmlformats.org/presentationml/2006/main">
+  <p:cSld>
+    <p:spTree>
+      <p:nvGrpSpPr>
+        <p:cNvPr id="1" name=""/>
+        <p:cNvGrpSpPr/>
+        <p:nvPr/>
+      </p:nvGrpSpPr>
+      <p:grpSpPr>
+        <a:xfrm>
+          <a:off x="0" y="0"/>
+          <a:ext cx="0" cy="0"/>
+          <a:chOff x="0" y="0"/>
+          <a:chExt cx="0" cy="0"/>
+        </a:xfrm>
+      </p:grpSpPr>
+      <p:pic>
+        <p:nvPicPr>
+          <p:cNvPr id="8" name="Image 7">
+            <a:extLst>
+              <a:ext uri="{FF2B5EF4-FFF2-40B4-BE49-F238E27FC236}">
+                <a16:creationId xmlns:a16="http://schemas.microsoft.com/office/drawing/2014/main" id="{2BB825C5-31DA-4A56-85EA-536DBF510A31}"/>
+              </a:ext>
+            </a:extLst>
+          </p:cNvPr>
+          <p:cNvPicPr>
+            <a:picLocks noChangeAspect="1"/>
+          </p:cNvPicPr>
+          <p:nvPr/>
+        </p:nvPicPr>
+        <p:blipFill>
+          <a:blip r:embed="rId2">
+            <a:extLst>
+              <a:ext uri="{28A0092B-C50C-407E-A947-70E740481C1C}">
+                <a14:useLocalDpi xmlns:a14="http://schemas.microsoft.com/office/drawing/2010/main" val="0"/>
+              </a:ext>
+            </a:extLst>
+          </a:blip>
+          <a:stretch>
+            <a:fillRect/>
+          </a:stretch>
+        </p:blipFill>
+        <p:spPr>
+          <a:xfrm>
+            <a:off x="1068751" y="66457"/>
+            <a:ext cx="1259497" cy="776690"/>
+          </a:xfrm>
+          <a:prstGeom prst="rect">
+            <a:avLst/>
+          </a:prstGeom>
+        </p:spPr>
+      </p:pic>
+      <p:pic>
+        <p:nvPicPr>
+          <p:cNvPr id="10" name="Image 9">
+            <a:extLst>
+              <a:ext uri="{FF2B5EF4-FFF2-40B4-BE49-F238E27FC236}">
+                <a16:creationId xmlns:a16="http://schemas.microsoft.com/office/drawing/2014/main" id="{8EE7436F-49F2-41E0-93E4-D247B4705294}"/>
+              </a:ext>
+            </a:extLst>
+          </p:cNvPr>
+          <p:cNvPicPr>
+            <a:picLocks noChangeAspect="1"/>
+          </p:cNvPicPr>
+          <p:nvPr/>
+        </p:nvPicPr>
+        <p:blipFill>
+          <a:blip r:embed="rId3">
+            <a:extLst>
+              <a:ext uri="{28A0092B-C50C-407E-A947-70E740481C1C}">
+                <a14:useLocalDpi xmlns:a14="http://schemas.microsoft.com/office/drawing/2010/main" val="0"/>
+              </a:ext>
+            </a:extLst>
+          </a:blip>
+          <a:stretch>
+            <a:fillRect/>
+          </a:stretch>
+        </p:blipFill>
+        <p:spPr>
+          <a:xfrm>
+            <a:off x="9681085" y="238153"/>
+            <a:ext cx="1802101" cy="569807"/>
+          </a:xfrm>
+          <a:prstGeom prst="rect">
+            <a:avLst/>
+          </a:prstGeom>
+        </p:spPr>
+      </p:pic>
+      <p:cxnSp>
+        <p:nvCxnSpPr>
+          <p:cNvPr id="16" name="Connecteur droit 15">
+            <a:extLst>
+              <a:ext uri="{FF2B5EF4-FFF2-40B4-BE49-F238E27FC236}">
+                <a16:creationId xmlns:a16="http://schemas.microsoft.com/office/drawing/2014/main" id="{7319284A-BD6F-4A96-8E2B-E0A4B52E53C6}"/>
+              </a:ext>
+            </a:extLst>
+          </p:cNvPr>
+          <p:cNvCxnSpPr>
+            <a:cxnSpLocks/>
+          </p:cNvCxnSpPr>
+          <p:nvPr/>
+        </p:nvCxnSpPr>
+        <p:spPr>
+          <a:xfrm flipV="1">
+            <a:off x="0" y="454803"/>
+            <a:ext cx="738231" cy="1798"/>
+          </a:xfrm>
+          <a:prstGeom prst="line">
+            <a:avLst/>
+          </a:prstGeom>
+        </p:spPr>
+        <p:style>
+          <a:lnRef idx="3">
+            <a:schemeClr val="dk1"/>
+          </a:lnRef>
+          <a:fillRef idx="0">
+            <a:schemeClr val="dk1"/>
+          </a:fillRef>
+          <a:effectRef idx="2">
+            <a:schemeClr val="dk1"/>
+          </a:effectRef>
+          <a:fontRef idx="minor">
+            <a:schemeClr val="tx1"/>
+          </a:fontRef>
+        </p:style>
+      </p:cxnSp>
+      <p:cxnSp>
+        <p:nvCxnSpPr>
+          <p:cNvPr id="20" name="Connecteur droit 19">
+            <a:extLst>
+              <a:ext uri="{FF2B5EF4-FFF2-40B4-BE49-F238E27FC236}">
+                <a16:creationId xmlns:a16="http://schemas.microsoft.com/office/drawing/2014/main" id="{08874CF7-F149-4C81-B61E-74E18342BA8A}"/>
+              </a:ext>
+            </a:extLst>
+          </p:cNvPr>
+          <p:cNvCxnSpPr>
+            <a:cxnSpLocks/>
+          </p:cNvCxnSpPr>
+          <p:nvPr/>
+        </p:nvCxnSpPr>
+        <p:spPr>
+          <a:xfrm>
+            <a:off x="2573222" y="454803"/>
+            <a:ext cx="6829482" cy="10398"/>
+          </a:xfrm>
+          <a:prstGeom prst="line">
+            <a:avLst/>
+          </a:prstGeom>
+        </p:spPr>
+        <p:style>
+          <a:lnRef idx="3">
+            <a:schemeClr val="dk1"/>
+          </a:lnRef>
+          <a:fillRef idx="0">
+            <a:schemeClr val="dk1"/>
+          </a:fillRef>
+          <a:effectRef idx="2">
+            <a:schemeClr val="dk1"/>
+          </a:effectRef>
+          <a:fontRef idx="minor">
+            <a:schemeClr val="tx1"/>
+          </a:fontRef>
+        </p:style>
+      </p:cxnSp>
+      <p:cxnSp>
+        <p:nvCxnSpPr>
+          <p:cNvPr id="26" name="Connecteur droit 25">
+            <a:extLst>
+              <a:ext uri="{FF2B5EF4-FFF2-40B4-BE49-F238E27FC236}">
+                <a16:creationId xmlns:a16="http://schemas.microsoft.com/office/drawing/2014/main" id="{BB3B35CC-057B-48C1-880F-3306A6559175}"/>
+              </a:ext>
+            </a:extLst>
+          </p:cNvPr>
+          <p:cNvCxnSpPr>
+            <a:cxnSpLocks/>
+          </p:cNvCxnSpPr>
+          <p:nvPr/>
+        </p:nvCxnSpPr>
+        <p:spPr>
+          <a:xfrm>
+            <a:off x="738231" y="454803"/>
+            <a:ext cx="344203" cy="484764"/>
+          </a:xfrm>
+          <a:prstGeom prst="line">
+            <a:avLst/>
+          </a:prstGeom>
+        </p:spPr>
+        <p:style>
+          <a:lnRef idx="3">
+            <a:schemeClr val="dk1"/>
+          </a:lnRef>
+          <a:fillRef idx="0">
+            <a:schemeClr val="dk1"/>
+          </a:fillRef>
+          <a:effectRef idx="2">
+            <a:schemeClr val="dk1"/>
+          </a:effectRef>
+          <a:fontRef idx="minor">
+            <a:schemeClr val="tx1"/>
+          </a:fontRef>
+        </p:style>
+      </p:cxnSp>
+      <p:cxnSp>
+        <p:nvCxnSpPr>
+          <p:cNvPr id="32" name="Connecteur droit 31">
+            <a:extLst>
+              <a:ext uri="{FF2B5EF4-FFF2-40B4-BE49-F238E27FC236}">
+                <a16:creationId xmlns:a16="http://schemas.microsoft.com/office/drawing/2014/main" id="{4AD96496-1EB6-4E48-9BB2-5C255495C686}"/>
+              </a:ext>
+            </a:extLst>
+          </p:cNvPr>
+          <p:cNvCxnSpPr>
+            <a:cxnSpLocks/>
+          </p:cNvCxnSpPr>
+          <p:nvPr/>
+        </p:nvCxnSpPr>
+        <p:spPr>
+          <a:xfrm>
+            <a:off x="1082434" y="938268"/>
+            <a:ext cx="1146585" cy="0"/>
+          </a:xfrm>
+          <a:prstGeom prst="line">
+            <a:avLst/>
+          </a:prstGeom>
+        </p:spPr>
+        <p:style>
+          <a:lnRef idx="3">
+            <a:schemeClr val="dk1"/>
+          </a:lnRef>
+          <a:fillRef idx="0">
+            <a:schemeClr val="dk1"/>
+          </a:fillRef>
+          <a:effectRef idx="2">
+            <a:schemeClr val="dk1"/>
+          </a:effectRef>
+          <a:fontRef idx="minor">
+            <a:schemeClr val="tx1"/>
+          </a:fontRef>
+        </p:style>
+      </p:cxnSp>
+      <p:cxnSp>
+        <p:nvCxnSpPr>
+          <p:cNvPr id="51" name="Connecteur droit 50">
+            <a:extLst>
+              <a:ext uri="{FF2B5EF4-FFF2-40B4-BE49-F238E27FC236}">
+                <a16:creationId xmlns:a16="http://schemas.microsoft.com/office/drawing/2014/main" id="{C035BFA6-ECBF-4775-BA81-19D2CA41AA8D}"/>
+              </a:ext>
+            </a:extLst>
+          </p:cNvPr>
+          <p:cNvCxnSpPr>
+            <a:cxnSpLocks/>
+          </p:cNvCxnSpPr>
+          <p:nvPr/>
+        </p:nvCxnSpPr>
+        <p:spPr>
+          <a:xfrm>
+            <a:off x="9402704" y="465201"/>
+            <a:ext cx="344203" cy="495163"/>
+          </a:xfrm>
+          <a:prstGeom prst="line">
+            <a:avLst/>
+          </a:prstGeom>
+        </p:spPr>
+        <p:style>
+          <a:lnRef idx="3">
+            <a:schemeClr val="dk1"/>
+          </a:lnRef>
+          <a:fillRef idx="0">
+            <a:schemeClr val="dk1"/>
+          </a:fillRef>
+          <a:effectRef idx="2">
+            <a:schemeClr val="dk1"/>
+          </a:effectRef>
+          <a:fontRef idx="minor">
+            <a:schemeClr val="tx1"/>
+          </a:fontRef>
+        </p:style>
+      </p:cxnSp>
+      <p:cxnSp>
+        <p:nvCxnSpPr>
+          <p:cNvPr id="52" name="Connecteur droit 51">
+            <a:extLst>
+              <a:ext uri="{FF2B5EF4-FFF2-40B4-BE49-F238E27FC236}">
+                <a16:creationId xmlns:a16="http://schemas.microsoft.com/office/drawing/2014/main" id="{FA310BC7-694B-4984-99A2-61A1F4F6EBF9}"/>
+              </a:ext>
+            </a:extLst>
+          </p:cNvPr>
+          <p:cNvCxnSpPr>
+            <a:cxnSpLocks/>
+          </p:cNvCxnSpPr>
+          <p:nvPr/>
+        </p:nvCxnSpPr>
+        <p:spPr>
+          <a:xfrm flipH="1">
+            <a:off x="11370469" y="448308"/>
+            <a:ext cx="364332" cy="501657"/>
+          </a:xfrm>
+          <a:prstGeom prst="line">
+            <a:avLst/>
+          </a:prstGeom>
+        </p:spPr>
+        <p:style>
+          <a:lnRef idx="3">
+            <a:schemeClr val="dk1"/>
+          </a:lnRef>
+          <a:fillRef idx="0">
+            <a:schemeClr val="dk1"/>
+          </a:fillRef>
+          <a:effectRef idx="2">
+            <a:schemeClr val="dk1"/>
+          </a:effectRef>
+          <a:fontRef idx="minor">
+            <a:schemeClr val="tx1"/>
+          </a:fontRef>
+        </p:style>
+      </p:cxnSp>
+      <p:cxnSp>
+        <p:nvCxnSpPr>
+          <p:cNvPr id="53" name="Connecteur droit 52">
+            <a:extLst>
+              <a:ext uri="{FF2B5EF4-FFF2-40B4-BE49-F238E27FC236}">
+                <a16:creationId xmlns:a16="http://schemas.microsoft.com/office/drawing/2014/main" id="{BE0649BD-EE59-4DDA-960F-95B2572F9F13}"/>
+              </a:ext>
+            </a:extLst>
+          </p:cNvPr>
+          <p:cNvCxnSpPr>
+            <a:cxnSpLocks/>
+          </p:cNvCxnSpPr>
+          <p:nvPr/>
+        </p:nvCxnSpPr>
+        <p:spPr>
+          <a:xfrm>
+            <a:off x="9743203" y="949965"/>
+            <a:ext cx="1627266" cy="0"/>
+          </a:xfrm>
+          <a:prstGeom prst="line">
+            <a:avLst/>
+          </a:prstGeom>
+        </p:spPr>
+        <p:style>
+          <a:lnRef idx="3">
+            <a:schemeClr val="dk1"/>
+          </a:lnRef>
+          <a:fillRef idx="0">
+            <a:schemeClr val="dk1"/>
+          </a:fillRef>
+          <a:effectRef idx="2">
+            <a:schemeClr val="dk1"/>
+          </a:effectRef>
+          <a:fontRef idx="minor">
+            <a:schemeClr val="tx1"/>
+          </a:fontRef>
+        </p:style>
+      </p:cxnSp>
+      <p:cxnSp>
+        <p:nvCxnSpPr>
+          <p:cNvPr id="55" name="Connecteur droit 54">
+            <a:extLst>
+              <a:ext uri="{FF2B5EF4-FFF2-40B4-BE49-F238E27FC236}">
+                <a16:creationId xmlns:a16="http://schemas.microsoft.com/office/drawing/2014/main" id="{52AA9200-DAFA-4EEF-AC13-4C7CE82A59EC}"/>
+              </a:ext>
+            </a:extLst>
+          </p:cNvPr>
+          <p:cNvCxnSpPr>
+            <a:cxnSpLocks/>
+          </p:cNvCxnSpPr>
+          <p:nvPr/>
+        </p:nvCxnSpPr>
+        <p:spPr>
+          <a:xfrm>
+            <a:off x="11715750" y="454801"/>
+            <a:ext cx="476249" cy="10400"/>
+          </a:xfrm>
+          <a:prstGeom prst="line">
+            <a:avLst/>
+          </a:prstGeom>
+        </p:spPr>
+        <p:style>
+          <a:lnRef idx="3">
+            <a:schemeClr val="dk1"/>
+          </a:lnRef>
+          <a:fillRef idx="0">
+            <a:schemeClr val="dk1"/>
+          </a:fillRef>
+          <a:effectRef idx="2">
+            <a:schemeClr val="dk1"/>
+          </a:effectRef>
+          <a:fontRef idx="minor">
+            <a:schemeClr val="tx1"/>
+          </a:fontRef>
+        </p:style>
+      </p:cxnSp>
+      <p:cxnSp>
+        <p:nvCxnSpPr>
+          <p:cNvPr id="23" name="Connecteur droit 22">
+            <a:extLst>
+              <a:ext uri="{FF2B5EF4-FFF2-40B4-BE49-F238E27FC236}">
+                <a16:creationId xmlns:a16="http://schemas.microsoft.com/office/drawing/2014/main" id="{BCB092C8-0080-4E56-957E-0046D4C83988}"/>
+              </a:ext>
+            </a:extLst>
+          </p:cNvPr>
+          <p:cNvCxnSpPr>
+            <a:cxnSpLocks/>
+          </p:cNvCxnSpPr>
+          <p:nvPr/>
+        </p:nvCxnSpPr>
+        <p:spPr>
+          <a:xfrm flipH="1">
+            <a:off x="2216372" y="446356"/>
+            <a:ext cx="364332" cy="501657"/>
+          </a:xfrm>
+          <a:prstGeom prst="line">
+            <a:avLst/>
+          </a:prstGeom>
+        </p:spPr>
+        <p:style>
+          <a:lnRef idx="3">
+            <a:schemeClr val="dk1"/>
+          </a:lnRef>
+          <a:fillRef idx="0">
+            <a:schemeClr val="dk1"/>
+          </a:fillRef>
+          <a:effectRef idx="2">
+            <a:schemeClr val="dk1"/>
+          </a:effectRef>
+          <a:fontRef idx="minor">
+            <a:schemeClr val="tx1"/>
+          </a:fontRef>
+        </p:style>
+      </p:cxnSp>
+      <p:sp>
+        <p:nvSpPr>
+          <p:cNvPr id="3" name="ZoneTexte 2">
+            <a:extLst>
+              <a:ext uri="{FF2B5EF4-FFF2-40B4-BE49-F238E27FC236}">
+                <a16:creationId xmlns:a16="http://schemas.microsoft.com/office/drawing/2014/main" id="{DCCD1615-1755-47F7-AF0B-75E932931245}"/>
+              </a:ext>
+            </a:extLst>
+          </p:cNvPr>
+          <p:cNvSpPr txBox="1"/>
+          <p:nvPr/>
+        </p:nvSpPr>
+        <p:spPr>
+          <a:xfrm>
+            <a:off x="1156800" y="3143689"/>
+            <a:ext cx="2695434" cy="646331"/>
+          </a:xfrm>
+          <a:prstGeom prst="rect">
+            <a:avLst/>
+          </a:prstGeom>
+          <a:noFill/>
+        </p:spPr>
+        <p:txBody>
+          <a:bodyPr wrap="square" rtlCol="0">
+            <a:spAutoFit/>
+          </a:bodyPr>
+          <a:lstStyle/>
+          <a:p>
+            <a:endParaRPr lang="fr-FR" dirty="0"/>
+          </a:p>
+          <a:p>
+            <a:endParaRPr lang="fr-FR" dirty="0"/>
+          </a:p>
+        </p:txBody>
+      </p:sp>
+      <p:sp>
+        <p:nvSpPr>
+          <p:cNvPr id="9" name="ZoneTexte 8">
+            <a:extLst>
+              <a:ext uri="{FF2B5EF4-FFF2-40B4-BE49-F238E27FC236}">
+                <a16:creationId xmlns:a16="http://schemas.microsoft.com/office/drawing/2014/main" id="{82010251-0AD2-4DAA-8E6B-7CA6A2301A9E}"/>
+              </a:ext>
+            </a:extLst>
+          </p:cNvPr>
+          <p:cNvSpPr txBox="1"/>
+          <p:nvPr/>
+        </p:nvSpPr>
+        <p:spPr>
+          <a:xfrm>
+            <a:off x="3779870" y="479063"/>
+            <a:ext cx="4416185" cy="769441"/>
+          </a:xfrm>
+          <a:prstGeom prst="rect">
+            <a:avLst/>
+          </a:prstGeom>
+          <a:noFill/>
+        </p:spPr>
+        <p:txBody>
+          <a:bodyPr wrap="square" rtlCol="0">
+            <a:spAutoFit/>
+          </a:bodyPr>
+          <a:lstStyle/>
+          <a:p>
+            <a:r>
+              <a:rPr lang="fr-FR" sz="4400" dirty="0">
+                <a:latin typeface="Berlin Sans FB" panose="020E0602020502020306" pitchFamily="34" charset="0"/>
+              </a:rPr>
+              <a:t>Partie Personnelle</a:t>
+            </a:r>
+          </a:p>
+        </p:txBody>
+      </p:sp>
+    </p:spTree>
+    <p:extLst>
+      <p:ext uri="{BB962C8B-B14F-4D97-AF65-F5344CB8AC3E}">
+        <p14:creationId xmlns:p14="http://schemas.microsoft.com/office/powerpoint/2010/main" val="2149631933"/>
+      </p:ext>
+    </p:extLst>
+  </p:cSld>
+  <p:clrMapOvr>
+    <a:masterClrMapping/>
+  </p:clrMapOvr>
+  <mc:AlternateContent xmlns:mc="http://schemas.openxmlformats.org/markup-compatibility/2006">
+    <mc:Choice xmlns:p14="http://schemas.microsoft.com/office/powerpoint/2010/main" Requires="p14">
+      <p:transition spd="slow">
+        <p14:reveal/>
+      </p:transition>
+    </mc:Choice>
+    <mc:Fallback>
+      <p:transition spd="slow">
+        <p:fade/>
+      </p:transition>
+    </mc:Fallback>
+  </mc:AlternateContent>
+</p:sld>
+</file>
+
 <file path=ppt/slides/slide12.xml><?xml version="1.0" encoding="utf-8"?>
 <p:sld xmlns:a="http://schemas.openxmlformats.org/drawingml/2006/main" xmlns:r="http://schemas.openxmlformats.org/officeDocument/2006/relationships" xmlns:p="http://schemas.openxmlformats.org/presentationml/2006/main">
   <p:cSld>
@@ -9626,802 +9290,6 @@
     <p:extLst>
       <p:ext uri="{BB962C8B-B14F-4D97-AF65-F5344CB8AC3E}">
         <p14:creationId xmlns:p14="http://schemas.microsoft.com/office/powerpoint/2010/main" val="1458497673"/>
-      </p:ext>
-    </p:extLst>
-  </p:cSld>
-  <p:clrMapOvr>
-    <a:masterClrMapping/>
-  </p:clrMapOvr>
-  <mc:AlternateContent xmlns:mc="http://schemas.openxmlformats.org/markup-compatibility/2006" xmlns:p14="http://schemas.microsoft.com/office/powerpoint/2010/main">
-    <mc:Choice Requires="p14">
-      <p:transition spd="slow">
-        <p14:reveal/>
-      </p:transition>
-    </mc:Choice>
-    <mc:Fallback xmlns="">
-      <p:transition spd="slow">
-        <p:fade/>
-      </p:transition>
-    </mc:Fallback>
-  </mc:AlternateContent>
-</p:sld>
-</file>
-
-<file path=ppt/slides/slide15.xml><?xml version="1.0" encoding="utf-8"?>
-<p:sld xmlns:a="http://schemas.openxmlformats.org/drawingml/2006/main" xmlns:r="http://schemas.openxmlformats.org/officeDocument/2006/relationships" xmlns:p="http://schemas.openxmlformats.org/presentationml/2006/main">
-  <p:cSld>
-    <p:spTree>
-      <p:nvGrpSpPr>
-        <p:cNvPr id="1" name=""/>
-        <p:cNvGrpSpPr/>
-        <p:nvPr/>
-      </p:nvGrpSpPr>
-      <p:grpSpPr>
-        <a:xfrm>
-          <a:off x="0" y="0"/>
-          <a:ext cx="0" cy="0"/>
-          <a:chOff x="0" y="0"/>
-          <a:chExt cx="0" cy="0"/>
-        </a:xfrm>
-      </p:grpSpPr>
-      <p:pic>
-        <p:nvPicPr>
-          <p:cNvPr id="8" name="Image 7">
-            <a:extLst>
-              <a:ext uri="{FF2B5EF4-FFF2-40B4-BE49-F238E27FC236}">
-                <a16:creationId xmlns:a16="http://schemas.microsoft.com/office/drawing/2014/main" id="{2BB825C5-31DA-4A56-85EA-536DBF510A31}"/>
-              </a:ext>
-            </a:extLst>
-          </p:cNvPr>
-          <p:cNvPicPr>
-            <a:picLocks noChangeAspect="1"/>
-          </p:cNvPicPr>
-          <p:nvPr/>
-        </p:nvPicPr>
-        <p:blipFill>
-          <a:blip r:embed="rId2">
-            <a:extLst>
-              <a:ext uri="{28A0092B-C50C-407E-A947-70E740481C1C}">
-                <a14:useLocalDpi xmlns:a14="http://schemas.microsoft.com/office/drawing/2010/main" val="0"/>
-              </a:ext>
-            </a:extLst>
-          </a:blip>
-          <a:stretch>
-            <a:fillRect/>
-          </a:stretch>
-        </p:blipFill>
-        <p:spPr>
-          <a:xfrm>
-            <a:off x="1068751" y="66457"/>
-            <a:ext cx="1259497" cy="776690"/>
-          </a:xfrm>
-          <a:prstGeom prst="rect">
-            <a:avLst/>
-          </a:prstGeom>
-        </p:spPr>
-      </p:pic>
-      <p:pic>
-        <p:nvPicPr>
-          <p:cNvPr id="10" name="Image 9">
-            <a:extLst>
-              <a:ext uri="{FF2B5EF4-FFF2-40B4-BE49-F238E27FC236}">
-                <a16:creationId xmlns:a16="http://schemas.microsoft.com/office/drawing/2014/main" id="{8EE7436F-49F2-41E0-93E4-D247B4705294}"/>
-              </a:ext>
-            </a:extLst>
-          </p:cNvPr>
-          <p:cNvPicPr>
-            <a:picLocks noChangeAspect="1"/>
-          </p:cNvPicPr>
-          <p:nvPr/>
-        </p:nvPicPr>
-        <p:blipFill>
-          <a:blip r:embed="rId3">
-            <a:extLst>
-              <a:ext uri="{28A0092B-C50C-407E-A947-70E740481C1C}">
-                <a14:useLocalDpi xmlns:a14="http://schemas.microsoft.com/office/drawing/2010/main" val="0"/>
-              </a:ext>
-            </a:extLst>
-          </a:blip>
-          <a:stretch>
-            <a:fillRect/>
-          </a:stretch>
-        </p:blipFill>
-        <p:spPr>
-          <a:xfrm>
-            <a:off x="9681085" y="238153"/>
-            <a:ext cx="1802101" cy="569807"/>
-          </a:xfrm>
-          <a:prstGeom prst="rect">
-            <a:avLst/>
-          </a:prstGeom>
-        </p:spPr>
-      </p:pic>
-      <p:cxnSp>
-        <p:nvCxnSpPr>
-          <p:cNvPr id="16" name="Connecteur droit 15">
-            <a:extLst>
-              <a:ext uri="{FF2B5EF4-FFF2-40B4-BE49-F238E27FC236}">
-                <a16:creationId xmlns:a16="http://schemas.microsoft.com/office/drawing/2014/main" id="{7319284A-BD6F-4A96-8E2B-E0A4B52E53C6}"/>
-              </a:ext>
-            </a:extLst>
-          </p:cNvPr>
-          <p:cNvCxnSpPr>
-            <a:cxnSpLocks/>
-          </p:cNvCxnSpPr>
-          <p:nvPr/>
-        </p:nvCxnSpPr>
-        <p:spPr>
-          <a:xfrm flipV="1">
-            <a:off x="0" y="454803"/>
-            <a:ext cx="738231" cy="1798"/>
-          </a:xfrm>
-          <a:prstGeom prst="line">
-            <a:avLst/>
-          </a:prstGeom>
-        </p:spPr>
-        <p:style>
-          <a:lnRef idx="3">
-            <a:schemeClr val="dk1"/>
-          </a:lnRef>
-          <a:fillRef idx="0">
-            <a:schemeClr val="dk1"/>
-          </a:fillRef>
-          <a:effectRef idx="2">
-            <a:schemeClr val="dk1"/>
-          </a:effectRef>
-          <a:fontRef idx="minor">
-            <a:schemeClr val="tx1"/>
-          </a:fontRef>
-        </p:style>
-      </p:cxnSp>
-      <p:cxnSp>
-        <p:nvCxnSpPr>
-          <p:cNvPr id="20" name="Connecteur droit 19">
-            <a:extLst>
-              <a:ext uri="{FF2B5EF4-FFF2-40B4-BE49-F238E27FC236}">
-                <a16:creationId xmlns:a16="http://schemas.microsoft.com/office/drawing/2014/main" id="{08874CF7-F149-4C81-B61E-74E18342BA8A}"/>
-              </a:ext>
-            </a:extLst>
-          </p:cNvPr>
-          <p:cNvCxnSpPr>
-            <a:cxnSpLocks/>
-          </p:cNvCxnSpPr>
-          <p:nvPr/>
-        </p:nvCxnSpPr>
-        <p:spPr>
-          <a:xfrm>
-            <a:off x="2573222" y="454803"/>
-            <a:ext cx="6829482" cy="10398"/>
-          </a:xfrm>
-          <a:prstGeom prst="line">
-            <a:avLst/>
-          </a:prstGeom>
-        </p:spPr>
-        <p:style>
-          <a:lnRef idx="3">
-            <a:schemeClr val="dk1"/>
-          </a:lnRef>
-          <a:fillRef idx="0">
-            <a:schemeClr val="dk1"/>
-          </a:fillRef>
-          <a:effectRef idx="2">
-            <a:schemeClr val="dk1"/>
-          </a:effectRef>
-          <a:fontRef idx="minor">
-            <a:schemeClr val="tx1"/>
-          </a:fontRef>
-        </p:style>
-      </p:cxnSp>
-      <p:cxnSp>
-        <p:nvCxnSpPr>
-          <p:cNvPr id="26" name="Connecteur droit 25">
-            <a:extLst>
-              <a:ext uri="{FF2B5EF4-FFF2-40B4-BE49-F238E27FC236}">
-                <a16:creationId xmlns:a16="http://schemas.microsoft.com/office/drawing/2014/main" id="{BB3B35CC-057B-48C1-880F-3306A6559175}"/>
-              </a:ext>
-            </a:extLst>
-          </p:cNvPr>
-          <p:cNvCxnSpPr>
-            <a:cxnSpLocks/>
-          </p:cNvCxnSpPr>
-          <p:nvPr/>
-        </p:nvCxnSpPr>
-        <p:spPr>
-          <a:xfrm>
-            <a:off x="738231" y="454803"/>
-            <a:ext cx="344203" cy="484764"/>
-          </a:xfrm>
-          <a:prstGeom prst="line">
-            <a:avLst/>
-          </a:prstGeom>
-        </p:spPr>
-        <p:style>
-          <a:lnRef idx="3">
-            <a:schemeClr val="dk1"/>
-          </a:lnRef>
-          <a:fillRef idx="0">
-            <a:schemeClr val="dk1"/>
-          </a:fillRef>
-          <a:effectRef idx="2">
-            <a:schemeClr val="dk1"/>
-          </a:effectRef>
-          <a:fontRef idx="minor">
-            <a:schemeClr val="tx1"/>
-          </a:fontRef>
-        </p:style>
-      </p:cxnSp>
-      <p:cxnSp>
-        <p:nvCxnSpPr>
-          <p:cNvPr id="32" name="Connecteur droit 31">
-            <a:extLst>
-              <a:ext uri="{FF2B5EF4-FFF2-40B4-BE49-F238E27FC236}">
-                <a16:creationId xmlns:a16="http://schemas.microsoft.com/office/drawing/2014/main" id="{4AD96496-1EB6-4E48-9BB2-5C255495C686}"/>
-              </a:ext>
-            </a:extLst>
-          </p:cNvPr>
-          <p:cNvCxnSpPr>
-            <a:cxnSpLocks/>
-          </p:cNvCxnSpPr>
-          <p:nvPr/>
-        </p:nvCxnSpPr>
-        <p:spPr>
-          <a:xfrm>
-            <a:off x="1082434" y="938268"/>
-            <a:ext cx="1146585" cy="0"/>
-          </a:xfrm>
-          <a:prstGeom prst="line">
-            <a:avLst/>
-          </a:prstGeom>
-        </p:spPr>
-        <p:style>
-          <a:lnRef idx="3">
-            <a:schemeClr val="dk1"/>
-          </a:lnRef>
-          <a:fillRef idx="0">
-            <a:schemeClr val="dk1"/>
-          </a:fillRef>
-          <a:effectRef idx="2">
-            <a:schemeClr val="dk1"/>
-          </a:effectRef>
-          <a:fontRef idx="minor">
-            <a:schemeClr val="tx1"/>
-          </a:fontRef>
-        </p:style>
-      </p:cxnSp>
-      <p:cxnSp>
-        <p:nvCxnSpPr>
-          <p:cNvPr id="51" name="Connecteur droit 50">
-            <a:extLst>
-              <a:ext uri="{FF2B5EF4-FFF2-40B4-BE49-F238E27FC236}">
-                <a16:creationId xmlns:a16="http://schemas.microsoft.com/office/drawing/2014/main" id="{C035BFA6-ECBF-4775-BA81-19D2CA41AA8D}"/>
-              </a:ext>
-            </a:extLst>
-          </p:cNvPr>
-          <p:cNvCxnSpPr>
-            <a:cxnSpLocks/>
-          </p:cNvCxnSpPr>
-          <p:nvPr/>
-        </p:nvCxnSpPr>
-        <p:spPr>
-          <a:xfrm>
-            <a:off x="9402704" y="465201"/>
-            <a:ext cx="344203" cy="495163"/>
-          </a:xfrm>
-          <a:prstGeom prst="line">
-            <a:avLst/>
-          </a:prstGeom>
-        </p:spPr>
-        <p:style>
-          <a:lnRef idx="3">
-            <a:schemeClr val="dk1"/>
-          </a:lnRef>
-          <a:fillRef idx="0">
-            <a:schemeClr val="dk1"/>
-          </a:fillRef>
-          <a:effectRef idx="2">
-            <a:schemeClr val="dk1"/>
-          </a:effectRef>
-          <a:fontRef idx="minor">
-            <a:schemeClr val="tx1"/>
-          </a:fontRef>
-        </p:style>
-      </p:cxnSp>
-      <p:cxnSp>
-        <p:nvCxnSpPr>
-          <p:cNvPr id="52" name="Connecteur droit 51">
-            <a:extLst>
-              <a:ext uri="{FF2B5EF4-FFF2-40B4-BE49-F238E27FC236}">
-                <a16:creationId xmlns:a16="http://schemas.microsoft.com/office/drawing/2014/main" id="{FA310BC7-694B-4984-99A2-61A1F4F6EBF9}"/>
-              </a:ext>
-            </a:extLst>
-          </p:cNvPr>
-          <p:cNvCxnSpPr>
-            <a:cxnSpLocks/>
-          </p:cNvCxnSpPr>
-          <p:nvPr/>
-        </p:nvCxnSpPr>
-        <p:spPr>
-          <a:xfrm flipH="1">
-            <a:off x="11370469" y="448308"/>
-            <a:ext cx="364332" cy="501657"/>
-          </a:xfrm>
-          <a:prstGeom prst="line">
-            <a:avLst/>
-          </a:prstGeom>
-        </p:spPr>
-        <p:style>
-          <a:lnRef idx="3">
-            <a:schemeClr val="dk1"/>
-          </a:lnRef>
-          <a:fillRef idx="0">
-            <a:schemeClr val="dk1"/>
-          </a:fillRef>
-          <a:effectRef idx="2">
-            <a:schemeClr val="dk1"/>
-          </a:effectRef>
-          <a:fontRef idx="minor">
-            <a:schemeClr val="tx1"/>
-          </a:fontRef>
-        </p:style>
-      </p:cxnSp>
-      <p:cxnSp>
-        <p:nvCxnSpPr>
-          <p:cNvPr id="53" name="Connecteur droit 52">
-            <a:extLst>
-              <a:ext uri="{FF2B5EF4-FFF2-40B4-BE49-F238E27FC236}">
-                <a16:creationId xmlns:a16="http://schemas.microsoft.com/office/drawing/2014/main" id="{BE0649BD-EE59-4DDA-960F-95B2572F9F13}"/>
-              </a:ext>
-            </a:extLst>
-          </p:cNvPr>
-          <p:cNvCxnSpPr>
-            <a:cxnSpLocks/>
-          </p:cNvCxnSpPr>
-          <p:nvPr/>
-        </p:nvCxnSpPr>
-        <p:spPr>
-          <a:xfrm>
-            <a:off x="9743203" y="949965"/>
-            <a:ext cx="1627266" cy="0"/>
-          </a:xfrm>
-          <a:prstGeom prst="line">
-            <a:avLst/>
-          </a:prstGeom>
-        </p:spPr>
-        <p:style>
-          <a:lnRef idx="3">
-            <a:schemeClr val="dk1"/>
-          </a:lnRef>
-          <a:fillRef idx="0">
-            <a:schemeClr val="dk1"/>
-          </a:fillRef>
-          <a:effectRef idx="2">
-            <a:schemeClr val="dk1"/>
-          </a:effectRef>
-          <a:fontRef idx="minor">
-            <a:schemeClr val="tx1"/>
-          </a:fontRef>
-        </p:style>
-      </p:cxnSp>
-      <p:cxnSp>
-        <p:nvCxnSpPr>
-          <p:cNvPr id="55" name="Connecteur droit 54">
-            <a:extLst>
-              <a:ext uri="{FF2B5EF4-FFF2-40B4-BE49-F238E27FC236}">
-                <a16:creationId xmlns:a16="http://schemas.microsoft.com/office/drawing/2014/main" id="{52AA9200-DAFA-4EEF-AC13-4C7CE82A59EC}"/>
-              </a:ext>
-            </a:extLst>
-          </p:cNvPr>
-          <p:cNvCxnSpPr>
-            <a:cxnSpLocks/>
-          </p:cNvCxnSpPr>
-          <p:nvPr/>
-        </p:nvCxnSpPr>
-        <p:spPr>
-          <a:xfrm>
-            <a:off x="11715750" y="454801"/>
-            <a:ext cx="476249" cy="10400"/>
-          </a:xfrm>
-          <a:prstGeom prst="line">
-            <a:avLst/>
-          </a:prstGeom>
-        </p:spPr>
-        <p:style>
-          <a:lnRef idx="3">
-            <a:schemeClr val="dk1"/>
-          </a:lnRef>
-          <a:fillRef idx="0">
-            <a:schemeClr val="dk1"/>
-          </a:fillRef>
-          <a:effectRef idx="2">
-            <a:schemeClr val="dk1"/>
-          </a:effectRef>
-          <a:fontRef idx="minor">
-            <a:schemeClr val="tx1"/>
-          </a:fontRef>
-        </p:style>
-      </p:cxnSp>
-      <p:cxnSp>
-        <p:nvCxnSpPr>
-          <p:cNvPr id="23" name="Connecteur droit 22">
-            <a:extLst>
-              <a:ext uri="{FF2B5EF4-FFF2-40B4-BE49-F238E27FC236}">
-                <a16:creationId xmlns:a16="http://schemas.microsoft.com/office/drawing/2014/main" id="{BCB092C8-0080-4E56-957E-0046D4C83988}"/>
-              </a:ext>
-            </a:extLst>
-          </p:cNvPr>
-          <p:cNvCxnSpPr>
-            <a:cxnSpLocks/>
-          </p:cNvCxnSpPr>
-          <p:nvPr/>
-        </p:nvCxnSpPr>
-        <p:spPr>
-          <a:xfrm flipH="1">
-            <a:off x="2216372" y="446356"/>
-            <a:ext cx="364332" cy="501657"/>
-          </a:xfrm>
-          <a:prstGeom prst="line">
-            <a:avLst/>
-          </a:prstGeom>
-        </p:spPr>
-        <p:style>
-          <a:lnRef idx="3">
-            <a:schemeClr val="dk1"/>
-          </a:lnRef>
-          <a:fillRef idx="0">
-            <a:schemeClr val="dk1"/>
-          </a:fillRef>
-          <a:effectRef idx="2">
-            <a:schemeClr val="dk1"/>
-          </a:effectRef>
-          <a:fontRef idx="minor">
-            <a:schemeClr val="tx1"/>
-          </a:fontRef>
-        </p:style>
-      </p:cxnSp>
-      <p:pic>
-        <p:nvPicPr>
-          <p:cNvPr id="57" name="Image 56">
-            <a:extLst>
-              <a:ext uri="{FF2B5EF4-FFF2-40B4-BE49-F238E27FC236}">
-                <a16:creationId xmlns:a16="http://schemas.microsoft.com/office/drawing/2014/main" id="{12B16FB2-5844-4B92-AE69-9BAC858C22BB}"/>
-              </a:ext>
-            </a:extLst>
-          </p:cNvPr>
-          <p:cNvPicPr>
-            <a:picLocks noChangeAspect="1"/>
-          </p:cNvPicPr>
-          <p:nvPr/>
-        </p:nvPicPr>
-        <p:blipFill>
-          <a:blip r:embed="rId3">
-            <a:extLst>
-              <a:ext uri="{28A0092B-C50C-407E-A947-70E740481C1C}">
-                <a14:useLocalDpi xmlns:a14="http://schemas.microsoft.com/office/drawing/2010/main" val="0"/>
-              </a:ext>
-            </a:extLst>
-          </a:blip>
-          <a:stretch>
-            <a:fillRect/>
-          </a:stretch>
-        </p:blipFill>
-        <p:spPr>
-          <a:xfrm>
-            <a:off x="9681085" y="238153"/>
-            <a:ext cx="1802101" cy="569807"/>
-          </a:xfrm>
-          <a:prstGeom prst="rect">
-            <a:avLst/>
-          </a:prstGeom>
-        </p:spPr>
-      </p:pic>
-      <p:cxnSp>
-        <p:nvCxnSpPr>
-          <p:cNvPr id="58" name="Connecteur droit 57">
-            <a:extLst>
-              <a:ext uri="{FF2B5EF4-FFF2-40B4-BE49-F238E27FC236}">
-                <a16:creationId xmlns:a16="http://schemas.microsoft.com/office/drawing/2014/main" id="{01599350-F8B0-4FDC-B003-981189A8D654}"/>
-              </a:ext>
-            </a:extLst>
-          </p:cNvPr>
-          <p:cNvCxnSpPr>
-            <a:cxnSpLocks/>
-          </p:cNvCxnSpPr>
-          <p:nvPr/>
-        </p:nvCxnSpPr>
-        <p:spPr>
-          <a:xfrm>
-            <a:off x="2573222" y="454803"/>
-            <a:ext cx="6829482" cy="10398"/>
-          </a:xfrm>
-          <a:prstGeom prst="line">
-            <a:avLst/>
-          </a:prstGeom>
-        </p:spPr>
-        <p:style>
-          <a:lnRef idx="3">
-            <a:schemeClr val="dk1"/>
-          </a:lnRef>
-          <a:fillRef idx="0">
-            <a:schemeClr val="dk1"/>
-          </a:fillRef>
-          <a:effectRef idx="2">
-            <a:schemeClr val="dk1"/>
-          </a:effectRef>
-          <a:fontRef idx="minor">
-            <a:schemeClr val="tx1"/>
-          </a:fontRef>
-        </p:style>
-      </p:cxnSp>
-      <p:cxnSp>
-        <p:nvCxnSpPr>
-          <p:cNvPr id="59" name="Connecteur droit 58">
-            <a:extLst>
-              <a:ext uri="{FF2B5EF4-FFF2-40B4-BE49-F238E27FC236}">
-                <a16:creationId xmlns:a16="http://schemas.microsoft.com/office/drawing/2014/main" id="{BC6E6150-6054-4785-84EC-0C46D82034C2}"/>
-              </a:ext>
-            </a:extLst>
-          </p:cNvPr>
-          <p:cNvCxnSpPr>
-            <a:cxnSpLocks/>
-          </p:cNvCxnSpPr>
-          <p:nvPr/>
-        </p:nvCxnSpPr>
-        <p:spPr>
-          <a:xfrm>
-            <a:off x="738231" y="454803"/>
-            <a:ext cx="344203" cy="484764"/>
-          </a:xfrm>
-          <a:prstGeom prst="line">
-            <a:avLst/>
-          </a:prstGeom>
-        </p:spPr>
-        <p:style>
-          <a:lnRef idx="3">
-            <a:schemeClr val="dk1"/>
-          </a:lnRef>
-          <a:fillRef idx="0">
-            <a:schemeClr val="dk1"/>
-          </a:fillRef>
-          <a:effectRef idx="2">
-            <a:schemeClr val="dk1"/>
-          </a:effectRef>
-          <a:fontRef idx="minor">
-            <a:schemeClr val="tx1"/>
-          </a:fontRef>
-        </p:style>
-      </p:cxnSp>
-      <p:cxnSp>
-        <p:nvCxnSpPr>
-          <p:cNvPr id="60" name="Connecteur droit 59">
-            <a:extLst>
-              <a:ext uri="{FF2B5EF4-FFF2-40B4-BE49-F238E27FC236}">
-                <a16:creationId xmlns:a16="http://schemas.microsoft.com/office/drawing/2014/main" id="{CBC9961A-8EC2-4287-A398-BCA4138D409D}"/>
-              </a:ext>
-            </a:extLst>
-          </p:cNvPr>
-          <p:cNvCxnSpPr>
-            <a:cxnSpLocks/>
-          </p:cNvCxnSpPr>
-          <p:nvPr/>
-        </p:nvCxnSpPr>
-        <p:spPr>
-          <a:xfrm>
-            <a:off x="1082434" y="938268"/>
-            <a:ext cx="1146585" cy="0"/>
-          </a:xfrm>
-          <a:prstGeom prst="line">
-            <a:avLst/>
-          </a:prstGeom>
-        </p:spPr>
-        <p:style>
-          <a:lnRef idx="3">
-            <a:schemeClr val="dk1"/>
-          </a:lnRef>
-          <a:fillRef idx="0">
-            <a:schemeClr val="dk1"/>
-          </a:fillRef>
-          <a:effectRef idx="2">
-            <a:schemeClr val="dk1"/>
-          </a:effectRef>
-          <a:fontRef idx="minor">
-            <a:schemeClr val="tx1"/>
-          </a:fontRef>
-        </p:style>
-      </p:cxnSp>
-      <p:cxnSp>
-        <p:nvCxnSpPr>
-          <p:cNvPr id="61" name="Connecteur droit 60">
-            <a:extLst>
-              <a:ext uri="{FF2B5EF4-FFF2-40B4-BE49-F238E27FC236}">
-                <a16:creationId xmlns:a16="http://schemas.microsoft.com/office/drawing/2014/main" id="{152B7C45-2543-4665-BC07-4DB71CA9F337}"/>
-              </a:ext>
-            </a:extLst>
-          </p:cNvPr>
-          <p:cNvCxnSpPr>
-            <a:cxnSpLocks/>
-          </p:cNvCxnSpPr>
-          <p:nvPr/>
-        </p:nvCxnSpPr>
-        <p:spPr>
-          <a:xfrm>
-            <a:off x="9402704" y="465201"/>
-            <a:ext cx="344203" cy="495163"/>
-          </a:xfrm>
-          <a:prstGeom prst="line">
-            <a:avLst/>
-          </a:prstGeom>
-        </p:spPr>
-        <p:style>
-          <a:lnRef idx="3">
-            <a:schemeClr val="dk1"/>
-          </a:lnRef>
-          <a:fillRef idx="0">
-            <a:schemeClr val="dk1"/>
-          </a:fillRef>
-          <a:effectRef idx="2">
-            <a:schemeClr val="dk1"/>
-          </a:effectRef>
-          <a:fontRef idx="minor">
-            <a:schemeClr val="tx1"/>
-          </a:fontRef>
-        </p:style>
-      </p:cxnSp>
-      <p:cxnSp>
-        <p:nvCxnSpPr>
-          <p:cNvPr id="62" name="Connecteur droit 61">
-            <a:extLst>
-              <a:ext uri="{FF2B5EF4-FFF2-40B4-BE49-F238E27FC236}">
-                <a16:creationId xmlns:a16="http://schemas.microsoft.com/office/drawing/2014/main" id="{00A84DC3-A112-46A3-B71C-04D85339323D}"/>
-              </a:ext>
-            </a:extLst>
-          </p:cNvPr>
-          <p:cNvCxnSpPr>
-            <a:cxnSpLocks/>
-          </p:cNvCxnSpPr>
-          <p:nvPr/>
-        </p:nvCxnSpPr>
-        <p:spPr>
-          <a:xfrm flipH="1">
-            <a:off x="11370469" y="448308"/>
-            <a:ext cx="364332" cy="501657"/>
-          </a:xfrm>
-          <a:prstGeom prst="line">
-            <a:avLst/>
-          </a:prstGeom>
-        </p:spPr>
-        <p:style>
-          <a:lnRef idx="3">
-            <a:schemeClr val="dk1"/>
-          </a:lnRef>
-          <a:fillRef idx="0">
-            <a:schemeClr val="dk1"/>
-          </a:fillRef>
-          <a:effectRef idx="2">
-            <a:schemeClr val="dk1"/>
-          </a:effectRef>
-          <a:fontRef idx="minor">
-            <a:schemeClr val="tx1"/>
-          </a:fontRef>
-        </p:style>
-      </p:cxnSp>
-      <p:cxnSp>
-        <p:nvCxnSpPr>
-          <p:cNvPr id="63" name="Connecteur droit 62">
-            <a:extLst>
-              <a:ext uri="{FF2B5EF4-FFF2-40B4-BE49-F238E27FC236}">
-                <a16:creationId xmlns:a16="http://schemas.microsoft.com/office/drawing/2014/main" id="{C50788C6-8F68-44EC-AB54-94C1D2FE554D}"/>
-              </a:ext>
-            </a:extLst>
-          </p:cNvPr>
-          <p:cNvCxnSpPr>
-            <a:cxnSpLocks/>
-          </p:cNvCxnSpPr>
-          <p:nvPr/>
-        </p:nvCxnSpPr>
-        <p:spPr>
-          <a:xfrm>
-            <a:off x="9743203" y="949965"/>
-            <a:ext cx="1627266" cy="0"/>
-          </a:xfrm>
-          <a:prstGeom prst="line">
-            <a:avLst/>
-          </a:prstGeom>
-        </p:spPr>
-        <p:style>
-          <a:lnRef idx="3">
-            <a:schemeClr val="dk1"/>
-          </a:lnRef>
-          <a:fillRef idx="0">
-            <a:schemeClr val="dk1"/>
-          </a:fillRef>
-          <a:effectRef idx="2">
-            <a:schemeClr val="dk1"/>
-          </a:effectRef>
-          <a:fontRef idx="minor">
-            <a:schemeClr val="tx1"/>
-          </a:fontRef>
-        </p:style>
-      </p:cxnSp>
-      <p:cxnSp>
-        <p:nvCxnSpPr>
-          <p:cNvPr id="64" name="Connecteur droit 63">
-            <a:extLst>
-              <a:ext uri="{FF2B5EF4-FFF2-40B4-BE49-F238E27FC236}">
-                <a16:creationId xmlns:a16="http://schemas.microsoft.com/office/drawing/2014/main" id="{BC4D4E5F-5636-45CB-873C-EC085AB307A3}"/>
-              </a:ext>
-            </a:extLst>
-          </p:cNvPr>
-          <p:cNvCxnSpPr>
-            <a:cxnSpLocks/>
-          </p:cNvCxnSpPr>
-          <p:nvPr/>
-        </p:nvCxnSpPr>
-        <p:spPr>
-          <a:xfrm>
-            <a:off x="11715750" y="454801"/>
-            <a:ext cx="476249" cy="10400"/>
-          </a:xfrm>
-          <a:prstGeom prst="line">
-            <a:avLst/>
-          </a:prstGeom>
-        </p:spPr>
-        <p:style>
-          <a:lnRef idx="3">
-            <a:schemeClr val="dk1"/>
-          </a:lnRef>
-          <a:fillRef idx="0">
-            <a:schemeClr val="dk1"/>
-          </a:fillRef>
-          <a:effectRef idx="2">
-            <a:schemeClr val="dk1"/>
-          </a:effectRef>
-          <a:fontRef idx="minor">
-            <a:schemeClr val="tx1"/>
-          </a:fontRef>
-        </p:style>
-      </p:cxnSp>
-      <p:cxnSp>
-        <p:nvCxnSpPr>
-          <p:cNvPr id="65" name="Connecteur droit 64">
-            <a:extLst>
-              <a:ext uri="{FF2B5EF4-FFF2-40B4-BE49-F238E27FC236}">
-                <a16:creationId xmlns:a16="http://schemas.microsoft.com/office/drawing/2014/main" id="{E6F6B4C5-0E3B-46C9-859D-EE774175D36F}"/>
-              </a:ext>
-            </a:extLst>
-          </p:cNvPr>
-          <p:cNvCxnSpPr>
-            <a:cxnSpLocks/>
-          </p:cNvCxnSpPr>
-          <p:nvPr/>
-        </p:nvCxnSpPr>
-        <p:spPr>
-          <a:xfrm flipH="1">
-            <a:off x="2216372" y="446356"/>
-            <a:ext cx="364332" cy="501657"/>
-          </a:xfrm>
-          <a:prstGeom prst="line">
-            <a:avLst/>
-          </a:prstGeom>
-        </p:spPr>
-        <p:style>
-          <a:lnRef idx="3">
-            <a:schemeClr val="dk1"/>
-          </a:lnRef>
-          <a:fillRef idx="0">
-            <a:schemeClr val="dk1"/>
-          </a:fillRef>
-          <a:effectRef idx="2">
-            <a:schemeClr val="dk1"/>
-          </a:effectRef>
-          <a:fontRef idx="minor">
-            <a:schemeClr val="tx1"/>
-          </a:fontRef>
-        </p:style>
-      </p:cxnSp>
-    </p:spTree>
-    <p:extLst>
-      <p:ext uri="{BB962C8B-B14F-4D97-AF65-F5344CB8AC3E}">
-        <p14:creationId xmlns:p14="http://schemas.microsoft.com/office/powerpoint/2010/main" val="406855787"/>
       </p:ext>
     </p:extLst>
   </p:cSld>
@@ -14593,7 +13461,7 @@
 </file>
 
 <file path=ppt/slides/slide5.xml><?xml version="1.0" encoding="utf-8"?>
-<p:sld xmlns:a="http://schemas.openxmlformats.org/drawingml/2006/main" xmlns:r="http://schemas.openxmlformats.org/officeDocument/2006/relationships" xmlns:p="http://schemas.openxmlformats.org/presentationml/2006/main" show="0">
+<p:sld xmlns:a="http://schemas.openxmlformats.org/drawingml/2006/main" xmlns:r="http://schemas.openxmlformats.org/officeDocument/2006/relationships" xmlns:p="http://schemas.openxmlformats.org/presentationml/2006/main">
   <p:cSld>
     <p:spTree>
       <p:nvGrpSpPr>
@@ -15023,12 +13891,352 @@
           </a:fontRef>
         </p:style>
       </p:cxnSp>
+      <p:pic>
+        <p:nvPicPr>
+          <p:cNvPr id="57" name="Image 56">
+            <a:extLst>
+              <a:ext uri="{FF2B5EF4-FFF2-40B4-BE49-F238E27FC236}">
+                <a16:creationId xmlns:a16="http://schemas.microsoft.com/office/drawing/2014/main" id="{12B16FB2-5844-4B92-AE69-9BAC858C22BB}"/>
+              </a:ext>
+            </a:extLst>
+          </p:cNvPr>
+          <p:cNvPicPr>
+            <a:picLocks noChangeAspect="1"/>
+          </p:cNvPicPr>
+          <p:nvPr/>
+        </p:nvPicPr>
+        <p:blipFill>
+          <a:blip r:embed="rId3">
+            <a:extLst>
+              <a:ext uri="{28A0092B-C50C-407E-A947-70E740481C1C}">
+                <a14:useLocalDpi xmlns:a14="http://schemas.microsoft.com/office/drawing/2010/main" val="0"/>
+              </a:ext>
+            </a:extLst>
+          </a:blip>
+          <a:stretch>
+            <a:fillRect/>
+          </a:stretch>
+        </p:blipFill>
+        <p:spPr>
+          <a:xfrm>
+            <a:off x="9681085" y="238153"/>
+            <a:ext cx="1802101" cy="569807"/>
+          </a:xfrm>
+          <a:prstGeom prst="rect">
+            <a:avLst/>
+          </a:prstGeom>
+        </p:spPr>
+      </p:pic>
+      <p:cxnSp>
+        <p:nvCxnSpPr>
+          <p:cNvPr id="58" name="Connecteur droit 57">
+            <a:extLst>
+              <a:ext uri="{FF2B5EF4-FFF2-40B4-BE49-F238E27FC236}">
+                <a16:creationId xmlns:a16="http://schemas.microsoft.com/office/drawing/2014/main" id="{01599350-F8B0-4FDC-B003-981189A8D654}"/>
+              </a:ext>
+            </a:extLst>
+          </p:cNvPr>
+          <p:cNvCxnSpPr>
+            <a:cxnSpLocks/>
+          </p:cNvCxnSpPr>
+          <p:nvPr/>
+        </p:nvCxnSpPr>
+        <p:spPr>
+          <a:xfrm>
+            <a:off x="2573222" y="454803"/>
+            <a:ext cx="6829482" cy="10398"/>
+          </a:xfrm>
+          <a:prstGeom prst="line">
+            <a:avLst/>
+          </a:prstGeom>
+        </p:spPr>
+        <p:style>
+          <a:lnRef idx="3">
+            <a:schemeClr val="dk1"/>
+          </a:lnRef>
+          <a:fillRef idx="0">
+            <a:schemeClr val="dk1"/>
+          </a:fillRef>
+          <a:effectRef idx="2">
+            <a:schemeClr val="dk1"/>
+          </a:effectRef>
+          <a:fontRef idx="minor">
+            <a:schemeClr val="tx1"/>
+          </a:fontRef>
+        </p:style>
+      </p:cxnSp>
+      <p:cxnSp>
+        <p:nvCxnSpPr>
+          <p:cNvPr id="59" name="Connecteur droit 58">
+            <a:extLst>
+              <a:ext uri="{FF2B5EF4-FFF2-40B4-BE49-F238E27FC236}">
+                <a16:creationId xmlns:a16="http://schemas.microsoft.com/office/drawing/2014/main" id="{BC6E6150-6054-4785-84EC-0C46D82034C2}"/>
+              </a:ext>
+            </a:extLst>
+          </p:cNvPr>
+          <p:cNvCxnSpPr>
+            <a:cxnSpLocks/>
+          </p:cNvCxnSpPr>
+          <p:nvPr/>
+        </p:nvCxnSpPr>
+        <p:spPr>
+          <a:xfrm>
+            <a:off x="738231" y="454803"/>
+            <a:ext cx="344203" cy="484764"/>
+          </a:xfrm>
+          <a:prstGeom prst="line">
+            <a:avLst/>
+          </a:prstGeom>
+        </p:spPr>
+        <p:style>
+          <a:lnRef idx="3">
+            <a:schemeClr val="dk1"/>
+          </a:lnRef>
+          <a:fillRef idx="0">
+            <a:schemeClr val="dk1"/>
+          </a:fillRef>
+          <a:effectRef idx="2">
+            <a:schemeClr val="dk1"/>
+          </a:effectRef>
+          <a:fontRef idx="minor">
+            <a:schemeClr val="tx1"/>
+          </a:fontRef>
+        </p:style>
+      </p:cxnSp>
+      <p:cxnSp>
+        <p:nvCxnSpPr>
+          <p:cNvPr id="60" name="Connecteur droit 59">
+            <a:extLst>
+              <a:ext uri="{FF2B5EF4-FFF2-40B4-BE49-F238E27FC236}">
+                <a16:creationId xmlns:a16="http://schemas.microsoft.com/office/drawing/2014/main" id="{CBC9961A-8EC2-4287-A398-BCA4138D409D}"/>
+              </a:ext>
+            </a:extLst>
+          </p:cNvPr>
+          <p:cNvCxnSpPr>
+            <a:cxnSpLocks/>
+          </p:cNvCxnSpPr>
+          <p:nvPr/>
+        </p:nvCxnSpPr>
+        <p:spPr>
+          <a:xfrm>
+            <a:off x="1082434" y="938268"/>
+            <a:ext cx="1146585" cy="0"/>
+          </a:xfrm>
+          <a:prstGeom prst="line">
+            <a:avLst/>
+          </a:prstGeom>
+        </p:spPr>
+        <p:style>
+          <a:lnRef idx="3">
+            <a:schemeClr val="dk1"/>
+          </a:lnRef>
+          <a:fillRef idx="0">
+            <a:schemeClr val="dk1"/>
+          </a:fillRef>
+          <a:effectRef idx="2">
+            <a:schemeClr val="dk1"/>
+          </a:effectRef>
+          <a:fontRef idx="minor">
+            <a:schemeClr val="tx1"/>
+          </a:fontRef>
+        </p:style>
+      </p:cxnSp>
+      <p:cxnSp>
+        <p:nvCxnSpPr>
+          <p:cNvPr id="61" name="Connecteur droit 60">
+            <a:extLst>
+              <a:ext uri="{FF2B5EF4-FFF2-40B4-BE49-F238E27FC236}">
+                <a16:creationId xmlns:a16="http://schemas.microsoft.com/office/drawing/2014/main" id="{152B7C45-2543-4665-BC07-4DB71CA9F337}"/>
+              </a:ext>
+            </a:extLst>
+          </p:cNvPr>
+          <p:cNvCxnSpPr>
+            <a:cxnSpLocks/>
+          </p:cNvCxnSpPr>
+          <p:nvPr/>
+        </p:nvCxnSpPr>
+        <p:spPr>
+          <a:xfrm>
+            <a:off x="9402704" y="465201"/>
+            <a:ext cx="344203" cy="495163"/>
+          </a:xfrm>
+          <a:prstGeom prst="line">
+            <a:avLst/>
+          </a:prstGeom>
+        </p:spPr>
+        <p:style>
+          <a:lnRef idx="3">
+            <a:schemeClr val="dk1"/>
+          </a:lnRef>
+          <a:fillRef idx="0">
+            <a:schemeClr val="dk1"/>
+          </a:fillRef>
+          <a:effectRef idx="2">
+            <a:schemeClr val="dk1"/>
+          </a:effectRef>
+          <a:fontRef idx="minor">
+            <a:schemeClr val="tx1"/>
+          </a:fontRef>
+        </p:style>
+      </p:cxnSp>
+      <p:cxnSp>
+        <p:nvCxnSpPr>
+          <p:cNvPr id="62" name="Connecteur droit 61">
+            <a:extLst>
+              <a:ext uri="{FF2B5EF4-FFF2-40B4-BE49-F238E27FC236}">
+                <a16:creationId xmlns:a16="http://schemas.microsoft.com/office/drawing/2014/main" id="{00A84DC3-A112-46A3-B71C-04D85339323D}"/>
+              </a:ext>
+            </a:extLst>
+          </p:cNvPr>
+          <p:cNvCxnSpPr>
+            <a:cxnSpLocks/>
+          </p:cNvCxnSpPr>
+          <p:nvPr/>
+        </p:nvCxnSpPr>
+        <p:spPr>
+          <a:xfrm flipH="1">
+            <a:off x="11370469" y="448308"/>
+            <a:ext cx="364332" cy="501657"/>
+          </a:xfrm>
+          <a:prstGeom prst="line">
+            <a:avLst/>
+          </a:prstGeom>
+        </p:spPr>
+        <p:style>
+          <a:lnRef idx="3">
+            <a:schemeClr val="dk1"/>
+          </a:lnRef>
+          <a:fillRef idx="0">
+            <a:schemeClr val="dk1"/>
+          </a:fillRef>
+          <a:effectRef idx="2">
+            <a:schemeClr val="dk1"/>
+          </a:effectRef>
+          <a:fontRef idx="minor">
+            <a:schemeClr val="tx1"/>
+          </a:fontRef>
+        </p:style>
+      </p:cxnSp>
+      <p:cxnSp>
+        <p:nvCxnSpPr>
+          <p:cNvPr id="63" name="Connecteur droit 62">
+            <a:extLst>
+              <a:ext uri="{FF2B5EF4-FFF2-40B4-BE49-F238E27FC236}">
+                <a16:creationId xmlns:a16="http://schemas.microsoft.com/office/drawing/2014/main" id="{C50788C6-8F68-44EC-AB54-94C1D2FE554D}"/>
+              </a:ext>
+            </a:extLst>
+          </p:cNvPr>
+          <p:cNvCxnSpPr>
+            <a:cxnSpLocks/>
+          </p:cNvCxnSpPr>
+          <p:nvPr/>
+        </p:nvCxnSpPr>
+        <p:spPr>
+          <a:xfrm>
+            <a:off x="9743203" y="949965"/>
+            <a:ext cx="1627266" cy="0"/>
+          </a:xfrm>
+          <a:prstGeom prst="line">
+            <a:avLst/>
+          </a:prstGeom>
+        </p:spPr>
+        <p:style>
+          <a:lnRef idx="3">
+            <a:schemeClr val="dk1"/>
+          </a:lnRef>
+          <a:fillRef idx="0">
+            <a:schemeClr val="dk1"/>
+          </a:fillRef>
+          <a:effectRef idx="2">
+            <a:schemeClr val="dk1"/>
+          </a:effectRef>
+          <a:fontRef idx="minor">
+            <a:schemeClr val="tx1"/>
+          </a:fontRef>
+        </p:style>
+      </p:cxnSp>
+      <p:cxnSp>
+        <p:nvCxnSpPr>
+          <p:cNvPr id="64" name="Connecteur droit 63">
+            <a:extLst>
+              <a:ext uri="{FF2B5EF4-FFF2-40B4-BE49-F238E27FC236}">
+                <a16:creationId xmlns:a16="http://schemas.microsoft.com/office/drawing/2014/main" id="{BC4D4E5F-5636-45CB-873C-EC085AB307A3}"/>
+              </a:ext>
+            </a:extLst>
+          </p:cNvPr>
+          <p:cNvCxnSpPr>
+            <a:cxnSpLocks/>
+          </p:cNvCxnSpPr>
+          <p:nvPr/>
+        </p:nvCxnSpPr>
+        <p:spPr>
+          <a:xfrm>
+            <a:off x="11715750" y="454801"/>
+            <a:ext cx="476249" cy="10400"/>
+          </a:xfrm>
+          <a:prstGeom prst="line">
+            <a:avLst/>
+          </a:prstGeom>
+        </p:spPr>
+        <p:style>
+          <a:lnRef idx="3">
+            <a:schemeClr val="dk1"/>
+          </a:lnRef>
+          <a:fillRef idx="0">
+            <a:schemeClr val="dk1"/>
+          </a:fillRef>
+          <a:effectRef idx="2">
+            <a:schemeClr val="dk1"/>
+          </a:effectRef>
+          <a:fontRef idx="minor">
+            <a:schemeClr val="tx1"/>
+          </a:fontRef>
+        </p:style>
+      </p:cxnSp>
+      <p:cxnSp>
+        <p:nvCxnSpPr>
+          <p:cNvPr id="65" name="Connecteur droit 64">
+            <a:extLst>
+              <a:ext uri="{FF2B5EF4-FFF2-40B4-BE49-F238E27FC236}">
+                <a16:creationId xmlns:a16="http://schemas.microsoft.com/office/drawing/2014/main" id="{E6F6B4C5-0E3B-46C9-859D-EE774175D36F}"/>
+              </a:ext>
+            </a:extLst>
+          </p:cNvPr>
+          <p:cNvCxnSpPr>
+            <a:cxnSpLocks/>
+          </p:cNvCxnSpPr>
+          <p:nvPr/>
+        </p:nvCxnSpPr>
+        <p:spPr>
+          <a:xfrm flipH="1">
+            <a:off x="2216372" y="446356"/>
+            <a:ext cx="364332" cy="501657"/>
+          </a:xfrm>
+          <a:prstGeom prst="line">
+            <a:avLst/>
+          </a:prstGeom>
+        </p:spPr>
+        <p:style>
+          <a:lnRef idx="3">
+            <a:schemeClr val="dk1"/>
+          </a:lnRef>
+          <a:fillRef idx="0">
+            <a:schemeClr val="dk1"/>
+          </a:fillRef>
+          <a:effectRef idx="2">
+            <a:schemeClr val="dk1"/>
+          </a:effectRef>
+          <a:fontRef idx="minor">
+            <a:schemeClr val="tx1"/>
+          </a:fontRef>
+        </p:style>
+      </p:cxnSp>
       <p:sp>
         <p:nvSpPr>
-          <p:cNvPr id="3" name="ZoneTexte 2">
-            <a:extLst>
-              <a:ext uri="{FF2B5EF4-FFF2-40B4-BE49-F238E27FC236}">
-                <a16:creationId xmlns:a16="http://schemas.microsoft.com/office/drawing/2014/main" id="{DCCD1615-1755-47F7-AF0B-75E932931245}"/>
+          <p:cNvPr id="4" name="ZoneTexte 3">
+            <a:extLst>
+              <a:ext uri="{FF2B5EF4-FFF2-40B4-BE49-F238E27FC236}">
+                <a16:creationId xmlns:a16="http://schemas.microsoft.com/office/drawing/2014/main" id="{E77BD0C0-B104-436D-A198-D80CD647A659}"/>
               </a:ext>
             </a:extLst>
           </p:cNvPr>
@@ -15037,8 +14245,8 @@
         </p:nvSpPr>
         <p:spPr>
           <a:xfrm>
-            <a:off x="1156800" y="3143689"/>
-            <a:ext cx="2695434" cy="646331"/>
+            <a:off x="3699957" y="465670"/>
+            <a:ext cx="4583494" cy="1446550"/>
           </a:xfrm>
           <a:prstGeom prst="rect">
             <a:avLst/>
@@ -15051,54 +14259,50 @@
           </a:bodyPr>
           <a:lstStyle/>
           <a:p>
-            <a:endParaRPr lang="fr-FR" dirty="0"/>
-          </a:p>
-          <a:p>
-            <a:endParaRPr lang="fr-FR" dirty="0"/>
-          </a:p>
-        </p:txBody>
-      </p:sp>
-      <p:sp>
-        <p:nvSpPr>
-          <p:cNvPr id="9" name="ZoneTexte 8">
-            <a:extLst>
-              <a:ext uri="{FF2B5EF4-FFF2-40B4-BE49-F238E27FC236}">
-                <a16:creationId xmlns:a16="http://schemas.microsoft.com/office/drawing/2014/main" id="{82010251-0AD2-4DAA-8E6B-7CA6A2301A9E}"/>
-              </a:ext>
-            </a:extLst>
-          </p:cNvPr>
-          <p:cNvSpPr txBox="1"/>
-          <p:nvPr/>
-        </p:nvSpPr>
-        <p:spPr>
-          <a:xfrm>
-            <a:off x="3779870" y="479063"/>
-            <a:ext cx="4416185" cy="769441"/>
-          </a:xfrm>
-          <a:prstGeom prst="rect">
-            <a:avLst/>
-          </a:prstGeom>
-          <a:noFill/>
-        </p:spPr>
-        <p:txBody>
-          <a:bodyPr wrap="square" rtlCol="0">
-            <a:spAutoFit/>
-          </a:bodyPr>
-          <a:lstStyle/>
-          <a:p>
+            <a:pPr algn="ctr"/>
             <a:r>
               <a:rPr lang="fr-FR" sz="4400" dirty="0">
                 <a:latin typeface="Berlin Sans FB" panose="020E0602020502020306" pitchFamily="34" charset="0"/>
               </a:rPr>
-              <a:t>Partie Personnelle</a:t>
+              <a:t>Diagramme de cas d’utilisation</a:t>
             </a:r>
           </a:p>
         </p:txBody>
       </p:sp>
+      <p:pic>
+        <p:nvPicPr>
+          <p:cNvPr id="2" name="Image 1">
+            <a:extLst>
+              <a:ext uri="{FF2B5EF4-FFF2-40B4-BE49-F238E27FC236}">
+                <a16:creationId xmlns:a16="http://schemas.microsoft.com/office/drawing/2014/main" id="{1DC95510-B8A0-4900-91CE-704E85C3BCCB}"/>
+              </a:ext>
+            </a:extLst>
+          </p:cNvPr>
+          <p:cNvPicPr>
+            <a:picLocks noChangeAspect="1"/>
+          </p:cNvPicPr>
+          <p:nvPr/>
+        </p:nvPicPr>
+        <p:blipFill>
+          <a:blip r:embed="rId4"/>
+          <a:stretch>
+            <a:fillRect/>
+          </a:stretch>
+        </p:blipFill>
+        <p:spPr>
+          <a:xfrm>
+            <a:off x="2356152" y="1912220"/>
+            <a:ext cx="7263621" cy="4722155"/>
+          </a:xfrm>
+          <a:prstGeom prst="rect">
+            <a:avLst/>
+          </a:prstGeom>
+        </p:spPr>
+      </p:pic>
     </p:spTree>
     <p:extLst>
       <p:ext uri="{BB962C8B-B14F-4D97-AF65-F5344CB8AC3E}">
-        <p14:creationId xmlns:p14="http://schemas.microsoft.com/office/powerpoint/2010/main" val="2149631933"/>
+        <p14:creationId xmlns:p14="http://schemas.microsoft.com/office/powerpoint/2010/main" val="2016876074"/>
       </p:ext>
     </p:extLst>
   </p:cSld>
@@ -15891,48 +15095,12 @@
           </a:fontRef>
         </p:style>
       </p:cxnSp>
-      <p:pic>
-        <p:nvPicPr>
-          <p:cNvPr id="24" name="Image 23">
-            <a:extLst>
-              <a:ext uri="{FF2B5EF4-FFF2-40B4-BE49-F238E27FC236}">
-                <a16:creationId xmlns:a16="http://schemas.microsoft.com/office/drawing/2014/main" id="{7A11CD42-93A2-4CE9-8917-661C6FDC8EB2}"/>
-              </a:ext>
-            </a:extLst>
-          </p:cNvPr>
-          <p:cNvPicPr>
-            <a:picLocks noChangeAspect="1"/>
-          </p:cNvPicPr>
-          <p:nvPr/>
-        </p:nvPicPr>
-        <p:blipFill>
-          <a:blip r:embed="rId4">
-            <a:extLst>
-              <a:ext uri="{28A0092B-C50C-407E-A947-70E740481C1C}">
-                <a14:useLocalDpi xmlns:a14="http://schemas.microsoft.com/office/drawing/2010/main" val="0"/>
-              </a:ext>
-            </a:extLst>
-          </a:blip>
-          <a:stretch>
-            <a:fillRect/>
-          </a:stretch>
-        </p:blipFill>
-        <p:spPr>
-          <a:xfrm>
-            <a:off x="1655727" y="2046914"/>
-            <a:ext cx="7028292" cy="4777614"/>
-          </a:xfrm>
-          <a:prstGeom prst="rect">
-            <a:avLst/>
-          </a:prstGeom>
-        </p:spPr>
-      </p:pic>
       <p:sp>
         <p:nvSpPr>
           <p:cNvPr id="4" name="ZoneTexte 3">
             <a:extLst>
               <a:ext uri="{FF2B5EF4-FFF2-40B4-BE49-F238E27FC236}">
-                <a16:creationId xmlns:a16="http://schemas.microsoft.com/office/drawing/2014/main" id="{E77BD0C0-B104-436D-A198-D80CD647A659}"/>
+                <a16:creationId xmlns:a16="http://schemas.microsoft.com/office/drawing/2014/main" id="{6F856B2B-03F4-4FE3-A57C-C9CAAF971B24}"/>
               </a:ext>
             </a:extLst>
           </p:cNvPr>
@@ -15941,8 +15109,8 @@
         </p:nvSpPr>
         <p:spPr>
           <a:xfrm>
-            <a:off x="3699957" y="465670"/>
-            <a:ext cx="4583494" cy="1446550"/>
+            <a:off x="2952925" y="637563"/>
+            <a:ext cx="6199464" cy="769441"/>
           </a:xfrm>
           <a:prstGeom prst="rect">
             <a:avLst/>
@@ -15955,20 +15123,49 @@
           </a:bodyPr>
           <a:lstStyle/>
           <a:p>
-            <a:pPr algn="ctr"/>
             <a:r>
               <a:rPr lang="fr-FR" sz="4400" dirty="0">
                 <a:latin typeface="Berlin Sans FB" panose="020E0602020502020306" pitchFamily="34" charset="0"/>
               </a:rPr>
-              <a:t>Diagramme de cas d’utilisation</a:t>
+              <a:t>Diagramme de séquence</a:t>
             </a:r>
           </a:p>
         </p:txBody>
       </p:sp>
+      <p:pic>
+        <p:nvPicPr>
+          <p:cNvPr id="2" name="Image 1">
+            <a:extLst>
+              <a:ext uri="{FF2B5EF4-FFF2-40B4-BE49-F238E27FC236}">
+                <a16:creationId xmlns:a16="http://schemas.microsoft.com/office/drawing/2014/main" id="{CFDAE115-A15F-4D3E-B58A-4A8127B4E027}"/>
+              </a:ext>
+            </a:extLst>
+          </p:cNvPr>
+          <p:cNvPicPr>
+            <a:picLocks noChangeAspect="1"/>
+          </p:cNvPicPr>
+          <p:nvPr/>
+        </p:nvPicPr>
+        <p:blipFill>
+          <a:blip r:embed="rId4"/>
+          <a:stretch>
+            <a:fillRect/>
+          </a:stretch>
+        </p:blipFill>
+        <p:spPr>
+          <a:xfrm>
+            <a:off x="2430176" y="1407004"/>
+            <a:ext cx="7115573" cy="5339029"/>
+          </a:xfrm>
+          <a:prstGeom prst="rect">
+            <a:avLst/>
+          </a:prstGeom>
+        </p:spPr>
+      </p:pic>
     </p:spTree>
     <p:extLst>
       <p:ext uri="{BB962C8B-B14F-4D97-AF65-F5344CB8AC3E}">
-        <p14:creationId xmlns:p14="http://schemas.microsoft.com/office/powerpoint/2010/main" val="2016876074"/>
+        <p14:creationId xmlns:p14="http://schemas.microsoft.com/office/powerpoint/2010/main" val="1412701524"/>
       </p:ext>
     </p:extLst>
   </p:cSld>
@@ -16761,48 +15958,12 @@
           </a:fontRef>
         </p:style>
       </p:cxnSp>
-      <p:pic>
-        <p:nvPicPr>
-          <p:cNvPr id="3" name="Image 2">
-            <a:extLst>
-              <a:ext uri="{FF2B5EF4-FFF2-40B4-BE49-F238E27FC236}">
-                <a16:creationId xmlns:a16="http://schemas.microsoft.com/office/drawing/2014/main" id="{04E31E68-0170-4EA9-8F23-BD47A71E51B5}"/>
-              </a:ext>
-            </a:extLst>
-          </p:cNvPr>
-          <p:cNvPicPr>
-            <a:picLocks noChangeAspect="1"/>
-          </p:cNvPicPr>
-          <p:nvPr/>
-        </p:nvPicPr>
-        <p:blipFill>
-          <a:blip r:embed="rId4">
-            <a:extLst>
-              <a:ext uri="{28A0092B-C50C-407E-A947-70E740481C1C}">
-                <a14:useLocalDpi xmlns:a14="http://schemas.microsoft.com/office/drawing/2010/main" val="0"/>
-              </a:ext>
-            </a:extLst>
-          </a:blip>
-          <a:stretch>
-            <a:fillRect/>
-          </a:stretch>
-        </p:blipFill>
-        <p:spPr>
-          <a:xfrm>
-            <a:off x="3221372" y="1380930"/>
-            <a:ext cx="4828358" cy="5303833"/>
-          </a:xfrm>
-          <a:prstGeom prst="rect">
-            <a:avLst/>
-          </a:prstGeom>
-        </p:spPr>
-      </p:pic>
       <p:sp>
         <p:nvSpPr>
-          <p:cNvPr id="4" name="ZoneTexte 3">
-            <a:extLst>
-              <a:ext uri="{FF2B5EF4-FFF2-40B4-BE49-F238E27FC236}">
-                <a16:creationId xmlns:a16="http://schemas.microsoft.com/office/drawing/2014/main" id="{6F856B2B-03F4-4FE3-A57C-C9CAAF971B24}"/>
+          <p:cNvPr id="2" name="ZoneTexte 1">
+            <a:extLst>
+              <a:ext uri="{FF2B5EF4-FFF2-40B4-BE49-F238E27FC236}">
+                <a16:creationId xmlns:a16="http://schemas.microsoft.com/office/drawing/2014/main" id="{E8762E70-88D2-4566-9A54-94377E9A9CC8}"/>
               </a:ext>
             </a:extLst>
           </p:cNvPr>
@@ -16811,8 +15972,8 @@
         </p:nvSpPr>
         <p:spPr>
           <a:xfrm>
-            <a:off x="2952925" y="637563"/>
-            <a:ext cx="6199464" cy="769441"/>
+            <a:off x="3462186" y="623294"/>
+            <a:ext cx="6149130" cy="769441"/>
           </a:xfrm>
           <a:prstGeom prst="rect">
             <a:avLst/>
@@ -16829,15 +15990,45 @@
               <a:rPr lang="fr-FR" sz="4400" dirty="0">
                 <a:latin typeface="Berlin Sans FB" panose="020E0602020502020306" pitchFamily="34" charset="0"/>
               </a:rPr>
-              <a:t>Diagramme de séquence</a:t>
+              <a:t>Diagramme de classe</a:t>
             </a:r>
           </a:p>
         </p:txBody>
       </p:sp>
+      <p:pic>
+        <p:nvPicPr>
+          <p:cNvPr id="3" name="Image 2">
+            <a:extLst>
+              <a:ext uri="{FF2B5EF4-FFF2-40B4-BE49-F238E27FC236}">
+                <a16:creationId xmlns:a16="http://schemas.microsoft.com/office/drawing/2014/main" id="{CE244335-056B-40BD-835E-20D83FC6EF2A}"/>
+              </a:ext>
+            </a:extLst>
+          </p:cNvPr>
+          <p:cNvPicPr>
+            <a:picLocks noChangeAspect="1"/>
+          </p:cNvPicPr>
+          <p:nvPr/>
+        </p:nvPicPr>
+        <p:blipFill>
+          <a:blip r:embed="rId4"/>
+          <a:stretch>
+            <a:fillRect/>
+          </a:stretch>
+        </p:blipFill>
+        <p:spPr>
+          <a:xfrm>
+            <a:off x="1867584" y="1392735"/>
+            <a:ext cx="8240757" cy="4845511"/>
+          </a:xfrm>
+          <a:prstGeom prst="rect">
+            <a:avLst/>
+          </a:prstGeom>
+        </p:spPr>
+      </p:pic>
     </p:spTree>
     <p:extLst>
       <p:ext uri="{BB962C8B-B14F-4D97-AF65-F5344CB8AC3E}">
-        <p14:creationId xmlns:p14="http://schemas.microsoft.com/office/powerpoint/2010/main" val="1412701524"/>
+        <p14:creationId xmlns:p14="http://schemas.microsoft.com/office/powerpoint/2010/main" val="3586196131"/>
       </p:ext>
     </p:extLst>
   </p:cSld>
@@ -17635,7 +16826,7 @@
           <p:cNvPr id="2" name="ZoneTexte 1">
             <a:extLst>
               <a:ext uri="{FF2B5EF4-FFF2-40B4-BE49-F238E27FC236}">
-                <a16:creationId xmlns:a16="http://schemas.microsoft.com/office/drawing/2014/main" id="{E8762E70-88D2-4566-9A54-94377E9A9CC8}"/>
+                <a16:creationId xmlns:a16="http://schemas.microsoft.com/office/drawing/2014/main" id="{27396238-7A76-4B8F-981D-280A71EC12F4}"/>
               </a:ext>
             </a:extLst>
           </p:cNvPr>
@@ -17644,8 +16835,8 @@
         </p:nvSpPr>
         <p:spPr>
           <a:xfrm>
-            <a:off x="3462186" y="623294"/>
-            <a:ext cx="6149130" cy="769441"/>
+            <a:off x="2941888" y="518915"/>
+            <a:ext cx="6281999" cy="769441"/>
           </a:xfrm>
           <a:prstGeom prst="rect">
             <a:avLst/>
@@ -17662,7 +16853,7 @@
               <a:rPr lang="fr-FR" sz="4400" dirty="0">
                 <a:latin typeface="Berlin Sans FB" panose="020E0602020502020306" pitchFamily="34" charset="0"/>
               </a:rPr>
-              <a:t>Diagramme de classe</a:t>
+              <a:t>Diagramme de bloc</a:t>
             </a:r>
           </a:p>
         </p:txBody>
@@ -17672,7 +16863,7 @@
           <p:cNvPr id="4" name="Image 3">
             <a:extLst>
               <a:ext uri="{FF2B5EF4-FFF2-40B4-BE49-F238E27FC236}">
-                <a16:creationId xmlns:a16="http://schemas.microsoft.com/office/drawing/2014/main" id="{E85F3E60-A809-4CF3-8988-26E4D6B96CAD}"/>
+                <a16:creationId xmlns:a16="http://schemas.microsoft.com/office/drawing/2014/main" id="{7E60C251-29D0-4848-8D5B-5DB9F0C6EC10}"/>
               </a:ext>
             </a:extLst>
           </p:cNvPr>
@@ -17695,8 +16886,8 @@
         </p:blipFill>
         <p:spPr>
           <a:xfrm>
-            <a:off x="1614196" y="1327912"/>
-            <a:ext cx="8285584" cy="4980629"/>
+            <a:off x="2216372" y="1342070"/>
+            <a:ext cx="6658935" cy="5269717"/>
           </a:xfrm>
           <a:prstGeom prst="rect">
             <a:avLst/>
@@ -17706,7 +16897,7 @@
     </p:spTree>
     <p:extLst>
       <p:ext uri="{BB962C8B-B14F-4D97-AF65-F5344CB8AC3E}">
-        <p14:creationId xmlns:p14="http://schemas.microsoft.com/office/powerpoint/2010/main" val="3586196131"/>
+        <p14:creationId xmlns:p14="http://schemas.microsoft.com/office/powerpoint/2010/main" val="1093378480"/>
       </p:ext>
     </p:extLst>
   </p:cSld>
@@ -18513,8 +17704,8 @@
         </p:nvSpPr>
         <p:spPr>
           <a:xfrm>
-            <a:off x="2941888" y="518915"/>
-            <a:ext cx="6281999" cy="769441"/>
+            <a:off x="3228837" y="553547"/>
+            <a:ext cx="4675598" cy="769441"/>
           </a:xfrm>
           <a:prstGeom prst="rect">
             <a:avLst/>
@@ -18531,17 +17722,17 @@
               <a:rPr lang="fr-FR" sz="4400" dirty="0">
                 <a:latin typeface="Berlin Sans FB" panose="020E0602020502020306" pitchFamily="34" charset="0"/>
               </a:rPr>
-              <a:t>Diagramme de bloc</a:t>
+              <a:t>Base de données</a:t>
             </a:r>
           </a:p>
         </p:txBody>
       </p:sp>
       <p:pic>
         <p:nvPicPr>
-          <p:cNvPr id="4" name="Image 3">
-            <a:extLst>
-              <a:ext uri="{FF2B5EF4-FFF2-40B4-BE49-F238E27FC236}">
-                <a16:creationId xmlns:a16="http://schemas.microsoft.com/office/drawing/2014/main" id="{7E60C251-29D0-4848-8D5B-5DB9F0C6EC10}"/>
+          <p:cNvPr id="3" name="Image 2">
+            <a:extLst>
+              <a:ext uri="{FF2B5EF4-FFF2-40B4-BE49-F238E27FC236}">
+                <a16:creationId xmlns:a16="http://schemas.microsoft.com/office/drawing/2014/main" id="{4BD826E4-028A-42A8-BDAA-7099CED3A78E}"/>
               </a:ext>
             </a:extLst>
           </p:cNvPr>
@@ -18551,21 +17742,15 @@
           <p:nvPr/>
         </p:nvPicPr>
         <p:blipFill>
-          <a:blip r:embed="rId4">
-            <a:extLst>
-              <a:ext uri="{28A0092B-C50C-407E-A947-70E740481C1C}">
-                <a14:useLocalDpi xmlns:a14="http://schemas.microsoft.com/office/drawing/2010/main" val="0"/>
-              </a:ext>
-            </a:extLst>
-          </a:blip>
+          <a:blip r:embed="rId4"/>
           <a:stretch>
             <a:fillRect/>
           </a:stretch>
         </p:blipFill>
         <p:spPr>
           <a:xfrm>
-            <a:off x="2216372" y="1342070"/>
-            <a:ext cx="6658935" cy="5269717"/>
+            <a:off x="1225846" y="1418109"/>
+            <a:ext cx="10144623" cy="5255207"/>
           </a:xfrm>
           <a:prstGeom prst="rect">
             <a:avLst/>
@@ -18575,7 +17760,7 @@
     </p:spTree>
     <p:extLst>
       <p:ext uri="{BB962C8B-B14F-4D97-AF65-F5344CB8AC3E}">
-        <p14:creationId xmlns:p14="http://schemas.microsoft.com/office/powerpoint/2010/main" val="1093378480"/>
+        <p14:creationId xmlns:p14="http://schemas.microsoft.com/office/powerpoint/2010/main" val="3188051435"/>
       </p:ext>
     </p:extLst>
   </p:cSld>

--- a/oral_projet/revue_2/diaporama_revue_2_dylan.pptx
+++ b/oral_projet/revue_2/diaporama_revue_2_dylan.pptx
@@ -5371,7 +5371,7 @@
         </p:blipFill>
         <p:spPr>
           <a:xfrm>
-            <a:off x="1604299" y="1327912"/>
+            <a:off x="1068751" y="1551166"/>
             <a:ext cx="715646" cy="715646"/>
           </a:xfrm>
           <a:prstGeom prst="rect">
@@ -5407,7 +5407,7 @@
         </p:blipFill>
         <p:spPr>
           <a:xfrm>
-            <a:off x="1694242" y="2794678"/>
+            <a:off x="1113721" y="2775046"/>
             <a:ext cx="625703" cy="625703"/>
           </a:xfrm>
           <a:prstGeom prst="rect">
@@ -5443,7 +5443,7 @@
         </p:blipFill>
         <p:spPr>
           <a:xfrm>
-            <a:off x="6642920" y="4912796"/>
+            <a:off x="6442369" y="3741299"/>
             <a:ext cx="700821" cy="700821"/>
           </a:xfrm>
           <a:prstGeom prst="rect">
@@ -5479,7 +5479,7 @@
         </p:blipFill>
         <p:spPr>
           <a:xfrm>
-            <a:off x="6515109" y="3046923"/>
+            <a:off x="6416140" y="2653833"/>
             <a:ext cx="746916" cy="746916"/>
           </a:xfrm>
           <a:prstGeom prst="rect">
@@ -5515,7 +5515,7 @@
         </p:blipFill>
         <p:spPr>
           <a:xfrm>
-            <a:off x="6416140" y="1345664"/>
+            <a:off x="6399429" y="1551166"/>
             <a:ext cx="780337" cy="780337"/>
           </a:xfrm>
           <a:prstGeom prst="rect">
@@ -5537,8 +5537,8 @@
         </p:nvSpPr>
         <p:spPr>
           <a:xfrm>
-            <a:off x="2573222" y="1551166"/>
-            <a:ext cx="2860650" cy="369332"/>
+            <a:off x="1886350" y="1551166"/>
+            <a:ext cx="3248997" cy="646331"/>
           </a:xfrm>
           <a:prstGeom prst="rect">
             <a:avLst/>
@@ -5553,7 +5553,13 @@
           <a:p>
             <a:r>
               <a:rPr lang="fr-FR" dirty="0"/>
-              <a:t>Utilisation de la boucle 4-20</a:t>
+              <a:t>Mesure en W/m²</a:t>
+            </a:r>
+          </a:p>
+          <a:p>
+            <a:r>
+              <a:rPr lang="fr-FR" dirty="0"/>
+              <a:t>Utilisation de la boucle 4-20 mA</a:t>
             </a:r>
           </a:p>
         </p:txBody>
@@ -5572,8 +5578,8 @@
         </p:nvSpPr>
         <p:spPr>
           <a:xfrm>
-            <a:off x="7457013" y="5078540"/>
-            <a:ext cx="2860650" cy="369332"/>
+            <a:off x="7268109" y="3785878"/>
+            <a:ext cx="3218129" cy="646331"/>
           </a:xfrm>
           <a:prstGeom prst="rect">
             <a:avLst/>
@@ -5588,7 +5594,13 @@
           <a:p>
             <a:r>
               <a:rPr lang="fr-FR" dirty="0"/>
-              <a:t>Utilisation de la boucle 4-20</a:t>
+              <a:t>Mesure en °C</a:t>
+            </a:r>
+          </a:p>
+          <a:p>
+            <a:r>
+              <a:rPr lang="fr-FR" dirty="0"/>
+              <a:t>Utilisation de la boucle 4-20 mA</a:t>
             </a:r>
           </a:p>
         </p:txBody>
@@ -5607,7 +5619,7 @@
         </p:nvSpPr>
         <p:spPr>
           <a:xfrm>
-            <a:off x="2457974" y="2922863"/>
+            <a:off x="1886350" y="2778176"/>
             <a:ext cx="3187817" cy="369332"/>
           </a:xfrm>
           <a:prstGeom prst="rect">
@@ -5642,8 +5654,8 @@
         </p:nvSpPr>
         <p:spPr>
           <a:xfrm>
-            <a:off x="2457974" y="4417906"/>
-            <a:ext cx="3589425" cy="1754326"/>
+            <a:off x="1886350" y="5421031"/>
+            <a:ext cx="3742663" cy="646331"/>
           </a:xfrm>
           <a:prstGeom prst="rect">
             <a:avLst/>
@@ -5658,16 +5670,7 @@
           <a:p>
             <a:r>
               <a:rPr lang="fr-FR" dirty="0"/>
-              <a:t>Vitesse : 1km/h = 1600 tours par heure</a:t>
-            </a:r>
-          </a:p>
-          <a:p>
-            <a:endParaRPr lang="fr-FR" dirty="0"/>
-          </a:p>
-          <a:p>
-            <a:r>
-              <a:rPr lang="fr-FR" dirty="0"/>
-              <a:t>Direction : utilisation du bus CAN pour convertir la tension en code puis en direction</a:t>
+              <a:t>Utilisation du bus CAN pour convertir la tension en code puis en direction</a:t>
             </a:r>
           </a:p>
         </p:txBody>
@@ -5686,7 +5689,7 @@
         </p:nvSpPr>
         <p:spPr>
           <a:xfrm>
-            <a:off x="7343741" y="1551166"/>
+            <a:off x="7262025" y="1517948"/>
             <a:ext cx="4372009" cy="646331"/>
           </a:xfrm>
           <a:prstGeom prst="rect">
@@ -5721,7 +5724,7 @@
         </p:nvSpPr>
         <p:spPr>
           <a:xfrm>
-            <a:off x="7379275" y="3147508"/>
+            <a:off x="7262025" y="2651913"/>
             <a:ext cx="4391060" cy="646331"/>
           </a:xfrm>
           <a:prstGeom prst="rect">
@@ -5770,7 +5773,7 @@
         </p:blipFill>
         <p:spPr>
           <a:xfrm>
-            <a:off x="1537305" y="5447872"/>
+            <a:off x="1101424" y="5421031"/>
             <a:ext cx="650296" cy="650296"/>
           </a:xfrm>
           <a:prstGeom prst="rect">
@@ -5792,7 +5795,7 @@
           </p:cNvPicPr>
           <p:nvPr/>
         </p:nvPicPr>
-        <p:blipFill>
+        <p:blipFill rotWithShape="1">
           <a:blip r:embed="rId10">
             <a:extLst>
               <a:ext uri="{28A0092B-C50C-407E-A947-70E740481C1C}">
@@ -5800,13 +5803,12 @@
               </a:ext>
             </a:extLst>
           </a:blip>
-          <a:stretch>
-            <a:fillRect/>
-          </a:stretch>
+          <a:srcRect r="8552" b="8552"/>
+          <a:stretch/>
         </p:blipFill>
         <p:spPr>
           <a:xfrm>
-            <a:off x="1476878" y="4171501"/>
+            <a:off x="964343" y="3908984"/>
             <a:ext cx="924460" cy="1003812"/>
           </a:xfrm>
           <a:prstGeom prst="rect">
@@ -5814,6 +5816,41 @@
           </a:prstGeom>
         </p:spPr>
       </p:pic>
+      <p:sp>
+        <p:nvSpPr>
+          <p:cNvPr id="11" name="ZoneTexte 10">
+            <a:extLst>
+              <a:ext uri="{FF2B5EF4-FFF2-40B4-BE49-F238E27FC236}">
+                <a16:creationId xmlns:a16="http://schemas.microsoft.com/office/drawing/2014/main" id="{1FDBFBAA-9A98-470A-815D-19D14501FB00}"/>
+              </a:ext>
+            </a:extLst>
+          </p:cNvPr>
+          <p:cNvSpPr txBox="1"/>
+          <p:nvPr/>
+        </p:nvSpPr>
+        <p:spPr>
+          <a:xfrm>
+            <a:off x="1888803" y="3907044"/>
+            <a:ext cx="2998321" cy="369332"/>
+          </a:xfrm>
+          <a:prstGeom prst="rect">
+            <a:avLst/>
+          </a:prstGeom>
+          <a:noFill/>
+        </p:spPr>
+        <p:txBody>
+          <a:bodyPr wrap="none" rtlCol="0">
+            <a:spAutoFit/>
+          </a:bodyPr>
+          <a:lstStyle/>
+          <a:p>
+            <a:r>
+              <a:rPr lang="fr-FR" dirty="0"/>
+              <a:t>1600 tours par heure = 1km/h</a:t>
+            </a:r>
+          </a:p>
+        </p:txBody>
+      </p:sp>
     </p:spTree>
     <p:extLst>
       <p:ext uri="{BB962C8B-B14F-4D97-AF65-F5344CB8AC3E}">
@@ -6727,13 +6764,13 @@
   <p:clrMapOvr>
     <a:masterClrMapping/>
   </p:clrMapOvr>
-  <mc:AlternateContent xmlns:mc="http://schemas.openxmlformats.org/markup-compatibility/2006">
-    <mc:Choice xmlns:p14="http://schemas.microsoft.com/office/powerpoint/2010/main" Requires="p14">
+  <mc:AlternateContent xmlns:mc="http://schemas.openxmlformats.org/markup-compatibility/2006" xmlns:p14="http://schemas.microsoft.com/office/powerpoint/2010/main">
+    <mc:Choice Requires="p14">
       <p:transition spd="slow">
         <p14:reveal/>
       </p:transition>
     </mc:Choice>
-    <mc:Fallback>
+    <mc:Fallback xmlns="">
       <p:transition spd="slow">
         <p:fade/>
       </p:transition>

--- a/oral_projet/revue_2/diaporama_revue_2_dylan.pptx
+++ b/oral_projet/revue_2/diaporama_revue_2_dylan.pptx
@@ -5320,8 +5320,8 @@
         </p:nvSpPr>
         <p:spPr>
           <a:xfrm>
-            <a:off x="3290385" y="473648"/>
-            <a:ext cx="6251510" cy="769441"/>
+            <a:off x="3580819" y="449902"/>
+            <a:ext cx="4821769" cy="769441"/>
           </a:xfrm>
           <a:prstGeom prst="rect">
             <a:avLst/>
@@ -7564,8 +7564,8 @@
         </p:nvSpPr>
         <p:spPr>
           <a:xfrm>
-            <a:off x="3714642" y="523056"/>
-            <a:ext cx="5110576" cy="769441"/>
+            <a:off x="3813920" y="465793"/>
+            <a:ext cx="4355567" cy="769441"/>
           </a:xfrm>
           <a:prstGeom prst="rect">
             <a:avLst/>
@@ -7601,7 +7601,7 @@
         </p:nvSpPr>
         <p:spPr>
           <a:xfrm>
-            <a:off x="4329183" y="1292497"/>
+            <a:off x="4329183" y="1235234"/>
             <a:ext cx="3317559" cy="523220"/>
           </a:xfrm>
           <a:prstGeom prst="rect">
@@ -8432,8 +8432,8 @@
         </p:nvSpPr>
         <p:spPr>
           <a:xfrm>
-            <a:off x="3714642" y="523056"/>
-            <a:ext cx="5110576" cy="769441"/>
+            <a:off x="3802081" y="460572"/>
+            <a:ext cx="4380734" cy="769441"/>
           </a:xfrm>
           <a:prstGeom prst="rect">
             <a:avLst/>
@@ -8469,7 +8469,7 @@
         </p:nvSpPr>
         <p:spPr>
           <a:xfrm>
-            <a:off x="4626992" y="1292497"/>
+            <a:off x="4626992" y="1230013"/>
             <a:ext cx="2721941" cy="523220"/>
           </a:xfrm>
           <a:prstGeom prst="rect">
@@ -9300,7 +9300,7 @@
         </p:nvSpPr>
         <p:spPr>
           <a:xfrm>
-            <a:off x="4569176" y="523056"/>
+            <a:off x="4662092" y="481111"/>
             <a:ext cx="2659224" cy="769441"/>
           </a:xfrm>
           <a:prstGeom prst="rect">
@@ -15146,8 +15146,8 @@
         </p:nvSpPr>
         <p:spPr>
           <a:xfrm>
-            <a:off x="2952925" y="637563"/>
-            <a:ext cx="6199464" cy="769441"/>
+            <a:off x="2961943" y="470674"/>
+            <a:ext cx="6085447" cy="769441"/>
           </a:xfrm>
           <a:prstGeom prst="rect">
             <a:avLst/>
@@ -16009,8 +16009,8 @@
         </p:nvSpPr>
         <p:spPr>
           <a:xfrm>
-            <a:off x="3462186" y="623294"/>
-            <a:ext cx="6149130" cy="769441"/>
+            <a:off x="3566824" y="471562"/>
+            <a:ext cx="5128141" cy="769441"/>
           </a:xfrm>
           <a:prstGeom prst="rect">
             <a:avLst/>
@@ -16034,10 +16034,10 @@
       </p:sp>
       <p:pic>
         <p:nvPicPr>
-          <p:cNvPr id="3" name="Image 2">
-            <a:extLst>
-              <a:ext uri="{FF2B5EF4-FFF2-40B4-BE49-F238E27FC236}">
-                <a16:creationId xmlns:a16="http://schemas.microsoft.com/office/drawing/2014/main" id="{CE244335-056B-40BD-835E-20D83FC6EF2A}"/>
+          <p:cNvPr id="7" name="Image 6">
+            <a:extLst>
+              <a:ext uri="{FF2B5EF4-FFF2-40B4-BE49-F238E27FC236}">
+                <a16:creationId xmlns:a16="http://schemas.microsoft.com/office/drawing/2014/main" id="{35DD8334-5792-484E-A2BF-5679875DF413}"/>
               </a:ext>
             </a:extLst>
           </p:cNvPr>
@@ -16047,15 +16047,21 @@
           <p:nvPr/>
         </p:nvPicPr>
         <p:blipFill>
-          <a:blip r:embed="rId4"/>
+          <a:blip r:embed="rId4">
+            <a:extLst>
+              <a:ext uri="{28A0092B-C50C-407E-A947-70E740481C1C}">
+                <a14:useLocalDpi xmlns:a14="http://schemas.microsoft.com/office/drawing/2010/main" val="0"/>
+              </a:ext>
+            </a:extLst>
+          </a:blip>
           <a:stretch>
             <a:fillRect/>
           </a:stretch>
         </p:blipFill>
         <p:spPr>
           <a:xfrm>
-            <a:off x="1867584" y="1392735"/>
-            <a:ext cx="8240757" cy="4845511"/>
+            <a:off x="1536287" y="1341581"/>
+            <a:ext cx="9189213" cy="5516419"/>
           </a:xfrm>
           <a:prstGeom prst="rect">
             <a:avLst/>
@@ -16872,8 +16878,8 @@
         </p:nvSpPr>
         <p:spPr>
           <a:xfrm>
-            <a:off x="2941888" y="518915"/>
-            <a:ext cx="6281999" cy="769441"/>
+            <a:off x="3573077" y="459490"/>
+            <a:ext cx="4837254" cy="769441"/>
           </a:xfrm>
           <a:prstGeom prst="rect">
             <a:avLst/>
@@ -16923,7 +16929,7 @@
         </p:blipFill>
         <p:spPr>
           <a:xfrm>
-            <a:off x="2216372" y="1342070"/>
+            <a:off x="2658495" y="1228931"/>
             <a:ext cx="6658935" cy="5269717"/>
           </a:xfrm>
           <a:prstGeom prst="rect">
@@ -17741,8 +17747,8 @@
         </p:nvSpPr>
         <p:spPr>
           <a:xfrm>
-            <a:off x="3228837" y="553547"/>
-            <a:ext cx="4675598" cy="769441"/>
+            <a:off x="3982078" y="462285"/>
+            <a:ext cx="4019251" cy="769441"/>
           </a:xfrm>
           <a:prstGeom prst="rect">
             <a:avLst/>

--- a/oral_projet/revue_2/diaporama_revue_2_dylan.pptx
+++ b/oral_projet/revue_2/diaporama_revue_2_dylan.pptx
@@ -5,7 +5,7 @@
     <p:sldMasterId id="2147483648" r:id="rId1"/>
   </p:sldMasterIdLst>
   <p:notesMasterIdLst>
-    <p:notesMasterId r:id="rId16"/>
+    <p:notesMasterId r:id="rId17"/>
   </p:notesMasterIdLst>
   <p:sldIdLst>
     <p:sldId id="256" r:id="rId2"/>
@@ -18,10 +18,11 @@
     <p:sldId id="265" r:id="rId9"/>
     <p:sldId id="270" r:id="rId10"/>
     <p:sldId id="266" r:id="rId11"/>
-    <p:sldId id="260" r:id="rId12"/>
-    <p:sldId id="268" r:id="rId13"/>
+    <p:sldId id="268" r:id="rId12"/>
+    <p:sldId id="273" r:id="rId13"/>
     <p:sldId id="272" r:id="rId14"/>
-    <p:sldId id="271" r:id="rId15"/>
+    <p:sldId id="260" r:id="rId15"/>
+    <p:sldId id="271" r:id="rId16"/>
   </p:sldIdLst>
   <p:sldSz cx="12192000" cy="6858000"/>
   <p:notesSz cx="6858000" cy="9144000"/>
@@ -6682,12 +6683,352 @@
           </a:fontRef>
         </p:style>
       </p:cxnSp>
+      <p:pic>
+        <p:nvPicPr>
+          <p:cNvPr id="57" name="Image 56">
+            <a:extLst>
+              <a:ext uri="{FF2B5EF4-FFF2-40B4-BE49-F238E27FC236}">
+                <a16:creationId xmlns:a16="http://schemas.microsoft.com/office/drawing/2014/main" id="{12B16FB2-5844-4B92-AE69-9BAC858C22BB}"/>
+              </a:ext>
+            </a:extLst>
+          </p:cNvPr>
+          <p:cNvPicPr>
+            <a:picLocks noChangeAspect="1"/>
+          </p:cNvPicPr>
+          <p:nvPr/>
+        </p:nvPicPr>
+        <p:blipFill>
+          <a:blip r:embed="rId3">
+            <a:extLst>
+              <a:ext uri="{28A0092B-C50C-407E-A947-70E740481C1C}">
+                <a14:useLocalDpi xmlns:a14="http://schemas.microsoft.com/office/drawing/2010/main" val="0"/>
+              </a:ext>
+            </a:extLst>
+          </a:blip>
+          <a:stretch>
+            <a:fillRect/>
+          </a:stretch>
+        </p:blipFill>
+        <p:spPr>
+          <a:xfrm>
+            <a:off x="9681085" y="238153"/>
+            <a:ext cx="1802101" cy="569807"/>
+          </a:xfrm>
+          <a:prstGeom prst="rect">
+            <a:avLst/>
+          </a:prstGeom>
+        </p:spPr>
+      </p:pic>
+      <p:cxnSp>
+        <p:nvCxnSpPr>
+          <p:cNvPr id="58" name="Connecteur droit 57">
+            <a:extLst>
+              <a:ext uri="{FF2B5EF4-FFF2-40B4-BE49-F238E27FC236}">
+                <a16:creationId xmlns:a16="http://schemas.microsoft.com/office/drawing/2014/main" id="{01599350-F8B0-4FDC-B003-981189A8D654}"/>
+              </a:ext>
+            </a:extLst>
+          </p:cNvPr>
+          <p:cNvCxnSpPr>
+            <a:cxnSpLocks/>
+          </p:cNvCxnSpPr>
+          <p:nvPr/>
+        </p:nvCxnSpPr>
+        <p:spPr>
+          <a:xfrm>
+            <a:off x="2573222" y="454803"/>
+            <a:ext cx="6829482" cy="10398"/>
+          </a:xfrm>
+          <a:prstGeom prst="line">
+            <a:avLst/>
+          </a:prstGeom>
+        </p:spPr>
+        <p:style>
+          <a:lnRef idx="3">
+            <a:schemeClr val="dk1"/>
+          </a:lnRef>
+          <a:fillRef idx="0">
+            <a:schemeClr val="dk1"/>
+          </a:fillRef>
+          <a:effectRef idx="2">
+            <a:schemeClr val="dk1"/>
+          </a:effectRef>
+          <a:fontRef idx="minor">
+            <a:schemeClr val="tx1"/>
+          </a:fontRef>
+        </p:style>
+      </p:cxnSp>
+      <p:cxnSp>
+        <p:nvCxnSpPr>
+          <p:cNvPr id="59" name="Connecteur droit 58">
+            <a:extLst>
+              <a:ext uri="{FF2B5EF4-FFF2-40B4-BE49-F238E27FC236}">
+                <a16:creationId xmlns:a16="http://schemas.microsoft.com/office/drawing/2014/main" id="{BC6E6150-6054-4785-84EC-0C46D82034C2}"/>
+              </a:ext>
+            </a:extLst>
+          </p:cNvPr>
+          <p:cNvCxnSpPr>
+            <a:cxnSpLocks/>
+          </p:cNvCxnSpPr>
+          <p:nvPr/>
+        </p:nvCxnSpPr>
+        <p:spPr>
+          <a:xfrm>
+            <a:off x="738231" y="454803"/>
+            <a:ext cx="344203" cy="484764"/>
+          </a:xfrm>
+          <a:prstGeom prst="line">
+            <a:avLst/>
+          </a:prstGeom>
+        </p:spPr>
+        <p:style>
+          <a:lnRef idx="3">
+            <a:schemeClr val="dk1"/>
+          </a:lnRef>
+          <a:fillRef idx="0">
+            <a:schemeClr val="dk1"/>
+          </a:fillRef>
+          <a:effectRef idx="2">
+            <a:schemeClr val="dk1"/>
+          </a:effectRef>
+          <a:fontRef idx="minor">
+            <a:schemeClr val="tx1"/>
+          </a:fontRef>
+        </p:style>
+      </p:cxnSp>
+      <p:cxnSp>
+        <p:nvCxnSpPr>
+          <p:cNvPr id="60" name="Connecteur droit 59">
+            <a:extLst>
+              <a:ext uri="{FF2B5EF4-FFF2-40B4-BE49-F238E27FC236}">
+                <a16:creationId xmlns:a16="http://schemas.microsoft.com/office/drawing/2014/main" id="{CBC9961A-8EC2-4287-A398-BCA4138D409D}"/>
+              </a:ext>
+            </a:extLst>
+          </p:cNvPr>
+          <p:cNvCxnSpPr>
+            <a:cxnSpLocks/>
+          </p:cNvCxnSpPr>
+          <p:nvPr/>
+        </p:nvCxnSpPr>
+        <p:spPr>
+          <a:xfrm>
+            <a:off x="1082434" y="938268"/>
+            <a:ext cx="1146585" cy="0"/>
+          </a:xfrm>
+          <a:prstGeom prst="line">
+            <a:avLst/>
+          </a:prstGeom>
+        </p:spPr>
+        <p:style>
+          <a:lnRef idx="3">
+            <a:schemeClr val="dk1"/>
+          </a:lnRef>
+          <a:fillRef idx="0">
+            <a:schemeClr val="dk1"/>
+          </a:fillRef>
+          <a:effectRef idx="2">
+            <a:schemeClr val="dk1"/>
+          </a:effectRef>
+          <a:fontRef idx="minor">
+            <a:schemeClr val="tx1"/>
+          </a:fontRef>
+        </p:style>
+      </p:cxnSp>
+      <p:cxnSp>
+        <p:nvCxnSpPr>
+          <p:cNvPr id="61" name="Connecteur droit 60">
+            <a:extLst>
+              <a:ext uri="{FF2B5EF4-FFF2-40B4-BE49-F238E27FC236}">
+                <a16:creationId xmlns:a16="http://schemas.microsoft.com/office/drawing/2014/main" id="{152B7C45-2543-4665-BC07-4DB71CA9F337}"/>
+              </a:ext>
+            </a:extLst>
+          </p:cNvPr>
+          <p:cNvCxnSpPr>
+            <a:cxnSpLocks/>
+          </p:cNvCxnSpPr>
+          <p:nvPr/>
+        </p:nvCxnSpPr>
+        <p:spPr>
+          <a:xfrm>
+            <a:off x="9402704" y="465201"/>
+            <a:ext cx="344203" cy="495163"/>
+          </a:xfrm>
+          <a:prstGeom prst="line">
+            <a:avLst/>
+          </a:prstGeom>
+        </p:spPr>
+        <p:style>
+          <a:lnRef idx="3">
+            <a:schemeClr val="dk1"/>
+          </a:lnRef>
+          <a:fillRef idx="0">
+            <a:schemeClr val="dk1"/>
+          </a:fillRef>
+          <a:effectRef idx="2">
+            <a:schemeClr val="dk1"/>
+          </a:effectRef>
+          <a:fontRef idx="minor">
+            <a:schemeClr val="tx1"/>
+          </a:fontRef>
+        </p:style>
+      </p:cxnSp>
+      <p:cxnSp>
+        <p:nvCxnSpPr>
+          <p:cNvPr id="62" name="Connecteur droit 61">
+            <a:extLst>
+              <a:ext uri="{FF2B5EF4-FFF2-40B4-BE49-F238E27FC236}">
+                <a16:creationId xmlns:a16="http://schemas.microsoft.com/office/drawing/2014/main" id="{00A84DC3-A112-46A3-B71C-04D85339323D}"/>
+              </a:ext>
+            </a:extLst>
+          </p:cNvPr>
+          <p:cNvCxnSpPr>
+            <a:cxnSpLocks/>
+          </p:cNvCxnSpPr>
+          <p:nvPr/>
+        </p:nvCxnSpPr>
+        <p:spPr>
+          <a:xfrm flipH="1">
+            <a:off x="11370469" y="448308"/>
+            <a:ext cx="364332" cy="501657"/>
+          </a:xfrm>
+          <a:prstGeom prst="line">
+            <a:avLst/>
+          </a:prstGeom>
+        </p:spPr>
+        <p:style>
+          <a:lnRef idx="3">
+            <a:schemeClr val="dk1"/>
+          </a:lnRef>
+          <a:fillRef idx="0">
+            <a:schemeClr val="dk1"/>
+          </a:fillRef>
+          <a:effectRef idx="2">
+            <a:schemeClr val="dk1"/>
+          </a:effectRef>
+          <a:fontRef idx="minor">
+            <a:schemeClr val="tx1"/>
+          </a:fontRef>
+        </p:style>
+      </p:cxnSp>
+      <p:cxnSp>
+        <p:nvCxnSpPr>
+          <p:cNvPr id="63" name="Connecteur droit 62">
+            <a:extLst>
+              <a:ext uri="{FF2B5EF4-FFF2-40B4-BE49-F238E27FC236}">
+                <a16:creationId xmlns:a16="http://schemas.microsoft.com/office/drawing/2014/main" id="{C50788C6-8F68-44EC-AB54-94C1D2FE554D}"/>
+              </a:ext>
+            </a:extLst>
+          </p:cNvPr>
+          <p:cNvCxnSpPr>
+            <a:cxnSpLocks/>
+          </p:cNvCxnSpPr>
+          <p:nvPr/>
+        </p:nvCxnSpPr>
+        <p:spPr>
+          <a:xfrm>
+            <a:off x="9743203" y="949965"/>
+            <a:ext cx="1627266" cy="0"/>
+          </a:xfrm>
+          <a:prstGeom prst="line">
+            <a:avLst/>
+          </a:prstGeom>
+        </p:spPr>
+        <p:style>
+          <a:lnRef idx="3">
+            <a:schemeClr val="dk1"/>
+          </a:lnRef>
+          <a:fillRef idx="0">
+            <a:schemeClr val="dk1"/>
+          </a:fillRef>
+          <a:effectRef idx="2">
+            <a:schemeClr val="dk1"/>
+          </a:effectRef>
+          <a:fontRef idx="minor">
+            <a:schemeClr val="tx1"/>
+          </a:fontRef>
+        </p:style>
+      </p:cxnSp>
+      <p:cxnSp>
+        <p:nvCxnSpPr>
+          <p:cNvPr id="64" name="Connecteur droit 63">
+            <a:extLst>
+              <a:ext uri="{FF2B5EF4-FFF2-40B4-BE49-F238E27FC236}">
+                <a16:creationId xmlns:a16="http://schemas.microsoft.com/office/drawing/2014/main" id="{BC4D4E5F-5636-45CB-873C-EC085AB307A3}"/>
+              </a:ext>
+            </a:extLst>
+          </p:cNvPr>
+          <p:cNvCxnSpPr>
+            <a:cxnSpLocks/>
+          </p:cNvCxnSpPr>
+          <p:nvPr/>
+        </p:nvCxnSpPr>
+        <p:spPr>
+          <a:xfrm>
+            <a:off x="11715750" y="454801"/>
+            <a:ext cx="476249" cy="10400"/>
+          </a:xfrm>
+          <a:prstGeom prst="line">
+            <a:avLst/>
+          </a:prstGeom>
+        </p:spPr>
+        <p:style>
+          <a:lnRef idx="3">
+            <a:schemeClr val="dk1"/>
+          </a:lnRef>
+          <a:fillRef idx="0">
+            <a:schemeClr val="dk1"/>
+          </a:fillRef>
+          <a:effectRef idx="2">
+            <a:schemeClr val="dk1"/>
+          </a:effectRef>
+          <a:fontRef idx="minor">
+            <a:schemeClr val="tx1"/>
+          </a:fontRef>
+        </p:style>
+      </p:cxnSp>
+      <p:cxnSp>
+        <p:nvCxnSpPr>
+          <p:cNvPr id="65" name="Connecteur droit 64">
+            <a:extLst>
+              <a:ext uri="{FF2B5EF4-FFF2-40B4-BE49-F238E27FC236}">
+                <a16:creationId xmlns:a16="http://schemas.microsoft.com/office/drawing/2014/main" id="{E6F6B4C5-0E3B-46C9-859D-EE774175D36F}"/>
+              </a:ext>
+            </a:extLst>
+          </p:cNvPr>
+          <p:cNvCxnSpPr>
+            <a:cxnSpLocks/>
+          </p:cNvCxnSpPr>
+          <p:nvPr/>
+        </p:nvCxnSpPr>
+        <p:spPr>
+          <a:xfrm flipH="1">
+            <a:off x="2216372" y="446356"/>
+            <a:ext cx="364332" cy="501657"/>
+          </a:xfrm>
+          <a:prstGeom prst="line">
+            <a:avLst/>
+          </a:prstGeom>
+        </p:spPr>
+        <p:style>
+          <a:lnRef idx="3">
+            <a:schemeClr val="dk1"/>
+          </a:lnRef>
+          <a:fillRef idx="0">
+            <a:schemeClr val="dk1"/>
+          </a:fillRef>
+          <a:effectRef idx="2">
+            <a:schemeClr val="dk1"/>
+          </a:effectRef>
+          <a:fontRef idx="minor">
+            <a:schemeClr val="tx1"/>
+          </a:fontRef>
+        </p:style>
+      </p:cxnSp>
       <p:sp>
         <p:nvSpPr>
-          <p:cNvPr id="3" name="ZoneTexte 2">
-            <a:extLst>
-              <a:ext uri="{FF2B5EF4-FFF2-40B4-BE49-F238E27FC236}">
-                <a16:creationId xmlns:a16="http://schemas.microsoft.com/office/drawing/2014/main" id="{DCCD1615-1755-47F7-AF0B-75E932931245}"/>
+          <p:cNvPr id="2" name="ZoneTexte 1">
+            <a:extLst>
+              <a:ext uri="{FF2B5EF4-FFF2-40B4-BE49-F238E27FC236}">
+                <a16:creationId xmlns:a16="http://schemas.microsoft.com/office/drawing/2014/main" id="{128A5370-27C5-4A3F-98D7-D74D075851FE}"/>
               </a:ext>
             </a:extLst>
           </p:cNvPr>
@@ -6696,43 +7037,8 @@
         </p:nvSpPr>
         <p:spPr>
           <a:xfrm>
-            <a:off x="1156800" y="3143689"/>
-            <a:ext cx="2695434" cy="646331"/>
-          </a:xfrm>
-          <a:prstGeom prst="rect">
-            <a:avLst/>
-          </a:prstGeom>
-          <a:noFill/>
-        </p:spPr>
-        <p:txBody>
-          <a:bodyPr wrap="square" rtlCol="0">
-            <a:spAutoFit/>
-          </a:bodyPr>
-          <a:lstStyle/>
-          <a:p>
-            <a:endParaRPr lang="fr-FR" dirty="0"/>
-          </a:p>
-          <a:p>
-            <a:endParaRPr lang="fr-FR" dirty="0"/>
-          </a:p>
-        </p:txBody>
-      </p:sp>
-      <p:sp>
-        <p:nvSpPr>
-          <p:cNvPr id="9" name="ZoneTexte 8">
-            <a:extLst>
-              <a:ext uri="{FF2B5EF4-FFF2-40B4-BE49-F238E27FC236}">
-                <a16:creationId xmlns:a16="http://schemas.microsoft.com/office/drawing/2014/main" id="{82010251-0AD2-4DAA-8E6B-7CA6A2301A9E}"/>
-              </a:ext>
-            </a:extLst>
-          </p:cNvPr>
-          <p:cNvSpPr txBox="1"/>
-          <p:nvPr/>
-        </p:nvSpPr>
-        <p:spPr>
-          <a:xfrm>
-            <a:off x="3779870" y="479063"/>
-            <a:ext cx="4416185" cy="769441"/>
+            <a:off x="3813920" y="465793"/>
+            <a:ext cx="4355567" cy="769441"/>
           </a:xfrm>
           <a:prstGeom prst="rect">
             <a:avLst/>
@@ -6749,7 +7055,2483 @@
               <a:rPr lang="fr-FR" sz="4400" dirty="0">
                 <a:latin typeface="Berlin Sans FB" panose="020E0602020502020306" pitchFamily="34" charset="0"/>
               </a:rPr>
-              <a:t>Partie Personnelle</a:t>
+              <a:t>Solutions trouvées</a:t>
+            </a:r>
+          </a:p>
+        </p:txBody>
+      </p:sp>
+      <p:sp>
+        <p:nvSpPr>
+          <p:cNvPr id="7" name="ZoneTexte 6">
+            <a:extLst>
+              <a:ext uri="{FF2B5EF4-FFF2-40B4-BE49-F238E27FC236}">
+                <a16:creationId xmlns:a16="http://schemas.microsoft.com/office/drawing/2014/main" id="{F5143EC5-EF8B-4615-B050-3E12BF28AC28}"/>
+              </a:ext>
+            </a:extLst>
+          </p:cNvPr>
+          <p:cNvSpPr txBox="1"/>
+          <p:nvPr/>
+        </p:nvSpPr>
+        <p:spPr>
+          <a:xfrm>
+            <a:off x="4329183" y="1235234"/>
+            <a:ext cx="3317559" cy="523220"/>
+          </a:xfrm>
+          <a:prstGeom prst="rect">
+            <a:avLst/>
+          </a:prstGeom>
+          <a:noFill/>
+        </p:spPr>
+        <p:txBody>
+          <a:bodyPr wrap="square" rtlCol="0">
+            <a:spAutoFit/>
+          </a:bodyPr>
+          <a:lstStyle/>
+          <a:p>
+            <a:r>
+              <a:rPr lang="fr-FR" sz="2800" dirty="0"/>
+              <a:t>Partie 1 : Pluviomètre</a:t>
+            </a:r>
+          </a:p>
+        </p:txBody>
+      </p:sp>
+      <p:sp>
+        <p:nvSpPr>
+          <p:cNvPr id="3" name="Rectangle 2">
+            <a:extLst>
+              <a:ext uri="{FF2B5EF4-FFF2-40B4-BE49-F238E27FC236}">
+                <a16:creationId xmlns:a16="http://schemas.microsoft.com/office/drawing/2014/main" id="{17BC4C2F-C935-426A-A7C3-E9AC84E9E20B}"/>
+              </a:ext>
+            </a:extLst>
+          </p:cNvPr>
+          <p:cNvSpPr/>
+          <p:nvPr/>
+        </p:nvSpPr>
+        <p:spPr>
+          <a:xfrm>
+            <a:off x="1191540" y="2986480"/>
+            <a:ext cx="2273416" cy="2298584"/>
+          </a:xfrm>
+          <a:prstGeom prst="rect">
+            <a:avLst/>
+          </a:prstGeom>
+          <a:noFill/>
+          <a:ln>
+            <a:solidFill>
+              <a:schemeClr val="tx1"/>
+            </a:solidFill>
+            <a:prstDash val="dash"/>
+          </a:ln>
+        </p:spPr>
+        <p:style>
+          <a:lnRef idx="2">
+            <a:schemeClr val="accent1">
+              <a:shade val="50000"/>
+            </a:schemeClr>
+          </a:lnRef>
+          <a:fillRef idx="1">
+            <a:schemeClr val="accent1"/>
+          </a:fillRef>
+          <a:effectRef idx="0">
+            <a:schemeClr val="accent1"/>
+          </a:effectRef>
+          <a:fontRef idx="minor">
+            <a:schemeClr val="lt1"/>
+          </a:fontRef>
+        </p:style>
+        <p:txBody>
+          <a:bodyPr rtlCol="0" anchor="ctr"/>
+          <a:lstStyle/>
+          <a:p>
+            <a:pPr algn="ctr"/>
+            <a:endParaRPr lang="fr-FR"/>
+          </a:p>
+        </p:txBody>
+      </p:sp>
+      <p:sp>
+        <p:nvSpPr>
+          <p:cNvPr id="4" name="ZoneTexte 3">
+            <a:extLst>
+              <a:ext uri="{FF2B5EF4-FFF2-40B4-BE49-F238E27FC236}">
+                <a16:creationId xmlns:a16="http://schemas.microsoft.com/office/drawing/2014/main" id="{BDF4EB06-8F6B-4DCB-A224-2CBD13B28178}"/>
+              </a:ext>
+            </a:extLst>
+          </p:cNvPr>
+          <p:cNvSpPr txBox="1"/>
+          <p:nvPr/>
+        </p:nvSpPr>
+        <p:spPr>
+          <a:xfrm>
+            <a:off x="1191540" y="2678703"/>
+            <a:ext cx="761747" cy="307777"/>
+          </a:xfrm>
+          <a:prstGeom prst="rect">
+            <a:avLst/>
+          </a:prstGeom>
+          <a:noFill/>
+        </p:spPr>
+        <p:txBody>
+          <a:bodyPr wrap="none" rtlCol="0">
+            <a:spAutoFit/>
+          </a:bodyPr>
+          <a:lstStyle/>
+          <a:p>
+            <a:r>
+              <a:rPr lang="fr-FR" sz="1400" i="1" dirty="0"/>
+              <a:t>Arduino</a:t>
+            </a:r>
+          </a:p>
+        </p:txBody>
+      </p:sp>
+      <p:sp>
+        <p:nvSpPr>
+          <p:cNvPr id="5" name="Rectangle 4">
+            <a:extLst>
+              <a:ext uri="{FF2B5EF4-FFF2-40B4-BE49-F238E27FC236}">
+                <a16:creationId xmlns:a16="http://schemas.microsoft.com/office/drawing/2014/main" id="{A44D7473-AD23-425A-8BB7-E5E7AAFD2B0B}"/>
+              </a:ext>
+            </a:extLst>
+          </p:cNvPr>
+          <p:cNvSpPr/>
+          <p:nvPr/>
+        </p:nvSpPr>
+        <p:spPr>
+          <a:xfrm>
+            <a:off x="2984143" y="3289183"/>
+            <a:ext cx="251670" cy="497005"/>
+          </a:xfrm>
+          <a:prstGeom prst="rect">
+            <a:avLst/>
+          </a:prstGeom>
+          <a:noFill/>
+          <a:ln>
+            <a:solidFill>
+              <a:schemeClr val="tx1"/>
+            </a:solidFill>
+          </a:ln>
+        </p:spPr>
+        <p:style>
+          <a:lnRef idx="2">
+            <a:schemeClr val="accent1">
+              <a:shade val="50000"/>
+            </a:schemeClr>
+          </a:lnRef>
+          <a:fillRef idx="1">
+            <a:schemeClr val="accent1"/>
+          </a:fillRef>
+          <a:effectRef idx="0">
+            <a:schemeClr val="accent1"/>
+          </a:effectRef>
+          <a:fontRef idx="minor">
+            <a:schemeClr val="lt1"/>
+          </a:fontRef>
+        </p:style>
+        <p:txBody>
+          <a:bodyPr rtlCol="0" anchor="ctr"/>
+          <a:lstStyle/>
+          <a:p>
+            <a:pPr algn="ctr"/>
+            <a:endParaRPr lang="fr-FR"/>
+          </a:p>
+        </p:txBody>
+      </p:sp>
+      <p:cxnSp>
+        <p:nvCxnSpPr>
+          <p:cNvPr id="9" name="Connecteur : en angle 8">
+            <a:extLst>
+              <a:ext uri="{FF2B5EF4-FFF2-40B4-BE49-F238E27FC236}">
+                <a16:creationId xmlns:a16="http://schemas.microsoft.com/office/drawing/2014/main" id="{F1CFBB48-9513-4EAB-BB0F-25BA29E5302E}"/>
+              </a:ext>
+            </a:extLst>
+          </p:cNvPr>
+          <p:cNvCxnSpPr>
+            <a:cxnSpLocks/>
+          </p:cNvCxnSpPr>
+          <p:nvPr/>
+        </p:nvCxnSpPr>
+        <p:spPr>
+          <a:xfrm flipV="1">
+            <a:off x="3107531" y="2733675"/>
+            <a:ext cx="2717007" cy="640556"/>
+          </a:xfrm>
+          <a:prstGeom prst="bentConnector3">
+            <a:avLst/>
+          </a:prstGeom>
+          <a:ln w="12700">
+            <a:solidFill>
+              <a:srgbClr val="FF0000"/>
+            </a:solidFill>
+          </a:ln>
+        </p:spPr>
+        <p:style>
+          <a:lnRef idx="1">
+            <a:schemeClr val="accent1"/>
+          </a:lnRef>
+          <a:fillRef idx="0">
+            <a:schemeClr val="accent1"/>
+          </a:fillRef>
+          <a:effectRef idx="0">
+            <a:schemeClr val="accent1"/>
+          </a:effectRef>
+          <a:fontRef idx="minor">
+            <a:schemeClr val="tx1"/>
+          </a:fontRef>
+        </p:style>
+      </p:cxnSp>
+      <p:cxnSp>
+        <p:nvCxnSpPr>
+          <p:cNvPr id="17" name="Connecteur : en angle 16">
+            <a:extLst>
+              <a:ext uri="{FF2B5EF4-FFF2-40B4-BE49-F238E27FC236}">
+                <a16:creationId xmlns:a16="http://schemas.microsoft.com/office/drawing/2014/main" id="{33CAEBEE-74C6-4159-B203-D01991F85AE6}"/>
+              </a:ext>
+            </a:extLst>
+          </p:cNvPr>
+          <p:cNvCxnSpPr>
+            <a:cxnSpLocks/>
+          </p:cNvCxnSpPr>
+          <p:nvPr/>
+        </p:nvCxnSpPr>
+        <p:spPr>
+          <a:xfrm>
+            <a:off x="3105150" y="3707606"/>
+            <a:ext cx="2200274" cy="854870"/>
+          </a:xfrm>
+          <a:prstGeom prst="bentConnector3">
+            <a:avLst/>
+          </a:prstGeom>
+          <a:ln w="12700">
+            <a:solidFill>
+              <a:srgbClr val="00B050"/>
+            </a:solidFill>
+          </a:ln>
+        </p:spPr>
+        <p:style>
+          <a:lnRef idx="1">
+            <a:schemeClr val="accent1"/>
+          </a:lnRef>
+          <a:fillRef idx="0">
+            <a:schemeClr val="accent1"/>
+          </a:fillRef>
+          <a:effectRef idx="0">
+            <a:schemeClr val="accent1"/>
+          </a:effectRef>
+          <a:fontRef idx="minor">
+            <a:schemeClr val="tx1"/>
+          </a:fontRef>
+        </p:style>
+      </p:cxnSp>
+      <p:sp>
+        <p:nvSpPr>
+          <p:cNvPr id="18" name="Rectangle 17">
+            <a:extLst>
+              <a:ext uri="{FF2B5EF4-FFF2-40B4-BE49-F238E27FC236}">
+                <a16:creationId xmlns:a16="http://schemas.microsoft.com/office/drawing/2014/main" id="{6BBD3A86-2D6C-45BB-89EE-C15041DE7521}"/>
+              </a:ext>
+            </a:extLst>
+          </p:cNvPr>
+          <p:cNvSpPr/>
+          <p:nvPr/>
+        </p:nvSpPr>
+        <p:spPr>
+          <a:xfrm>
+            <a:off x="5149423" y="2986481"/>
+            <a:ext cx="1830497" cy="1326440"/>
+          </a:xfrm>
+          <a:prstGeom prst="rect">
+            <a:avLst/>
+          </a:prstGeom>
+          <a:noFill/>
+          <a:ln>
+            <a:solidFill>
+              <a:schemeClr val="tx1"/>
+            </a:solidFill>
+            <a:prstDash val="dash"/>
+          </a:ln>
+        </p:spPr>
+        <p:style>
+          <a:lnRef idx="2">
+            <a:schemeClr val="accent1">
+              <a:shade val="50000"/>
+            </a:schemeClr>
+          </a:lnRef>
+          <a:fillRef idx="1">
+            <a:schemeClr val="accent1"/>
+          </a:fillRef>
+          <a:effectRef idx="0">
+            <a:schemeClr val="accent1"/>
+          </a:effectRef>
+          <a:fontRef idx="minor">
+            <a:schemeClr val="lt1"/>
+          </a:fontRef>
+        </p:style>
+        <p:txBody>
+          <a:bodyPr rtlCol="0" anchor="ctr"/>
+          <a:lstStyle/>
+          <a:p>
+            <a:pPr algn="ctr"/>
+            <a:endParaRPr lang="fr-FR"/>
+          </a:p>
+        </p:txBody>
+      </p:sp>
+      <p:sp>
+        <p:nvSpPr>
+          <p:cNvPr id="19" name="Rectangle 18">
+            <a:extLst>
+              <a:ext uri="{FF2B5EF4-FFF2-40B4-BE49-F238E27FC236}">
+                <a16:creationId xmlns:a16="http://schemas.microsoft.com/office/drawing/2014/main" id="{A6FE6620-AA40-4E40-B49C-80290E2E1D04}"/>
+              </a:ext>
+            </a:extLst>
+          </p:cNvPr>
+          <p:cNvSpPr/>
+          <p:nvPr/>
+        </p:nvSpPr>
+        <p:spPr>
+          <a:xfrm>
+            <a:off x="5596279" y="3342519"/>
+            <a:ext cx="936784" cy="614363"/>
+          </a:xfrm>
+          <a:prstGeom prst="rect">
+            <a:avLst/>
+          </a:prstGeom>
+          <a:noFill/>
+          <a:ln>
+            <a:solidFill>
+              <a:schemeClr val="tx1"/>
+            </a:solidFill>
+          </a:ln>
+        </p:spPr>
+        <p:style>
+          <a:lnRef idx="2">
+            <a:schemeClr val="accent1">
+              <a:shade val="50000"/>
+            </a:schemeClr>
+          </a:lnRef>
+          <a:fillRef idx="1">
+            <a:schemeClr val="accent1"/>
+          </a:fillRef>
+          <a:effectRef idx="0">
+            <a:schemeClr val="accent1"/>
+          </a:effectRef>
+          <a:fontRef idx="minor">
+            <a:schemeClr val="lt1"/>
+          </a:fontRef>
+        </p:style>
+        <p:txBody>
+          <a:bodyPr rtlCol="0" anchor="ctr"/>
+          <a:lstStyle/>
+          <a:p>
+            <a:pPr algn="ctr"/>
+            <a:endParaRPr lang="fr-FR"/>
+          </a:p>
+        </p:txBody>
+      </p:sp>
+      <p:sp>
+        <p:nvSpPr>
+          <p:cNvPr id="21" name="Rectangle 20">
+            <a:extLst>
+              <a:ext uri="{FF2B5EF4-FFF2-40B4-BE49-F238E27FC236}">
+                <a16:creationId xmlns:a16="http://schemas.microsoft.com/office/drawing/2014/main" id="{841219D3-407B-412D-9708-AC9AD0CE074A}"/>
+              </a:ext>
+            </a:extLst>
+          </p:cNvPr>
+          <p:cNvSpPr/>
+          <p:nvPr/>
+        </p:nvSpPr>
+        <p:spPr>
+          <a:xfrm>
+            <a:off x="5203031" y="4005263"/>
+            <a:ext cx="428625" cy="261937"/>
+          </a:xfrm>
+          <a:prstGeom prst="rect">
+            <a:avLst/>
+          </a:prstGeom>
+          <a:noFill/>
+          <a:ln>
+            <a:solidFill>
+              <a:schemeClr val="tx1"/>
+            </a:solidFill>
+          </a:ln>
+        </p:spPr>
+        <p:style>
+          <a:lnRef idx="2">
+            <a:schemeClr val="accent1">
+              <a:shade val="50000"/>
+            </a:schemeClr>
+          </a:lnRef>
+          <a:fillRef idx="1">
+            <a:schemeClr val="accent1"/>
+          </a:fillRef>
+          <a:effectRef idx="0">
+            <a:schemeClr val="accent1"/>
+          </a:effectRef>
+          <a:fontRef idx="minor">
+            <a:schemeClr val="lt1"/>
+          </a:fontRef>
+        </p:style>
+        <p:txBody>
+          <a:bodyPr rtlCol="0" anchor="ctr"/>
+          <a:lstStyle/>
+          <a:p>
+            <a:pPr algn="ctr"/>
+            <a:endParaRPr lang="fr-FR"/>
+          </a:p>
+        </p:txBody>
+      </p:sp>
+      <p:sp>
+        <p:nvSpPr>
+          <p:cNvPr id="38" name="Rectangle 37">
+            <a:extLst>
+              <a:ext uri="{FF2B5EF4-FFF2-40B4-BE49-F238E27FC236}">
+                <a16:creationId xmlns:a16="http://schemas.microsoft.com/office/drawing/2014/main" id="{6344E4E7-7B37-4FF8-9DDB-4A315C76C229}"/>
+              </a:ext>
+            </a:extLst>
+          </p:cNvPr>
+          <p:cNvSpPr/>
+          <p:nvPr/>
+        </p:nvSpPr>
+        <p:spPr>
+          <a:xfrm>
+            <a:off x="5501029" y="3040495"/>
+            <a:ext cx="428625" cy="261937"/>
+          </a:xfrm>
+          <a:prstGeom prst="rect">
+            <a:avLst/>
+          </a:prstGeom>
+          <a:noFill/>
+          <a:ln>
+            <a:solidFill>
+              <a:schemeClr val="tx1"/>
+            </a:solidFill>
+          </a:ln>
+        </p:spPr>
+        <p:style>
+          <a:lnRef idx="2">
+            <a:schemeClr val="accent1">
+              <a:shade val="50000"/>
+            </a:schemeClr>
+          </a:lnRef>
+          <a:fillRef idx="1">
+            <a:schemeClr val="accent1"/>
+          </a:fillRef>
+          <a:effectRef idx="0">
+            <a:schemeClr val="accent1"/>
+          </a:effectRef>
+          <a:fontRef idx="minor">
+            <a:schemeClr val="lt1"/>
+          </a:fontRef>
+        </p:style>
+        <p:txBody>
+          <a:bodyPr rtlCol="0" anchor="ctr"/>
+          <a:lstStyle/>
+          <a:p>
+            <a:pPr algn="ctr"/>
+            <a:endParaRPr lang="fr-FR"/>
+          </a:p>
+        </p:txBody>
+      </p:sp>
+      <p:cxnSp>
+        <p:nvCxnSpPr>
+          <p:cNvPr id="24" name="Connecteur droit 23">
+            <a:extLst>
+              <a:ext uri="{FF2B5EF4-FFF2-40B4-BE49-F238E27FC236}">
+                <a16:creationId xmlns:a16="http://schemas.microsoft.com/office/drawing/2014/main" id="{166F9897-520E-43FA-8A7C-9B59D9502627}"/>
+              </a:ext>
+            </a:extLst>
+          </p:cNvPr>
+          <p:cNvCxnSpPr>
+            <a:stCxn id="21" idx="0"/>
+            <a:endCxn id="21" idx="2"/>
+          </p:cNvCxnSpPr>
+          <p:nvPr/>
+        </p:nvCxnSpPr>
+        <p:spPr>
+          <a:xfrm>
+            <a:off x="5417344" y="4005263"/>
+            <a:ext cx="0" cy="261937"/>
+          </a:xfrm>
+          <a:prstGeom prst="line">
+            <a:avLst/>
+          </a:prstGeom>
+          <a:ln w="12700">
+            <a:solidFill>
+              <a:schemeClr val="tx1"/>
+            </a:solidFill>
+          </a:ln>
+        </p:spPr>
+        <p:style>
+          <a:lnRef idx="1">
+            <a:schemeClr val="accent1"/>
+          </a:lnRef>
+          <a:fillRef idx="0">
+            <a:schemeClr val="accent1"/>
+          </a:fillRef>
+          <a:effectRef idx="0">
+            <a:schemeClr val="accent1"/>
+          </a:effectRef>
+          <a:fontRef idx="minor">
+            <a:schemeClr val="tx1"/>
+          </a:fontRef>
+        </p:style>
+      </p:cxnSp>
+      <p:cxnSp>
+        <p:nvCxnSpPr>
+          <p:cNvPr id="27" name="Connecteur droit 26">
+            <a:extLst>
+              <a:ext uri="{FF2B5EF4-FFF2-40B4-BE49-F238E27FC236}">
+                <a16:creationId xmlns:a16="http://schemas.microsoft.com/office/drawing/2014/main" id="{25B6264B-391D-4F96-9FBF-4C3884A14710}"/>
+              </a:ext>
+            </a:extLst>
+          </p:cNvPr>
+          <p:cNvCxnSpPr>
+            <a:stCxn id="38" idx="0"/>
+            <a:endCxn id="38" idx="2"/>
+          </p:cNvCxnSpPr>
+          <p:nvPr/>
+        </p:nvCxnSpPr>
+        <p:spPr>
+          <a:xfrm>
+            <a:off x="5715342" y="3040495"/>
+            <a:ext cx="0" cy="261937"/>
+          </a:xfrm>
+          <a:prstGeom prst="line">
+            <a:avLst/>
+          </a:prstGeom>
+          <a:ln w="12700">
+            <a:solidFill>
+              <a:schemeClr val="tx1"/>
+            </a:solidFill>
+          </a:ln>
+        </p:spPr>
+        <p:style>
+          <a:lnRef idx="1">
+            <a:schemeClr val="accent1"/>
+          </a:lnRef>
+          <a:fillRef idx="0">
+            <a:schemeClr val="accent1"/>
+          </a:fillRef>
+          <a:effectRef idx="0">
+            <a:schemeClr val="accent1"/>
+          </a:effectRef>
+          <a:fontRef idx="minor">
+            <a:schemeClr val="tx1"/>
+          </a:fontRef>
+        </p:style>
+      </p:cxnSp>
+      <p:cxnSp>
+        <p:nvCxnSpPr>
+          <p:cNvPr id="33" name="Connecteur droit 32">
+            <a:extLst>
+              <a:ext uri="{FF2B5EF4-FFF2-40B4-BE49-F238E27FC236}">
+                <a16:creationId xmlns:a16="http://schemas.microsoft.com/office/drawing/2014/main" id="{C7899647-1A4C-4CC9-904C-8D5B739A0CD6}"/>
+              </a:ext>
+            </a:extLst>
+          </p:cNvPr>
+          <p:cNvCxnSpPr>
+            <a:cxnSpLocks/>
+          </p:cNvCxnSpPr>
+          <p:nvPr/>
+        </p:nvCxnSpPr>
+        <p:spPr>
+          <a:xfrm flipV="1">
+            <a:off x="5824538" y="2728913"/>
+            <a:ext cx="0" cy="437788"/>
+          </a:xfrm>
+          <a:prstGeom prst="line">
+            <a:avLst/>
+          </a:prstGeom>
+          <a:ln w="12700">
+            <a:solidFill>
+              <a:srgbClr val="FF0000"/>
+            </a:solidFill>
+          </a:ln>
+        </p:spPr>
+        <p:style>
+          <a:lnRef idx="1">
+            <a:schemeClr val="accent1"/>
+          </a:lnRef>
+          <a:fillRef idx="0">
+            <a:schemeClr val="accent1"/>
+          </a:fillRef>
+          <a:effectRef idx="0">
+            <a:schemeClr val="accent1"/>
+          </a:effectRef>
+          <a:fontRef idx="minor">
+            <a:schemeClr val="tx1"/>
+          </a:fontRef>
+        </p:style>
+      </p:cxnSp>
+      <p:cxnSp>
+        <p:nvCxnSpPr>
+          <p:cNvPr id="39" name="Connecteur droit 38">
+            <a:extLst>
+              <a:ext uri="{FF2B5EF4-FFF2-40B4-BE49-F238E27FC236}">
+                <a16:creationId xmlns:a16="http://schemas.microsoft.com/office/drawing/2014/main" id="{80A1CC7F-FD4A-42FE-B92C-8C903B3E8838}"/>
+              </a:ext>
+            </a:extLst>
+          </p:cNvPr>
+          <p:cNvCxnSpPr/>
+          <p:nvPr/>
+        </p:nvCxnSpPr>
+        <p:spPr>
+          <a:xfrm>
+            <a:off x="5305424" y="4137422"/>
+            <a:ext cx="0" cy="425054"/>
+          </a:xfrm>
+          <a:prstGeom prst="line">
+            <a:avLst/>
+          </a:prstGeom>
+          <a:ln w="12700">
+            <a:solidFill>
+              <a:srgbClr val="00B050"/>
+            </a:solidFill>
+          </a:ln>
+        </p:spPr>
+        <p:style>
+          <a:lnRef idx="1">
+            <a:schemeClr val="accent1"/>
+          </a:lnRef>
+          <a:fillRef idx="0">
+            <a:schemeClr val="accent1"/>
+          </a:fillRef>
+          <a:effectRef idx="0">
+            <a:schemeClr val="accent1"/>
+          </a:effectRef>
+          <a:fontRef idx="minor">
+            <a:schemeClr val="tx1"/>
+          </a:fontRef>
+        </p:style>
+      </p:cxnSp>
+      <p:sp>
+        <p:nvSpPr>
+          <p:cNvPr id="40" name="ZoneTexte 39">
+            <a:extLst>
+              <a:ext uri="{FF2B5EF4-FFF2-40B4-BE49-F238E27FC236}">
+                <a16:creationId xmlns:a16="http://schemas.microsoft.com/office/drawing/2014/main" id="{E6DD5C83-F68B-4DBB-8FE5-9511E11F0FB9}"/>
+              </a:ext>
+            </a:extLst>
+          </p:cNvPr>
+          <p:cNvSpPr txBox="1"/>
+          <p:nvPr/>
+        </p:nvSpPr>
+        <p:spPr>
+          <a:xfrm>
+            <a:off x="2714186" y="3245297"/>
+            <a:ext cx="298479" cy="584775"/>
+          </a:xfrm>
+          <a:prstGeom prst="rect">
+            <a:avLst/>
+          </a:prstGeom>
+          <a:noFill/>
+        </p:spPr>
+        <p:txBody>
+          <a:bodyPr wrap="none" rtlCol="0">
+            <a:spAutoFit/>
+          </a:bodyPr>
+          <a:lstStyle/>
+          <a:p>
+            <a:pPr algn="ctr"/>
+            <a:r>
+              <a:rPr lang="fr-FR" sz="800" dirty="0"/>
+              <a:t>D2</a:t>
+            </a:r>
+          </a:p>
+          <a:p>
+            <a:pPr algn="ctr"/>
+            <a:r>
+              <a:rPr lang="fr-FR" sz="800" dirty="0"/>
+              <a:t>D3</a:t>
+            </a:r>
+          </a:p>
+          <a:p>
+            <a:pPr algn="ctr"/>
+            <a:r>
+              <a:rPr lang="fr-FR" sz="800" dirty="0"/>
+              <a:t>V</a:t>
+            </a:r>
+          </a:p>
+          <a:p>
+            <a:pPr algn="ctr"/>
+            <a:r>
+              <a:rPr lang="fr-FR" sz="800" dirty="0"/>
+              <a:t>G</a:t>
+            </a:r>
+          </a:p>
+        </p:txBody>
+      </p:sp>
+      <p:sp>
+        <p:nvSpPr>
+          <p:cNvPr id="43" name="Ellipse 42">
+            <a:extLst>
+              <a:ext uri="{FF2B5EF4-FFF2-40B4-BE49-F238E27FC236}">
+                <a16:creationId xmlns:a16="http://schemas.microsoft.com/office/drawing/2014/main" id="{E241C3E0-D8DF-4DC0-9C52-1C64D34E7D87}"/>
+              </a:ext>
+            </a:extLst>
+          </p:cNvPr>
+          <p:cNvSpPr/>
+          <p:nvPr/>
+        </p:nvSpPr>
+        <p:spPr>
+          <a:xfrm>
+            <a:off x="3087117" y="3462101"/>
+            <a:ext cx="45719" cy="45719"/>
+          </a:xfrm>
+          <a:prstGeom prst="ellipse">
+            <a:avLst/>
+          </a:prstGeom>
+          <a:solidFill>
+            <a:schemeClr val="tx1"/>
+          </a:solidFill>
+          <a:ln>
+            <a:solidFill>
+              <a:schemeClr val="tx1"/>
+            </a:solidFill>
+          </a:ln>
+        </p:spPr>
+        <p:style>
+          <a:lnRef idx="2">
+            <a:schemeClr val="accent1">
+              <a:shade val="50000"/>
+            </a:schemeClr>
+          </a:lnRef>
+          <a:fillRef idx="1">
+            <a:schemeClr val="accent1"/>
+          </a:fillRef>
+          <a:effectRef idx="0">
+            <a:schemeClr val="accent1"/>
+          </a:effectRef>
+          <a:fontRef idx="minor">
+            <a:schemeClr val="lt1"/>
+          </a:fontRef>
+        </p:style>
+        <p:txBody>
+          <a:bodyPr rtlCol="0" anchor="ctr"/>
+          <a:lstStyle/>
+          <a:p>
+            <a:pPr algn="ctr"/>
+            <a:endParaRPr lang="fr-FR"/>
+          </a:p>
+        </p:txBody>
+      </p:sp>
+      <p:sp>
+        <p:nvSpPr>
+          <p:cNvPr id="66" name="Ellipse 65">
+            <a:extLst>
+              <a:ext uri="{FF2B5EF4-FFF2-40B4-BE49-F238E27FC236}">
+                <a16:creationId xmlns:a16="http://schemas.microsoft.com/office/drawing/2014/main" id="{EA46CE69-F415-4D2B-9BDC-1AD59E86F895}"/>
+              </a:ext>
+            </a:extLst>
+          </p:cNvPr>
+          <p:cNvSpPr/>
+          <p:nvPr/>
+        </p:nvSpPr>
+        <p:spPr>
+          <a:xfrm>
+            <a:off x="3087118" y="3348243"/>
+            <a:ext cx="45719" cy="45719"/>
+          </a:xfrm>
+          <a:prstGeom prst="ellipse">
+            <a:avLst/>
+          </a:prstGeom>
+          <a:solidFill>
+            <a:schemeClr val="tx1"/>
+          </a:solidFill>
+          <a:ln>
+            <a:solidFill>
+              <a:schemeClr val="tx1"/>
+            </a:solidFill>
+          </a:ln>
+        </p:spPr>
+        <p:style>
+          <a:lnRef idx="2">
+            <a:schemeClr val="accent1">
+              <a:shade val="50000"/>
+            </a:schemeClr>
+          </a:lnRef>
+          <a:fillRef idx="1">
+            <a:schemeClr val="accent1"/>
+          </a:fillRef>
+          <a:effectRef idx="0">
+            <a:schemeClr val="accent1"/>
+          </a:effectRef>
+          <a:fontRef idx="minor">
+            <a:schemeClr val="lt1"/>
+          </a:fontRef>
+        </p:style>
+        <p:txBody>
+          <a:bodyPr rtlCol="0" anchor="ctr"/>
+          <a:lstStyle/>
+          <a:p>
+            <a:pPr algn="ctr"/>
+            <a:endParaRPr lang="fr-FR"/>
+          </a:p>
+        </p:txBody>
+      </p:sp>
+      <p:sp>
+        <p:nvSpPr>
+          <p:cNvPr id="67" name="Ellipse 66">
+            <a:extLst>
+              <a:ext uri="{FF2B5EF4-FFF2-40B4-BE49-F238E27FC236}">
+                <a16:creationId xmlns:a16="http://schemas.microsoft.com/office/drawing/2014/main" id="{5A5B6CEC-6E5C-4F89-81EE-4DD1FA59E200}"/>
+              </a:ext>
+            </a:extLst>
+          </p:cNvPr>
+          <p:cNvSpPr/>
+          <p:nvPr/>
+        </p:nvSpPr>
+        <p:spPr>
+          <a:xfrm>
+            <a:off x="3083346" y="3566880"/>
+            <a:ext cx="45719" cy="45719"/>
+          </a:xfrm>
+          <a:prstGeom prst="ellipse">
+            <a:avLst/>
+          </a:prstGeom>
+          <a:solidFill>
+            <a:schemeClr val="tx1"/>
+          </a:solidFill>
+          <a:ln>
+            <a:solidFill>
+              <a:schemeClr val="tx1"/>
+            </a:solidFill>
+          </a:ln>
+        </p:spPr>
+        <p:style>
+          <a:lnRef idx="2">
+            <a:schemeClr val="accent1">
+              <a:shade val="50000"/>
+            </a:schemeClr>
+          </a:lnRef>
+          <a:fillRef idx="1">
+            <a:schemeClr val="accent1"/>
+          </a:fillRef>
+          <a:effectRef idx="0">
+            <a:schemeClr val="accent1"/>
+          </a:effectRef>
+          <a:fontRef idx="minor">
+            <a:schemeClr val="lt1"/>
+          </a:fontRef>
+        </p:style>
+        <p:txBody>
+          <a:bodyPr rtlCol="0" anchor="ctr"/>
+          <a:lstStyle/>
+          <a:p>
+            <a:pPr algn="ctr"/>
+            <a:endParaRPr lang="fr-FR"/>
+          </a:p>
+        </p:txBody>
+      </p:sp>
+      <p:sp>
+        <p:nvSpPr>
+          <p:cNvPr id="68" name="Ellipse 67">
+            <a:extLst>
+              <a:ext uri="{FF2B5EF4-FFF2-40B4-BE49-F238E27FC236}">
+                <a16:creationId xmlns:a16="http://schemas.microsoft.com/office/drawing/2014/main" id="{EC2BB65E-E2B2-421A-9DD2-633FA4E8B488}"/>
+              </a:ext>
+            </a:extLst>
+          </p:cNvPr>
+          <p:cNvSpPr/>
+          <p:nvPr/>
+        </p:nvSpPr>
+        <p:spPr>
+          <a:xfrm>
+            <a:off x="3083346" y="3687875"/>
+            <a:ext cx="45719" cy="45719"/>
+          </a:xfrm>
+          <a:prstGeom prst="ellipse">
+            <a:avLst/>
+          </a:prstGeom>
+          <a:solidFill>
+            <a:schemeClr val="tx1"/>
+          </a:solidFill>
+          <a:ln>
+            <a:solidFill>
+              <a:schemeClr val="tx1"/>
+            </a:solidFill>
+          </a:ln>
+        </p:spPr>
+        <p:style>
+          <a:lnRef idx="2">
+            <a:schemeClr val="accent1">
+              <a:shade val="50000"/>
+            </a:schemeClr>
+          </a:lnRef>
+          <a:fillRef idx="1">
+            <a:schemeClr val="accent1"/>
+          </a:fillRef>
+          <a:effectRef idx="0">
+            <a:schemeClr val="accent1"/>
+          </a:effectRef>
+          <a:fontRef idx="minor">
+            <a:schemeClr val="lt1"/>
+          </a:fontRef>
+        </p:style>
+        <p:txBody>
+          <a:bodyPr rtlCol="0" anchor="ctr"/>
+          <a:lstStyle/>
+          <a:p>
+            <a:pPr algn="ctr"/>
+            <a:endParaRPr lang="fr-FR"/>
+          </a:p>
+        </p:txBody>
+      </p:sp>
+      <p:sp>
+        <p:nvSpPr>
+          <p:cNvPr id="69" name="Ellipse 68">
+            <a:extLst>
+              <a:ext uri="{FF2B5EF4-FFF2-40B4-BE49-F238E27FC236}">
+                <a16:creationId xmlns:a16="http://schemas.microsoft.com/office/drawing/2014/main" id="{A363D631-F2FA-4697-B919-72F0337D116A}"/>
+              </a:ext>
+            </a:extLst>
+          </p:cNvPr>
+          <p:cNvSpPr/>
+          <p:nvPr/>
+        </p:nvSpPr>
+        <p:spPr>
+          <a:xfrm>
+            <a:off x="5801678" y="3142057"/>
+            <a:ext cx="45719" cy="45719"/>
+          </a:xfrm>
+          <a:prstGeom prst="ellipse">
+            <a:avLst/>
+          </a:prstGeom>
+          <a:solidFill>
+            <a:schemeClr val="tx1"/>
+          </a:solidFill>
+          <a:ln>
+            <a:solidFill>
+              <a:schemeClr val="tx1"/>
+            </a:solidFill>
+          </a:ln>
+        </p:spPr>
+        <p:style>
+          <a:lnRef idx="2">
+            <a:schemeClr val="accent1">
+              <a:shade val="50000"/>
+            </a:schemeClr>
+          </a:lnRef>
+          <a:fillRef idx="1">
+            <a:schemeClr val="accent1"/>
+          </a:fillRef>
+          <a:effectRef idx="0">
+            <a:schemeClr val="accent1"/>
+          </a:effectRef>
+          <a:fontRef idx="minor">
+            <a:schemeClr val="lt1"/>
+          </a:fontRef>
+        </p:style>
+        <p:txBody>
+          <a:bodyPr rtlCol="0" anchor="ctr"/>
+          <a:lstStyle/>
+          <a:p>
+            <a:pPr algn="ctr"/>
+            <a:endParaRPr lang="fr-FR"/>
+          </a:p>
+        </p:txBody>
+      </p:sp>
+      <p:sp>
+        <p:nvSpPr>
+          <p:cNvPr id="70" name="Ellipse 69">
+            <a:extLst>
+              <a:ext uri="{FF2B5EF4-FFF2-40B4-BE49-F238E27FC236}">
+                <a16:creationId xmlns:a16="http://schemas.microsoft.com/office/drawing/2014/main" id="{E960BF6C-662D-49E8-A052-C48C5E22BDD6}"/>
+              </a:ext>
+            </a:extLst>
+          </p:cNvPr>
+          <p:cNvSpPr/>
+          <p:nvPr/>
+        </p:nvSpPr>
+        <p:spPr>
+          <a:xfrm>
+            <a:off x="5580157" y="3140213"/>
+            <a:ext cx="45719" cy="45719"/>
+          </a:xfrm>
+          <a:prstGeom prst="ellipse">
+            <a:avLst/>
+          </a:prstGeom>
+          <a:solidFill>
+            <a:schemeClr val="tx1"/>
+          </a:solidFill>
+          <a:ln>
+            <a:solidFill>
+              <a:schemeClr val="tx1"/>
+            </a:solidFill>
+          </a:ln>
+        </p:spPr>
+        <p:style>
+          <a:lnRef idx="2">
+            <a:schemeClr val="accent1">
+              <a:shade val="50000"/>
+            </a:schemeClr>
+          </a:lnRef>
+          <a:fillRef idx="1">
+            <a:schemeClr val="accent1"/>
+          </a:fillRef>
+          <a:effectRef idx="0">
+            <a:schemeClr val="accent1"/>
+          </a:effectRef>
+          <a:fontRef idx="minor">
+            <a:schemeClr val="lt1"/>
+          </a:fontRef>
+        </p:style>
+        <p:txBody>
+          <a:bodyPr rtlCol="0" anchor="ctr"/>
+          <a:lstStyle/>
+          <a:p>
+            <a:pPr algn="ctr"/>
+            <a:endParaRPr lang="fr-FR"/>
+          </a:p>
+        </p:txBody>
+      </p:sp>
+      <p:sp>
+        <p:nvSpPr>
+          <p:cNvPr id="71" name="Ellipse 70">
+            <a:extLst>
+              <a:ext uri="{FF2B5EF4-FFF2-40B4-BE49-F238E27FC236}">
+                <a16:creationId xmlns:a16="http://schemas.microsoft.com/office/drawing/2014/main" id="{189CE01C-2E2E-4B58-9042-D386661D49EA}"/>
+              </a:ext>
+            </a:extLst>
+          </p:cNvPr>
+          <p:cNvSpPr/>
+          <p:nvPr/>
+        </p:nvSpPr>
+        <p:spPr>
+          <a:xfrm>
+            <a:off x="5284746" y="4109799"/>
+            <a:ext cx="45719" cy="45719"/>
+          </a:xfrm>
+          <a:prstGeom prst="ellipse">
+            <a:avLst/>
+          </a:prstGeom>
+          <a:solidFill>
+            <a:schemeClr val="tx1"/>
+          </a:solidFill>
+          <a:ln>
+            <a:solidFill>
+              <a:schemeClr val="tx1"/>
+            </a:solidFill>
+          </a:ln>
+        </p:spPr>
+        <p:style>
+          <a:lnRef idx="2">
+            <a:schemeClr val="accent1">
+              <a:shade val="50000"/>
+            </a:schemeClr>
+          </a:lnRef>
+          <a:fillRef idx="1">
+            <a:schemeClr val="accent1"/>
+          </a:fillRef>
+          <a:effectRef idx="0">
+            <a:schemeClr val="accent1"/>
+          </a:effectRef>
+          <a:fontRef idx="minor">
+            <a:schemeClr val="lt1"/>
+          </a:fontRef>
+        </p:style>
+        <p:txBody>
+          <a:bodyPr rtlCol="0" anchor="ctr"/>
+          <a:lstStyle/>
+          <a:p>
+            <a:pPr algn="ctr"/>
+            <a:endParaRPr lang="fr-FR"/>
+          </a:p>
+        </p:txBody>
+      </p:sp>
+      <p:sp>
+        <p:nvSpPr>
+          <p:cNvPr id="72" name="Ellipse 71">
+            <a:extLst>
+              <a:ext uri="{FF2B5EF4-FFF2-40B4-BE49-F238E27FC236}">
+                <a16:creationId xmlns:a16="http://schemas.microsoft.com/office/drawing/2014/main" id="{B09780F3-929E-43E0-AF9B-1C89B6349600}"/>
+              </a:ext>
+            </a:extLst>
+          </p:cNvPr>
+          <p:cNvSpPr/>
+          <p:nvPr/>
+        </p:nvSpPr>
+        <p:spPr>
+          <a:xfrm>
+            <a:off x="5497732" y="4109798"/>
+            <a:ext cx="45719" cy="45719"/>
+          </a:xfrm>
+          <a:prstGeom prst="ellipse">
+            <a:avLst/>
+          </a:prstGeom>
+          <a:solidFill>
+            <a:schemeClr val="tx1"/>
+          </a:solidFill>
+          <a:ln>
+            <a:solidFill>
+              <a:schemeClr val="tx1"/>
+            </a:solidFill>
+          </a:ln>
+        </p:spPr>
+        <p:style>
+          <a:lnRef idx="2">
+            <a:schemeClr val="accent1">
+              <a:shade val="50000"/>
+            </a:schemeClr>
+          </a:lnRef>
+          <a:fillRef idx="1">
+            <a:schemeClr val="accent1"/>
+          </a:fillRef>
+          <a:effectRef idx="0">
+            <a:schemeClr val="accent1"/>
+          </a:effectRef>
+          <a:fontRef idx="minor">
+            <a:schemeClr val="lt1"/>
+          </a:fontRef>
+        </p:style>
+        <p:txBody>
+          <a:bodyPr rtlCol="0" anchor="ctr"/>
+          <a:lstStyle/>
+          <a:p>
+            <a:pPr algn="ctr"/>
+            <a:endParaRPr lang="fr-FR"/>
+          </a:p>
+        </p:txBody>
+      </p:sp>
+      <p:sp>
+        <p:nvSpPr>
+          <p:cNvPr id="73" name="ZoneTexte 72">
+            <a:extLst>
+              <a:ext uri="{FF2B5EF4-FFF2-40B4-BE49-F238E27FC236}">
+                <a16:creationId xmlns:a16="http://schemas.microsoft.com/office/drawing/2014/main" id="{48CC1D2D-594B-498F-B199-0BC65F31C40F}"/>
+              </a:ext>
+            </a:extLst>
+          </p:cNvPr>
+          <p:cNvSpPr txBox="1"/>
+          <p:nvPr/>
+        </p:nvSpPr>
+        <p:spPr>
+          <a:xfrm>
+            <a:off x="5968681" y="2678703"/>
+            <a:ext cx="1011239" cy="307777"/>
+          </a:xfrm>
+          <a:prstGeom prst="rect">
+            <a:avLst/>
+          </a:prstGeom>
+          <a:noFill/>
+        </p:spPr>
+        <p:txBody>
+          <a:bodyPr wrap="none" rtlCol="0">
+            <a:spAutoFit/>
+          </a:bodyPr>
+          <a:lstStyle/>
+          <a:p>
+            <a:r>
+              <a:rPr lang="fr-FR" sz="1400" i="1" dirty="0"/>
+              <a:t>Protoboard</a:t>
+            </a:r>
+          </a:p>
+        </p:txBody>
+      </p:sp>
+      <p:sp>
+        <p:nvSpPr>
+          <p:cNvPr id="74" name="Rectangle 73">
+            <a:extLst>
+              <a:ext uri="{FF2B5EF4-FFF2-40B4-BE49-F238E27FC236}">
+                <a16:creationId xmlns:a16="http://schemas.microsoft.com/office/drawing/2014/main" id="{B86BF41A-3851-48F4-A786-833B83CEC6CD}"/>
+              </a:ext>
+            </a:extLst>
+          </p:cNvPr>
+          <p:cNvSpPr/>
+          <p:nvPr/>
+        </p:nvSpPr>
+        <p:spPr>
+          <a:xfrm>
+            <a:off x="8383158" y="2986480"/>
+            <a:ext cx="2273416" cy="2298584"/>
+          </a:xfrm>
+          <a:prstGeom prst="rect">
+            <a:avLst/>
+          </a:prstGeom>
+          <a:noFill/>
+          <a:ln>
+            <a:solidFill>
+              <a:schemeClr val="tx1"/>
+            </a:solidFill>
+            <a:prstDash val="dash"/>
+          </a:ln>
+        </p:spPr>
+        <p:style>
+          <a:lnRef idx="2">
+            <a:schemeClr val="accent1">
+              <a:shade val="50000"/>
+            </a:schemeClr>
+          </a:lnRef>
+          <a:fillRef idx="1">
+            <a:schemeClr val="accent1"/>
+          </a:fillRef>
+          <a:effectRef idx="0">
+            <a:schemeClr val="accent1"/>
+          </a:effectRef>
+          <a:fontRef idx="minor">
+            <a:schemeClr val="lt1"/>
+          </a:fontRef>
+        </p:style>
+        <p:txBody>
+          <a:bodyPr rtlCol="0" anchor="ctr"/>
+          <a:lstStyle/>
+          <a:p>
+            <a:pPr algn="ctr"/>
+            <a:endParaRPr lang="fr-FR"/>
+          </a:p>
+        </p:txBody>
+      </p:sp>
+      <p:sp>
+        <p:nvSpPr>
+          <p:cNvPr id="75" name="ZoneTexte 74">
+            <a:extLst>
+              <a:ext uri="{FF2B5EF4-FFF2-40B4-BE49-F238E27FC236}">
+                <a16:creationId xmlns:a16="http://schemas.microsoft.com/office/drawing/2014/main" id="{DA5FF1CA-222B-40D1-A039-AFC07CA78422}"/>
+              </a:ext>
+            </a:extLst>
+          </p:cNvPr>
+          <p:cNvSpPr txBox="1"/>
+          <p:nvPr/>
+        </p:nvSpPr>
+        <p:spPr>
+          <a:xfrm>
+            <a:off x="8382299" y="2678703"/>
+            <a:ext cx="1494961" cy="307777"/>
+          </a:xfrm>
+          <a:prstGeom prst="rect">
+            <a:avLst/>
+          </a:prstGeom>
+          <a:noFill/>
+        </p:spPr>
+        <p:txBody>
+          <a:bodyPr wrap="none" rtlCol="0">
+            <a:spAutoFit/>
+          </a:bodyPr>
+          <a:lstStyle/>
+          <a:p>
+            <a:r>
+              <a:rPr lang="fr-FR" sz="1400" i="1" dirty="0"/>
+              <a:t>Pluviomètre Davis</a:t>
+            </a:r>
+          </a:p>
+        </p:txBody>
+      </p:sp>
+      <p:cxnSp>
+        <p:nvCxnSpPr>
+          <p:cNvPr id="46" name="Connecteur droit 45">
+            <a:extLst>
+              <a:ext uri="{FF2B5EF4-FFF2-40B4-BE49-F238E27FC236}">
+                <a16:creationId xmlns:a16="http://schemas.microsoft.com/office/drawing/2014/main" id="{9951A7C7-120B-4791-B61F-25DD41F76482}"/>
+              </a:ext>
+            </a:extLst>
+          </p:cNvPr>
+          <p:cNvCxnSpPr/>
+          <p:nvPr/>
+        </p:nvCxnSpPr>
+        <p:spPr>
+          <a:xfrm>
+            <a:off x="9997638" y="3460082"/>
+            <a:ext cx="0" cy="418423"/>
+          </a:xfrm>
+          <a:prstGeom prst="line">
+            <a:avLst/>
+          </a:prstGeom>
+          <a:ln w="12700">
+            <a:solidFill>
+              <a:schemeClr val="tx1"/>
+            </a:solidFill>
+          </a:ln>
+        </p:spPr>
+        <p:style>
+          <a:lnRef idx="1">
+            <a:schemeClr val="accent1"/>
+          </a:lnRef>
+          <a:fillRef idx="0">
+            <a:schemeClr val="accent1"/>
+          </a:fillRef>
+          <a:effectRef idx="0">
+            <a:schemeClr val="accent1"/>
+          </a:effectRef>
+          <a:fontRef idx="minor">
+            <a:schemeClr val="tx1"/>
+          </a:fontRef>
+        </p:style>
+      </p:cxnSp>
+      <p:sp>
+        <p:nvSpPr>
+          <p:cNvPr id="76" name="Ellipse 75">
+            <a:extLst>
+              <a:ext uri="{FF2B5EF4-FFF2-40B4-BE49-F238E27FC236}">
+                <a16:creationId xmlns:a16="http://schemas.microsoft.com/office/drawing/2014/main" id="{608670CA-90C1-4555-9741-8D7F619CA117}"/>
+              </a:ext>
+            </a:extLst>
+          </p:cNvPr>
+          <p:cNvSpPr/>
+          <p:nvPr/>
+        </p:nvSpPr>
+        <p:spPr>
+          <a:xfrm>
+            <a:off x="9974778" y="3855645"/>
+            <a:ext cx="45719" cy="45719"/>
+          </a:xfrm>
+          <a:prstGeom prst="ellipse">
+            <a:avLst/>
+          </a:prstGeom>
+          <a:solidFill>
+            <a:schemeClr val="tx1"/>
+          </a:solidFill>
+          <a:ln>
+            <a:solidFill>
+              <a:schemeClr val="tx1"/>
+            </a:solidFill>
+          </a:ln>
+        </p:spPr>
+        <p:style>
+          <a:lnRef idx="2">
+            <a:schemeClr val="accent1">
+              <a:shade val="50000"/>
+            </a:schemeClr>
+          </a:lnRef>
+          <a:fillRef idx="1">
+            <a:schemeClr val="accent1"/>
+          </a:fillRef>
+          <a:effectRef idx="0">
+            <a:schemeClr val="accent1"/>
+          </a:effectRef>
+          <a:fontRef idx="minor">
+            <a:schemeClr val="lt1"/>
+          </a:fontRef>
+        </p:style>
+        <p:txBody>
+          <a:bodyPr rtlCol="0" anchor="ctr"/>
+          <a:lstStyle/>
+          <a:p>
+            <a:pPr algn="ctr"/>
+            <a:endParaRPr lang="fr-FR"/>
+          </a:p>
+        </p:txBody>
+      </p:sp>
+      <p:sp>
+        <p:nvSpPr>
+          <p:cNvPr id="77" name="Ellipse 76">
+            <a:extLst>
+              <a:ext uri="{FF2B5EF4-FFF2-40B4-BE49-F238E27FC236}">
+                <a16:creationId xmlns:a16="http://schemas.microsoft.com/office/drawing/2014/main" id="{AE656000-88C7-4598-9542-FAF1D7CDBE0E}"/>
+              </a:ext>
+            </a:extLst>
+          </p:cNvPr>
+          <p:cNvSpPr/>
+          <p:nvPr/>
+        </p:nvSpPr>
+        <p:spPr>
+          <a:xfrm>
+            <a:off x="9974777" y="4186281"/>
+            <a:ext cx="45719" cy="45719"/>
+          </a:xfrm>
+          <a:prstGeom prst="ellipse">
+            <a:avLst/>
+          </a:prstGeom>
+          <a:solidFill>
+            <a:schemeClr val="tx1"/>
+          </a:solidFill>
+          <a:ln>
+            <a:solidFill>
+              <a:schemeClr val="tx1"/>
+            </a:solidFill>
+          </a:ln>
+        </p:spPr>
+        <p:style>
+          <a:lnRef idx="2">
+            <a:schemeClr val="accent1">
+              <a:shade val="50000"/>
+            </a:schemeClr>
+          </a:lnRef>
+          <a:fillRef idx="1">
+            <a:schemeClr val="accent1"/>
+          </a:fillRef>
+          <a:effectRef idx="0">
+            <a:schemeClr val="accent1"/>
+          </a:effectRef>
+          <a:fontRef idx="minor">
+            <a:schemeClr val="lt1"/>
+          </a:fontRef>
+        </p:style>
+        <p:txBody>
+          <a:bodyPr rtlCol="0" anchor="ctr"/>
+          <a:lstStyle/>
+          <a:p>
+            <a:pPr algn="ctr"/>
+            <a:endParaRPr lang="fr-FR"/>
+          </a:p>
+        </p:txBody>
+      </p:sp>
+      <p:cxnSp>
+        <p:nvCxnSpPr>
+          <p:cNvPr id="78" name="Connecteur droit 77">
+            <a:extLst>
+              <a:ext uri="{FF2B5EF4-FFF2-40B4-BE49-F238E27FC236}">
+                <a16:creationId xmlns:a16="http://schemas.microsoft.com/office/drawing/2014/main" id="{92ECFF18-1C70-4DC7-9FC2-5E8B4D74A926}"/>
+              </a:ext>
+            </a:extLst>
+          </p:cNvPr>
+          <p:cNvCxnSpPr/>
+          <p:nvPr/>
+        </p:nvCxnSpPr>
+        <p:spPr>
+          <a:xfrm>
+            <a:off x="9997636" y="4209140"/>
+            <a:ext cx="0" cy="418423"/>
+          </a:xfrm>
+          <a:prstGeom prst="line">
+            <a:avLst/>
+          </a:prstGeom>
+          <a:ln w="12700">
+            <a:solidFill>
+              <a:schemeClr val="tx1"/>
+            </a:solidFill>
+          </a:ln>
+        </p:spPr>
+        <p:style>
+          <a:lnRef idx="1">
+            <a:schemeClr val="accent1"/>
+          </a:lnRef>
+          <a:fillRef idx="0">
+            <a:schemeClr val="accent1"/>
+          </a:fillRef>
+          <a:effectRef idx="0">
+            <a:schemeClr val="accent1"/>
+          </a:effectRef>
+          <a:fontRef idx="minor">
+            <a:schemeClr val="tx1"/>
+          </a:fontRef>
+        </p:style>
+      </p:cxnSp>
+      <p:cxnSp>
+        <p:nvCxnSpPr>
+          <p:cNvPr id="79" name="Connecteur droit 78">
+            <a:extLst>
+              <a:ext uri="{FF2B5EF4-FFF2-40B4-BE49-F238E27FC236}">
+                <a16:creationId xmlns:a16="http://schemas.microsoft.com/office/drawing/2014/main" id="{4248DEDE-9BD3-4C25-8E94-36EDD7AE8345}"/>
+              </a:ext>
+            </a:extLst>
+          </p:cNvPr>
+          <p:cNvCxnSpPr>
+            <a:cxnSpLocks/>
+          </p:cNvCxnSpPr>
+          <p:nvPr/>
+        </p:nvCxnSpPr>
+        <p:spPr>
+          <a:xfrm flipH="1">
+            <a:off x="9997636" y="3910535"/>
+            <a:ext cx="95687" cy="303247"/>
+          </a:xfrm>
+          <a:prstGeom prst="line">
+            <a:avLst/>
+          </a:prstGeom>
+          <a:ln w="12700">
+            <a:solidFill>
+              <a:schemeClr val="tx1"/>
+            </a:solidFill>
+          </a:ln>
+        </p:spPr>
+        <p:style>
+          <a:lnRef idx="1">
+            <a:schemeClr val="accent1"/>
+          </a:lnRef>
+          <a:fillRef idx="0">
+            <a:schemeClr val="accent1"/>
+          </a:fillRef>
+          <a:effectRef idx="0">
+            <a:schemeClr val="accent1"/>
+          </a:effectRef>
+          <a:fontRef idx="minor">
+            <a:schemeClr val="tx1"/>
+          </a:fontRef>
+        </p:style>
+      </p:cxnSp>
+      <p:cxnSp>
+        <p:nvCxnSpPr>
+          <p:cNvPr id="80" name="Connecteur droit 79">
+            <a:extLst>
+              <a:ext uri="{FF2B5EF4-FFF2-40B4-BE49-F238E27FC236}">
+                <a16:creationId xmlns:a16="http://schemas.microsoft.com/office/drawing/2014/main" id="{88B97F0E-8E10-44C0-B485-7DC530B3D8DF}"/>
+              </a:ext>
+            </a:extLst>
+          </p:cNvPr>
+          <p:cNvCxnSpPr>
+            <a:cxnSpLocks/>
+          </p:cNvCxnSpPr>
+          <p:nvPr/>
+        </p:nvCxnSpPr>
+        <p:spPr>
+          <a:xfrm>
+            <a:off x="9086850" y="3460082"/>
+            <a:ext cx="910786" cy="0"/>
+          </a:xfrm>
+          <a:prstGeom prst="line">
+            <a:avLst/>
+          </a:prstGeom>
+          <a:ln w="12700">
+            <a:solidFill>
+              <a:schemeClr val="tx1"/>
+            </a:solidFill>
+          </a:ln>
+        </p:spPr>
+        <p:style>
+          <a:lnRef idx="1">
+            <a:schemeClr val="accent1"/>
+          </a:lnRef>
+          <a:fillRef idx="0">
+            <a:schemeClr val="accent1"/>
+          </a:fillRef>
+          <a:effectRef idx="0">
+            <a:schemeClr val="accent1"/>
+          </a:effectRef>
+          <a:fontRef idx="minor">
+            <a:schemeClr val="tx1"/>
+          </a:fontRef>
+        </p:style>
+      </p:cxnSp>
+      <p:cxnSp>
+        <p:nvCxnSpPr>
+          <p:cNvPr id="81" name="Connecteur droit 80">
+            <a:extLst>
+              <a:ext uri="{FF2B5EF4-FFF2-40B4-BE49-F238E27FC236}">
+                <a16:creationId xmlns:a16="http://schemas.microsoft.com/office/drawing/2014/main" id="{E64A5C43-4F5C-480B-BE7B-AE3E8D53F0BE}"/>
+              </a:ext>
+            </a:extLst>
+          </p:cNvPr>
+          <p:cNvCxnSpPr>
+            <a:cxnSpLocks/>
+          </p:cNvCxnSpPr>
+          <p:nvPr/>
+        </p:nvCxnSpPr>
+        <p:spPr>
+          <a:xfrm>
+            <a:off x="9086850" y="4627563"/>
+            <a:ext cx="910786" cy="0"/>
+          </a:xfrm>
+          <a:prstGeom prst="line">
+            <a:avLst/>
+          </a:prstGeom>
+          <a:ln w="12700">
+            <a:solidFill>
+              <a:schemeClr val="tx1"/>
+            </a:solidFill>
+          </a:ln>
+        </p:spPr>
+        <p:style>
+          <a:lnRef idx="1">
+            <a:schemeClr val="accent1"/>
+          </a:lnRef>
+          <a:fillRef idx="0">
+            <a:schemeClr val="accent1"/>
+          </a:fillRef>
+          <a:effectRef idx="0">
+            <a:schemeClr val="accent1"/>
+          </a:effectRef>
+          <a:fontRef idx="minor">
+            <a:schemeClr val="tx1"/>
+          </a:fontRef>
+        </p:style>
+      </p:cxnSp>
+      <p:cxnSp>
+        <p:nvCxnSpPr>
+          <p:cNvPr id="82" name="Connecteur droit 81">
+            <a:extLst>
+              <a:ext uri="{FF2B5EF4-FFF2-40B4-BE49-F238E27FC236}">
+                <a16:creationId xmlns:a16="http://schemas.microsoft.com/office/drawing/2014/main" id="{7FB8756E-2047-42E5-8A6A-1765A27CB60D}"/>
+              </a:ext>
+            </a:extLst>
+          </p:cNvPr>
+          <p:cNvCxnSpPr>
+            <a:cxnSpLocks/>
+          </p:cNvCxnSpPr>
+          <p:nvPr/>
+        </p:nvCxnSpPr>
+        <p:spPr>
+          <a:xfrm flipH="1">
+            <a:off x="9086851" y="3449371"/>
+            <a:ext cx="1" cy="546354"/>
+          </a:xfrm>
+          <a:prstGeom prst="line">
+            <a:avLst/>
+          </a:prstGeom>
+          <a:ln w="12700">
+            <a:solidFill>
+              <a:schemeClr val="tx1"/>
+            </a:solidFill>
+          </a:ln>
+        </p:spPr>
+        <p:style>
+          <a:lnRef idx="1">
+            <a:schemeClr val="accent1"/>
+          </a:lnRef>
+          <a:fillRef idx="0">
+            <a:schemeClr val="accent1"/>
+          </a:fillRef>
+          <a:effectRef idx="0">
+            <a:schemeClr val="accent1"/>
+          </a:effectRef>
+          <a:fontRef idx="minor">
+            <a:schemeClr val="tx1"/>
+          </a:fontRef>
+        </p:style>
+      </p:cxnSp>
+      <p:cxnSp>
+        <p:nvCxnSpPr>
+          <p:cNvPr id="83" name="Connecteur droit 82">
+            <a:extLst>
+              <a:ext uri="{FF2B5EF4-FFF2-40B4-BE49-F238E27FC236}">
+                <a16:creationId xmlns:a16="http://schemas.microsoft.com/office/drawing/2014/main" id="{8ADDB239-C89D-4BA0-9BA5-49509AAE5D47}"/>
+              </a:ext>
+            </a:extLst>
+          </p:cNvPr>
+          <p:cNvCxnSpPr>
+            <a:cxnSpLocks/>
+          </p:cNvCxnSpPr>
+          <p:nvPr/>
+        </p:nvCxnSpPr>
+        <p:spPr>
+          <a:xfrm>
+            <a:off x="9086850" y="4109798"/>
+            <a:ext cx="0" cy="517765"/>
+          </a:xfrm>
+          <a:prstGeom prst="line">
+            <a:avLst/>
+          </a:prstGeom>
+          <a:ln w="12700">
+            <a:solidFill>
+              <a:schemeClr val="tx1"/>
+            </a:solidFill>
+          </a:ln>
+        </p:spPr>
+        <p:style>
+          <a:lnRef idx="1">
+            <a:schemeClr val="accent1"/>
+          </a:lnRef>
+          <a:fillRef idx="0">
+            <a:schemeClr val="accent1"/>
+          </a:fillRef>
+          <a:effectRef idx="0">
+            <a:schemeClr val="accent1"/>
+          </a:effectRef>
+          <a:fontRef idx="minor">
+            <a:schemeClr val="tx1"/>
+          </a:fontRef>
+        </p:style>
+      </p:cxnSp>
+      <p:cxnSp>
+        <p:nvCxnSpPr>
+          <p:cNvPr id="84" name="Connecteur droit 83">
+            <a:extLst>
+              <a:ext uri="{FF2B5EF4-FFF2-40B4-BE49-F238E27FC236}">
+                <a16:creationId xmlns:a16="http://schemas.microsoft.com/office/drawing/2014/main" id="{847C071F-D520-48B1-8607-91F4D7AA7582}"/>
+              </a:ext>
+            </a:extLst>
+          </p:cNvPr>
+          <p:cNvCxnSpPr>
+            <a:cxnSpLocks/>
+          </p:cNvCxnSpPr>
+          <p:nvPr/>
+        </p:nvCxnSpPr>
+        <p:spPr>
+          <a:xfrm>
+            <a:off x="8334373" y="3989376"/>
+            <a:ext cx="752475" cy="0"/>
+          </a:xfrm>
+          <a:prstGeom prst="line">
+            <a:avLst/>
+          </a:prstGeom>
+          <a:ln w="12700">
+            <a:solidFill>
+              <a:schemeClr val="tx1"/>
+            </a:solidFill>
+          </a:ln>
+        </p:spPr>
+        <p:style>
+          <a:lnRef idx="1">
+            <a:schemeClr val="accent1"/>
+          </a:lnRef>
+          <a:fillRef idx="0">
+            <a:schemeClr val="accent1"/>
+          </a:fillRef>
+          <a:effectRef idx="0">
+            <a:schemeClr val="accent1"/>
+          </a:effectRef>
+          <a:fontRef idx="minor">
+            <a:schemeClr val="tx1"/>
+          </a:fontRef>
+        </p:style>
+      </p:cxnSp>
+      <p:cxnSp>
+        <p:nvCxnSpPr>
+          <p:cNvPr id="85" name="Connecteur droit 84">
+            <a:extLst>
+              <a:ext uri="{FF2B5EF4-FFF2-40B4-BE49-F238E27FC236}">
+                <a16:creationId xmlns:a16="http://schemas.microsoft.com/office/drawing/2014/main" id="{E32038D1-7D41-47B8-818B-523FC695BD30}"/>
+              </a:ext>
+            </a:extLst>
+          </p:cNvPr>
+          <p:cNvCxnSpPr>
+            <a:cxnSpLocks/>
+          </p:cNvCxnSpPr>
+          <p:nvPr/>
+        </p:nvCxnSpPr>
+        <p:spPr>
+          <a:xfrm>
+            <a:off x="8334374" y="4109798"/>
+            <a:ext cx="752475" cy="0"/>
+          </a:xfrm>
+          <a:prstGeom prst="line">
+            <a:avLst/>
+          </a:prstGeom>
+          <a:ln w="12700">
+            <a:solidFill>
+              <a:schemeClr val="tx1"/>
+            </a:solidFill>
+          </a:ln>
+        </p:spPr>
+        <p:style>
+          <a:lnRef idx="1">
+            <a:schemeClr val="accent1"/>
+          </a:lnRef>
+          <a:fillRef idx="0">
+            <a:schemeClr val="accent1"/>
+          </a:fillRef>
+          <a:effectRef idx="0">
+            <a:schemeClr val="accent1"/>
+          </a:effectRef>
+          <a:fontRef idx="minor">
+            <a:schemeClr val="tx1"/>
+          </a:fontRef>
+        </p:style>
+      </p:cxnSp>
+      <p:cxnSp>
+        <p:nvCxnSpPr>
+          <p:cNvPr id="95" name="Connecteur : en angle 94">
+            <a:extLst>
+              <a:ext uri="{FF2B5EF4-FFF2-40B4-BE49-F238E27FC236}">
+                <a16:creationId xmlns:a16="http://schemas.microsoft.com/office/drawing/2014/main" id="{29461CE8-9E5F-4F8D-950C-30877A5EECA4}"/>
+              </a:ext>
+            </a:extLst>
+          </p:cNvPr>
+          <p:cNvCxnSpPr>
+            <a:cxnSpLocks/>
+          </p:cNvCxnSpPr>
+          <p:nvPr/>
+        </p:nvCxnSpPr>
+        <p:spPr>
+          <a:xfrm flipV="1">
+            <a:off x="6378575" y="4109800"/>
+            <a:ext cx="1955798" cy="649609"/>
+          </a:xfrm>
+          <a:prstGeom prst="bentConnector3">
+            <a:avLst/>
+          </a:prstGeom>
+          <a:ln w="12700">
+            <a:solidFill>
+              <a:srgbClr val="00B050"/>
+            </a:solidFill>
+          </a:ln>
+        </p:spPr>
+        <p:style>
+          <a:lnRef idx="1">
+            <a:schemeClr val="accent1"/>
+          </a:lnRef>
+          <a:fillRef idx="0">
+            <a:schemeClr val="accent1"/>
+          </a:fillRef>
+          <a:effectRef idx="0">
+            <a:schemeClr val="accent1"/>
+          </a:effectRef>
+          <a:fontRef idx="minor">
+            <a:schemeClr val="tx1"/>
+          </a:fontRef>
+        </p:style>
+      </p:cxnSp>
+      <p:cxnSp>
+        <p:nvCxnSpPr>
+          <p:cNvPr id="98" name="Connecteur : en angle 97">
+            <a:extLst>
+              <a:ext uri="{FF2B5EF4-FFF2-40B4-BE49-F238E27FC236}">
+                <a16:creationId xmlns:a16="http://schemas.microsoft.com/office/drawing/2014/main" id="{77740A99-B923-4577-9065-D4F8D4E8F719}"/>
+              </a:ext>
+            </a:extLst>
+          </p:cNvPr>
+          <p:cNvCxnSpPr>
+            <a:cxnSpLocks/>
+          </p:cNvCxnSpPr>
+          <p:nvPr/>
+        </p:nvCxnSpPr>
+        <p:spPr>
+          <a:xfrm flipV="1">
+            <a:off x="6121037" y="3989377"/>
+            <a:ext cx="2212907" cy="638186"/>
+          </a:xfrm>
+          <a:prstGeom prst="bentConnector3">
+            <a:avLst/>
+          </a:prstGeom>
+          <a:ln w="12700">
+            <a:solidFill>
+              <a:srgbClr val="FF0000"/>
+            </a:solidFill>
+          </a:ln>
+        </p:spPr>
+        <p:style>
+          <a:lnRef idx="1">
+            <a:schemeClr val="accent1"/>
+          </a:lnRef>
+          <a:fillRef idx="0">
+            <a:schemeClr val="accent1"/>
+          </a:fillRef>
+          <a:effectRef idx="0">
+            <a:schemeClr val="accent1"/>
+          </a:effectRef>
+          <a:fontRef idx="minor">
+            <a:schemeClr val="tx1"/>
+          </a:fontRef>
+        </p:style>
+      </p:cxnSp>
+      <p:cxnSp>
+        <p:nvCxnSpPr>
+          <p:cNvPr id="101" name="Connecteur droit 100">
+            <a:extLst>
+              <a:ext uri="{FF2B5EF4-FFF2-40B4-BE49-F238E27FC236}">
+                <a16:creationId xmlns:a16="http://schemas.microsoft.com/office/drawing/2014/main" id="{54ABCA77-F93B-47C9-9E62-DEFF728EB8FF}"/>
+              </a:ext>
+            </a:extLst>
+          </p:cNvPr>
+          <p:cNvCxnSpPr>
+            <a:cxnSpLocks/>
+          </p:cNvCxnSpPr>
+          <p:nvPr/>
+        </p:nvCxnSpPr>
+        <p:spPr>
+          <a:xfrm flipH="1">
+            <a:off x="6064671" y="4624388"/>
+            <a:ext cx="56367" cy="0"/>
+          </a:xfrm>
+          <a:prstGeom prst="line">
+            <a:avLst/>
+          </a:prstGeom>
+          <a:ln w="12700">
+            <a:solidFill>
+              <a:srgbClr val="FF0000"/>
+            </a:solidFill>
+          </a:ln>
+        </p:spPr>
+        <p:style>
+          <a:lnRef idx="1">
+            <a:schemeClr val="accent1"/>
+          </a:lnRef>
+          <a:fillRef idx="0">
+            <a:schemeClr val="accent1"/>
+          </a:fillRef>
+          <a:effectRef idx="0">
+            <a:schemeClr val="accent1"/>
+          </a:effectRef>
+          <a:fontRef idx="minor">
+            <a:schemeClr val="tx1"/>
+          </a:fontRef>
+        </p:style>
+      </p:cxnSp>
+      <p:cxnSp>
+        <p:nvCxnSpPr>
+          <p:cNvPr id="102" name="Connecteur droit 101">
+            <a:extLst>
+              <a:ext uri="{FF2B5EF4-FFF2-40B4-BE49-F238E27FC236}">
+                <a16:creationId xmlns:a16="http://schemas.microsoft.com/office/drawing/2014/main" id="{DE65E803-7385-4BFB-B528-41A6E2257F97}"/>
+              </a:ext>
+            </a:extLst>
+          </p:cNvPr>
+          <p:cNvCxnSpPr>
+            <a:cxnSpLocks/>
+          </p:cNvCxnSpPr>
+          <p:nvPr/>
+        </p:nvCxnSpPr>
+        <p:spPr>
+          <a:xfrm flipH="1">
+            <a:off x="6020764" y="4757738"/>
+            <a:ext cx="366974" cy="1671"/>
+          </a:xfrm>
+          <a:prstGeom prst="line">
+            <a:avLst/>
+          </a:prstGeom>
+          <a:ln w="12700">
+            <a:solidFill>
+              <a:srgbClr val="00B050"/>
+            </a:solidFill>
+          </a:ln>
+        </p:spPr>
+        <p:style>
+          <a:lnRef idx="1">
+            <a:schemeClr val="accent1"/>
+          </a:lnRef>
+          <a:fillRef idx="0">
+            <a:schemeClr val="accent1"/>
+          </a:fillRef>
+          <a:effectRef idx="0">
+            <a:schemeClr val="accent1"/>
+          </a:effectRef>
+          <a:fontRef idx="minor">
+            <a:schemeClr val="tx1"/>
+          </a:fontRef>
+        </p:style>
+      </p:cxnSp>
+      <p:cxnSp>
+        <p:nvCxnSpPr>
+          <p:cNvPr id="106" name="Connecteur droit 105">
+            <a:extLst>
+              <a:ext uri="{FF2B5EF4-FFF2-40B4-BE49-F238E27FC236}">
+                <a16:creationId xmlns:a16="http://schemas.microsoft.com/office/drawing/2014/main" id="{AF851876-73A7-4D0D-996A-14188869C718}"/>
+              </a:ext>
+            </a:extLst>
+          </p:cNvPr>
+          <p:cNvCxnSpPr>
+            <a:cxnSpLocks/>
+          </p:cNvCxnSpPr>
+          <p:nvPr/>
+        </p:nvCxnSpPr>
+        <p:spPr>
+          <a:xfrm flipH="1" flipV="1">
+            <a:off x="6070782" y="3878504"/>
+            <a:ext cx="1" cy="745884"/>
+          </a:xfrm>
+          <a:prstGeom prst="line">
+            <a:avLst/>
+          </a:prstGeom>
+          <a:ln w="12700">
+            <a:solidFill>
+              <a:srgbClr val="FF0000"/>
+            </a:solidFill>
+          </a:ln>
+        </p:spPr>
+        <p:style>
+          <a:lnRef idx="1">
+            <a:schemeClr val="accent1"/>
+          </a:lnRef>
+          <a:fillRef idx="0">
+            <a:schemeClr val="accent1"/>
+          </a:fillRef>
+          <a:effectRef idx="0">
+            <a:schemeClr val="accent1"/>
+          </a:effectRef>
+          <a:fontRef idx="minor">
+            <a:schemeClr val="tx1"/>
+          </a:fontRef>
+        </p:style>
+      </p:cxnSp>
+      <p:cxnSp>
+        <p:nvCxnSpPr>
+          <p:cNvPr id="108" name="Connecteur droit 107">
+            <a:extLst>
+              <a:ext uri="{FF2B5EF4-FFF2-40B4-BE49-F238E27FC236}">
+                <a16:creationId xmlns:a16="http://schemas.microsoft.com/office/drawing/2014/main" id="{5676055E-DEE5-4979-ADBE-9C658648100C}"/>
+              </a:ext>
+            </a:extLst>
+          </p:cNvPr>
+          <p:cNvCxnSpPr>
+            <a:cxnSpLocks/>
+          </p:cNvCxnSpPr>
+          <p:nvPr/>
+        </p:nvCxnSpPr>
+        <p:spPr>
+          <a:xfrm flipH="1" flipV="1">
+            <a:off x="6015886" y="3878504"/>
+            <a:ext cx="7251" cy="890546"/>
+          </a:xfrm>
+          <a:prstGeom prst="line">
+            <a:avLst/>
+          </a:prstGeom>
+          <a:ln w="12700">
+            <a:solidFill>
+              <a:srgbClr val="00B050"/>
+            </a:solidFill>
+          </a:ln>
+        </p:spPr>
+        <p:style>
+          <a:lnRef idx="1">
+            <a:schemeClr val="accent1"/>
+          </a:lnRef>
+          <a:fillRef idx="0">
+            <a:schemeClr val="accent1"/>
+          </a:fillRef>
+          <a:effectRef idx="0">
+            <a:schemeClr val="accent1"/>
+          </a:effectRef>
+          <a:fontRef idx="minor">
+            <a:schemeClr val="tx1"/>
+          </a:fontRef>
+        </p:style>
+      </p:cxnSp>
+      <p:cxnSp>
+        <p:nvCxnSpPr>
+          <p:cNvPr id="112" name="Connecteur : en angle 111">
+            <a:extLst>
+              <a:ext uri="{FF2B5EF4-FFF2-40B4-BE49-F238E27FC236}">
+                <a16:creationId xmlns:a16="http://schemas.microsoft.com/office/drawing/2014/main" id="{BB5798EC-0A79-45FD-80A1-786BCDB03DAE}"/>
+              </a:ext>
+            </a:extLst>
+          </p:cNvPr>
+          <p:cNvCxnSpPr>
+            <a:cxnSpLocks/>
+          </p:cNvCxnSpPr>
+          <p:nvPr/>
+        </p:nvCxnSpPr>
+        <p:spPr>
+          <a:xfrm flipV="1">
+            <a:off x="6191743" y="3933825"/>
+            <a:ext cx="1977744" cy="634641"/>
+          </a:xfrm>
+          <a:prstGeom prst="bentConnector3">
+            <a:avLst/>
+          </a:prstGeom>
+          <a:ln w="12700">
+            <a:solidFill>
+              <a:schemeClr val="tx1"/>
+            </a:solidFill>
+            <a:prstDash val="sysDot"/>
+          </a:ln>
+        </p:spPr>
+        <p:style>
+          <a:lnRef idx="1">
+            <a:schemeClr val="accent1"/>
+          </a:lnRef>
+          <a:fillRef idx="0">
+            <a:schemeClr val="accent1"/>
+          </a:fillRef>
+          <a:effectRef idx="0">
+            <a:schemeClr val="accent1"/>
+          </a:effectRef>
+          <a:fontRef idx="minor">
+            <a:schemeClr val="tx1"/>
+          </a:fontRef>
+        </p:style>
+      </p:cxnSp>
+      <p:cxnSp>
+        <p:nvCxnSpPr>
+          <p:cNvPr id="114" name="Connecteur : en angle 113">
+            <a:extLst>
+              <a:ext uri="{FF2B5EF4-FFF2-40B4-BE49-F238E27FC236}">
+                <a16:creationId xmlns:a16="http://schemas.microsoft.com/office/drawing/2014/main" id="{68062DC9-6697-4CA0-95B7-440242A27C93}"/>
+              </a:ext>
+            </a:extLst>
+          </p:cNvPr>
+          <p:cNvCxnSpPr>
+            <a:cxnSpLocks/>
+          </p:cNvCxnSpPr>
+          <p:nvPr/>
+        </p:nvCxnSpPr>
+        <p:spPr>
+          <a:xfrm flipV="1">
+            <a:off x="6627470" y="4155517"/>
+            <a:ext cx="1555116" cy="653729"/>
+          </a:xfrm>
+          <a:prstGeom prst="bentConnector3">
+            <a:avLst/>
+          </a:prstGeom>
+          <a:ln w="12700">
+            <a:solidFill>
+              <a:schemeClr val="tx1"/>
+            </a:solidFill>
+            <a:prstDash val="sysDot"/>
+          </a:ln>
+        </p:spPr>
+        <p:style>
+          <a:lnRef idx="1">
+            <a:schemeClr val="accent1"/>
+          </a:lnRef>
+          <a:fillRef idx="0">
+            <a:schemeClr val="accent1"/>
+          </a:fillRef>
+          <a:effectRef idx="0">
+            <a:schemeClr val="accent1"/>
+          </a:effectRef>
+          <a:fontRef idx="minor">
+            <a:schemeClr val="tx1"/>
+          </a:fontRef>
+        </p:style>
+      </p:cxnSp>
+      <p:cxnSp>
+        <p:nvCxnSpPr>
+          <p:cNvPr id="117" name="Connecteur droit 116">
+            <a:extLst>
+              <a:ext uri="{FF2B5EF4-FFF2-40B4-BE49-F238E27FC236}">
+                <a16:creationId xmlns:a16="http://schemas.microsoft.com/office/drawing/2014/main" id="{478FFDAF-FB1E-44B4-8867-6250C883245A}"/>
+              </a:ext>
+            </a:extLst>
+          </p:cNvPr>
+          <p:cNvCxnSpPr/>
+          <p:nvPr/>
+        </p:nvCxnSpPr>
+        <p:spPr>
+          <a:xfrm>
+            <a:off x="8340937" y="3933825"/>
+            <a:ext cx="0" cy="221692"/>
+          </a:xfrm>
+          <a:prstGeom prst="line">
+            <a:avLst/>
+          </a:prstGeom>
+          <a:ln w="12700">
+            <a:solidFill>
+              <a:schemeClr val="tx1"/>
+            </a:solidFill>
+            <a:prstDash val="sysDot"/>
+          </a:ln>
+        </p:spPr>
+        <p:style>
+          <a:lnRef idx="1">
+            <a:schemeClr val="accent1"/>
+          </a:lnRef>
+          <a:fillRef idx="0">
+            <a:schemeClr val="accent1"/>
+          </a:fillRef>
+          <a:effectRef idx="0">
+            <a:schemeClr val="accent1"/>
+          </a:effectRef>
+          <a:fontRef idx="minor">
+            <a:schemeClr val="tx1"/>
+          </a:fontRef>
+        </p:style>
+      </p:cxnSp>
+      <p:cxnSp>
+        <p:nvCxnSpPr>
+          <p:cNvPr id="118" name="Connecteur droit 117">
+            <a:extLst>
+              <a:ext uri="{FF2B5EF4-FFF2-40B4-BE49-F238E27FC236}">
+                <a16:creationId xmlns:a16="http://schemas.microsoft.com/office/drawing/2014/main" id="{49469F71-B026-46B6-9904-C061AAC364CA}"/>
+              </a:ext>
+            </a:extLst>
+          </p:cNvPr>
+          <p:cNvCxnSpPr>
+            <a:cxnSpLocks/>
+          </p:cNvCxnSpPr>
+          <p:nvPr/>
+        </p:nvCxnSpPr>
+        <p:spPr>
+          <a:xfrm>
+            <a:off x="8169487" y="3933825"/>
+            <a:ext cx="171450" cy="0"/>
+          </a:xfrm>
+          <a:prstGeom prst="line">
+            <a:avLst/>
+          </a:prstGeom>
+          <a:ln w="12700">
+            <a:solidFill>
+              <a:schemeClr val="tx1"/>
+            </a:solidFill>
+            <a:prstDash val="sysDot"/>
+          </a:ln>
+        </p:spPr>
+        <p:style>
+          <a:lnRef idx="1">
+            <a:schemeClr val="accent1"/>
+          </a:lnRef>
+          <a:fillRef idx="0">
+            <a:schemeClr val="accent1"/>
+          </a:fillRef>
+          <a:effectRef idx="0">
+            <a:schemeClr val="accent1"/>
+          </a:effectRef>
+          <a:fontRef idx="minor">
+            <a:schemeClr val="tx1"/>
+          </a:fontRef>
+        </p:style>
+      </p:cxnSp>
+      <p:cxnSp>
+        <p:nvCxnSpPr>
+          <p:cNvPr id="120" name="Connecteur droit 119">
+            <a:extLst>
+              <a:ext uri="{FF2B5EF4-FFF2-40B4-BE49-F238E27FC236}">
+                <a16:creationId xmlns:a16="http://schemas.microsoft.com/office/drawing/2014/main" id="{DD6A2319-4D11-42CF-956A-65C6FDC48192}"/>
+              </a:ext>
+            </a:extLst>
+          </p:cNvPr>
+          <p:cNvCxnSpPr>
+            <a:cxnSpLocks/>
+          </p:cNvCxnSpPr>
+          <p:nvPr/>
+        </p:nvCxnSpPr>
+        <p:spPr>
+          <a:xfrm>
+            <a:off x="8182586" y="4155517"/>
+            <a:ext cx="171450" cy="0"/>
+          </a:xfrm>
+          <a:prstGeom prst="line">
+            <a:avLst/>
+          </a:prstGeom>
+          <a:ln w="12700">
+            <a:solidFill>
+              <a:schemeClr val="tx1"/>
+            </a:solidFill>
+            <a:prstDash val="sysDot"/>
+          </a:ln>
+        </p:spPr>
+        <p:style>
+          <a:lnRef idx="1">
+            <a:schemeClr val="accent1"/>
+          </a:lnRef>
+          <a:fillRef idx="0">
+            <a:schemeClr val="accent1"/>
+          </a:fillRef>
+          <a:effectRef idx="0">
+            <a:schemeClr val="accent1"/>
+          </a:effectRef>
+          <a:fontRef idx="minor">
+            <a:schemeClr val="tx1"/>
+          </a:fontRef>
+        </p:style>
+      </p:cxnSp>
+      <p:cxnSp>
+        <p:nvCxnSpPr>
+          <p:cNvPr id="121" name="Connecteur droit 120">
+            <a:extLst>
+              <a:ext uri="{FF2B5EF4-FFF2-40B4-BE49-F238E27FC236}">
+                <a16:creationId xmlns:a16="http://schemas.microsoft.com/office/drawing/2014/main" id="{9CDEC423-56E6-4ECC-8151-CDDE6285A4DC}"/>
+              </a:ext>
+            </a:extLst>
+          </p:cNvPr>
+          <p:cNvCxnSpPr>
+            <a:cxnSpLocks/>
+          </p:cNvCxnSpPr>
+          <p:nvPr/>
+        </p:nvCxnSpPr>
+        <p:spPr>
+          <a:xfrm>
+            <a:off x="5968681" y="4805513"/>
+            <a:ext cx="650107" cy="0"/>
+          </a:xfrm>
+          <a:prstGeom prst="line">
+            <a:avLst/>
+          </a:prstGeom>
+          <a:ln w="12700">
+            <a:solidFill>
+              <a:schemeClr val="tx1"/>
+            </a:solidFill>
+            <a:prstDash val="sysDot"/>
+          </a:ln>
+        </p:spPr>
+        <p:style>
+          <a:lnRef idx="1">
+            <a:schemeClr val="accent1"/>
+          </a:lnRef>
+          <a:fillRef idx="0">
+            <a:schemeClr val="accent1"/>
+          </a:fillRef>
+          <a:effectRef idx="0">
+            <a:schemeClr val="accent1"/>
+          </a:effectRef>
+          <a:fontRef idx="minor">
+            <a:schemeClr val="tx1"/>
+          </a:fontRef>
+        </p:style>
+      </p:cxnSp>
+      <p:cxnSp>
+        <p:nvCxnSpPr>
+          <p:cNvPr id="123" name="Connecteur droit 122">
+            <a:extLst>
+              <a:ext uri="{FF2B5EF4-FFF2-40B4-BE49-F238E27FC236}">
+                <a16:creationId xmlns:a16="http://schemas.microsoft.com/office/drawing/2014/main" id="{249279A5-E8D6-41CD-946F-3A48151A0BA0}"/>
+              </a:ext>
+            </a:extLst>
+          </p:cNvPr>
+          <p:cNvCxnSpPr>
+            <a:cxnSpLocks/>
+          </p:cNvCxnSpPr>
+          <p:nvPr/>
+        </p:nvCxnSpPr>
+        <p:spPr>
+          <a:xfrm>
+            <a:off x="5968681" y="3878504"/>
+            <a:ext cx="0" cy="939710"/>
+          </a:xfrm>
+          <a:prstGeom prst="line">
+            <a:avLst/>
+          </a:prstGeom>
+          <a:ln w="12700">
+            <a:solidFill>
+              <a:schemeClr val="tx1"/>
+            </a:solidFill>
+            <a:prstDash val="sysDot"/>
+          </a:ln>
+        </p:spPr>
+        <p:style>
+          <a:lnRef idx="1">
+            <a:schemeClr val="accent1"/>
+          </a:lnRef>
+          <a:fillRef idx="0">
+            <a:schemeClr val="accent1"/>
+          </a:fillRef>
+          <a:effectRef idx="0">
+            <a:schemeClr val="accent1"/>
+          </a:effectRef>
+          <a:fontRef idx="minor">
+            <a:schemeClr val="tx1"/>
+          </a:fontRef>
+        </p:style>
+      </p:cxnSp>
+      <p:cxnSp>
+        <p:nvCxnSpPr>
+          <p:cNvPr id="126" name="Connecteur droit 125">
+            <a:extLst>
+              <a:ext uri="{FF2B5EF4-FFF2-40B4-BE49-F238E27FC236}">
+                <a16:creationId xmlns:a16="http://schemas.microsoft.com/office/drawing/2014/main" id="{B52D2711-CAFD-48BE-A1E6-4ADCF38EFFFD}"/>
+              </a:ext>
+            </a:extLst>
+          </p:cNvPr>
+          <p:cNvCxnSpPr>
+            <a:cxnSpLocks/>
+          </p:cNvCxnSpPr>
+          <p:nvPr/>
+        </p:nvCxnSpPr>
+        <p:spPr>
+          <a:xfrm>
+            <a:off x="6121037" y="3878504"/>
+            <a:ext cx="0" cy="701149"/>
+          </a:xfrm>
+          <a:prstGeom prst="line">
+            <a:avLst/>
+          </a:prstGeom>
+          <a:ln w="12700">
+            <a:solidFill>
+              <a:schemeClr val="tx1"/>
+            </a:solidFill>
+            <a:prstDash val="sysDot"/>
+          </a:ln>
+        </p:spPr>
+        <p:style>
+          <a:lnRef idx="1">
+            <a:schemeClr val="accent1"/>
+          </a:lnRef>
+          <a:fillRef idx="0">
+            <a:schemeClr val="accent1"/>
+          </a:fillRef>
+          <a:effectRef idx="0">
+            <a:schemeClr val="accent1"/>
+          </a:effectRef>
+          <a:fontRef idx="minor">
+            <a:schemeClr val="tx1"/>
+          </a:fontRef>
+        </p:style>
+      </p:cxnSp>
+      <p:cxnSp>
+        <p:nvCxnSpPr>
+          <p:cNvPr id="128" name="Connecteur droit 127">
+            <a:extLst>
+              <a:ext uri="{FF2B5EF4-FFF2-40B4-BE49-F238E27FC236}">
+                <a16:creationId xmlns:a16="http://schemas.microsoft.com/office/drawing/2014/main" id="{76747103-081C-4584-9926-8156D22CB5E7}"/>
+              </a:ext>
+            </a:extLst>
+          </p:cNvPr>
+          <p:cNvCxnSpPr>
+            <a:cxnSpLocks/>
+          </p:cNvCxnSpPr>
+          <p:nvPr/>
+        </p:nvCxnSpPr>
+        <p:spPr>
+          <a:xfrm>
+            <a:off x="6115351" y="4570128"/>
+            <a:ext cx="110824" cy="0"/>
+          </a:xfrm>
+          <a:prstGeom prst="line">
+            <a:avLst/>
+          </a:prstGeom>
+          <a:ln w="12700">
+            <a:solidFill>
+              <a:schemeClr val="tx1"/>
+            </a:solidFill>
+            <a:prstDash val="sysDot"/>
+          </a:ln>
+        </p:spPr>
+        <p:style>
+          <a:lnRef idx="1">
+            <a:schemeClr val="accent1"/>
+          </a:lnRef>
+          <a:fillRef idx="0">
+            <a:schemeClr val="accent1"/>
+          </a:fillRef>
+          <a:effectRef idx="0">
+            <a:schemeClr val="accent1"/>
+          </a:effectRef>
+          <a:fontRef idx="minor">
+            <a:schemeClr val="tx1"/>
+          </a:fontRef>
+        </p:style>
+      </p:cxnSp>
+      <p:cxnSp>
+        <p:nvCxnSpPr>
+          <p:cNvPr id="130" name="Connecteur droit 129">
+            <a:extLst>
+              <a:ext uri="{FF2B5EF4-FFF2-40B4-BE49-F238E27FC236}">
+                <a16:creationId xmlns:a16="http://schemas.microsoft.com/office/drawing/2014/main" id="{0E4A3C39-8523-4A46-87BD-F343F2FEC6E3}"/>
+              </a:ext>
+            </a:extLst>
+          </p:cNvPr>
+          <p:cNvCxnSpPr>
+            <a:cxnSpLocks/>
+          </p:cNvCxnSpPr>
+          <p:nvPr/>
+        </p:nvCxnSpPr>
+        <p:spPr>
+          <a:xfrm>
+            <a:off x="5960474" y="3879807"/>
+            <a:ext cx="154877" cy="0"/>
+          </a:xfrm>
+          <a:prstGeom prst="line">
+            <a:avLst/>
+          </a:prstGeom>
+          <a:ln w="12700">
+            <a:solidFill>
+              <a:schemeClr val="tx1"/>
+            </a:solidFill>
+            <a:prstDash val="sysDot"/>
+          </a:ln>
+        </p:spPr>
+        <p:style>
+          <a:lnRef idx="1">
+            <a:schemeClr val="accent1"/>
+          </a:lnRef>
+          <a:fillRef idx="0">
+            <a:schemeClr val="accent1"/>
+          </a:fillRef>
+          <a:effectRef idx="0">
+            <a:schemeClr val="accent1"/>
+          </a:effectRef>
+          <a:fontRef idx="minor">
+            <a:schemeClr val="tx1"/>
+          </a:fontRef>
+        </p:style>
+      </p:cxnSp>
+      <p:sp>
+        <p:nvSpPr>
+          <p:cNvPr id="132" name="ZoneTexte 131">
+            <a:extLst>
+              <a:ext uri="{FF2B5EF4-FFF2-40B4-BE49-F238E27FC236}">
+                <a16:creationId xmlns:a16="http://schemas.microsoft.com/office/drawing/2014/main" id="{327EA83A-0E0A-4853-BB31-11710711F83D}"/>
+              </a:ext>
+            </a:extLst>
+          </p:cNvPr>
+          <p:cNvSpPr txBox="1"/>
+          <p:nvPr/>
+        </p:nvSpPr>
+        <p:spPr>
+          <a:xfrm>
+            <a:off x="7313161" y="3663457"/>
+            <a:ext cx="856325" cy="276999"/>
+          </a:xfrm>
+          <a:prstGeom prst="rect">
+            <a:avLst/>
+          </a:prstGeom>
+          <a:noFill/>
+        </p:spPr>
+        <p:txBody>
+          <a:bodyPr wrap="none" rtlCol="0">
+            <a:spAutoFit/>
+          </a:bodyPr>
+          <a:lstStyle/>
+          <a:p>
+            <a:r>
+              <a:rPr lang="fr-FR" sz="1200" i="1" dirty="0"/>
+              <a:t>Cable RJ11</a:t>
             </a:r>
           </a:p>
         </p:txBody>
@@ -6757,7 +9539,7 @@
     </p:spTree>
     <p:extLst>
       <p:ext uri="{BB962C8B-B14F-4D97-AF65-F5344CB8AC3E}">
-        <p14:creationId xmlns:p14="http://schemas.microsoft.com/office/powerpoint/2010/main" val="2149631933"/>
+        <p14:creationId xmlns:p14="http://schemas.microsoft.com/office/powerpoint/2010/main" val="675812002"/>
       </p:ext>
     </p:extLst>
   </p:cSld>
@@ -7625,7 +10407,7 @@
     </p:spTree>
     <p:extLst>
       <p:ext uri="{BB962C8B-B14F-4D97-AF65-F5344CB8AC3E}">
-        <p14:creationId xmlns:p14="http://schemas.microsoft.com/office/powerpoint/2010/main" val="675812002"/>
+        <p14:creationId xmlns:p14="http://schemas.microsoft.com/office/powerpoint/2010/main" val="2508135460"/>
       </p:ext>
     </p:extLst>
   </p:cSld>
@@ -8516,6 +11298,534 @@
 </file>
 
 <file path=ppt/slides/slide14.xml><?xml version="1.0" encoding="utf-8"?>
+<p:sld xmlns:a="http://schemas.openxmlformats.org/drawingml/2006/main" xmlns:r="http://schemas.openxmlformats.org/officeDocument/2006/relationships" xmlns:p="http://schemas.openxmlformats.org/presentationml/2006/main">
+  <p:cSld>
+    <p:spTree>
+      <p:nvGrpSpPr>
+        <p:cNvPr id="1" name=""/>
+        <p:cNvGrpSpPr/>
+        <p:nvPr/>
+      </p:nvGrpSpPr>
+      <p:grpSpPr>
+        <a:xfrm>
+          <a:off x="0" y="0"/>
+          <a:ext cx="0" cy="0"/>
+          <a:chOff x="0" y="0"/>
+          <a:chExt cx="0" cy="0"/>
+        </a:xfrm>
+      </p:grpSpPr>
+      <p:pic>
+        <p:nvPicPr>
+          <p:cNvPr id="8" name="Image 7">
+            <a:extLst>
+              <a:ext uri="{FF2B5EF4-FFF2-40B4-BE49-F238E27FC236}">
+                <a16:creationId xmlns:a16="http://schemas.microsoft.com/office/drawing/2014/main" id="{2BB825C5-31DA-4A56-85EA-536DBF510A31}"/>
+              </a:ext>
+            </a:extLst>
+          </p:cNvPr>
+          <p:cNvPicPr>
+            <a:picLocks noChangeAspect="1"/>
+          </p:cNvPicPr>
+          <p:nvPr/>
+        </p:nvPicPr>
+        <p:blipFill>
+          <a:blip r:embed="rId2">
+            <a:extLst>
+              <a:ext uri="{28A0092B-C50C-407E-A947-70E740481C1C}">
+                <a14:useLocalDpi xmlns:a14="http://schemas.microsoft.com/office/drawing/2010/main" val="0"/>
+              </a:ext>
+            </a:extLst>
+          </a:blip>
+          <a:stretch>
+            <a:fillRect/>
+          </a:stretch>
+        </p:blipFill>
+        <p:spPr>
+          <a:xfrm>
+            <a:off x="1068751" y="66457"/>
+            <a:ext cx="1259497" cy="776690"/>
+          </a:xfrm>
+          <a:prstGeom prst="rect">
+            <a:avLst/>
+          </a:prstGeom>
+        </p:spPr>
+      </p:pic>
+      <p:pic>
+        <p:nvPicPr>
+          <p:cNvPr id="10" name="Image 9">
+            <a:extLst>
+              <a:ext uri="{FF2B5EF4-FFF2-40B4-BE49-F238E27FC236}">
+                <a16:creationId xmlns:a16="http://schemas.microsoft.com/office/drawing/2014/main" id="{8EE7436F-49F2-41E0-93E4-D247B4705294}"/>
+              </a:ext>
+            </a:extLst>
+          </p:cNvPr>
+          <p:cNvPicPr>
+            <a:picLocks noChangeAspect="1"/>
+          </p:cNvPicPr>
+          <p:nvPr/>
+        </p:nvPicPr>
+        <p:blipFill>
+          <a:blip r:embed="rId3">
+            <a:extLst>
+              <a:ext uri="{28A0092B-C50C-407E-A947-70E740481C1C}">
+                <a14:useLocalDpi xmlns:a14="http://schemas.microsoft.com/office/drawing/2010/main" val="0"/>
+              </a:ext>
+            </a:extLst>
+          </a:blip>
+          <a:stretch>
+            <a:fillRect/>
+          </a:stretch>
+        </p:blipFill>
+        <p:spPr>
+          <a:xfrm>
+            <a:off x="9681085" y="238153"/>
+            <a:ext cx="1802101" cy="569807"/>
+          </a:xfrm>
+          <a:prstGeom prst="rect">
+            <a:avLst/>
+          </a:prstGeom>
+        </p:spPr>
+      </p:pic>
+      <p:cxnSp>
+        <p:nvCxnSpPr>
+          <p:cNvPr id="16" name="Connecteur droit 15">
+            <a:extLst>
+              <a:ext uri="{FF2B5EF4-FFF2-40B4-BE49-F238E27FC236}">
+                <a16:creationId xmlns:a16="http://schemas.microsoft.com/office/drawing/2014/main" id="{7319284A-BD6F-4A96-8E2B-E0A4B52E53C6}"/>
+              </a:ext>
+            </a:extLst>
+          </p:cNvPr>
+          <p:cNvCxnSpPr>
+            <a:cxnSpLocks/>
+          </p:cNvCxnSpPr>
+          <p:nvPr/>
+        </p:nvCxnSpPr>
+        <p:spPr>
+          <a:xfrm flipV="1">
+            <a:off x="0" y="454803"/>
+            <a:ext cx="738231" cy="1798"/>
+          </a:xfrm>
+          <a:prstGeom prst="line">
+            <a:avLst/>
+          </a:prstGeom>
+        </p:spPr>
+        <p:style>
+          <a:lnRef idx="3">
+            <a:schemeClr val="dk1"/>
+          </a:lnRef>
+          <a:fillRef idx="0">
+            <a:schemeClr val="dk1"/>
+          </a:fillRef>
+          <a:effectRef idx="2">
+            <a:schemeClr val="dk1"/>
+          </a:effectRef>
+          <a:fontRef idx="minor">
+            <a:schemeClr val="tx1"/>
+          </a:fontRef>
+        </p:style>
+      </p:cxnSp>
+      <p:cxnSp>
+        <p:nvCxnSpPr>
+          <p:cNvPr id="20" name="Connecteur droit 19">
+            <a:extLst>
+              <a:ext uri="{FF2B5EF4-FFF2-40B4-BE49-F238E27FC236}">
+                <a16:creationId xmlns:a16="http://schemas.microsoft.com/office/drawing/2014/main" id="{08874CF7-F149-4C81-B61E-74E18342BA8A}"/>
+              </a:ext>
+            </a:extLst>
+          </p:cNvPr>
+          <p:cNvCxnSpPr>
+            <a:cxnSpLocks/>
+          </p:cNvCxnSpPr>
+          <p:nvPr/>
+        </p:nvCxnSpPr>
+        <p:spPr>
+          <a:xfrm>
+            <a:off x="2573222" y="454803"/>
+            <a:ext cx="6829482" cy="10398"/>
+          </a:xfrm>
+          <a:prstGeom prst="line">
+            <a:avLst/>
+          </a:prstGeom>
+        </p:spPr>
+        <p:style>
+          <a:lnRef idx="3">
+            <a:schemeClr val="dk1"/>
+          </a:lnRef>
+          <a:fillRef idx="0">
+            <a:schemeClr val="dk1"/>
+          </a:fillRef>
+          <a:effectRef idx="2">
+            <a:schemeClr val="dk1"/>
+          </a:effectRef>
+          <a:fontRef idx="minor">
+            <a:schemeClr val="tx1"/>
+          </a:fontRef>
+        </p:style>
+      </p:cxnSp>
+      <p:cxnSp>
+        <p:nvCxnSpPr>
+          <p:cNvPr id="26" name="Connecteur droit 25">
+            <a:extLst>
+              <a:ext uri="{FF2B5EF4-FFF2-40B4-BE49-F238E27FC236}">
+                <a16:creationId xmlns:a16="http://schemas.microsoft.com/office/drawing/2014/main" id="{BB3B35CC-057B-48C1-880F-3306A6559175}"/>
+              </a:ext>
+            </a:extLst>
+          </p:cNvPr>
+          <p:cNvCxnSpPr>
+            <a:cxnSpLocks/>
+          </p:cNvCxnSpPr>
+          <p:nvPr/>
+        </p:nvCxnSpPr>
+        <p:spPr>
+          <a:xfrm>
+            <a:off x="738231" y="454803"/>
+            <a:ext cx="344203" cy="484764"/>
+          </a:xfrm>
+          <a:prstGeom prst="line">
+            <a:avLst/>
+          </a:prstGeom>
+        </p:spPr>
+        <p:style>
+          <a:lnRef idx="3">
+            <a:schemeClr val="dk1"/>
+          </a:lnRef>
+          <a:fillRef idx="0">
+            <a:schemeClr val="dk1"/>
+          </a:fillRef>
+          <a:effectRef idx="2">
+            <a:schemeClr val="dk1"/>
+          </a:effectRef>
+          <a:fontRef idx="minor">
+            <a:schemeClr val="tx1"/>
+          </a:fontRef>
+        </p:style>
+      </p:cxnSp>
+      <p:cxnSp>
+        <p:nvCxnSpPr>
+          <p:cNvPr id="32" name="Connecteur droit 31">
+            <a:extLst>
+              <a:ext uri="{FF2B5EF4-FFF2-40B4-BE49-F238E27FC236}">
+                <a16:creationId xmlns:a16="http://schemas.microsoft.com/office/drawing/2014/main" id="{4AD96496-1EB6-4E48-9BB2-5C255495C686}"/>
+              </a:ext>
+            </a:extLst>
+          </p:cNvPr>
+          <p:cNvCxnSpPr>
+            <a:cxnSpLocks/>
+          </p:cNvCxnSpPr>
+          <p:nvPr/>
+        </p:nvCxnSpPr>
+        <p:spPr>
+          <a:xfrm>
+            <a:off x="1082434" y="938268"/>
+            <a:ext cx="1146585" cy="0"/>
+          </a:xfrm>
+          <a:prstGeom prst="line">
+            <a:avLst/>
+          </a:prstGeom>
+        </p:spPr>
+        <p:style>
+          <a:lnRef idx="3">
+            <a:schemeClr val="dk1"/>
+          </a:lnRef>
+          <a:fillRef idx="0">
+            <a:schemeClr val="dk1"/>
+          </a:fillRef>
+          <a:effectRef idx="2">
+            <a:schemeClr val="dk1"/>
+          </a:effectRef>
+          <a:fontRef idx="minor">
+            <a:schemeClr val="tx1"/>
+          </a:fontRef>
+        </p:style>
+      </p:cxnSp>
+      <p:cxnSp>
+        <p:nvCxnSpPr>
+          <p:cNvPr id="51" name="Connecteur droit 50">
+            <a:extLst>
+              <a:ext uri="{FF2B5EF4-FFF2-40B4-BE49-F238E27FC236}">
+                <a16:creationId xmlns:a16="http://schemas.microsoft.com/office/drawing/2014/main" id="{C035BFA6-ECBF-4775-BA81-19D2CA41AA8D}"/>
+              </a:ext>
+            </a:extLst>
+          </p:cNvPr>
+          <p:cNvCxnSpPr>
+            <a:cxnSpLocks/>
+          </p:cNvCxnSpPr>
+          <p:nvPr/>
+        </p:nvCxnSpPr>
+        <p:spPr>
+          <a:xfrm>
+            <a:off x="9402704" y="465201"/>
+            <a:ext cx="344203" cy="495163"/>
+          </a:xfrm>
+          <a:prstGeom prst="line">
+            <a:avLst/>
+          </a:prstGeom>
+        </p:spPr>
+        <p:style>
+          <a:lnRef idx="3">
+            <a:schemeClr val="dk1"/>
+          </a:lnRef>
+          <a:fillRef idx="0">
+            <a:schemeClr val="dk1"/>
+          </a:fillRef>
+          <a:effectRef idx="2">
+            <a:schemeClr val="dk1"/>
+          </a:effectRef>
+          <a:fontRef idx="minor">
+            <a:schemeClr val="tx1"/>
+          </a:fontRef>
+        </p:style>
+      </p:cxnSp>
+      <p:cxnSp>
+        <p:nvCxnSpPr>
+          <p:cNvPr id="52" name="Connecteur droit 51">
+            <a:extLst>
+              <a:ext uri="{FF2B5EF4-FFF2-40B4-BE49-F238E27FC236}">
+                <a16:creationId xmlns:a16="http://schemas.microsoft.com/office/drawing/2014/main" id="{FA310BC7-694B-4984-99A2-61A1F4F6EBF9}"/>
+              </a:ext>
+            </a:extLst>
+          </p:cNvPr>
+          <p:cNvCxnSpPr>
+            <a:cxnSpLocks/>
+          </p:cNvCxnSpPr>
+          <p:nvPr/>
+        </p:nvCxnSpPr>
+        <p:spPr>
+          <a:xfrm flipH="1">
+            <a:off x="11370469" y="448308"/>
+            <a:ext cx="364332" cy="501657"/>
+          </a:xfrm>
+          <a:prstGeom prst="line">
+            <a:avLst/>
+          </a:prstGeom>
+        </p:spPr>
+        <p:style>
+          <a:lnRef idx="3">
+            <a:schemeClr val="dk1"/>
+          </a:lnRef>
+          <a:fillRef idx="0">
+            <a:schemeClr val="dk1"/>
+          </a:fillRef>
+          <a:effectRef idx="2">
+            <a:schemeClr val="dk1"/>
+          </a:effectRef>
+          <a:fontRef idx="minor">
+            <a:schemeClr val="tx1"/>
+          </a:fontRef>
+        </p:style>
+      </p:cxnSp>
+      <p:cxnSp>
+        <p:nvCxnSpPr>
+          <p:cNvPr id="53" name="Connecteur droit 52">
+            <a:extLst>
+              <a:ext uri="{FF2B5EF4-FFF2-40B4-BE49-F238E27FC236}">
+                <a16:creationId xmlns:a16="http://schemas.microsoft.com/office/drawing/2014/main" id="{BE0649BD-EE59-4DDA-960F-95B2572F9F13}"/>
+              </a:ext>
+            </a:extLst>
+          </p:cNvPr>
+          <p:cNvCxnSpPr>
+            <a:cxnSpLocks/>
+          </p:cNvCxnSpPr>
+          <p:nvPr/>
+        </p:nvCxnSpPr>
+        <p:spPr>
+          <a:xfrm>
+            <a:off x="9743203" y="949965"/>
+            <a:ext cx="1627266" cy="0"/>
+          </a:xfrm>
+          <a:prstGeom prst="line">
+            <a:avLst/>
+          </a:prstGeom>
+        </p:spPr>
+        <p:style>
+          <a:lnRef idx="3">
+            <a:schemeClr val="dk1"/>
+          </a:lnRef>
+          <a:fillRef idx="0">
+            <a:schemeClr val="dk1"/>
+          </a:fillRef>
+          <a:effectRef idx="2">
+            <a:schemeClr val="dk1"/>
+          </a:effectRef>
+          <a:fontRef idx="minor">
+            <a:schemeClr val="tx1"/>
+          </a:fontRef>
+        </p:style>
+      </p:cxnSp>
+      <p:cxnSp>
+        <p:nvCxnSpPr>
+          <p:cNvPr id="55" name="Connecteur droit 54">
+            <a:extLst>
+              <a:ext uri="{FF2B5EF4-FFF2-40B4-BE49-F238E27FC236}">
+                <a16:creationId xmlns:a16="http://schemas.microsoft.com/office/drawing/2014/main" id="{52AA9200-DAFA-4EEF-AC13-4C7CE82A59EC}"/>
+              </a:ext>
+            </a:extLst>
+          </p:cNvPr>
+          <p:cNvCxnSpPr>
+            <a:cxnSpLocks/>
+          </p:cNvCxnSpPr>
+          <p:nvPr/>
+        </p:nvCxnSpPr>
+        <p:spPr>
+          <a:xfrm>
+            <a:off x="11715750" y="454801"/>
+            <a:ext cx="476249" cy="10400"/>
+          </a:xfrm>
+          <a:prstGeom prst="line">
+            <a:avLst/>
+          </a:prstGeom>
+        </p:spPr>
+        <p:style>
+          <a:lnRef idx="3">
+            <a:schemeClr val="dk1"/>
+          </a:lnRef>
+          <a:fillRef idx="0">
+            <a:schemeClr val="dk1"/>
+          </a:fillRef>
+          <a:effectRef idx="2">
+            <a:schemeClr val="dk1"/>
+          </a:effectRef>
+          <a:fontRef idx="minor">
+            <a:schemeClr val="tx1"/>
+          </a:fontRef>
+        </p:style>
+      </p:cxnSp>
+      <p:cxnSp>
+        <p:nvCxnSpPr>
+          <p:cNvPr id="23" name="Connecteur droit 22">
+            <a:extLst>
+              <a:ext uri="{FF2B5EF4-FFF2-40B4-BE49-F238E27FC236}">
+                <a16:creationId xmlns:a16="http://schemas.microsoft.com/office/drawing/2014/main" id="{BCB092C8-0080-4E56-957E-0046D4C83988}"/>
+              </a:ext>
+            </a:extLst>
+          </p:cNvPr>
+          <p:cNvCxnSpPr>
+            <a:cxnSpLocks/>
+          </p:cNvCxnSpPr>
+          <p:nvPr/>
+        </p:nvCxnSpPr>
+        <p:spPr>
+          <a:xfrm flipH="1">
+            <a:off x="2216372" y="446356"/>
+            <a:ext cx="364332" cy="501657"/>
+          </a:xfrm>
+          <a:prstGeom prst="line">
+            <a:avLst/>
+          </a:prstGeom>
+        </p:spPr>
+        <p:style>
+          <a:lnRef idx="3">
+            <a:schemeClr val="dk1"/>
+          </a:lnRef>
+          <a:fillRef idx="0">
+            <a:schemeClr val="dk1"/>
+          </a:fillRef>
+          <a:effectRef idx="2">
+            <a:schemeClr val="dk1"/>
+          </a:effectRef>
+          <a:fontRef idx="minor">
+            <a:schemeClr val="tx1"/>
+          </a:fontRef>
+        </p:style>
+      </p:cxnSp>
+      <p:sp>
+        <p:nvSpPr>
+          <p:cNvPr id="3" name="ZoneTexte 2">
+            <a:extLst>
+              <a:ext uri="{FF2B5EF4-FFF2-40B4-BE49-F238E27FC236}">
+                <a16:creationId xmlns:a16="http://schemas.microsoft.com/office/drawing/2014/main" id="{DCCD1615-1755-47F7-AF0B-75E932931245}"/>
+              </a:ext>
+            </a:extLst>
+          </p:cNvPr>
+          <p:cNvSpPr txBox="1"/>
+          <p:nvPr/>
+        </p:nvSpPr>
+        <p:spPr>
+          <a:xfrm>
+            <a:off x="1156800" y="3143689"/>
+            <a:ext cx="2695434" cy="646331"/>
+          </a:xfrm>
+          <a:prstGeom prst="rect">
+            <a:avLst/>
+          </a:prstGeom>
+          <a:noFill/>
+        </p:spPr>
+        <p:txBody>
+          <a:bodyPr wrap="square" rtlCol="0">
+            <a:spAutoFit/>
+          </a:bodyPr>
+          <a:lstStyle/>
+          <a:p>
+            <a:endParaRPr lang="fr-FR" dirty="0"/>
+          </a:p>
+          <a:p>
+            <a:endParaRPr lang="fr-FR" dirty="0"/>
+          </a:p>
+        </p:txBody>
+      </p:sp>
+      <p:sp>
+        <p:nvSpPr>
+          <p:cNvPr id="9" name="ZoneTexte 8">
+            <a:extLst>
+              <a:ext uri="{FF2B5EF4-FFF2-40B4-BE49-F238E27FC236}">
+                <a16:creationId xmlns:a16="http://schemas.microsoft.com/office/drawing/2014/main" id="{82010251-0AD2-4DAA-8E6B-7CA6A2301A9E}"/>
+              </a:ext>
+            </a:extLst>
+          </p:cNvPr>
+          <p:cNvSpPr txBox="1"/>
+          <p:nvPr/>
+        </p:nvSpPr>
+        <p:spPr>
+          <a:xfrm>
+            <a:off x="3779870" y="479063"/>
+            <a:ext cx="4416185" cy="769441"/>
+          </a:xfrm>
+          <a:prstGeom prst="rect">
+            <a:avLst/>
+          </a:prstGeom>
+          <a:noFill/>
+        </p:spPr>
+        <p:txBody>
+          <a:bodyPr wrap="square" rtlCol="0">
+            <a:spAutoFit/>
+          </a:bodyPr>
+          <a:lstStyle/>
+          <a:p>
+            <a:r>
+              <a:rPr lang="fr-FR" sz="4400" dirty="0">
+                <a:latin typeface="Berlin Sans FB" panose="020E0602020502020306" pitchFamily="34" charset="0"/>
+              </a:rPr>
+              <a:t>Partie Personnelle</a:t>
+            </a:r>
+          </a:p>
+        </p:txBody>
+      </p:sp>
+    </p:spTree>
+    <p:extLst>
+      <p:ext uri="{BB962C8B-B14F-4D97-AF65-F5344CB8AC3E}">
+        <p14:creationId xmlns:p14="http://schemas.microsoft.com/office/powerpoint/2010/main" val="2149631933"/>
+      </p:ext>
+    </p:extLst>
+  </p:cSld>
+  <p:clrMapOvr>
+    <a:masterClrMapping/>
+  </p:clrMapOvr>
+  <mc:AlternateContent xmlns:mc="http://schemas.openxmlformats.org/markup-compatibility/2006" xmlns:p14="http://schemas.microsoft.com/office/powerpoint/2010/main">
+    <mc:Choice Requires="p14">
+      <p:transition spd="slow">
+        <p14:reveal/>
+      </p:transition>
+    </mc:Choice>
+    <mc:Fallback xmlns="">
+      <p:transition spd="slow">
+        <p:fade/>
+      </p:transition>
+    </mc:Fallback>
+  </mc:AlternateContent>
+</p:sld>
+</file>
+
+<file path=ppt/slides/slide15.xml><?xml version="1.0" encoding="utf-8"?>
 <p:sld xmlns:a="http://schemas.openxmlformats.org/drawingml/2006/main" xmlns:r="http://schemas.openxmlformats.org/officeDocument/2006/relationships" xmlns:p="http://schemas.openxmlformats.org/presentationml/2006/main">
   <p:cSld>
     <p:spTree>

--- a/oral_projet/revue_2/diaporama_revue_2_dylan.pptx
+++ b/oral_projet/revue_2/diaporama_revue_2_dylan.pptx
@@ -16,12 +16,12 @@
     <p:sldId id="263" r:id="rId7"/>
     <p:sldId id="264" r:id="rId8"/>
     <p:sldId id="265" r:id="rId9"/>
-    <p:sldId id="270" r:id="rId10"/>
-    <p:sldId id="266" r:id="rId11"/>
+    <p:sldId id="266" r:id="rId10"/>
+    <p:sldId id="274" r:id="rId11"/>
     <p:sldId id="268" r:id="rId12"/>
-    <p:sldId id="273" r:id="rId13"/>
-    <p:sldId id="272" r:id="rId14"/>
-    <p:sldId id="260" r:id="rId15"/>
+    <p:sldId id="276" r:id="rId13"/>
+    <p:sldId id="277" r:id="rId14"/>
+    <p:sldId id="275" r:id="rId15"/>
     <p:sldId id="271" r:id="rId16"/>
   </p:sldIdLst>
   <p:sldSz cx="12192000" cy="6858000"/>
@@ -127,10 +127,6 @@
     </p:ext>
   </p:extLst>
 </p:presentation>
-</file>
-
-<file path=ppt/revisionInfo.xml><?xml version="1.0" encoding="utf-8"?>
-<p1510:revInfo xmlns:a="http://schemas.openxmlformats.org/drawingml/2006/main" xmlns:r="http://schemas.openxmlformats.org/officeDocument/2006/relationships" xmlns:p1510="http://schemas.microsoft.com/office/powerpoint/2015/10/main"/>
 </file>
 
 <file path=ppt/notesMasters/notesMaster1.xml><?xml version="1.0" encoding="utf-8"?>
@@ -5312,7 +5308,7 @@
           <p:cNvPr id="2" name="ZoneTexte 1">
             <a:extLst>
               <a:ext uri="{FF2B5EF4-FFF2-40B4-BE49-F238E27FC236}">
-                <a16:creationId xmlns:a16="http://schemas.microsoft.com/office/drawing/2014/main" id="{019E5183-3507-4DC9-B021-75F1BA1CA190}"/>
+                <a16:creationId xmlns:a16="http://schemas.microsoft.com/office/drawing/2014/main" id="{128A5370-27C5-4A3F-98D7-D74D075851FE}"/>
               </a:ext>
             </a:extLst>
           </p:cNvPr>
@@ -5321,8 +5317,8 @@
         </p:nvSpPr>
         <p:spPr>
           <a:xfrm>
-            <a:off x="3580819" y="449902"/>
-            <a:ext cx="4821769" cy="769441"/>
+            <a:off x="3813920" y="465793"/>
+            <a:ext cx="4355567" cy="769441"/>
           </a:xfrm>
           <a:prstGeom prst="rect">
             <a:avLst/>
@@ -5339,197 +5335,17 @@
               <a:rPr lang="fr-FR" sz="4400" dirty="0">
                 <a:latin typeface="Berlin Sans FB" panose="020E0602020502020306" pitchFamily="34" charset="0"/>
               </a:rPr>
-              <a:t>Analyse du matériel</a:t>
+              <a:t>Solutions trouvées</a:t>
             </a:r>
           </a:p>
         </p:txBody>
       </p:sp>
-      <p:pic>
-        <p:nvPicPr>
-          <p:cNvPr id="24" name="Image 23" descr="Une image contenant transport&#10;&#10;Description générée avec un niveau de confiance très élevé">
-            <a:extLst>
-              <a:ext uri="{FF2B5EF4-FFF2-40B4-BE49-F238E27FC236}">
-                <a16:creationId xmlns:a16="http://schemas.microsoft.com/office/drawing/2014/main" id="{4CD3177C-CB9C-4C0D-8079-4AA644CE5E50}"/>
-              </a:ext>
-            </a:extLst>
-          </p:cNvPr>
-          <p:cNvPicPr>
-            <a:picLocks noChangeAspect="1"/>
-          </p:cNvPicPr>
-          <p:nvPr/>
-        </p:nvPicPr>
-        <p:blipFill>
-          <a:blip r:embed="rId4">
-            <a:extLst>
-              <a:ext uri="{28A0092B-C50C-407E-A947-70E740481C1C}">
-                <a14:useLocalDpi xmlns:a14="http://schemas.microsoft.com/office/drawing/2010/main" val="0"/>
-              </a:ext>
-            </a:extLst>
-          </a:blip>
-          <a:stretch>
-            <a:fillRect/>
-          </a:stretch>
-        </p:blipFill>
-        <p:spPr>
-          <a:xfrm>
-            <a:off x="1068751" y="1551166"/>
-            <a:ext cx="715646" cy="715646"/>
-          </a:xfrm>
-          <a:prstGeom prst="rect">
-            <a:avLst/>
-          </a:prstGeom>
-        </p:spPr>
-      </p:pic>
-      <p:pic>
-        <p:nvPicPr>
-          <p:cNvPr id="25" name="Image 24">
-            <a:extLst>
-              <a:ext uri="{FF2B5EF4-FFF2-40B4-BE49-F238E27FC236}">
-                <a16:creationId xmlns:a16="http://schemas.microsoft.com/office/drawing/2014/main" id="{C013474F-1EDC-4B3D-B268-4E855F63F77E}"/>
-              </a:ext>
-            </a:extLst>
-          </p:cNvPr>
-          <p:cNvPicPr>
-            <a:picLocks noChangeAspect="1"/>
-          </p:cNvPicPr>
-          <p:nvPr/>
-        </p:nvPicPr>
-        <p:blipFill>
-          <a:blip r:embed="rId5">
-            <a:extLst>
-              <a:ext uri="{28A0092B-C50C-407E-A947-70E740481C1C}">
-                <a14:useLocalDpi xmlns:a14="http://schemas.microsoft.com/office/drawing/2010/main" val="0"/>
-              </a:ext>
-            </a:extLst>
-          </a:blip>
-          <a:stretch>
-            <a:fillRect/>
-          </a:stretch>
-        </p:blipFill>
-        <p:spPr>
-          <a:xfrm>
-            <a:off x="1113721" y="2775046"/>
-            <a:ext cx="625703" cy="625703"/>
-          </a:xfrm>
-          <a:prstGeom prst="rect">
-            <a:avLst/>
-          </a:prstGeom>
-        </p:spPr>
-      </p:pic>
-      <p:pic>
-        <p:nvPicPr>
-          <p:cNvPr id="28" name="Image 27">
-            <a:extLst>
-              <a:ext uri="{FF2B5EF4-FFF2-40B4-BE49-F238E27FC236}">
-                <a16:creationId xmlns:a16="http://schemas.microsoft.com/office/drawing/2014/main" id="{57519E8A-918A-4B7A-A373-A121BE04A122}"/>
-              </a:ext>
-            </a:extLst>
-          </p:cNvPr>
-          <p:cNvPicPr>
-            <a:picLocks noChangeAspect="1"/>
-          </p:cNvPicPr>
-          <p:nvPr/>
-        </p:nvPicPr>
-        <p:blipFill>
-          <a:blip r:embed="rId6">
-            <a:extLst>
-              <a:ext uri="{28A0092B-C50C-407E-A947-70E740481C1C}">
-                <a14:useLocalDpi xmlns:a14="http://schemas.microsoft.com/office/drawing/2010/main" val="0"/>
-              </a:ext>
-            </a:extLst>
-          </a:blip>
-          <a:stretch>
-            <a:fillRect/>
-          </a:stretch>
-        </p:blipFill>
-        <p:spPr>
-          <a:xfrm>
-            <a:off x="6442369" y="3741299"/>
-            <a:ext cx="700821" cy="700821"/>
-          </a:xfrm>
-          <a:prstGeom prst="rect">
-            <a:avLst/>
-          </a:prstGeom>
-        </p:spPr>
-      </p:pic>
-      <p:pic>
-        <p:nvPicPr>
-          <p:cNvPr id="29" name="Image 28">
-            <a:extLst>
-              <a:ext uri="{FF2B5EF4-FFF2-40B4-BE49-F238E27FC236}">
-                <a16:creationId xmlns:a16="http://schemas.microsoft.com/office/drawing/2014/main" id="{0875E027-F508-4529-A577-BAE6AA73B275}"/>
-              </a:ext>
-            </a:extLst>
-          </p:cNvPr>
-          <p:cNvPicPr>
-            <a:picLocks noChangeAspect="1"/>
-          </p:cNvPicPr>
-          <p:nvPr/>
-        </p:nvPicPr>
-        <p:blipFill>
-          <a:blip r:embed="rId7">
-            <a:extLst>
-              <a:ext uri="{28A0092B-C50C-407E-A947-70E740481C1C}">
-                <a14:useLocalDpi xmlns:a14="http://schemas.microsoft.com/office/drawing/2010/main" val="0"/>
-              </a:ext>
-            </a:extLst>
-          </a:blip>
-          <a:stretch>
-            <a:fillRect/>
-          </a:stretch>
-        </p:blipFill>
-        <p:spPr>
-          <a:xfrm>
-            <a:off x="6416140" y="2653833"/>
-            <a:ext cx="746916" cy="746916"/>
-          </a:xfrm>
-          <a:prstGeom prst="rect">
-            <a:avLst/>
-          </a:prstGeom>
-        </p:spPr>
-      </p:pic>
-      <p:pic>
-        <p:nvPicPr>
-          <p:cNvPr id="4" name="Image 3">
-            <a:extLst>
-              <a:ext uri="{FF2B5EF4-FFF2-40B4-BE49-F238E27FC236}">
-                <a16:creationId xmlns:a16="http://schemas.microsoft.com/office/drawing/2014/main" id="{6A56240B-CEBA-4842-83FC-DA1952EEB740}"/>
-              </a:ext>
-            </a:extLst>
-          </p:cNvPr>
-          <p:cNvPicPr>
-            <a:picLocks noChangeAspect="1"/>
-          </p:cNvPicPr>
-          <p:nvPr/>
-        </p:nvPicPr>
-        <p:blipFill>
-          <a:blip r:embed="rId8">
-            <a:extLst>
-              <a:ext uri="{28A0092B-C50C-407E-A947-70E740481C1C}">
-                <a14:useLocalDpi xmlns:a14="http://schemas.microsoft.com/office/drawing/2010/main" val="0"/>
-              </a:ext>
-            </a:extLst>
-          </a:blip>
-          <a:stretch>
-            <a:fillRect/>
-          </a:stretch>
-        </p:blipFill>
-        <p:spPr>
-          <a:xfrm>
-            <a:off x="6399429" y="1551166"/>
-            <a:ext cx="780337" cy="780337"/>
-          </a:xfrm>
-          <a:prstGeom prst="rect">
-            <a:avLst/>
-          </a:prstGeom>
-        </p:spPr>
-      </p:pic>
       <p:sp>
         <p:nvSpPr>
-          <p:cNvPr id="3" name="ZoneTexte 2">
-            <a:extLst>
-              <a:ext uri="{FF2B5EF4-FFF2-40B4-BE49-F238E27FC236}">
-                <a16:creationId xmlns:a16="http://schemas.microsoft.com/office/drawing/2014/main" id="{6F21E2AC-5013-4E14-AA1E-CF440C8AF6D5}"/>
+          <p:cNvPr id="7" name="ZoneTexte 6">
+            <a:extLst>
+              <a:ext uri="{FF2B5EF4-FFF2-40B4-BE49-F238E27FC236}">
+                <a16:creationId xmlns:a16="http://schemas.microsoft.com/office/drawing/2014/main" id="{F5143EC5-EF8B-4615-B050-3E12BF28AC28}"/>
               </a:ext>
             </a:extLst>
           </p:cNvPr>
@@ -5538,8 +5354,8 @@
         </p:nvSpPr>
         <p:spPr>
           <a:xfrm>
-            <a:off x="1886350" y="1551166"/>
-            <a:ext cx="3248997" cy="646331"/>
+            <a:off x="3951615" y="1235234"/>
+            <a:ext cx="4072695" cy="523220"/>
           </a:xfrm>
           <a:prstGeom prst="rect">
             <a:avLst/>
@@ -5553,205 +5369,18 @@
           <a:lstStyle/>
           <a:p>
             <a:r>
-              <a:rPr lang="fr-FR" dirty="0"/>
-              <a:t>Mesure en W/m²</a:t>
-            </a:r>
-          </a:p>
-          <a:p>
-            <a:r>
-              <a:rPr lang="fr-FR" dirty="0"/>
-              <a:t>Utilisation de la boucle 4-20 mA</a:t>
-            </a:r>
-          </a:p>
-        </p:txBody>
-      </p:sp>
-      <p:sp>
-        <p:nvSpPr>
-          <p:cNvPr id="30" name="ZoneTexte 29">
-            <a:extLst>
-              <a:ext uri="{FF2B5EF4-FFF2-40B4-BE49-F238E27FC236}">
-                <a16:creationId xmlns:a16="http://schemas.microsoft.com/office/drawing/2014/main" id="{1684707A-FE8B-409E-8A18-EC748AA22A1D}"/>
-              </a:ext>
-            </a:extLst>
-          </p:cNvPr>
-          <p:cNvSpPr txBox="1"/>
-          <p:nvPr/>
-        </p:nvSpPr>
-        <p:spPr>
-          <a:xfrm>
-            <a:off x="7268109" y="3785878"/>
-            <a:ext cx="3218129" cy="646331"/>
-          </a:xfrm>
-          <a:prstGeom prst="rect">
-            <a:avLst/>
-          </a:prstGeom>
-          <a:noFill/>
-        </p:spPr>
-        <p:txBody>
-          <a:bodyPr wrap="square" rtlCol="0">
-            <a:spAutoFit/>
-          </a:bodyPr>
-          <a:lstStyle/>
-          <a:p>
-            <a:r>
-              <a:rPr lang="fr-FR" dirty="0"/>
-              <a:t>Mesure en °C</a:t>
-            </a:r>
-          </a:p>
-          <a:p>
-            <a:r>
-              <a:rPr lang="fr-FR" dirty="0"/>
-              <a:t>Utilisation de la boucle 4-20 mA</a:t>
-            </a:r>
-          </a:p>
-        </p:txBody>
-      </p:sp>
-      <p:sp>
-        <p:nvSpPr>
-          <p:cNvPr id="5" name="ZoneTexte 4">
-            <a:extLst>
-              <a:ext uri="{FF2B5EF4-FFF2-40B4-BE49-F238E27FC236}">
-                <a16:creationId xmlns:a16="http://schemas.microsoft.com/office/drawing/2014/main" id="{B40B891D-AA45-4E59-AC5F-D2EA371A7D66}"/>
-              </a:ext>
-            </a:extLst>
-          </p:cNvPr>
-          <p:cNvSpPr txBox="1"/>
-          <p:nvPr/>
-        </p:nvSpPr>
-        <p:spPr>
-          <a:xfrm>
-            <a:off x="1886350" y="2778176"/>
-            <a:ext cx="3187817" cy="369332"/>
-          </a:xfrm>
-          <a:prstGeom prst="rect">
-            <a:avLst/>
-          </a:prstGeom>
-          <a:noFill/>
-        </p:spPr>
-        <p:txBody>
-          <a:bodyPr wrap="square" rtlCol="0">
-            <a:spAutoFit/>
-          </a:bodyPr>
-          <a:lstStyle/>
-          <a:p>
-            <a:r>
-              <a:rPr lang="fr-FR" dirty="0"/>
-              <a:t>Pulsation tous les 0,2mm d’eau</a:t>
-            </a:r>
-          </a:p>
-        </p:txBody>
-      </p:sp>
-      <p:sp>
-        <p:nvSpPr>
-          <p:cNvPr id="6" name="ZoneTexte 5">
-            <a:extLst>
-              <a:ext uri="{FF2B5EF4-FFF2-40B4-BE49-F238E27FC236}">
-                <a16:creationId xmlns:a16="http://schemas.microsoft.com/office/drawing/2014/main" id="{7E83B889-DF63-4B4C-A6D7-7A1F026B19F2}"/>
-              </a:ext>
-            </a:extLst>
-          </p:cNvPr>
-          <p:cNvSpPr txBox="1"/>
-          <p:nvPr/>
-        </p:nvSpPr>
-        <p:spPr>
-          <a:xfrm>
-            <a:off x="1886350" y="5421031"/>
-            <a:ext cx="3742663" cy="646331"/>
-          </a:xfrm>
-          <a:prstGeom prst="rect">
-            <a:avLst/>
-          </a:prstGeom>
-          <a:noFill/>
-        </p:spPr>
-        <p:txBody>
-          <a:bodyPr wrap="square" rtlCol="0">
-            <a:spAutoFit/>
-          </a:bodyPr>
-          <a:lstStyle/>
-          <a:p>
-            <a:r>
-              <a:rPr lang="fr-FR" dirty="0"/>
-              <a:t>Utilisation du bus CAN pour convertir la tension en code puis en direction</a:t>
-            </a:r>
-          </a:p>
-        </p:txBody>
-      </p:sp>
-      <p:sp>
-        <p:nvSpPr>
-          <p:cNvPr id="7" name="ZoneTexte 6">
-            <a:extLst>
-              <a:ext uri="{FF2B5EF4-FFF2-40B4-BE49-F238E27FC236}">
-                <a16:creationId xmlns:a16="http://schemas.microsoft.com/office/drawing/2014/main" id="{4ED520D9-CAD2-4881-B369-D691693E0F68}"/>
-              </a:ext>
-            </a:extLst>
-          </p:cNvPr>
-          <p:cNvSpPr txBox="1"/>
-          <p:nvPr/>
-        </p:nvSpPr>
-        <p:spPr>
-          <a:xfrm>
-            <a:off x="7262025" y="1517948"/>
-            <a:ext cx="4372009" cy="646331"/>
-          </a:xfrm>
-          <a:prstGeom prst="rect">
-            <a:avLst/>
-          </a:prstGeom>
-          <a:noFill/>
-        </p:spPr>
-        <p:txBody>
-          <a:bodyPr wrap="square" rtlCol="0">
-            <a:spAutoFit/>
-          </a:bodyPr>
-          <a:lstStyle/>
-          <a:p>
-            <a:r>
-              <a:rPr lang="fr-FR" dirty="0"/>
-              <a:t>Utilisation des ports analogiques et digitales pour connecter les différents capteurs</a:t>
-            </a:r>
-          </a:p>
-        </p:txBody>
-      </p:sp>
-      <p:sp>
-        <p:nvSpPr>
-          <p:cNvPr id="9" name="ZoneTexte 8">
-            <a:extLst>
-              <a:ext uri="{FF2B5EF4-FFF2-40B4-BE49-F238E27FC236}">
-                <a16:creationId xmlns:a16="http://schemas.microsoft.com/office/drawing/2014/main" id="{DA4EBD6C-A43E-4361-8AA6-C03894AB84A7}"/>
-              </a:ext>
-            </a:extLst>
-          </p:cNvPr>
-          <p:cNvSpPr txBox="1"/>
-          <p:nvPr/>
-        </p:nvSpPr>
-        <p:spPr>
-          <a:xfrm>
-            <a:off x="7262025" y="2651913"/>
-            <a:ext cx="4391060" cy="646331"/>
-          </a:xfrm>
-          <a:prstGeom prst="rect">
-            <a:avLst/>
-          </a:prstGeom>
-          <a:noFill/>
-        </p:spPr>
-        <p:txBody>
-          <a:bodyPr wrap="square" rtlCol="0">
-            <a:spAutoFit/>
-          </a:bodyPr>
-          <a:lstStyle/>
-          <a:p>
-            <a:r>
-              <a:rPr lang="fr-FR" dirty="0"/>
-              <a:t>Utilisation de la Raspberry pour la connexion a l'Arduino puis a la base de données</a:t>
+              <a:rPr lang="fr-FR" sz="2800" dirty="0"/>
+              <a:t>Partie 1 : Base de données</a:t>
             </a:r>
           </a:p>
         </p:txBody>
       </p:sp>
       <p:pic>
         <p:nvPicPr>
-          <p:cNvPr id="35" name="Image 34">
-            <a:extLst>
-              <a:ext uri="{FF2B5EF4-FFF2-40B4-BE49-F238E27FC236}">
-                <a16:creationId xmlns:a16="http://schemas.microsoft.com/office/drawing/2014/main" id="{6A1CE2C4-95A0-49AE-86F2-2CDF5D1FD271}"/>
+          <p:cNvPr id="3" name="Image 2">
+            <a:extLst>
+              <a:ext uri="{FF2B5EF4-FFF2-40B4-BE49-F238E27FC236}">
+                <a16:creationId xmlns:a16="http://schemas.microsoft.com/office/drawing/2014/main" id="{D7D6BC20-7C31-4D81-98DC-303F80A6A6B6}"/>
               </a:ext>
             </a:extLst>
           </p:cNvPr>
@@ -5760,102 +5389,25 @@
           </p:cNvPicPr>
           <p:nvPr/>
         </p:nvPicPr>
-        <p:blipFill>
-          <a:blip r:embed="rId9">
-            <a:extLst>
-              <a:ext uri="{28A0092B-C50C-407E-A947-70E740481C1C}">
-                <a14:useLocalDpi xmlns:a14="http://schemas.microsoft.com/office/drawing/2010/main" val="0"/>
-              </a:ext>
-            </a:extLst>
-          </a:blip>
-          <a:stretch>
-            <a:fillRect/>
-          </a:stretch>
-        </p:blipFill>
-        <p:spPr>
-          <a:xfrm>
-            <a:off x="1101424" y="5421031"/>
-            <a:ext cx="650296" cy="650296"/>
-          </a:xfrm>
-          <a:prstGeom prst="rect">
-            <a:avLst/>
-          </a:prstGeom>
-        </p:spPr>
-      </p:pic>
-      <p:pic>
-        <p:nvPicPr>
-          <p:cNvPr id="36" name="Image 35">
-            <a:extLst>
-              <a:ext uri="{FF2B5EF4-FFF2-40B4-BE49-F238E27FC236}">
-                <a16:creationId xmlns:a16="http://schemas.microsoft.com/office/drawing/2014/main" id="{DE5B6D72-9D52-4068-9B4C-E67F54E7F138}"/>
-              </a:ext>
-            </a:extLst>
-          </p:cNvPr>
-          <p:cNvPicPr>
-            <a:picLocks noChangeAspect="1"/>
-          </p:cNvPicPr>
-          <p:nvPr/>
-        </p:nvPicPr>
         <p:blipFill rotWithShape="1">
-          <a:blip r:embed="rId10">
-            <a:extLst>
-              <a:ext uri="{28A0092B-C50C-407E-A947-70E740481C1C}">
-                <a14:useLocalDpi xmlns:a14="http://schemas.microsoft.com/office/drawing/2010/main" val="0"/>
-              </a:ext>
-            </a:extLst>
-          </a:blip>
-          <a:srcRect r="8552" b="8552"/>
+          <a:blip r:embed="rId4"/>
+          <a:srcRect l="6306" t="6029" r="18060" b="17979"/>
           <a:stretch/>
         </p:blipFill>
         <p:spPr>
           <a:xfrm>
-            <a:off x="964343" y="3908984"/>
-            <a:ext cx="924460" cy="1003812"/>
+            <a:off x="1536486" y="1890976"/>
+            <a:ext cx="8902952" cy="4633753"/>
           </a:xfrm>
           <a:prstGeom prst="rect">
             <a:avLst/>
           </a:prstGeom>
         </p:spPr>
       </p:pic>
-      <p:sp>
-        <p:nvSpPr>
-          <p:cNvPr id="11" name="ZoneTexte 10">
-            <a:extLst>
-              <a:ext uri="{FF2B5EF4-FFF2-40B4-BE49-F238E27FC236}">
-                <a16:creationId xmlns:a16="http://schemas.microsoft.com/office/drawing/2014/main" id="{1FDBFBAA-9A98-470A-815D-19D14501FB00}"/>
-              </a:ext>
-            </a:extLst>
-          </p:cNvPr>
-          <p:cNvSpPr txBox="1"/>
-          <p:nvPr/>
-        </p:nvSpPr>
-        <p:spPr>
-          <a:xfrm>
-            <a:off x="1888803" y="3907044"/>
-            <a:ext cx="2998321" cy="369332"/>
-          </a:xfrm>
-          <a:prstGeom prst="rect">
-            <a:avLst/>
-          </a:prstGeom>
-          <a:noFill/>
-        </p:spPr>
-        <p:txBody>
-          <a:bodyPr wrap="none" rtlCol="0">
-            <a:spAutoFit/>
-          </a:bodyPr>
-          <a:lstStyle/>
-          <a:p>
-            <a:r>
-              <a:rPr lang="fr-FR" dirty="0"/>
-              <a:t>1600 tours par heure = 1km/h</a:t>
-            </a:r>
-          </a:p>
-        </p:txBody>
-      </p:sp>
     </p:spTree>
     <p:extLst>
       <p:ext uri="{BB962C8B-B14F-4D97-AF65-F5344CB8AC3E}">
-        <p14:creationId xmlns:p14="http://schemas.microsoft.com/office/powerpoint/2010/main" val="4183481209"/>
+        <p14:creationId xmlns:p14="http://schemas.microsoft.com/office/powerpoint/2010/main" val="3442466105"/>
       </p:ext>
     </p:extLst>
   </p:cSld>
@@ -5874,381 +5426,6 @@
       </p:transition>
     </mc:Fallback>
   </mc:AlternateContent>
-  <p:timing>
-    <p:tnLst>
-      <p:par>
-        <p:cTn id="1" dur="indefinite" restart="never" nodeType="tmRoot">
-          <p:childTnLst>
-            <p:seq concurrent="1" nextAc="seek">
-              <p:cTn id="2" dur="indefinite" nodeType="mainSeq">
-                <p:childTnLst>
-                  <p:par>
-                    <p:cTn id="3" fill="hold">
-                      <p:stCondLst>
-                        <p:cond delay="indefinite"/>
-                        <p:cond evt="onBegin" delay="0">
-                          <p:tn val="2"/>
-                        </p:cond>
-                      </p:stCondLst>
-                      <p:childTnLst>
-                        <p:par>
-                          <p:cTn id="4" fill="hold">
-                            <p:stCondLst>
-                              <p:cond delay="0"/>
-                            </p:stCondLst>
-                            <p:childTnLst>
-                              <p:par>
-                                <p:cTn id="5" presetID="42" presetClass="entr" presetSubtype="0" fill="hold" nodeType="withEffect">
-                                  <p:stCondLst>
-                                    <p:cond delay="0"/>
-                                  </p:stCondLst>
-                                  <p:childTnLst>
-                                    <p:set>
-                                      <p:cBhvr>
-                                        <p:cTn id="6" dur="1" fill="hold">
-                                          <p:stCondLst>
-                                            <p:cond delay="0"/>
-                                          </p:stCondLst>
-                                        </p:cTn>
-                                        <p:tgtEl>
-                                          <p:spTgt spid="24"/>
-                                        </p:tgtEl>
-                                        <p:attrNameLst>
-                                          <p:attrName>style.visibility</p:attrName>
-                                        </p:attrNameLst>
-                                      </p:cBhvr>
-                                      <p:to>
-                                        <p:strVal val="visible"/>
-                                      </p:to>
-                                    </p:set>
-                                    <p:animEffect transition="in" filter="fade">
-                                      <p:cBhvr>
-                                        <p:cTn id="7" dur="1000"/>
-                                        <p:tgtEl>
-                                          <p:spTgt spid="24"/>
-                                        </p:tgtEl>
-                                      </p:cBhvr>
-                                    </p:animEffect>
-                                    <p:anim calcmode="lin" valueType="num">
-                                      <p:cBhvr>
-                                        <p:cTn id="8" dur="1000" fill="hold"/>
-                                        <p:tgtEl>
-                                          <p:spTgt spid="24"/>
-                                        </p:tgtEl>
-                                        <p:attrNameLst>
-                                          <p:attrName>ppt_x</p:attrName>
-                                        </p:attrNameLst>
-                                      </p:cBhvr>
-                                      <p:tavLst>
-                                        <p:tav tm="0">
-                                          <p:val>
-                                            <p:strVal val="#ppt_x"/>
-                                          </p:val>
-                                        </p:tav>
-                                        <p:tav tm="100000">
-                                          <p:val>
-                                            <p:strVal val="#ppt_x"/>
-                                          </p:val>
-                                        </p:tav>
-                                      </p:tavLst>
-                                    </p:anim>
-                                    <p:anim calcmode="lin" valueType="num">
-                                      <p:cBhvr>
-                                        <p:cTn id="9" dur="1000" fill="hold"/>
-                                        <p:tgtEl>
-                                          <p:spTgt spid="24"/>
-                                        </p:tgtEl>
-                                        <p:attrNameLst>
-                                          <p:attrName>ppt_y</p:attrName>
-                                        </p:attrNameLst>
-                                      </p:cBhvr>
-                                      <p:tavLst>
-                                        <p:tav tm="0">
-                                          <p:val>
-                                            <p:strVal val="#ppt_y+.1"/>
-                                          </p:val>
-                                        </p:tav>
-                                        <p:tav tm="100000">
-                                          <p:val>
-                                            <p:strVal val="#ppt_y"/>
-                                          </p:val>
-                                        </p:tav>
-                                      </p:tavLst>
-                                    </p:anim>
-                                  </p:childTnLst>
-                                </p:cTn>
-                              </p:par>
-                              <p:par>
-                                <p:cTn id="10" presetID="42" presetClass="entr" presetSubtype="0" fill="hold" nodeType="withEffect">
-                                  <p:stCondLst>
-                                    <p:cond delay="0"/>
-                                  </p:stCondLst>
-                                  <p:childTnLst>
-                                    <p:set>
-                                      <p:cBhvr>
-                                        <p:cTn id="11" dur="1" fill="hold">
-                                          <p:stCondLst>
-                                            <p:cond delay="0"/>
-                                          </p:stCondLst>
-                                        </p:cTn>
-                                        <p:tgtEl>
-                                          <p:spTgt spid="25"/>
-                                        </p:tgtEl>
-                                        <p:attrNameLst>
-                                          <p:attrName>style.visibility</p:attrName>
-                                        </p:attrNameLst>
-                                      </p:cBhvr>
-                                      <p:to>
-                                        <p:strVal val="visible"/>
-                                      </p:to>
-                                    </p:set>
-                                    <p:animEffect transition="in" filter="fade">
-                                      <p:cBhvr>
-                                        <p:cTn id="12" dur="1000"/>
-                                        <p:tgtEl>
-                                          <p:spTgt spid="25"/>
-                                        </p:tgtEl>
-                                      </p:cBhvr>
-                                    </p:animEffect>
-                                    <p:anim calcmode="lin" valueType="num">
-                                      <p:cBhvr>
-                                        <p:cTn id="13" dur="1000" fill="hold"/>
-                                        <p:tgtEl>
-                                          <p:spTgt spid="25"/>
-                                        </p:tgtEl>
-                                        <p:attrNameLst>
-                                          <p:attrName>ppt_x</p:attrName>
-                                        </p:attrNameLst>
-                                      </p:cBhvr>
-                                      <p:tavLst>
-                                        <p:tav tm="0">
-                                          <p:val>
-                                            <p:strVal val="#ppt_x"/>
-                                          </p:val>
-                                        </p:tav>
-                                        <p:tav tm="100000">
-                                          <p:val>
-                                            <p:strVal val="#ppt_x"/>
-                                          </p:val>
-                                        </p:tav>
-                                      </p:tavLst>
-                                    </p:anim>
-                                    <p:anim calcmode="lin" valueType="num">
-                                      <p:cBhvr>
-                                        <p:cTn id="14" dur="1000" fill="hold"/>
-                                        <p:tgtEl>
-                                          <p:spTgt spid="25"/>
-                                        </p:tgtEl>
-                                        <p:attrNameLst>
-                                          <p:attrName>ppt_y</p:attrName>
-                                        </p:attrNameLst>
-                                      </p:cBhvr>
-                                      <p:tavLst>
-                                        <p:tav tm="0">
-                                          <p:val>
-                                            <p:strVal val="#ppt_y+.1"/>
-                                          </p:val>
-                                        </p:tav>
-                                        <p:tav tm="100000">
-                                          <p:val>
-                                            <p:strVal val="#ppt_y"/>
-                                          </p:val>
-                                        </p:tav>
-                                      </p:tavLst>
-                                    </p:anim>
-                                  </p:childTnLst>
-                                </p:cTn>
-                              </p:par>
-                              <p:par>
-                                <p:cTn id="15" presetID="42" presetClass="entr" presetSubtype="0" fill="hold" nodeType="withEffect">
-                                  <p:stCondLst>
-                                    <p:cond delay="0"/>
-                                  </p:stCondLst>
-                                  <p:childTnLst>
-                                    <p:set>
-                                      <p:cBhvr>
-                                        <p:cTn id="16" dur="1" fill="hold">
-                                          <p:stCondLst>
-                                            <p:cond delay="0"/>
-                                          </p:stCondLst>
-                                        </p:cTn>
-                                        <p:tgtEl>
-                                          <p:spTgt spid="28"/>
-                                        </p:tgtEl>
-                                        <p:attrNameLst>
-                                          <p:attrName>style.visibility</p:attrName>
-                                        </p:attrNameLst>
-                                      </p:cBhvr>
-                                      <p:to>
-                                        <p:strVal val="visible"/>
-                                      </p:to>
-                                    </p:set>
-                                    <p:animEffect transition="in" filter="fade">
-                                      <p:cBhvr>
-                                        <p:cTn id="17" dur="1000"/>
-                                        <p:tgtEl>
-                                          <p:spTgt spid="28"/>
-                                        </p:tgtEl>
-                                      </p:cBhvr>
-                                    </p:animEffect>
-                                    <p:anim calcmode="lin" valueType="num">
-                                      <p:cBhvr>
-                                        <p:cTn id="18" dur="1000" fill="hold"/>
-                                        <p:tgtEl>
-                                          <p:spTgt spid="28"/>
-                                        </p:tgtEl>
-                                        <p:attrNameLst>
-                                          <p:attrName>ppt_x</p:attrName>
-                                        </p:attrNameLst>
-                                      </p:cBhvr>
-                                      <p:tavLst>
-                                        <p:tav tm="0">
-                                          <p:val>
-                                            <p:strVal val="#ppt_x"/>
-                                          </p:val>
-                                        </p:tav>
-                                        <p:tav tm="100000">
-                                          <p:val>
-                                            <p:strVal val="#ppt_x"/>
-                                          </p:val>
-                                        </p:tav>
-                                      </p:tavLst>
-                                    </p:anim>
-                                    <p:anim calcmode="lin" valueType="num">
-                                      <p:cBhvr>
-                                        <p:cTn id="19" dur="1000" fill="hold"/>
-                                        <p:tgtEl>
-                                          <p:spTgt spid="28"/>
-                                        </p:tgtEl>
-                                        <p:attrNameLst>
-                                          <p:attrName>ppt_y</p:attrName>
-                                        </p:attrNameLst>
-                                      </p:cBhvr>
-                                      <p:tavLst>
-                                        <p:tav tm="0">
-                                          <p:val>
-                                            <p:strVal val="#ppt_y+.1"/>
-                                          </p:val>
-                                        </p:tav>
-                                        <p:tav tm="100000">
-                                          <p:val>
-                                            <p:strVal val="#ppt_y"/>
-                                          </p:val>
-                                        </p:tav>
-                                      </p:tavLst>
-                                    </p:anim>
-                                  </p:childTnLst>
-                                </p:cTn>
-                              </p:par>
-                              <p:par>
-                                <p:cTn id="20" presetID="42" presetClass="entr" presetSubtype="0" fill="hold" nodeType="withEffect">
-                                  <p:stCondLst>
-                                    <p:cond delay="0"/>
-                                  </p:stCondLst>
-                                  <p:childTnLst>
-                                    <p:set>
-                                      <p:cBhvr>
-                                        <p:cTn id="21" dur="1" fill="hold">
-                                          <p:stCondLst>
-                                            <p:cond delay="0"/>
-                                          </p:stCondLst>
-                                        </p:cTn>
-                                        <p:tgtEl>
-                                          <p:spTgt spid="29"/>
-                                        </p:tgtEl>
-                                        <p:attrNameLst>
-                                          <p:attrName>style.visibility</p:attrName>
-                                        </p:attrNameLst>
-                                      </p:cBhvr>
-                                      <p:to>
-                                        <p:strVal val="visible"/>
-                                      </p:to>
-                                    </p:set>
-                                    <p:animEffect transition="in" filter="fade">
-                                      <p:cBhvr>
-                                        <p:cTn id="22" dur="1000"/>
-                                        <p:tgtEl>
-                                          <p:spTgt spid="29"/>
-                                        </p:tgtEl>
-                                      </p:cBhvr>
-                                    </p:animEffect>
-                                    <p:anim calcmode="lin" valueType="num">
-                                      <p:cBhvr>
-                                        <p:cTn id="23" dur="1000" fill="hold"/>
-                                        <p:tgtEl>
-                                          <p:spTgt spid="29"/>
-                                        </p:tgtEl>
-                                        <p:attrNameLst>
-                                          <p:attrName>ppt_x</p:attrName>
-                                        </p:attrNameLst>
-                                      </p:cBhvr>
-                                      <p:tavLst>
-                                        <p:tav tm="0">
-                                          <p:val>
-                                            <p:strVal val="#ppt_x"/>
-                                          </p:val>
-                                        </p:tav>
-                                        <p:tav tm="100000">
-                                          <p:val>
-                                            <p:strVal val="#ppt_x"/>
-                                          </p:val>
-                                        </p:tav>
-                                      </p:tavLst>
-                                    </p:anim>
-                                    <p:anim calcmode="lin" valueType="num">
-                                      <p:cBhvr>
-                                        <p:cTn id="24" dur="1000" fill="hold"/>
-                                        <p:tgtEl>
-                                          <p:spTgt spid="29"/>
-                                        </p:tgtEl>
-                                        <p:attrNameLst>
-                                          <p:attrName>ppt_y</p:attrName>
-                                        </p:attrNameLst>
-                                      </p:cBhvr>
-                                      <p:tavLst>
-                                        <p:tav tm="0">
-                                          <p:val>
-                                            <p:strVal val="#ppt_y+.1"/>
-                                          </p:val>
-                                        </p:tav>
-                                        <p:tav tm="100000">
-                                          <p:val>
-                                            <p:strVal val="#ppt_y"/>
-                                          </p:val>
-                                        </p:tav>
-                                      </p:tavLst>
-                                    </p:anim>
-                                  </p:childTnLst>
-                                </p:cTn>
-                              </p:par>
-                            </p:childTnLst>
-                          </p:cTn>
-                        </p:par>
-                      </p:childTnLst>
-                    </p:cTn>
-                  </p:par>
-                </p:childTnLst>
-              </p:cTn>
-              <p:prevCondLst>
-                <p:cond evt="onPrev" delay="0">
-                  <p:tgtEl>
-                    <p:sldTgt/>
-                  </p:tgtEl>
-                </p:cond>
-              </p:prevCondLst>
-              <p:nextCondLst>
-                <p:cond evt="onNext" delay="0">
-                  <p:tgtEl>
-                    <p:sldTgt/>
-                  </p:tgtEl>
-                </p:cond>
-              </p:nextCondLst>
-            </p:seq>
-          </p:childTnLst>
-        </p:cTn>
-      </p:par>
-    </p:tnLst>
-  </p:timing>
 </p:sld>
 </file>
 
@@ -7090,7 +6267,7 @@
           <a:p>
             <a:r>
               <a:rPr lang="fr-FR" sz="2800" dirty="0"/>
-              <a:t>Partie 1 : Pluviomètre</a:t>
+              <a:t>Partie 2 : Pluviomètre</a:t>
             </a:r>
           </a:p>
         </p:txBody>
@@ -10399,15 +9576,87 @@
           <a:p>
             <a:r>
               <a:rPr lang="fr-FR" sz="2800" dirty="0"/>
-              <a:t>Partie 1 : Pluviomètre</a:t>
+              <a:t>Partie 2 : Pluviomètre</a:t>
             </a:r>
           </a:p>
         </p:txBody>
       </p:sp>
+      <p:pic>
+        <p:nvPicPr>
+          <p:cNvPr id="11" name="Image 10">
+            <a:extLst>
+              <a:ext uri="{FF2B5EF4-FFF2-40B4-BE49-F238E27FC236}">
+                <a16:creationId xmlns:a16="http://schemas.microsoft.com/office/drawing/2014/main" id="{B24E3955-7EAD-4921-9442-183E47E88E00}"/>
+              </a:ext>
+            </a:extLst>
+          </p:cNvPr>
+          <p:cNvPicPr>
+            <a:picLocks noChangeAspect="1"/>
+          </p:cNvPicPr>
+          <p:nvPr/>
+        </p:nvPicPr>
+        <p:blipFill>
+          <a:blip r:embed="rId4">
+            <a:extLst>
+              <a:ext uri="{28A0092B-C50C-407E-A947-70E740481C1C}">
+                <a14:useLocalDpi xmlns:a14="http://schemas.microsoft.com/office/drawing/2010/main" val="0"/>
+              </a:ext>
+            </a:extLst>
+          </a:blip>
+          <a:stretch>
+            <a:fillRect/>
+          </a:stretch>
+        </p:blipFill>
+        <p:spPr>
+          <a:xfrm>
+            <a:off x="369115" y="1758454"/>
+            <a:ext cx="5318890" cy="4702358"/>
+          </a:xfrm>
+          <a:prstGeom prst="rect">
+            <a:avLst/>
+          </a:prstGeom>
+        </p:spPr>
+      </p:pic>
+      <p:pic>
+        <p:nvPicPr>
+          <p:cNvPr id="15" name="Image 14">
+            <a:extLst>
+              <a:ext uri="{FF2B5EF4-FFF2-40B4-BE49-F238E27FC236}">
+                <a16:creationId xmlns:a16="http://schemas.microsoft.com/office/drawing/2014/main" id="{C3C6AF8F-8459-4C8D-B9BC-F6ECED2A976E}"/>
+              </a:ext>
+            </a:extLst>
+          </p:cNvPr>
+          <p:cNvPicPr>
+            <a:picLocks noChangeAspect="1"/>
+          </p:cNvPicPr>
+          <p:nvPr/>
+        </p:nvPicPr>
+        <p:blipFill>
+          <a:blip r:embed="rId5">
+            <a:extLst>
+              <a:ext uri="{28A0092B-C50C-407E-A947-70E740481C1C}">
+                <a14:useLocalDpi xmlns:a14="http://schemas.microsoft.com/office/drawing/2010/main" val="0"/>
+              </a:ext>
+            </a:extLst>
+          </a:blip>
+          <a:stretch>
+            <a:fillRect/>
+          </a:stretch>
+        </p:blipFill>
+        <p:spPr>
+          <a:xfrm>
+            <a:off x="5688005" y="1758454"/>
+            <a:ext cx="6344535" cy="3210373"/>
+          </a:xfrm>
+          <a:prstGeom prst="rect">
+            <a:avLst/>
+          </a:prstGeom>
+        </p:spPr>
+      </p:pic>
     </p:spTree>
     <p:extLst>
       <p:ext uri="{BB962C8B-B14F-4D97-AF65-F5344CB8AC3E}">
-        <p14:creationId xmlns:p14="http://schemas.microsoft.com/office/powerpoint/2010/main" val="2508135460"/>
+        <p14:creationId xmlns:p14="http://schemas.microsoft.com/office/powerpoint/2010/main" val="3763659703"/>
       </p:ext>
     </p:extLst>
   </p:cSld>
@@ -11214,8 +10463,8 @@
         </p:nvSpPr>
         <p:spPr>
           <a:xfrm>
-            <a:off x="3802081" y="460572"/>
-            <a:ext cx="4380734" cy="769441"/>
+            <a:off x="3813920" y="465793"/>
+            <a:ext cx="4355567" cy="769441"/>
           </a:xfrm>
           <a:prstGeom prst="rect">
             <a:avLst/>
@@ -11251,8 +10500,8 @@
         </p:nvSpPr>
         <p:spPr>
           <a:xfrm>
-            <a:off x="4626992" y="1230013"/>
-            <a:ext cx="2721941" cy="523220"/>
+            <a:off x="4329183" y="1235234"/>
+            <a:ext cx="3317559" cy="523220"/>
           </a:xfrm>
           <a:prstGeom prst="rect">
             <a:avLst/>
@@ -11267,15 +10516,86 @@
           <a:p>
             <a:r>
               <a:rPr lang="fr-FR" sz="2800" dirty="0"/>
-              <a:t>Partie 2 : Android</a:t>
+              <a:t>Partie 2 : Pluviomètre</a:t>
             </a:r>
           </a:p>
         </p:txBody>
       </p:sp>
+      <p:pic>
+        <p:nvPicPr>
+          <p:cNvPr id="25" name="Image 24">
+            <a:extLst>
+              <a:ext uri="{FF2B5EF4-FFF2-40B4-BE49-F238E27FC236}">
+                <a16:creationId xmlns:a16="http://schemas.microsoft.com/office/drawing/2014/main" id="{64A4A437-5514-43A4-BCED-F55AC2A9F13D}"/>
+              </a:ext>
+            </a:extLst>
+          </p:cNvPr>
+          <p:cNvPicPr>
+            <a:picLocks noChangeAspect="1"/>
+          </p:cNvPicPr>
+          <p:nvPr/>
+        </p:nvPicPr>
+        <p:blipFill>
+          <a:blip r:embed="rId4">
+            <a:extLst>
+              <a:ext uri="{28A0092B-C50C-407E-A947-70E740481C1C}">
+                <a14:useLocalDpi xmlns:a14="http://schemas.microsoft.com/office/drawing/2010/main" val="0"/>
+              </a:ext>
+            </a:extLst>
+          </a:blip>
+          <a:stretch>
+            <a:fillRect/>
+          </a:stretch>
+        </p:blipFill>
+        <p:spPr>
+          <a:xfrm>
+            <a:off x="5690934" y="1767054"/>
+            <a:ext cx="6306430" cy="3972479"/>
+          </a:xfrm>
+          <a:prstGeom prst="rect">
+            <a:avLst/>
+          </a:prstGeom>
+        </p:spPr>
+      </p:pic>
+      <p:pic>
+        <p:nvPicPr>
+          <p:cNvPr id="27" name="Image 26">
+            <a:extLst>
+              <a:ext uri="{FF2B5EF4-FFF2-40B4-BE49-F238E27FC236}">
+                <a16:creationId xmlns:a16="http://schemas.microsoft.com/office/drawing/2014/main" id="{A0BF755E-8B03-40E5-BFE4-8D7EA6B854E9}"/>
+              </a:ext>
+            </a:extLst>
+          </p:cNvPr>
+          <p:cNvPicPr>
+            <a:picLocks noChangeAspect="1"/>
+          </p:cNvPicPr>
+          <p:nvPr/>
+        </p:nvPicPr>
+        <p:blipFill rotWithShape="1">
+          <a:blip r:embed="rId5">
+            <a:extLst>
+              <a:ext uri="{28A0092B-C50C-407E-A947-70E740481C1C}">
+                <a14:useLocalDpi xmlns:a14="http://schemas.microsoft.com/office/drawing/2010/main" val="0"/>
+              </a:ext>
+            </a:extLst>
+          </a:blip>
+          <a:srcRect r="13369"/>
+          <a:stretch/>
+        </p:blipFill>
+        <p:spPr>
+          <a:xfrm>
+            <a:off x="194637" y="1779388"/>
+            <a:ext cx="5496298" cy="3210373"/>
+          </a:xfrm>
+          <a:prstGeom prst="rect">
+            <a:avLst/>
+          </a:prstGeom>
+        </p:spPr>
+      </p:pic>
     </p:spTree>
     <p:extLst>
       <p:ext uri="{BB962C8B-B14F-4D97-AF65-F5344CB8AC3E}">
-        <p14:creationId xmlns:p14="http://schemas.microsoft.com/office/powerpoint/2010/main" val="1615925150"/>
+        <p14:creationId xmlns:p14="http://schemas.microsoft.com/office/powerpoint/2010/main" val="3405041366"/>
       </p:ext>
     </p:extLst>
   </p:cSld>
@@ -11728,12 +11048,352 @@
           </a:fontRef>
         </p:style>
       </p:cxnSp>
+      <p:pic>
+        <p:nvPicPr>
+          <p:cNvPr id="57" name="Image 56">
+            <a:extLst>
+              <a:ext uri="{FF2B5EF4-FFF2-40B4-BE49-F238E27FC236}">
+                <a16:creationId xmlns:a16="http://schemas.microsoft.com/office/drawing/2014/main" id="{12B16FB2-5844-4B92-AE69-9BAC858C22BB}"/>
+              </a:ext>
+            </a:extLst>
+          </p:cNvPr>
+          <p:cNvPicPr>
+            <a:picLocks noChangeAspect="1"/>
+          </p:cNvPicPr>
+          <p:nvPr/>
+        </p:nvPicPr>
+        <p:blipFill>
+          <a:blip r:embed="rId3">
+            <a:extLst>
+              <a:ext uri="{28A0092B-C50C-407E-A947-70E740481C1C}">
+                <a14:useLocalDpi xmlns:a14="http://schemas.microsoft.com/office/drawing/2010/main" val="0"/>
+              </a:ext>
+            </a:extLst>
+          </a:blip>
+          <a:stretch>
+            <a:fillRect/>
+          </a:stretch>
+        </p:blipFill>
+        <p:spPr>
+          <a:xfrm>
+            <a:off x="9681085" y="238153"/>
+            <a:ext cx="1802101" cy="569807"/>
+          </a:xfrm>
+          <a:prstGeom prst="rect">
+            <a:avLst/>
+          </a:prstGeom>
+        </p:spPr>
+      </p:pic>
+      <p:cxnSp>
+        <p:nvCxnSpPr>
+          <p:cNvPr id="58" name="Connecteur droit 57">
+            <a:extLst>
+              <a:ext uri="{FF2B5EF4-FFF2-40B4-BE49-F238E27FC236}">
+                <a16:creationId xmlns:a16="http://schemas.microsoft.com/office/drawing/2014/main" id="{01599350-F8B0-4FDC-B003-981189A8D654}"/>
+              </a:ext>
+            </a:extLst>
+          </p:cNvPr>
+          <p:cNvCxnSpPr>
+            <a:cxnSpLocks/>
+          </p:cNvCxnSpPr>
+          <p:nvPr/>
+        </p:nvCxnSpPr>
+        <p:spPr>
+          <a:xfrm>
+            <a:off x="2573222" y="454803"/>
+            <a:ext cx="6829482" cy="10398"/>
+          </a:xfrm>
+          <a:prstGeom prst="line">
+            <a:avLst/>
+          </a:prstGeom>
+        </p:spPr>
+        <p:style>
+          <a:lnRef idx="3">
+            <a:schemeClr val="dk1"/>
+          </a:lnRef>
+          <a:fillRef idx="0">
+            <a:schemeClr val="dk1"/>
+          </a:fillRef>
+          <a:effectRef idx="2">
+            <a:schemeClr val="dk1"/>
+          </a:effectRef>
+          <a:fontRef idx="minor">
+            <a:schemeClr val="tx1"/>
+          </a:fontRef>
+        </p:style>
+      </p:cxnSp>
+      <p:cxnSp>
+        <p:nvCxnSpPr>
+          <p:cNvPr id="59" name="Connecteur droit 58">
+            <a:extLst>
+              <a:ext uri="{FF2B5EF4-FFF2-40B4-BE49-F238E27FC236}">
+                <a16:creationId xmlns:a16="http://schemas.microsoft.com/office/drawing/2014/main" id="{BC6E6150-6054-4785-84EC-0C46D82034C2}"/>
+              </a:ext>
+            </a:extLst>
+          </p:cNvPr>
+          <p:cNvCxnSpPr>
+            <a:cxnSpLocks/>
+          </p:cNvCxnSpPr>
+          <p:nvPr/>
+        </p:nvCxnSpPr>
+        <p:spPr>
+          <a:xfrm>
+            <a:off x="738231" y="454803"/>
+            <a:ext cx="344203" cy="484764"/>
+          </a:xfrm>
+          <a:prstGeom prst="line">
+            <a:avLst/>
+          </a:prstGeom>
+        </p:spPr>
+        <p:style>
+          <a:lnRef idx="3">
+            <a:schemeClr val="dk1"/>
+          </a:lnRef>
+          <a:fillRef idx="0">
+            <a:schemeClr val="dk1"/>
+          </a:fillRef>
+          <a:effectRef idx="2">
+            <a:schemeClr val="dk1"/>
+          </a:effectRef>
+          <a:fontRef idx="minor">
+            <a:schemeClr val="tx1"/>
+          </a:fontRef>
+        </p:style>
+      </p:cxnSp>
+      <p:cxnSp>
+        <p:nvCxnSpPr>
+          <p:cNvPr id="60" name="Connecteur droit 59">
+            <a:extLst>
+              <a:ext uri="{FF2B5EF4-FFF2-40B4-BE49-F238E27FC236}">
+                <a16:creationId xmlns:a16="http://schemas.microsoft.com/office/drawing/2014/main" id="{CBC9961A-8EC2-4287-A398-BCA4138D409D}"/>
+              </a:ext>
+            </a:extLst>
+          </p:cNvPr>
+          <p:cNvCxnSpPr>
+            <a:cxnSpLocks/>
+          </p:cNvCxnSpPr>
+          <p:nvPr/>
+        </p:nvCxnSpPr>
+        <p:spPr>
+          <a:xfrm>
+            <a:off x="1082434" y="938268"/>
+            <a:ext cx="1146585" cy="0"/>
+          </a:xfrm>
+          <a:prstGeom prst="line">
+            <a:avLst/>
+          </a:prstGeom>
+        </p:spPr>
+        <p:style>
+          <a:lnRef idx="3">
+            <a:schemeClr val="dk1"/>
+          </a:lnRef>
+          <a:fillRef idx="0">
+            <a:schemeClr val="dk1"/>
+          </a:fillRef>
+          <a:effectRef idx="2">
+            <a:schemeClr val="dk1"/>
+          </a:effectRef>
+          <a:fontRef idx="minor">
+            <a:schemeClr val="tx1"/>
+          </a:fontRef>
+        </p:style>
+      </p:cxnSp>
+      <p:cxnSp>
+        <p:nvCxnSpPr>
+          <p:cNvPr id="61" name="Connecteur droit 60">
+            <a:extLst>
+              <a:ext uri="{FF2B5EF4-FFF2-40B4-BE49-F238E27FC236}">
+                <a16:creationId xmlns:a16="http://schemas.microsoft.com/office/drawing/2014/main" id="{152B7C45-2543-4665-BC07-4DB71CA9F337}"/>
+              </a:ext>
+            </a:extLst>
+          </p:cNvPr>
+          <p:cNvCxnSpPr>
+            <a:cxnSpLocks/>
+          </p:cNvCxnSpPr>
+          <p:nvPr/>
+        </p:nvCxnSpPr>
+        <p:spPr>
+          <a:xfrm>
+            <a:off x="9402704" y="465201"/>
+            <a:ext cx="344203" cy="495163"/>
+          </a:xfrm>
+          <a:prstGeom prst="line">
+            <a:avLst/>
+          </a:prstGeom>
+        </p:spPr>
+        <p:style>
+          <a:lnRef idx="3">
+            <a:schemeClr val="dk1"/>
+          </a:lnRef>
+          <a:fillRef idx="0">
+            <a:schemeClr val="dk1"/>
+          </a:fillRef>
+          <a:effectRef idx="2">
+            <a:schemeClr val="dk1"/>
+          </a:effectRef>
+          <a:fontRef idx="minor">
+            <a:schemeClr val="tx1"/>
+          </a:fontRef>
+        </p:style>
+      </p:cxnSp>
+      <p:cxnSp>
+        <p:nvCxnSpPr>
+          <p:cNvPr id="62" name="Connecteur droit 61">
+            <a:extLst>
+              <a:ext uri="{FF2B5EF4-FFF2-40B4-BE49-F238E27FC236}">
+                <a16:creationId xmlns:a16="http://schemas.microsoft.com/office/drawing/2014/main" id="{00A84DC3-A112-46A3-B71C-04D85339323D}"/>
+              </a:ext>
+            </a:extLst>
+          </p:cNvPr>
+          <p:cNvCxnSpPr>
+            <a:cxnSpLocks/>
+          </p:cNvCxnSpPr>
+          <p:nvPr/>
+        </p:nvCxnSpPr>
+        <p:spPr>
+          <a:xfrm flipH="1">
+            <a:off x="11370469" y="448308"/>
+            <a:ext cx="364332" cy="501657"/>
+          </a:xfrm>
+          <a:prstGeom prst="line">
+            <a:avLst/>
+          </a:prstGeom>
+        </p:spPr>
+        <p:style>
+          <a:lnRef idx="3">
+            <a:schemeClr val="dk1"/>
+          </a:lnRef>
+          <a:fillRef idx="0">
+            <a:schemeClr val="dk1"/>
+          </a:fillRef>
+          <a:effectRef idx="2">
+            <a:schemeClr val="dk1"/>
+          </a:effectRef>
+          <a:fontRef idx="minor">
+            <a:schemeClr val="tx1"/>
+          </a:fontRef>
+        </p:style>
+      </p:cxnSp>
+      <p:cxnSp>
+        <p:nvCxnSpPr>
+          <p:cNvPr id="63" name="Connecteur droit 62">
+            <a:extLst>
+              <a:ext uri="{FF2B5EF4-FFF2-40B4-BE49-F238E27FC236}">
+                <a16:creationId xmlns:a16="http://schemas.microsoft.com/office/drawing/2014/main" id="{C50788C6-8F68-44EC-AB54-94C1D2FE554D}"/>
+              </a:ext>
+            </a:extLst>
+          </p:cNvPr>
+          <p:cNvCxnSpPr>
+            <a:cxnSpLocks/>
+          </p:cNvCxnSpPr>
+          <p:nvPr/>
+        </p:nvCxnSpPr>
+        <p:spPr>
+          <a:xfrm>
+            <a:off x="9743203" y="949965"/>
+            <a:ext cx="1627266" cy="0"/>
+          </a:xfrm>
+          <a:prstGeom prst="line">
+            <a:avLst/>
+          </a:prstGeom>
+        </p:spPr>
+        <p:style>
+          <a:lnRef idx="3">
+            <a:schemeClr val="dk1"/>
+          </a:lnRef>
+          <a:fillRef idx="0">
+            <a:schemeClr val="dk1"/>
+          </a:fillRef>
+          <a:effectRef idx="2">
+            <a:schemeClr val="dk1"/>
+          </a:effectRef>
+          <a:fontRef idx="minor">
+            <a:schemeClr val="tx1"/>
+          </a:fontRef>
+        </p:style>
+      </p:cxnSp>
+      <p:cxnSp>
+        <p:nvCxnSpPr>
+          <p:cNvPr id="64" name="Connecteur droit 63">
+            <a:extLst>
+              <a:ext uri="{FF2B5EF4-FFF2-40B4-BE49-F238E27FC236}">
+                <a16:creationId xmlns:a16="http://schemas.microsoft.com/office/drawing/2014/main" id="{BC4D4E5F-5636-45CB-873C-EC085AB307A3}"/>
+              </a:ext>
+            </a:extLst>
+          </p:cNvPr>
+          <p:cNvCxnSpPr>
+            <a:cxnSpLocks/>
+          </p:cNvCxnSpPr>
+          <p:nvPr/>
+        </p:nvCxnSpPr>
+        <p:spPr>
+          <a:xfrm>
+            <a:off x="11715750" y="454801"/>
+            <a:ext cx="476249" cy="10400"/>
+          </a:xfrm>
+          <a:prstGeom prst="line">
+            <a:avLst/>
+          </a:prstGeom>
+        </p:spPr>
+        <p:style>
+          <a:lnRef idx="3">
+            <a:schemeClr val="dk1"/>
+          </a:lnRef>
+          <a:fillRef idx="0">
+            <a:schemeClr val="dk1"/>
+          </a:fillRef>
+          <a:effectRef idx="2">
+            <a:schemeClr val="dk1"/>
+          </a:effectRef>
+          <a:fontRef idx="minor">
+            <a:schemeClr val="tx1"/>
+          </a:fontRef>
+        </p:style>
+      </p:cxnSp>
+      <p:cxnSp>
+        <p:nvCxnSpPr>
+          <p:cNvPr id="65" name="Connecteur droit 64">
+            <a:extLst>
+              <a:ext uri="{FF2B5EF4-FFF2-40B4-BE49-F238E27FC236}">
+                <a16:creationId xmlns:a16="http://schemas.microsoft.com/office/drawing/2014/main" id="{E6F6B4C5-0E3B-46C9-859D-EE774175D36F}"/>
+              </a:ext>
+            </a:extLst>
+          </p:cNvPr>
+          <p:cNvCxnSpPr>
+            <a:cxnSpLocks/>
+          </p:cNvCxnSpPr>
+          <p:nvPr/>
+        </p:nvCxnSpPr>
+        <p:spPr>
+          <a:xfrm flipH="1">
+            <a:off x="2216372" y="446356"/>
+            <a:ext cx="364332" cy="501657"/>
+          </a:xfrm>
+          <a:prstGeom prst="line">
+            <a:avLst/>
+          </a:prstGeom>
+        </p:spPr>
+        <p:style>
+          <a:lnRef idx="3">
+            <a:schemeClr val="dk1"/>
+          </a:lnRef>
+          <a:fillRef idx="0">
+            <a:schemeClr val="dk1"/>
+          </a:fillRef>
+          <a:effectRef idx="2">
+            <a:schemeClr val="dk1"/>
+          </a:effectRef>
+          <a:fontRef idx="minor">
+            <a:schemeClr val="tx1"/>
+          </a:fontRef>
+        </p:style>
+      </p:cxnSp>
       <p:sp>
         <p:nvSpPr>
-          <p:cNvPr id="3" name="ZoneTexte 2">
-            <a:extLst>
-              <a:ext uri="{FF2B5EF4-FFF2-40B4-BE49-F238E27FC236}">
-                <a16:creationId xmlns:a16="http://schemas.microsoft.com/office/drawing/2014/main" id="{DCCD1615-1755-47F7-AF0B-75E932931245}"/>
+          <p:cNvPr id="2" name="ZoneTexte 1">
+            <a:extLst>
+              <a:ext uri="{FF2B5EF4-FFF2-40B4-BE49-F238E27FC236}">
+                <a16:creationId xmlns:a16="http://schemas.microsoft.com/office/drawing/2014/main" id="{128A5370-27C5-4A3F-98D7-D74D075851FE}"/>
               </a:ext>
             </a:extLst>
           </p:cNvPr>
@@ -11742,43 +11402,8 @@
         </p:nvSpPr>
         <p:spPr>
           <a:xfrm>
-            <a:off x="1156800" y="3143689"/>
-            <a:ext cx="2695434" cy="646331"/>
-          </a:xfrm>
-          <a:prstGeom prst="rect">
-            <a:avLst/>
-          </a:prstGeom>
-          <a:noFill/>
-        </p:spPr>
-        <p:txBody>
-          <a:bodyPr wrap="square" rtlCol="0">
-            <a:spAutoFit/>
-          </a:bodyPr>
-          <a:lstStyle/>
-          <a:p>
-            <a:endParaRPr lang="fr-FR" dirty="0"/>
-          </a:p>
-          <a:p>
-            <a:endParaRPr lang="fr-FR" dirty="0"/>
-          </a:p>
-        </p:txBody>
-      </p:sp>
-      <p:sp>
-        <p:nvSpPr>
-          <p:cNvPr id="9" name="ZoneTexte 8">
-            <a:extLst>
-              <a:ext uri="{FF2B5EF4-FFF2-40B4-BE49-F238E27FC236}">
-                <a16:creationId xmlns:a16="http://schemas.microsoft.com/office/drawing/2014/main" id="{82010251-0AD2-4DAA-8E6B-7CA6A2301A9E}"/>
-              </a:ext>
-            </a:extLst>
-          </p:cNvPr>
-          <p:cNvSpPr txBox="1"/>
-          <p:nvPr/>
-        </p:nvSpPr>
-        <p:spPr>
-          <a:xfrm>
-            <a:off x="3779870" y="479063"/>
-            <a:ext cx="4416185" cy="769441"/>
+            <a:off x="3813920" y="465793"/>
+            <a:ext cx="4355567" cy="769441"/>
           </a:xfrm>
           <a:prstGeom prst="rect">
             <a:avLst/>
@@ -11795,15 +11420,158 @@
               <a:rPr lang="fr-FR" sz="4400" dirty="0">
                 <a:latin typeface="Berlin Sans FB" panose="020E0602020502020306" pitchFamily="34" charset="0"/>
               </a:rPr>
-              <a:t>Partie Personnelle</a:t>
+              <a:t>Solutions trouvées</a:t>
             </a:r>
           </a:p>
         </p:txBody>
       </p:sp>
+      <p:sp>
+        <p:nvSpPr>
+          <p:cNvPr id="7" name="ZoneTexte 6">
+            <a:extLst>
+              <a:ext uri="{FF2B5EF4-FFF2-40B4-BE49-F238E27FC236}">
+                <a16:creationId xmlns:a16="http://schemas.microsoft.com/office/drawing/2014/main" id="{F5143EC5-EF8B-4615-B050-3E12BF28AC28}"/>
+              </a:ext>
+            </a:extLst>
+          </p:cNvPr>
+          <p:cNvSpPr txBox="1"/>
+          <p:nvPr/>
+        </p:nvSpPr>
+        <p:spPr>
+          <a:xfrm>
+            <a:off x="3752833" y="1220751"/>
+            <a:ext cx="4470260" cy="523220"/>
+          </a:xfrm>
+          <a:prstGeom prst="rect">
+            <a:avLst/>
+          </a:prstGeom>
+          <a:noFill/>
+        </p:spPr>
+        <p:txBody>
+          <a:bodyPr wrap="square" rtlCol="0">
+            <a:spAutoFit/>
+          </a:bodyPr>
+          <a:lstStyle/>
+          <a:p>
+            <a:r>
+              <a:rPr lang="fr-FR" sz="2800" dirty="0"/>
+              <a:t>Partie 3 : Application Android</a:t>
+            </a:r>
+          </a:p>
+        </p:txBody>
+      </p:sp>
+      <p:pic>
+        <p:nvPicPr>
+          <p:cNvPr id="4" name="Image 3">
+            <a:extLst>
+              <a:ext uri="{FF2B5EF4-FFF2-40B4-BE49-F238E27FC236}">
+                <a16:creationId xmlns:a16="http://schemas.microsoft.com/office/drawing/2014/main" id="{1711036A-0A17-434D-B17B-5AEE7EC5B44A}"/>
+              </a:ext>
+            </a:extLst>
+          </p:cNvPr>
+          <p:cNvPicPr>
+            <a:picLocks noChangeAspect="1"/>
+          </p:cNvPicPr>
+          <p:nvPr/>
+        </p:nvPicPr>
+        <p:blipFill>
+          <a:blip r:embed="rId4">
+            <a:extLst>
+              <a:ext uri="{28A0092B-C50C-407E-A947-70E740481C1C}">
+                <a14:useLocalDpi xmlns:a14="http://schemas.microsoft.com/office/drawing/2010/main" val="0"/>
+              </a:ext>
+            </a:extLst>
+          </a:blip>
+          <a:stretch>
+            <a:fillRect/>
+          </a:stretch>
+        </p:blipFill>
+        <p:spPr>
+          <a:xfrm>
+            <a:off x="2216372" y="2870404"/>
+            <a:ext cx="2116602" cy="2116602"/>
+          </a:xfrm>
+          <a:prstGeom prst="rect">
+            <a:avLst/>
+          </a:prstGeom>
+        </p:spPr>
+      </p:pic>
+      <p:pic>
+        <p:nvPicPr>
+          <p:cNvPr id="6" name="Image 5">
+            <a:extLst>
+              <a:ext uri="{FF2B5EF4-FFF2-40B4-BE49-F238E27FC236}">
+                <a16:creationId xmlns:a16="http://schemas.microsoft.com/office/drawing/2014/main" id="{2A6EB8A7-677C-4D40-8F5E-416083398054}"/>
+              </a:ext>
+            </a:extLst>
+          </p:cNvPr>
+          <p:cNvPicPr>
+            <a:picLocks noChangeAspect="1"/>
+          </p:cNvPicPr>
+          <p:nvPr/>
+        </p:nvPicPr>
+        <p:blipFill>
+          <a:blip r:embed="rId5">
+            <a:extLst>
+              <a:ext uri="{28A0092B-C50C-407E-A947-70E740481C1C}">
+                <a14:useLocalDpi xmlns:a14="http://schemas.microsoft.com/office/drawing/2010/main" val="0"/>
+              </a:ext>
+            </a:extLst>
+          </a:blip>
+          <a:stretch>
+            <a:fillRect/>
+          </a:stretch>
+        </p:blipFill>
+        <p:spPr>
+          <a:xfrm>
+            <a:off x="7164792" y="2870404"/>
+            <a:ext cx="2116602" cy="2116602"/>
+          </a:xfrm>
+          <a:prstGeom prst="rect">
+            <a:avLst/>
+          </a:prstGeom>
+        </p:spPr>
+      </p:pic>
+      <p:pic>
+        <p:nvPicPr>
+          <p:cNvPr id="11" name="Image 10">
+            <a:extLst>
+              <a:ext uri="{FF2B5EF4-FFF2-40B4-BE49-F238E27FC236}">
+                <a16:creationId xmlns:a16="http://schemas.microsoft.com/office/drawing/2014/main" id="{367B51B4-8C94-4013-BC60-AA89A0514D38}"/>
+              </a:ext>
+            </a:extLst>
+          </p:cNvPr>
+          <p:cNvPicPr>
+            <a:picLocks noChangeAspect="1"/>
+          </p:cNvPicPr>
+          <p:nvPr/>
+        </p:nvPicPr>
+        <p:blipFill>
+          <a:blip r:embed="rId6">
+            <a:extLst>
+              <a:ext uri="{28A0092B-C50C-407E-A947-70E740481C1C}">
+                <a14:useLocalDpi xmlns:a14="http://schemas.microsoft.com/office/drawing/2010/main" val="0"/>
+              </a:ext>
+            </a:extLst>
+          </a:blip>
+          <a:stretch>
+            <a:fillRect/>
+          </a:stretch>
+        </p:blipFill>
+        <p:spPr>
+          <a:xfrm rot="5400000">
+            <a:off x="5159359" y="3339181"/>
+            <a:ext cx="1179048" cy="1179048"/>
+          </a:xfrm>
+          <a:prstGeom prst="rect">
+            <a:avLst/>
+          </a:prstGeom>
+        </p:spPr>
+      </p:pic>
     </p:spTree>
     <p:extLst>
       <p:ext uri="{BB962C8B-B14F-4D97-AF65-F5344CB8AC3E}">
-        <p14:creationId xmlns:p14="http://schemas.microsoft.com/office/powerpoint/2010/main" val="2149631933"/>
+        <p14:creationId xmlns:p14="http://schemas.microsoft.com/office/powerpoint/2010/main" val="3358199985"/>
       </p:ext>
     </p:extLst>
   </p:cSld>
@@ -21048,7 +20816,7 @@
           <p:cNvPr id="2" name="ZoneTexte 1">
             <a:extLst>
               <a:ext uri="{FF2B5EF4-FFF2-40B4-BE49-F238E27FC236}">
-                <a16:creationId xmlns:a16="http://schemas.microsoft.com/office/drawing/2014/main" id="{27396238-7A76-4B8F-981D-280A71EC12F4}"/>
+                <a16:creationId xmlns:a16="http://schemas.microsoft.com/office/drawing/2014/main" id="{019E5183-3507-4DC9-B021-75F1BA1CA190}"/>
               </a:ext>
             </a:extLst>
           </p:cNvPr>
@@ -21057,8 +20825,8 @@
         </p:nvSpPr>
         <p:spPr>
           <a:xfrm>
-            <a:off x="3982078" y="462285"/>
-            <a:ext cx="4019251" cy="769441"/>
+            <a:off x="3580819" y="449902"/>
+            <a:ext cx="4821769" cy="769441"/>
           </a:xfrm>
           <a:prstGeom prst="rect">
             <a:avLst/>
@@ -21075,17 +20843,17 @@
               <a:rPr lang="fr-FR" sz="4400" dirty="0">
                 <a:latin typeface="Berlin Sans FB" panose="020E0602020502020306" pitchFamily="34" charset="0"/>
               </a:rPr>
-              <a:t>Base de données</a:t>
+              <a:t>Analyse du matériel</a:t>
             </a:r>
           </a:p>
         </p:txBody>
       </p:sp>
       <p:pic>
         <p:nvPicPr>
-          <p:cNvPr id="3" name="Image 2">
-            <a:extLst>
-              <a:ext uri="{FF2B5EF4-FFF2-40B4-BE49-F238E27FC236}">
-                <a16:creationId xmlns:a16="http://schemas.microsoft.com/office/drawing/2014/main" id="{4BD826E4-028A-42A8-BDAA-7099CED3A78E}"/>
+          <p:cNvPr id="24" name="Image 23" descr="Une image contenant transport&#10;&#10;Description générée avec un niveau de confiance très élevé">
+            <a:extLst>
+              <a:ext uri="{FF2B5EF4-FFF2-40B4-BE49-F238E27FC236}">
+                <a16:creationId xmlns:a16="http://schemas.microsoft.com/office/drawing/2014/main" id="{4CD3177C-CB9C-4C0D-8079-4AA644CE5E50}"/>
               </a:ext>
             </a:extLst>
           </p:cNvPr>
@@ -21095,25 +20863,503 @@
           <p:nvPr/>
         </p:nvPicPr>
         <p:blipFill>
-          <a:blip r:embed="rId4"/>
+          <a:blip r:embed="rId4">
+            <a:extLst>
+              <a:ext uri="{28A0092B-C50C-407E-A947-70E740481C1C}">
+                <a14:useLocalDpi xmlns:a14="http://schemas.microsoft.com/office/drawing/2010/main" val="0"/>
+              </a:ext>
+            </a:extLst>
+          </a:blip>
           <a:stretch>
             <a:fillRect/>
           </a:stretch>
         </p:blipFill>
         <p:spPr>
           <a:xfrm>
-            <a:off x="1225846" y="1418109"/>
-            <a:ext cx="10144623" cy="5255207"/>
+            <a:off x="1068751" y="1551166"/>
+            <a:ext cx="715646" cy="715646"/>
           </a:xfrm>
           <a:prstGeom prst="rect">
             <a:avLst/>
           </a:prstGeom>
         </p:spPr>
       </p:pic>
+      <p:pic>
+        <p:nvPicPr>
+          <p:cNvPr id="25" name="Image 24">
+            <a:extLst>
+              <a:ext uri="{FF2B5EF4-FFF2-40B4-BE49-F238E27FC236}">
+                <a16:creationId xmlns:a16="http://schemas.microsoft.com/office/drawing/2014/main" id="{C013474F-1EDC-4B3D-B268-4E855F63F77E}"/>
+              </a:ext>
+            </a:extLst>
+          </p:cNvPr>
+          <p:cNvPicPr>
+            <a:picLocks noChangeAspect="1"/>
+          </p:cNvPicPr>
+          <p:nvPr/>
+        </p:nvPicPr>
+        <p:blipFill>
+          <a:blip r:embed="rId5">
+            <a:extLst>
+              <a:ext uri="{28A0092B-C50C-407E-A947-70E740481C1C}">
+                <a14:useLocalDpi xmlns:a14="http://schemas.microsoft.com/office/drawing/2010/main" val="0"/>
+              </a:ext>
+            </a:extLst>
+          </a:blip>
+          <a:stretch>
+            <a:fillRect/>
+          </a:stretch>
+        </p:blipFill>
+        <p:spPr>
+          <a:xfrm>
+            <a:off x="1113721" y="2775046"/>
+            <a:ext cx="625703" cy="625703"/>
+          </a:xfrm>
+          <a:prstGeom prst="rect">
+            <a:avLst/>
+          </a:prstGeom>
+        </p:spPr>
+      </p:pic>
+      <p:pic>
+        <p:nvPicPr>
+          <p:cNvPr id="28" name="Image 27">
+            <a:extLst>
+              <a:ext uri="{FF2B5EF4-FFF2-40B4-BE49-F238E27FC236}">
+                <a16:creationId xmlns:a16="http://schemas.microsoft.com/office/drawing/2014/main" id="{57519E8A-918A-4B7A-A373-A121BE04A122}"/>
+              </a:ext>
+            </a:extLst>
+          </p:cNvPr>
+          <p:cNvPicPr>
+            <a:picLocks noChangeAspect="1"/>
+          </p:cNvPicPr>
+          <p:nvPr/>
+        </p:nvPicPr>
+        <p:blipFill>
+          <a:blip r:embed="rId6">
+            <a:extLst>
+              <a:ext uri="{28A0092B-C50C-407E-A947-70E740481C1C}">
+                <a14:useLocalDpi xmlns:a14="http://schemas.microsoft.com/office/drawing/2010/main" val="0"/>
+              </a:ext>
+            </a:extLst>
+          </a:blip>
+          <a:stretch>
+            <a:fillRect/>
+          </a:stretch>
+        </p:blipFill>
+        <p:spPr>
+          <a:xfrm>
+            <a:off x="6442369" y="3741299"/>
+            <a:ext cx="700821" cy="700821"/>
+          </a:xfrm>
+          <a:prstGeom prst="rect">
+            <a:avLst/>
+          </a:prstGeom>
+        </p:spPr>
+      </p:pic>
+      <p:pic>
+        <p:nvPicPr>
+          <p:cNvPr id="29" name="Image 28">
+            <a:extLst>
+              <a:ext uri="{FF2B5EF4-FFF2-40B4-BE49-F238E27FC236}">
+                <a16:creationId xmlns:a16="http://schemas.microsoft.com/office/drawing/2014/main" id="{0875E027-F508-4529-A577-BAE6AA73B275}"/>
+              </a:ext>
+            </a:extLst>
+          </p:cNvPr>
+          <p:cNvPicPr>
+            <a:picLocks noChangeAspect="1"/>
+          </p:cNvPicPr>
+          <p:nvPr/>
+        </p:nvPicPr>
+        <p:blipFill>
+          <a:blip r:embed="rId7">
+            <a:extLst>
+              <a:ext uri="{28A0092B-C50C-407E-A947-70E740481C1C}">
+                <a14:useLocalDpi xmlns:a14="http://schemas.microsoft.com/office/drawing/2010/main" val="0"/>
+              </a:ext>
+            </a:extLst>
+          </a:blip>
+          <a:stretch>
+            <a:fillRect/>
+          </a:stretch>
+        </p:blipFill>
+        <p:spPr>
+          <a:xfrm>
+            <a:off x="6416140" y="2653833"/>
+            <a:ext cx="746916" cy="746916"/>
+          </a:xfrm>
+          <a:prstGeom prst="rect">
+            <a:avLst/>
+          </a:prstGeom>
+        </p:spPr>
+      </p:pic>
+      <p:pic>
+        <p:nvPicPr>
+          <p:cNvPr id="4" name="Image 3">
+            <a:extLst>
+              <a:ext uri="{FF2B5EF4-FFF2-40B4-BE49-F238E27FC236}">
+                <a16:creationId xmlns:a16="http://schemas.microsoft.com/office/drawing/2014/main" id="{6A56240B-CEBA-4842-83FC-DA1952EEB740}"/>
+              </a:ext>
+            </a:extLst>
+          </p:cNvPr>
+          <p:cNvPicPr>
+            <a:picLocks noChangeAspect="1"/>
+          </p:cNvPicPr>
+          <p:nvPr/>
+        </p:nvPicPr>
+        <p:blipFill>
+          <a:blip r:embed="rId8">
+            <a:extLst>
+              <a:ext uri="{28A0092B-C50C-407E-A947-70E740481C1C}">
+                <a14:useLocalDpi xmlns:a14="http://schemas.microsoft.com/office/drawing/2010/main" val="0"/>
+              </a:ext>
+            </a:extLst>
+          </a:blip>
+          <a:stretch>
+            <a:fillRect/>
+          </a:stretch>
+        </p:blipFill>
+        <p:spPr>
+          <a:xfrm>
+            <a:off x="6399429" y="1551166"/>
+            <a:ext cx="780337" cy="780337"/>
+          </a:xfrm>
+          <a:prstGeom prst="rect">
+            <a:avLst/>
+          </a:prstGeom>
+        </p:spPr>
+      </p:pic>
+      <p:sp>
+        <p:nvSpPr>
+          <p:cNvPr id="3" name="ZoneTexte 2">
+            <a:extLst>
+              <a:ext uri="{FF2B5EF4-FFF2-40B4-BE49-F238E27FC236}">
+                <a16:creationId xmlns:a16="http://schemas.microsoft.com/office/drawing/2014/main" id="{6F21E2AC-5013-4E14-AA1E-CF440C8AF6D5}"/>
+              </a:ext>
+            </a:extLst>
+          </p:cNvPr>
+          <p:cNvSpPr txBox="1"/>
+          <p:nvPr/>
+        </p:nvSpPr>
+        <p:spPr>
+          <a:xfrm>
+            <a:off x="1886350" y="1551166"/>
+            <a:ext cx="3248997" cy="646331"/>
+          </a:xfrm>
+          <a:prstGeom prst="rect">
+            <a:avLst/>
+          </a:prstGeom>
+          <a:noFill/>
+        </p:spPr>
+        <p:txBody>
+          <a:bodyPr wrap="square" rtlCol="0">
+            <a:spAutoFit/>
+          </a:bodyPr>
+          <a:lstStyle/>
+          <a:p>
+            <a:r>
+              <a:rPr lang="fr-FR" dirty="0"/>
+              <a:t>Mesure en W/m²</a:t>
+            </a:r>
+          </a:p>
+          <a:p>
+            <a:r>
+              <a:rPr lang="fr-FR" dirty="0"/>
+              <a:t>Utilisation de la boucle 4-20 mA</a:t>
+            </a:r>
+          </a:p>
+        </p:txBody>
+      </p:sp>
+      <p:sp>
+        <p:nvSpPr>
+          <p:cNvPr id="30" name="ZoneTexte 29">
+            <a:extLst>
+              <a:ext uri="{FF2B5EF4-FFF2-40B4-BE49-F238E27FC236}">
+                <a16:creationId xmlns:a16="http://schemas.microsoft.com/office/drawing/2014/main" id="{1684707A-FE8B-409E-8A18-EC748AA22A1D}"/>
+              </a:ext>
+            </a:extLst>
+          </p:cNvPr>
+          <p:cNvSpPr txBox="1"/>
+          <p:nvPr/>
+        </p:nvSpPr>
+        <p:spPr>
+          <a:xfrm>
+            <a:off x="7268109" y="3785878"/>
+            <a:ext cx="3218129" cy="646331"/>
+          </a:xfrm>
+          <a:prstGeom prst="rect">
+            <a:avLst/>
+          </a:prstGeom>
+          <a:noFill/>
+        </p:spPr>
+        <p:txBody>
+          <a:bodyPr wrap="square" rtlCol="0">
+            <a:spAutoFit/>
+          </a:bodyPr>
+          <a:lstStyle/>
+          <a:p>
+            <a:r>
+              <a:rPr lang="fr-FR" dirty="0"/>
+              <a:t>Mesure en °C</a:t>
+            </a:r>
+          </a:p>
+          <a:p>
+            <a:r>
+              <a:rPr lang="fr-FR" dirty="0"/>
+              <a:t>Utilisation de la boucle 4-20 mA</a:t>
+            </a:r>
+          </a:p>
+        </p:txBody>
+      </p:sp>
+      <p:sp>
+        <p:nvSpPr>
+          <p:cNvPr id="5" name="ZoneTexte 4">
+            <a:extLst>
+              <a:ext uri="{FF2B5EF4-FFF2-40B4-BE49-F238E27FC236}">
+                <a16:creationId xmlns:a16="http://schemas.microsoft.com/office/drawing/2014/main" id="{B40B891D-AA45-4E59-AC5F-D2EA371A7D66}"/>
+              </a:ext>
+            </a:extLst>
+          </p:cNvPr>
+          <p:cNvSpPr txBox="1"/>
+          <p:nvPr/>
+        </p:nvSpPr>
+        <p:spPr>
+          <a:xfrm>
+            <a:off x="1886350" y="2778176"/>
+            <a:ext cx="3187817" cy="369332"/>
+          </a:xfrm>
+          <a:prstGeom prst="rect">
+            <a:avLst/>
+          </a:prstGeom>
+          <a:noFill/>
+        </p:spPr>
+        <p:txBody>
+          <a:bodyPr wrap="square" rtlCol="0">
+            <a:spAutoFit/>
+          </a:bodyPr>
+          <a:lstStyle/>
+          <a:p>
+            <a:r>
+              <a:rPr lang="fr-FR" dirty="0"/>
+              <a:t>Pulsation tous les 0,2mm d’eau</a:t>
+            </a:r>
+          </a:p>
+        </p:txBody>
+      </p:sp>
+      <p:sp>
+        <p:nvSpPr>
+          <p:cNvPr id="6" name="ZoneTexte 5">
+            <a:extLst>
+              <a:ext uri="{FF2B5EF4-FFF2-40B4-BE49-F238E27FC236}">
+                <a16:creationId xmlns:a16="http://schemas.microsoft.com/office/drawing/2014/main" id="{7E83B889-DF63-4B4C-A6D7-7A1F026B19F2}"/>
+              </a:ext>
+            </a:extLst>
+          </p:cNvPr>
+          <p:cNvSpPr txBox="1"/>
+          <p:nvPr/>
+        </p:nvSpPr>
+        <p:spPr>
+          <a:xfrm>
+            <a:off x="1886350" y="5421031"/>
+            <a:ext cx="3742663" cy="646331"/>
+          </a:xfrm>
+          <a:prstGeom prst="rect">
+            <a:avLst/>
+          </a:prstGeom>
+          <a:noFill/>
+        </p:spPr>
+        <p:txBody>
+          <a:bodyPr wrap="square" rtlCol="0">
+            <a:spAutoFit/>
+          </a:bodyPr>
+          <a:lstStyle/>
+          <a:p>
+            <a:r>
+              <a:rPr lang="fr-FR" dirty="0"/>
+              <a:t>Utilisation du bus CAN pour convertir la tension en code puis en direction</a:t>
+            </a:r>
+          </a:p>
+        </p:txBody>
+      </p:sp>
+      <p:sp>
+        <p:nvSpPr>
+          <p:cNvPr id="7" name="ZoneTexte 6">
+            <a:extLst>
+              <a:ext uri="{FF2B5EF4-FFF2-40B4-BE49-F238E27FC236}">
+                <a16:creationId xmlns:a16="http://schemas.microsoft.com/office/drawing/2014/main" id="{4ED520D9-CAD2-4881-B369-D691693E0F68}"/>
+              </a:ext>
+            </a:extLst>
+          </p:cNvPr>
+          <p:cNvSpPr txBox="1"/>
+          <p:nvPr/>
+        </p:nvSpPr>
+        <p:spPr>
+          <a:xfrm>
+            <a:off x="7262025" y="1517948"/>
+            <a:ext cx="4372009" cy="646331"/>
+          </a:xfrm>
+          <a:prstGeom prst="rect">
+            <a:avLst/>
+          </a:prstGeom>
+          <a:noFill/>
+        </p:spPr>
+        <p:txBody>
+          <a:bodyPr wrap="square" rtlCol="0">
+            <a:spAutoFit/>
+          </a:bodyPr>
+          <a:lstStyle/>
+          <a:p>
+            <a:r>
+              <a:rPr lang="fr-FR" dirty="0"/>
+              <a:t>Utilisation des ports analogiques et digitales pour connecter les différents capteurs</a:t>
+            </a:r>
+          </a:p>
+        </p:txBody>
+      </p:sp>
+      <p:sp>
+        <p:nvSpPr>
+          <p:cNvPr id="9" name="ZoneTexte 8">
+            <a:extLst>
+              <a:ext uri="{FF2B5EF4-FFF2-40B4-BE49-F238E27FC236}">
+                <a16:creationId xmlns:a16="http://schemas.microsoft.com/office/drawing/2014/main" id="{DA4EBD6C-A43E-4361-8AA6-C03894AB84A7}"/>
+              </a:ext>
+            </a:extLst>
+          </p:cNvPr>
+          <p:cNvSpPr txBox="1"/>
+          <p:nvPr/>
+        </p:nvSpPr>
+        <p:spPr>
+          <a:xfrm>
+            <a:off x="7262025" y="2651913"/>
+            <a:ext cx="4391060" cy="646331"/>
+          </a:xfrm>
+          <a:prstGeom prst="rect">
+            <a:avLst/>
+          </a:prstGeom>
+          <a:noFill/>
+        </p:spPr>
+        <p:txBody>
+          <a:bodyPr wrap="square" rtlCol="0">
+            <a:spAutoFit/>
+          </a:bodyPr>
+          <a:lstStyle/>
+          <a:p>
+            <a:r>
+              <a:rPr lang="fr-FR" dirty="0"/>
+              <a:t>Utilisation de la Raspberry pour la connexion a l'Arduino puis a la base de données</a:t>
+            </a:r>
+          </a:p>
+        </p:txBody>
+      </p:sp>
+      <p:pic>
+        <p:nvPicPr>
+          <p:cNvPr id="35" name="Image 34">
+            <a:extLst>
+              <a:ext uri="{FF2B5EF4-FFF2-40B4-BE49-F238E27FC236}">
+                <a16:creationId xmlns:a16="http://schemas.microsoft.com/office/drawing/2014/main" id="{6A1CE2C4-95A0-49AE-86F2-2CDF5D1FD271}"/>
+              </a:ext>
+            </a:extLst>
+          </p:cNvPr>
+          <p:cNvPicPr>
+            <a:picLocks noChangeAspect="1"/>
+          </p:cNvPicPr>
+          <p:nvPr/>
+        </p:nvPicPr>
+        <p:blipFill>
+          <a:blip r:embed="rId9">
+            <a:extLst>
+              <a:ext uri="{28A0092B-C50C-407E-A947-70E740481C1C}">
+                <a14:useLocalDpi xmlns:a14="http://schemas.microsoft.com/office/drawing/2010/main" val="0"/>
+              </a:ext>
+            </a:extLst>
+          </a:blip>
+          <a:stretch>
+            <a:fillRect/>
+          </a:stretch>
+        </p:blipFill>
+        <p:spPr>
+          <a:xfrm>
+            <a:off x="1101424" y="5421031"/>
+            <a:ext cx="650296" cy="650296"/>
+          </a:xfrm>
+          <a:prstGeom prst="rect">
+            <a:avLst/>
+          </a:prstGeom>
+        </p:spPr>
+      </p:pic>
+      <p:pic>
+        <p:nvPicPr>
+          <p:cNvPr id="36" name="Image 35">
+            <a:extLst>
+              <a:ext uri="{FF2B5EF4-FFF2-40B4-BE49-F238E27FC236}">
+                <a16:creationId xmlns:a16="http://schemas.microsoft.com/office/drawing/2014/main" id="{DE5B6D72-9D52-4068-9B4C-E67F54E7F138}"/>
+              </a:ext>
+            </a:extLst>
+          </p:cNvPr>
+          <p:cNvPicPr>
+            <a:picLocks noChangeAspect="1"/>
+          </p:cNvPicPr>
+          <p:nvPr/>
+        </p:nvPicPr>
+        <p:blipFill rotWithShape="1">
+          <a:blip r:embed="rId10">
+            <a:extLst>
+              <a:ext uri="{28A0092B-C50C-407E-A947-70E740481C1C}">
+                <a14:useLocalDpi xmlns:a14="http://schemas.microsoft.com/office/drawing/2010/main" val="0"/>
+              </a:ext>
+            </a:extLst>
+          </a:blip>
+          <a:srcRect r="8552" b="8552"/>
+          <a:stretch/>
+        </p:blipFill>
+        <p:spPr>
+          <a:xfrm>
+            <a:off x="964343" y="3908984"/>
+            <a:ext cx="924460" cy="1003812"/>
+          </a:xfrm>
+          <a:prstGeom prst="rect">
+            <a:avLst/>
+          </a:prstGeom>
+        </p:spPr>
+      </p:pic>
+      <p:sp>
+        <p:nvSpPr>
+          <p:cNvPr id="11" name="ZoneTexte 10">
+            <a:extLst>
+              <a:ext uri="{FF2B5EF4-FFF2-40B4-BE49-F238E27FC236}">
+                <a16:creationId xmlns:a16="http://schemas.microsoft.com/office/drawing/2014/main" id="{1FDBFBAA-9A98-470A-815D-19D14501FB00}"/>
+              </a:ext>
+            </a:extLst>
+          </p:cNvPr>
+          <p:cNvSpPr txBox="1"/>
+          <p:nvPr/>
+        </p:nvSpPr>
+        <p:spPr>
+          <a:xfrm>
+            <a:off x="1888803" y="3907044"/>
+            <a:ext cx="2998321" cy="369332"/>
+          </a:xfrm>
+          <a:prstGeom prst="rect">
+            <a:avLst/>
+          </a:prstGeom>
+          <a:noFill/>
+        </p:spPr>
+        <p:txBody>
+          <a:bodyPr wrap="none" rtlCol="0">
+            <a:spAutoFit/>
+          </a:bodyPr>
+          <a:lstStyle/>
+          <a:p>
+            <a:r>
+              <a:rPr lang="fr-FR" dirty="0"/>
+              <a:t>1600 tours par heure = 1km/h</a:t>
+            </a:r>
+          </a:p>
+        </p:txBody>
+      </p:sp>
     </p:spTree>
     <p:extLst>
       <p:ext uri="{BB962C8B-B14F-4D97-AF65-F5344CB8AC3E}">
-        <p14:creationId xmlns:p14="http://schemas.microsoft.com/office/powerpoint/2010/main" val="3188051435"/>
+        <p14:creationId xmlns:p14="http://schemas.microsoft.com/office/powerpoint/2010/main" val="4183481209"/>
       </p:ext>
     </p:extLst>
   </p:cSld>
@@ -21132,6 +21378,381 @@
       </p:transition>
     </mc:Fallback>
   </mc:AlternateContent>
+  <p:timing>
+    <p:tnLst>
+      <p:par>
+        <p:cTn id="1" dur="indefinite" restart="never" nodeType="tmRoot">
+          <p:childTnLst>
+            <p:seq concurrent="1" nextAc="seek">
+              <p:cTn id="2" dur="indefinite" nodeType="mainSeq">
+                <p:childTnLst>
+                  <p:par>
+                    <p:cTn id="3" fill="hold">
+                      <p:stCondLst>
+                        <p:cond delay="indefinite"/>
+                        <p:cond evt="onBegin" delay="0">
+                          <p:tn val="2"/>
+                        </p:cond>
+                      </p:stCondLst>
+                      <p:childTnLst>
+                        <p:par>
+                          <p:cTn id="4" fill="hold">
+                            <p:stCondLst>
+                              <p:cond delay="0"/>
+                            </p:stCondLst>
+                            <p:childTnLst>
+                              <p:par>
+                                <p:cTn id="5" presetID="42" presetClass="entr" presetSubtype="0" fill="hold" nodeType="withEffect">
+                                  <p:stCondLst>
+                                    <p:cond delay="0"/>
+                                  </p:stCondLst>
+                                  <p:childTnLst>
+                                    <p:set>
+                                      <p:cBhvr>
+                                        <p:cTn id="6" dur="1" fill="hold">
+                                          <p:stCondLst>
+                                            <p:cond delay="0"/>
+                                          </p:stCondLst>
+                                        </p:cTn>
+                                        <p:tgtEl>
+                                          <p:spTgt spid="24"/>
+                                        </p:tgtEl>
+                                        <p:attrNameLst>
+                                          <p:attrName>style.visibility</p:attrName>
+                                        </p:attrNameLst>
+                                      </p:cBhvr>
+                                      <p:to>
+                                        <p:strVal val="visible"/>
+                                      </p:to>
+                                    </p:set>
+                                    <p:animEffect transition="in" filter="fade">
+                                      <p:cBhvr>
+                                        <p:cTn id="7" dur="1000"/>
+                                        <p:tgtEl>
+                                          <p:spTgt spid="24"/>
+                                        </p:tgtEl>
+                                      </p:cBhvr>
+                                    </p:animEffect>
+                                    <p:anim calcmode="lin" valueType="num">
+                                      <p:cBhvr>
+                                        <p:cTn id="8" dur="1000" fill="hold"/>
+                                        <p:tgtEl>
+                                          <p:spTgt spid="24"/>
+                                        </p:tgtEl>
+                                        <p:attrNameLst>
+                                          <p:attrName>ppt_x</p:attrName>
+                                        </p:attrNameLst>
+                                      </p:cBhvr>
+                                      <p:tavLst>
+                                        <p:tav tm="0">
+                                          <p:val>
+                                            <p:strVal val="#ppt_x"/>
+                                          </p:val>
+                                        </p:tav>
+                                        <p:tav tm="100000">
+                                          <p:val>
+                                            <p:strVal val="#ppt_x"/>
+                                          </p:val>
+                                        </p:tav>
+                                      </p:tavLst>
+                                    </p:anim>
+                                    <p:anim calcmode="lin" valueType="num">
+                                      <p:cBhvr>
+                                        <p:cTn id="9" dur="1000" fill="hold"/>
+                                        <p:tgtEl>
+                                          <p:spTgt spid="24"/>
+                                        </p:tgtEl>
+                                        <p:attrNameLst>
+                                          <p:attrName>ppt_y</p:attrName>
+                                        </p:attrNameLst>
+                                      </p:cBhvr>
+                                      <p:tavLst>
+                                        <p:tav tm="0">
+                                          <p:val>
+                                            <p:strVal val="#ppt_y+.1"/>
+                                          </p:val>
+                                        </p:tav>
+                                        <p:tav tm="100000">
+                                          <p:val>
+                                            <p:strVal val="#ppt_y"/>
+                                          </p:val>
+                                        </p:tav>
+                                      </p:tavLst>
+                                    </p:anim>
+                                  </p:childTnLst>
+                                </p:cTn>
+                              </p:par>
+                              <p:par>
+                                <p:cTn id="10" presetID="42" presetClass="entr" presetSubtype="0" fill="hold" nodeType="withEffect">
+                                  <p:stCondLst>
+                                    <p:cond delay="0"/>
+                                  </p:stCondLst>
+                                  <p:childTnLst>
+                                    <p:set>
+                                      <p:cBhvr>
+                                        <p:cTn id="11" dur="1" fill="hold">
+                                          <p:stCondLst>
+                                            <p:cond delay="0"/>
+                                          </p:stCondLst>
+                                        </p:cTn>
+                                        <p:tgtEl>
+                                          <p:spTgt spid="25"/>
+                                        </p:tgtEl>
+                                        <p:attrNameLst>
+                                          <p:attrName>style.visibility</p:attrName>
+                                        </p:attrNameLst>
+                                      </p:cBhvr>
+                                      <p:to>
+                                        <p:strVal val="visible"/>
+                                      </p:to>
+                                    </p:set>
+                                    <p:animEffect transition="in" filter="fade">
+                                      <p:cBhvr>
+                                        <p:cTn id="12" dur="1000"/>
+                                        <p:tgtEl>
+                                          <p:spTgt spid="25"/>
+                                        </p:tgtEl>
+                                      </p:cBhvr>
+                                    </p:animEffect>
+                                    <p:anim calcmode="lin" valueType="num">
+                                      <p:cBhvr>
+                                        <p:cTn id="13" dur="1000" fill="hold"/>
+                                        <p:tgtEl>
+                                          <p:spTgt spid="25"/>
+                                        </p:tgtEl>
+                                        <p:attrNameLst>
+                                          <p:attrName>ppt_x</p:attrName>
+                                        </p:attrNameLst>
+                                      </p:cBhvr>
+                                      <p:tavLst>
+                                        <p:tav tm="0">
+                                          <p:val>
+                                            <p:strVal val="#ppt_x"/>
+                                          </p:val>
+                                        </p:tav>
+                                        <p:tav tm="100000">
+                                          <p:val>
+                                            <p:strVal val="#ppt_x"/>
+                                          </p:val>
+                                        </p:tav>
+                                      </p:tavLst>
+                                    </p:anim>
+                                    <p:anim calcmode="lin" valueType="num">
+                                      <p:cBhvr>
+                                        <p:cTn id="14" dur="1000" fill="hold"/>
+                                        <p:tgtEl>
+                                          <p:spTgt spid="25"/>
+                                        </p:tgtEl>
+                                        <p:attrNameLst>
+                                          <p:attrName>ppt_y</p:attrName>
+                                        </p:attrNameLst>
+                                      </p:cBhvr>
+                                      <p:tavLst>
+                                        <p:tav tm="0">
+                                          <p:val>
+                                            <p:strVal val="#ppt_y+.1"/>
+                                          </p:val>
+                                        </p:tav>
+                                        <p:tav tm="100000">
+                                          <p:val>
+                                            <p:strVal val="#ppt_y"/>
+                                          </p:val>
+                                        </p:tav>
+                                      </p:tavLst>
+                                    </p:anim>
+                                  </p:childTnLst>
+                                </p:cTn>
+                              </p:par>
+                              <p:par>
+                                <p:cTn id="15" presetID="42" presetClass="entr" presetSubtype="0" fill="hold" nodeType="withEffect">
+                                  <p:stCondLst>
+                                    <p:cond delay="0"/>
+                                  </p:stCondLst>
+                                  <p:childTnLst>
+                                    <p:set>
+                                      <p:cBhvr>
+                                        <p:cTn id="16" dur="1" fill="hold">
+                                          <p:stCondLst>
+                                            <p:cond delay="0"/>
+                                          </p:stCondLst>
+                                        </p:cTn>
+                                        <p:tgtEl>
+                                          <p:spTgt spid="28"/>
+                                        </p:tgtEl>
+                                        <p:attrNameLst>
+                                          <p:attrName>style.visibility</p:attrName>
+                                        </p:attrNameLst>
+                                      </p:cBhvr>
+                                      <p:to>
+                                        <p:strVal val="visible"/>
+                                      </p:to>
+                                    </p:set>
+                                    <p:animEffect transition="in" filter="fade">
+                                      <p:cBhvr>
+                                        <p:cTn id="17" dur="1000"/>
+                                        <p:tgtEl>
+                                          <p:spTgt spid="28"/>
+                                        </p:tgtEl>
+                                      </p:cBhvr>
+                                    </p:animEffect>
+                                    <p:anim calcmode="lin" valueType="num">
+                                      <p:cBhvr>
+                                        <p:cTn id="18" dur="1000" fill="hold"/>
+                                        <p:tgtEl>
+                                          <p:spTgt spid="28"/>
+                                        </p:tgtEl>
+                                        <p:attrNameLst>
+                                          <p:attrName>ppt_x</p:attrName>
+                                        </p:attrNameLst>
+                                      </p:cBhvr>
+                                      <p:tavLst>
+                                        <p:tav tm="0">
+                                          <p:val>
+                                            <p:strVal val="#ppt_x"/>
+                                          </p:val>
+                                        </p:tav>
+                                        <p:tav tm="100000">
+                                          <p:val>
+                                            <p:strVal val="#ppt_x"/>
+                                          </p:val>
+                                        </p:tav>
+                                      </p:tavLst>
+                                    </p:anim>
+                                    <p:anim calcmode="lin" valueType="num">
+                                      <p:cBhvr>
+                                        <p:cTn id="19" dur="1000" fill="hold"/>
+                                        <p:tgtEl>
+                                          <p:spTgt spid="28"/>
+                                        </p:tgtEl>
+                                        <p:attrNameLst>
+                                          <p:attrName>ppt_y</p:attrName>
+                                        </p:attrNameLst>
+                                      </p:cBhvr>
+                                      <p:tavLst>
+                                        <p:tav tm="0">
+                                          <p:val>
+                                            <p:strVal val="#ppt_y+.1"/>
+                                          </p:val>
+                                        </p:tav>
+                                        <p:tav tm="100000">
+                                          <p:val>
+                                            <p:strVal val="#ppt_y"/>
+                                          </p:val>
+                                        </p:tav>
+                                      </p:tavLst>
+                                    </p:anim>
+                                  </p:childTnLst>
+                                </p:cTn>
+                              </p:par>
+                              <p:par>
+                                <p:cTn id="20" presetID="42" presetClass="entr" presetSubtype="0" fill="hold" nodeType="withEffect">
+                                  <p:stCondLst>
+                                    <p:cond delay="0"/>
+                                  </p:stCondLst>
+                                  <p:childTnLst>
+                                    <p:set>
+                                      <p:cBhvr>
+                                        <p:cTn id="21" dur="1" fill="hold">
+                                          <p:stCondLst>
+                                            <p:cond delay="0"/>
+                                          </p:stCondLst>
+                                        </p:cTn>
+                                        <p:tgtEl>
+                                          <p:spTgt spid="29"/>
+                                        </p:tgtEl>
+                                        <p:attrNameLst>
+                                          <p:attrName>style.visibility</p:attrName>
+                                        </p:attrNameLst>
+                                      </p:cBhvr>
+                                      <p:to>
+                                        <p:strVal val="visible"/>
+                                      </p:to>
+                                    </p:set>
+                                    <p:animEffect transition="in" filter="fade">
+                                      <p:cBhvr>
+                                        <p:cTn id="22" dur="1000"/>
+                                        <p:tgtEl>
+                                          <p:spTgt spid="29"/>
+                                        </p:tgtEl>
+                                      </p:cBhvr>
+                                    </p:animEffect>
+                                    <p:anim calcmode="lin" valueType="num">
+                                      <p:cBhvr>
+                                        <p:cTn id="23" dur="1000" fill="hold"/>
+                                        <p:tgtEl>
+                                          <p:spTgt spid="29"/>
+                                        </p:tgtEl>
+                                        <p:attrNameLst>
+                                          <p:attrName>ppt_x</p:attrName>
+                                        </p:attrNameLst>
+                                      </p:cBhvr>
+                                      <p:tavLst>
+                                        <p:tav tm="0">
+                                          <p:val>
+                                            <p:strVal val="#ppt_x"/>
+                                          </p:val>
+                                        </p:tav>
+                                        <p:tav tm="100000">
+                                          <p:val>
+                                            <p:strVal val="#ppt_x"/>
+                                          </p:val>
+                                        </p:tav>
+                                      </p:tavLst>
+                                    </p:anim>
+                                    <p:anim calcmode="lin" valueType="num">
+                                      <p:cBhvr>
+                                        <p:cTn id="24" dur="1000" fill="hold"/>
+                                        <p:tgtEl>
+                                          <p:spTgt spid="29"/>
+                                        </p:tgtEl>
+                                        <p:attrNameLst>
+                                          <p:attrName>ppt_y</p:attrName>
+                                        </p:attrNameLst>
+                                      </p:cBhvr>
+                                      <p:tavLst>
+                                        <p:tav tm="0">
+                                          <p:val>
+                                            <p:strVal val="#ppt_y+.1"/>
+                                          </p:val>
+                                        </p:tav>
+                                        <p:tav tm="100000">
+                                          <p:val>
+                                            <p:strVal val="#ppt_y"/>
+                                          </p:val>
+                                        </p:tav>
+                                      </p:tavLst>
+                                    </p:anim>
+                                  </p:childTnLst>
+                                </p:cTn>
+                              </p:par>
+                            </p:childTnLst>
+                          </p:cTn>
+                        </p:par>
+                      </p:childTnLst>
+                    </p:cTn>
+                  </p:par>
+                </p:childTnLst>
+              </p:cTn>
+              <p:prevCondLst>
+                <p:cond evt="onPrev" delay="0">
+                  <p:tgtEl>
+                    <p:sldTgt/>
+                  </p:tgtEl>
+                </p:cond>
+              </p:prevCondLst>
+              <p:nextCondLst>
+                <p:cond evt="onNext" delay="0">
+                  <p:tgtEl>
+                    <p:sldTgt/>
+                  </p:tgtEl>
+                </p:cond>
+              </p:nextCondLst>
+            </p:seq>
+          </p:childTnLst>
+        </p:cTn>
+      </p:par>
+    </p:tnLst>
+  </p:timing>
 </p:sld>
 </file>
 

--- a/oral_projet/revue_2/diaporama_revue_2_dylan.pptx
+++ b/oral_projet/revue_2/diaporama_revue_2_dylan.pptx
@@ -5,7 +5,7 @@
     <p:sldMasterId id="2147483648" r:id="rId1"/>
   </p:sldMasterIdLst>
   <p:notesMasterIdLst>
-    <p:notesMasterId r:id="rId17"/>
+    <p:notesMasterId r:id="rId16"/>
   </p:notesMasterIdLst>
   <p:sldIdLst>
     <p:sldId id="256" r:id="rId2"/>
@@ -22,7 +22,6 @@
     <p:sldId id="276" r:id="rId13"/>
     <p:sldId id="277" r:id="rId14"/>
     <p:sldId id="275" r:id="rId15"/>
-    <p:sldId id="271" r:id="rId16"/>
   </p:sldIdLst>
   <p:sldSz cx="12192000" cy="6858000"/>
   <p:notesSz cx="6858000" cy="9144000"/>
@@ -211,7 +210,7 @@
           <a:p>
             <a:fld id="{7BEC4371-174F-4615-858D-8B61BA547698}" type="datetimeFigureOut">
               <a:rPr lang="fr-FR" smtClean="0"/>
-              <a:t>12/03/2018</a:t>
+              <a:t>13/03/2018</a:t>
             </a:fld>
             <a:endParaRPr lang="fr-FR"/>
           </a:p>
@@ -625,7 +624,7 @@
           <a:p>
             <a:fld id="{125942D7-A464-4365-815E-3C7EAFC3F152}" type="datetimeFigureOut">
               <a:rPr lang="fr-FR" smtClean="0"/>
-              <a:t>12/03/2018</a:t>
+              <a:t>13/03/2018</a:t>
             </a:fld>
             <a:endParaRPr lang="fr-FR"/>
           </a:p>
@@ -835,7 +834,7 @@
           <a:p>
             <a:fld id="{125942D7-A464-4365-815E-3C7EAFC3F152}" type="datetimeFigureOut">
               <a:rPr lang="fr-FR" smtClean="0"/>
-              <a:t>12/03/2018</a:t>
+              <a:t>13/03/2018</a:t>
             </a:fld>
             <a:endParaRPr lang="fr-FR"/>
           </a:p>
@@ -1055,7 +1054,7 @@
           <a:p>
             <a:fld id="{125942D7-A464-4365-815E-3C7EAFC3F152}" type="datetimeFigureOut">
               <a:rPr lang="fr-FR" smtClean="0"/>
-              <a:t>12/03/2018</a:t>
+              <a:t>13/03/2018</a:t>
             </a:fld>
             <a:endParaRPr lang="fr-FR"/>
           </a:p>
@@ -1265,7 +1264,7 @@
           <a:p>
             <a:fld id="{125942D7-A464-4365-815E-3C7EAFC3F152}" type="datetimeFigureOut">
               <a:rPr lang="fr-FR" smtClean="0"/>
-              <a:t>12/03/2018</a:t>
+              <a:t>13/03/2018</a:t>
             </a:fld>
             <a:endParaRPr lang="fr-FR"/>
           </a:p>
@@ -1552,7 +1551,7 @@
           <a:p>
             <a:fld id="{125942D7-A464-4365-815E-3C7EAFC3F152}" type="datetimeFigureOut">
               <a:rPr lang="fr-FR" smtClean="0"/>
-              <a:t>12/03/2018</a:t>
+              <a:t>13/03/2018</a:t>
             </a:fld>
             <a:endParaRPr lang="fr-FR"/>
           </a:p>
@@ -1829,7 +1828,7 @@
           <a:p>
             <a:fld id="{125942D7-A464-4365-815E-3C7EAFC3F152}" type="datetimeFigureOut">
               <a:rPr lang="fr-FR" smtClean="0"/>
-              <a:t>12/03/2018</a:t>
+              <a:t>13/03/2018</a:t>
             </a:fld>
             <a:endParaRPr lang="fr-FR"/>
           </a:p>
@@ -2253,7 +2252,7 @@
           <a:p>
             <a:fld id="{125942D7-A464-4365-815E-3C7EAFC3F152}" type="datetimeFigureOut">
               <a:rPr lang="fr-FR" smtClean="0"/>
-              <a:t>12/03/2018</a:t>
+              <a:t>13/03/2018</a:t>
             </a:fld>
             <a:endParaRPr lang="fr-FR"/>
           </a:p>
@@ -2406,7 +2405,7 @@
           <a:p>
             <a:fld id="{125942D7-A464-4365-815E-3C7EAFC3F152}" type="datetimeFigureOut">
               <a:rPr lang="fr-FR" smtClean="0"/>
-              <a:t>12/03/2018</a:t>
+              <a:t>13/03/2018</a:t>
             </a:fld>
             <a:endParaRPr lang="fr-FR"/>
           </a:p>
@@ -2531,7 +2530,7 @@
           <a:p>
             <a:fld id="{125942D7-A464-4365-815E-3C7EAFC3F152}" type="datetimeFigureOut">
               <a:rPr lang="fr-FR" smtClean="0"/>
-              <a:t>12/03/2018</a:t>
+              <a:t>13/03/2018</a:t>
             </a:fld>
             <a:endParaRPr lang="fr-FR"/>
           </a:p>
@@ -2854,7 +2853,7 @@
           <a:p>
             <a:fld id="{125942D7-A464-4365-815E-3C7EAFC3F152}" type="datetimeFigureOut">
               <a:rPr lang="fr-FR" smtClean="0"/>
-              <a:t>12/03/2018</a:t>
+              <a:t>13/03/2018</a:t>
             </a:fld>
             <a:endParaRPr lang="fr-FR"/>
           </a:p>
@@ -3154,7 +3153,7 @@
           <a:p>
             <a:fld id="{125942D7-A464-4365-815E-3C7EAFC3F152}" type="datetimeFigureOut">
               <a:rPr lang="fr-FR" smtClean="0"/>
-              <a:t>12/03/2018</a:t>
+              <a:t>13/03/2018</a:t>
             </a:fld>
             <a:endParaRPr lang="fr-FR"/>
           </a:p>
@@ -3407,7 +3406,7 @@
           <a:p>
             <a:fld id="{125942D7-A464-4365-815E-3C7EAFC3F152}" type="datetimeFigureOut">
               <a:rPr lang="fr-FR" smtClean="0"/>
-              <a:t>12/03/2018</a:t>
+              <a:t>13/03/2018</a:t>
             </a:fld>
             <a:endParaRPr lang="fr-FR"/>
           </a:p>
@@ -11572,839 +11571,6 @@
     <p:extLst>
       <p:ext uri="{BB962C8B-B14F-4D97-AF65-F5344CB8AC3E}">
         <p14:creationId xmlns:p14="http://schemas.microsoft.com/office/powerpoint/2010/main" val="3358199985"/>
-      </p:ext>
-    </p:extLst>
-  </p:cSld>
-  <p:clrMapOvr>
-    <a:masterClrMapping/>
-  </p:clrMapOvr>
-  <mc:AlternateContent xmlns:mc="http://schemas.openxmlformats.org/markup-compatibility/2006" xmlns:p14="http://schemas.microsoft.com/office/powerpoint/2010/main">
-    <mc:Choice Requires="p14">
-      <p:transition spd="slow">
-        <p14:reveal/>
-      </p:transition>
-    </mc:Choice>
-    <mc:Fallback xmlns="">
-      <p:transition spd="slow">
-        <p:fade/>
-      </p:transition>
-    </mc:Fallback>
-  </mc:AlternateContent>
-</p:sld>
-</file>
-
-<file path=ppt/slides/slide15.xml><?xml version="1.0" encoding="utf-8"?>
-<p:sld xmlns:a="http://schemas.openxmlformats.org/drawingml/2006/main" xmlns:r="http://schemas.openxmlformats.org/officeDocument/2006/relationships" xmlns:p="http://schemas.openxmlformats.org/presentationml/2006/main">
-  <p:cSld>
-    <p:spTree>
-      <p:nvGrpSpPr>
-        <p:cNvPr id="1" name=""/>
-        <p:cNvGrpSpPr/>
-        <p:nvPr/>
-      </p:nvGrpSpPr>
-      <p:grpSpPr>
-        <a:xfrm>
-          <a:off x="0" y="0"/>
-          <a:ext cx="0" cy="0"/>
-          <a:chOff x="0" y="0"/>
-          <a:chExt cx="0" cy="0"/>
-        </a:xfrm>
-      </p:grpSpPr>
-      <p:pic>
-        <p:nvPicPr>
-          <p:cNvPr id="8" name="Image 7">
-            <a:extLst>
-              <a:ext uri="{FF2B5EF4-FFF2-40B4-BE49-F238E27FC236}">
-                <a16:creationId xmlns:a16="http://schemas.microsoft.com/office/drawing/2014/main" id="{2BB825C5-31DA-4A56-85EA-536DBF510A31}"/>
-              </a:ext>
-            </a:extLst>
-          </p:cNvPr>
-          <p:cNvPicPr>
-            <a:picLocks noChangeAspect="1"/>
-          </p:cNvPicPr>
-          <p:nvPr/>
-        </p:nvPicPr>
-        <p:blipFill>
-          <a:blip r:embed="rId2">
-            <a:extLst>
-              <a:ext uri="{28A0092B-C50C-407E-A947-70E740481C1C}">
-                <a14:useLocalDpi xmlns:a14="http://schemas.microsoft.com/office/drawing/2010/main" val="0"/>
-              </a:ext>
-            </a:extLst>
-          </a:blip>
-          <a:stretch>
-            <a:fillRect/>
-          </a:stretch>
-        </p:blipFill>
-        <p:spPr>
-          <a:xfrm>
-            <a:off x="1068751" y="66457"/>
-            <a:ext cx="1259497" cy="776690"/>
-          </a:xfrm>
-          <a:prstGeom prst="rect">
-            <a:avLst/>
-          </a:prstGeom>
-        </p:spPr>
-      </p:pic>
-      <p:pic>
-        <p:nvPicPr>
-          <p:cNvPr id="10" name="Image 9">
-            <a:extLst>
-              <a:ext uri="{FF2B5EF4-FFF2-40B4-BE49-F238E27FC236}">
-                <a16:creationId xmlns:a16="http://schemas.microsoft.com/office/drawing/2014/main" id="{8EE7436F-49F2-41E0-93E4-D247B4705294}"/>
-              </a:ext>
-            </a:extLst>
-          </p:cNvPr>
-          <p:cNvPicPr>
-            <a:picLocks noChangeAspect="1"/>
-          </p:cNvPicPr>
-          <p:nvPr/>
-        </p:nvPicPr>
-        <p:blipFill>
-          <a:blip r:embed="rId3">
-            <a:extLst>
-              <a:ext uri="{28A0092B-C50C-407E-A947-70E740481C1C}">
-                <a14:useLocalDpi xmlns:a14="http://schemas.microsoft.com/office/drawing/2010/main" val="0"/>
-              </a:ext>
-            </a:extLst>
-          </a:blip>
-          <a:stretch>
-            <a:fillRect/>
-          </a:stretch>
-        </p:blipFill>
-        <p:spPr>
-          <a:xfrm>
-            <a:off x="9681085" y="238153"/>
-            <a:ext cx="1802101" cy="569807"/>
-          </a:xfrm>
-          <a:prstGeom prst="rect">
-            <a:avLst/>
-          </a:prstGeom>
-        </p:spPr>
-      </p:pic>
-      <p:cxnSp>
-        <p:nvCxnSpPr>
-          <p:cNvPr id="16" name="Connecteur droit 15">
-            <a:extLst>
-              <a:ext uri="{FF2B5EF4-FFF2-40B4-BE49-F238E27FC236}">
-                <a16:creationId xmlns:a16="http://schemas.microsoft.com/office/drawing/2014/main" id="{7319284A-BD6F-4A96-8E2B-E0A4B52E53C6}"/>
-              </a:ext>
-            </a:extLst>
-          </p:cNvPr>
-          <p:cNvCxnSpPr>
-            <a:cxnSpLocks/>
-          </p:cNvCxnSpPr>
-          <p:nvPr/>
-        </p:nvCxnSpPr>
-        <p:spPr>
-          <a:xfrm flipV="1">
-            <a:off x="0" y="454803"/>
-            <a:ext cx="738231" cy="1798"/>
-          </a:xfrm>
-          <a:prstGeom prst="line">
-            <a:avLst/>
-          </a:prstGeom>
-        </p:spPr>
-        <p:style>
-          <a:lnRef idx="3">
-            <a:schemeClr val="dk1"/>
-          </a:lnRef>
-          <a:fillRef idx="0">
-            <a:schemeClr val="dk1"/>
-          </a:fillRef>
-          <a:effectRef idx="2">
-            <a:schemeClr val="dk1"/>
-          </a:effectRef>
-          <a:fontRef idx="minor">
-            <a:schemeClr val="tx1"/>
-          </a:fontRef>
-        </p:style>
-      </p:cxnSp>
-      <p:cxnSp>
-        <p:nvCxnSpPr>
-          <p:cNvPr id="20" name="Connecteur droit 19">
-            <a:extLst>
-              <a:ext uri="{FF2B5EF4-FFF2-40B4-BE49-F238E27FC236}">
-                <a16:creationId xmlns:a16="http://schemas.microsoft.com/office/drawing/2014/main" id="{08874CF7-F149-4C81-B61E-74E18342BA8A}"/>
-              </a:ext>
-            </a:extLst>
-          </p:cNvPr>
-          <p:cNvCxnSpPr>
-            <a:cxnSpLocks/>
-          </p:cNvCxnSpPr>
-          <p:nvPr/>
-        </p:nvCxnSpPr>
-        <p:spPr>
-          <a:xfrm>
-            <a:off x="2573222" y="454803"/>
-            <a:ext cx="6829482" cy="10398"/>
-          </a:xfrm>
-          <a:prstGeom prst="line">
-            <a:avLst/>
-          </a:prstGeom>
-        </p:spPr>
-        <p:style>
-          <a:lnRef idx="3">
-            <a:schemeClr val="dk1"/>
-          </a:lnRef>
-          <a:fillRef idx="0">
-            <a:schemeClr val="dk1"/>
-          </a:fillRef>
-          <a:effectRef idx="2">
-            <a:schemeClr val="dk1"/>
-          </a:effectRef>
-          <a:fontRef idx="minor">
-            <a:schemeClr val="tx1"/>
-          </a:fontRef>
-        </p:style>
-      </p:cxnSp>
-      <p:cxnSp>
-        <p:nvCxnSpPr>
-          <p:cNvPr id="26" name="Connecteur droit 25">
-            <a:extLst>
-              <a:ext uri="{FF2B5EF4-FFF2-40B4-BE49-F238E27FC236}">
-                <a16:creationId xmlns:a16="http://schemas.microsoft.com/office/drawing/2014/main" id="{BB3B35CC-057B-48C1-880F-3306A6559175}"/>
-              </a:ext>
-            </a:extLst>
-          </p:cNvPr>
-          <p:cNvCxnSpPr>
-            <a:cxnSpLocks/>
-          </p:cNvCxnSpPr>
-          <p:nvPr/>
-        </p:nvCxnSpPr>
-        <p:spPr>
-          <a:xfrm>
-            <a:off x="738231" y="454803"/>
-            <a:ext cx="344203" cy="484764"/>
-          </a:xfrm>
-          <a:prstGeom prst="line">
-            <a:avLst/>
-          </a:prstGeom>
-        </p:spPr>
-        <p:style>
-          <a:lnRef idx="3">
-            <a:schemeClr val="dk1"/>
-          </a:lnRef>
-          <a:fillRef idx="0">
-            <a:schemeClr val="dk1"/>
-          </a:fillRef>
-          <a:effectRef idx="2">
-            <a:schemeClr val="dk1"/>
-          </a:effectRef>
-          <a:fontRef idx="minor">
-            <a:schemeClr val="tx1"/>
-          </a:fontRef>
-        </p:style>
-      </p:cxnSp>
-      <p:cxnSp>
-        <p:nvCxnSpPr>
-          <p:cNvPr id="32" name="Connecteur droit 31">
-            <a:extLst>
-              <a:ext uri="{FF2B5EF4-FFF2-40B4-BE49-F238E27FC236}">
-                <a16:creationId xmlns:a16="http://schemas.microsoft.com/office/drawing/2014/main" id="{4AD96496-1EB6-4E48-9BB2-5C255495C686}"/>
-              </a:ext>
-            </a:extLst>
-          </p:cNvPr>
-          <p:cNvCxnSpPr>
-            <a:cxnSpLocks/>
-          </p:cNvCxnSpPr>
-          <p:nvPr/>
-        </p:nvCxnSpPr>
-        <p:spPr>
-          <a:xfrm>
-            <a:off x="1082434" y="938268"/>
-            <a:ext cx="1146585" cy="0"/>
-          </a:xfrm>
-          <a:prstGeom prst="line">
-            <a:avLst/>
-          </a:prstGeom>
-        </p:spPr>
-        <p:style>
-          <a:lnRef idx="3">
-            <a:schemeClr val="dk1"/>
-          </a:lnRef>
-          <a:fillRef idx="0">
-            <a:schemeClr val="dk1"/>
-          </a:fillRef>
-          <a:effectRef idx="2">
-            <a:schemeClr val="dk1"/>
-          </a:effectRef>
-          <a:fontRef idx="minor">
-            <a:schemeClr val="tx1"/>
-          </a:fontRef>
-        </p:style>
-      </p:cxnSp>
-      <p:cxnSp>
-        <p:nvCxnSpPr>
-          <p:cNvPr id="51" name="Connecteur droit 50">
-            <a:extLst>
-              <a:ext uri="{FF2B5EF4-FFF2-40B4-BE49-F238E27FC236}">
-                <a16:creationId xmlns:a16="http://schemas.microsoft.com/office/drawing/2014/main" id="{C035BFA6-ECBF-4775-BA81-19D2CA41AA8D}"/>
-              </a:ext>
-            </a:extLst>
-          </p:cNvPr>
-          <p:cNvCxnSpPr>
-            <a:cxnSpLocks/>
-          </p:cNvCxnSpPr>
-          <p:nvPr/>
-        </p:nvCxnSpPr>
-        <p:spPr>
-          <a:xfrm>
-            <a:off x="9402704" y="465201"/>
-            <a:ext cx="344203" cy="495163"/>
-          </a:xfrm>
-          <a:prstGeom prst="line">
-            <a:avLst/>
-          </a:prstGeom>
-        </p:spPr>
-        <p:style>
-          <a:lnRef idx="3">
-            <a:schemeClr val="dk1"/>
-          </a:lnRef>
-          <a:fillRef idx="0">
-            <a:schemeClr val="dk1"/>
-          </a:fillRef>
-          <a:effectRef idx="2">
-            <a:schemeClr val="dk1"/>
-          </a:effectRef>
-          <a:fontRef idx="minor">
-            <a:schemeClr val="tx1"/>
-          </a:fontRef>
-        </p:style>
-      </p:cxnSp>
-      <p:cxnSp>
-        <p:nvCxnSpPr>
-          <p:cNvPr id="52" name="Connecteur droit 51">
-            <a:extLst>
-              <a:ext uri="{FF2B5EF4-FFF2-40B4-BE49-F238E27FC236}">
-                <a16:creationId xmlns:a16="http://schemas.microsoft.com/office/drawing/2014/main" id="{FA310BC7-694B-4984-99A2-61A1F4F6EBF9}"/>
-              </a:ext>
-            </a:extLst>
-          </p:cNvPr>
-          <p:cNvCxnSpPr>
-            <a:cxnSpLocks/>
-          </p:cNvCxnSpPr>
-          <p:nvPr/>
-        </p:nvCxnSpPr>
-        <p:spPr>
-          <a:xfrm flipH="1">
-            <a:off x="11370469" y="448308"/>
-            <a:ext cx="364332" cy="501657"/>
-          </a:xfrm>
-          <a:prstGeom prst="line">
-            <a:avLst/>
-          </a:prstGeom>
-        </p:spPr>
-        <p:style>
-          <a:lnRef idx="3">
-            <a:schemeClr val="dk1"/>
-          </a:lnRef>
-          <a:fillRef idx="0">
-            <a:schemeClr val="dk1"/>
-          </a:fillRef>
-          <a:effectRef idx="2">
-            <a:schemeClr val="dk1"/>
-          </a:effectRef>
-          <a:fontRef idx="minor">
-            <a:schemeClr val="tx1"/>
-          </a:fontRef>
-        </p:style>
-      </p:cxnSp>
-      <p:cxnSp>
-        <p:nvCxnSpPr>
-          <p:cNvPr id="53" name="Connecteur droit 52">
-            <a:extLst>
-              <a:ext uri="{FF2B5EF4-FFF2-40B4-BE49-F238E27FC236}">
-                <a16:creationId xmlns:a16="http://schemas.microsoft.com/office/drawing/2014/main" id="{BE0649BD-EE59-4DDA-960F-95B2572F9F13}"/>
-              </a:ext>
-            </a:extLst>
-          </p:cNvPr>
-          <p:cNvCxnSpPr>
-            <a:cxnSpLocks/>
-          </p:cNvCxnSpPr>
-          <p:nvPr/>
-        </p:nvCxnSpPr>
-        <p:spPr>
-          <a:xfrm>
-            <a:off x="9743203" y="949965"/>
-            <a:ext cx="1627266" cy="0"/>
-          </a:xfrm>
-          <a:prstGeom prst="line">
-            <a:avLst/>
-          </a:prstGeom>
-        </p:spPr>
-        <p:style>
-          <a:lnRef idx="3">
-            <a:schemeClr val="dk1"/>
-          </a:lnRef>
-          <a:fillRef idx="0">
-            <a:schemeClr val="dk1"/>
-          </a:fillRef>
-          <a:effectRef idx="2">
-            <a:schemeClr val="dk1"/>
-          </a:effectRef>
-          <a:fontRef idx="minor">
-            <a:schemeClr val="tx1"/>
-          </a:fontRef>
-        </p:style>
-      </p:cxnSp>
-      <p:cxnSp>
-        <p:nvCxnSpPr>
-          <p:cNvPr id="55" name="Connecteur droit 54">
-            <a:extLst>
-              <a:ext uri="{FF2B5EF4-FFF2-40B4-BE49-F238E27FC236}">
-                <a16:creationId xmlns:a16="http://schemas.microsoft.com/office/drawing/2014/main" id="{52AA9200-DAFA-4EEF-AC13-4C7CE82A59EC}"/>
-              </a:ext>
-            </a:extLst>
-          </p:cNvPr>
-          <p:cNvCxnSpPr>
-            <a:cxnSpLocks/>
-          </p:cNvCxnSpPr>
-          <p:nvPr/>
-        </p:nvCxnSpPr>
-        <p:spPr>
-          <a:xfrm>
-            <a:off x="11715750" y="454801"/>
-            <a:ext cx="476249" cy="10400"/>
-          </a:xfrm>
-          <a:prstGeom prst="line">
-            <a:avLst/>
-          </a:prstGeom>
-        </p:spPr>
-        <p:style>
-          <a:lnRef idx="3">
-            <a:schemeClr val="dk1"/>
-          </a:lnRef>
-          <a:fillRef idx="0">
-            <a:schemeClr val="dk1"/>
-          </a:fillRef>
-          <a:effectRef idx="2">
-            <a:schemeClr val="dk1"/>
-          </a:effectRef>
-          <a:fontRef idx="minor">
-            <a:schemeClr val="tx1"/>
-          </a:fontRef>
-        </p:style>
-      </p:cxnSp>
-      <p:cxnSp>
-        <p:nvCxnSpPr>
-          <p:cNvPr id="23" name="Connecteur droit 22">
-            <a:extLst>
-              <a:ext uri="{FF2B5EF4-FFF2-40B4-BE49-F238E27FC236}">
-                <a16:creationId xmlns:a16="http://schemas.microsoft.com/office/drawing/2014/main" id="{BCB092C8-0080-4E56-957E-0046D4C83988}"/>
-              </a:ext>
-            </a:extLst>
-          </p:cNvPr>
-          <p:cNvCxnSpPr>
-            <a:cxnSpLocks/>
-          </p:cNvCxnSpPr>
-          <p:nvPr/>
-        </p:nvCxnSpPr>
-        <p:spPr>
-          <a:xfrm flipH="1">
-            <a:off x="2216372" y="446356"/>
-            <a:ext cx="364332" cy="501657"/>
-          </a:xfrm>
-          <a:prstGeom prst="line">
-            <a:avLst/>
-          </a:prstGeom>
-        </p:spPr>
-        <p:style>
-          <a:lnRef idx="3">
-            <a:schemeClr val="dk1"/>
-          </a:lnRef>
-          <a:fillRef idx="0">
-            <a:schemeClr val="dk1"/>
-          </a:fillRef>
-          <a:effectRef idx="2">
-            <a:schemeClr val="dk1"/>
-          </a:effectRef>
-          <a:fontRef idx="minor">
-            <a:schemeClr val="tx1"/>
-          </a:fontRef>
-        </p:style>
-      </p:cxnSp>
-      <p:pic>
-        <p:nvPicPr>
-          <p:cNvPr id="57" name="Image 56">
-            <a:extLst>
-              <a:ext uri="{FF2B5EF4-FFF2-40B4-BE49-F238E27FC236}">
-                <a16:creationId xmlns:a16="http://schemas.microsoft.com/office/drawing/2014/main" id="{12B16FB2-5844-4B92-AE69-9BAC858C22BB}"/>
-              </a:ext>
-            </a:extLst>
-          </p:cNvPr>
-          <p:cNvPicPr>
-            <a:picLocks noChangeAspect="1"/>
-          </p:cNvPicPr>
-          <p:nvPr/>
-        </p:nvPicPr>
-        <p:blipFill>
-          <a:blip r:embed="rId3">
-            <a:extLst>
-              <a:ext uri="{28A0092B-C50C-407E-A947-70E740481C1C}">
-                <a14:useLocalDpi xmlns:a14="http://schemas.microsoft.com/office/drawing/2010/main" val="0"/>
-              </a:ext>
-            </a:extLst>
-          </a:blip>
-          <a:stretch>
-            <a:fillRect/>
-          </a:stretch>
-        </p:blipFill>
-        <p:spPr>
-          <a:xfrm>
-            <a:off x="9681085" y="238153"/>
-            <a:ext cx="1802101" cy="569807"/>
-          </a:xfrm>
-          <a:prstGeom prst="rect">
-            <a:avLst/>
-          </a:prstGeom>
-        </p:spPr>
-      </p:pic>
-      <p:cxnSp>
-        <p:nvCxnSpPr>
-          <p:cNvPr id="58" name="Connecteur droit 57">
-            <a:extLst>
-              <a:ext uri="{FF2B5EF4-FFF2-40B4-BE49-F238E27FC236}">
-                <a16:creationId xmlns:a16="http://schemas.microsoft.com/office/drawing/2014/main" id="{01599350-F8B0-4FDC-B003-981189A8D654}"/>
-              </a:ext>
-            </a:extLst>
-          </p:cNvPr>
-          <p:cNvCxnSpPr>
-            <a:cxnSpLocks/>
-          </p:cNvCxnSpPr>
-          <p:nvPr/>
-        </p:nvCxnSpPr>
-        <p:spPr>
-          <a:xfrm>
-            <a:off x="2573222" y="454803"/>
-            <a:ext cx="6829482" cy="10398"/>
-          </a:xfrm>
-          <a:prstGeom prst="line">
-            <a:avLst/>
-          </a:prstGeom>
-        </p:spPr>
-        <p:style>
-          <a:lnRef idx="3">
-            <a:schemeClr val="dk1"/>
-          </a:lnRef>
-          <a:fillRef idx="0">
-            <a:schemeClr val="dk1"/>
-          </a:fillRef>
-          <a:effectRef idx="2">
-            <a:schemeClr val="dk1"/>
-          </a:effectRef>
-          <a:fontRef idx="minor">
-            <a:schemeClr val="tx1"/>
-          </a:fontRef>
-        </p:style>
-      </p:cxnSp>
-      <p:cxnSp>
-        <p:nvCxnSpPr>
-          <p:cNvPr id="59" name="Connecteur droit 58">
-            <a:extLst>
-              <a:ext uri="{FF2B5EF4-FFF2-40B4-BE49-F238E27FC236}">
-                <a16:creationId xmlns:a16="http://schemas.microsoft.com/office/drawing/2014/main" id="{BC6E6150-6054-4785-84EC-0C46D82034C2}"/>
-              </a:ext>
-            </a:extLst>
-          </p:cNvPr>
-          <p:cNvCxnSpPr>
-            <a:cxnSpLocks/>
-          </p:cNvCxnSpPr>
-          <p:nvPr/>
-        </p:nvCxnSpPr>
-        <p:spPr>
-          <a:xfrm>
-            <a:off x="738231" y="454803"/>
-            <a:ext cx="344203" cy="484764"/>
-          </a:xfrm>
-          <a:prstGeom prst="line">
-            <a:avLst/>
-          </a:prstGeom>
-        </p:spPr>
-        <p:style>
-          <a:lnRef idx="3">
-            <a:schemeClr val="dk1"/>
-          </a:lnRef>
-          <a:fillRef idx="0">
-            <a:schemeClr val="dk1"/>
-          </a:fillRef>
-          <a:effectRef idx="2">
-            <a:schemeClr val="dk1"/>
-          </a:effectRef>
-          <a:fontRef idx="minor">
-            <a:schemeClr val="tx1"/>
-          </a:fontRef>
-        </p:style>
-      </p:cxnSp>
-      <p:cxnSp>
-        <p:nvCxnSpPr>
-          <p:cNvPr id="60" name="Connecteur droit 59">
-            <a:extLst>
-              <a:ext uri="{FF2B5EF4-FFF2-40B4-BE49-F238E27FC236}">
-                <a16:creationId xmlns:a16="http://schemas.microsoft.com/office/drawing/2014/main" id="{CBC9961A-8EC2-4287-A398-BCA4138D409D}"/>
-              </a:ext>
-            </a:extLst>
-          </p:cNvPr>
-          <p:cNvCxnSpPr>
-            <a:cxnSpLocks/>
-          </p:cNvCxnSpPr>
-          <p:nvPr/>
-        </p:nvCxnSpPr>
-        <p:spPr>
-          <a:xfrm>
-            <a:off x="1082434" y="938268"/>
-            <a:ext cx="1146585" cy="0"/>
-          </a:xfrm>
-          <a:prstGeom prst="line">
-            <a:avLst/>
-          </a:prstGeom>
-        </p:spPr>
-        <p:style>
-          <a:lnRef idx="3">
-            <a:schemeClr val="dk1"/>
-          </a:lnRef>
-          <a:fillRef idx="0">
-            <a:schemeClr val="dk1"/>
-          </a:fillRef>
-          <a:effectRef idx="2">
-            <a:schemeClr val="dk1"/>
-          </a:effectRef>
-          <a:fontRef idx="minor">
-            <a:schemeClr val="tx1"/>
-          </a:fontRef>
-        </p:style>
-      </p:cxnSp>
-      <p:cxnSp>
-        <p:nvCxnSpPr>
-          <p:cNvPr id="61" name="Connecteur droit 60">
-            <a:extLst>
-              <a:ext uri="{FF2B5EF4-FFF2-40B4-BE49-F238E27FC236}">
-                <a16:creationId xmlns:a16="http://schemas.microsoft.com/office/drawing/2014/main" id="{152B7C45-2543-4665-BC07-4DB71CA9F337}"/>
-              </a:ext>
-            </a:extLst>
-          </p:cNvPr>
-          <p:cNvCxnSpPr>
-            <a:cxnSpLocks/>
-          </p:cNvCxnSpPr>
-          <p:nvPr/>
-        </p:nvCxnSpPr>
-        <p:spPr>
-          <a:xfrm>
-            <a:off x="9402704" y="465201"/>
-            <a:ext cx="344203" cy="495163"/>
-          </a:xfrm>
-          <a:prstGeom prst="line">
-            <a:avLst/>
-          </a:prstGeom>
-        </p:spPr>
-        <p:style>
-          <a:lnRef idx="3">
-            <a:schemeClr val="dk1"/>
-          </a:lnRef>
-          <a:fillRef idx="0">
-            <a:schemeClr val="dk1"/>
-          </a:fillRef>
-          <a:effectRef idx="2">
-            <a:schemeClr val="dk1"/>
-          </a:effectRef>
-          <a:fontRef idx="minor">
-            <a:schemeClr val="tx1"/>
-          </a:fontRef>
-        </p:style>
-      </p:cxnSp>
-      <p:cxnSp>
-        <p:nvCxnSpPr>
-          <p:cNvPr id="62" name="Connecteur droit 61">
-            <a:extLst>
-              <a:ext uri="{FF2B5EF4-FFF2-40B4-BE49-F238E27FC236}">
-                <a16:creationId xmlns:a16="http://schemas.microsoft.com/office/drawing/2014/main" id="{00A84DC3-A112-46A3-B71C-04D85339323D}"/>
-              </a:ext>
-            </a:extLst>
-          </p:cNvPr>
-          <p:cNvCxnSpPr>
-            <a:cxnSpLocks/>
-          </p:cNvCxnSpPr>
-          <p:nvPr/>
-        </p:nvCxnSpPr>
-        <p:spPr>
-          <a:xfrm flipH="1">
-            <a:off x="11370469" y="448308"/>
-            <a:ext cx="364332" cy="501657"/>
-          </a:xfrm>
-          <a:prstGeom prst="line">
-            <a:avLst/>
-          </a:prstGeom>
-        </p:spPr>
-        <p:style>
-          <a:lnRef idx="3">
-            <a:schemeClr val="dk1"/>
-          </a:lnRef>
-          <a:fillRef idx="0">
-            <a:schemeClr val="dk1"/>
-          </a:fillRef>
-          <a:effectRef idx="2">
-            <a:schemeClr val="dk1"/>
-          </a:effectRef>
-          <a:fontRef idx="minor">
-            <a:schemeClr val="tx1"/>
-          </a:fontRef>
-        </p:style>
-      </p:cxnSp>
-      <p:cxnSp>
-        <p:nvCxnSpPr>
-          <p:cNvPr id="63" name="Connecteur droit 62">
-            <a:extLst>
-              <a:ext uri="{FF2B5EF4-FFF2-40B4-BE49-F238E27FC236}">
-                <a16:creationId xmlns:a16="http://schemas.microsoft.com/office/drawing/2014/main" id="{C50788C6-8F68-44EC-AB54-94C1D2FE554D}"/>
-              </a:ext>
-            </a:extLst>
-          </p:cNvPr>
-          <p:cNvCxnSpPr>
-            <a:cxnSpLocks/>
-          </p:cNvCxnSpPr>
-          <p:nvPr/>
-        </p:nvCxnSpPr>
-        <p:spPr>
-          <a:xfrm>
-            <a:off x="9743203" y="949965"/>
-            <a:ext cx="1627266" cy="0"/>
-          </a:xfrm>
-          <a:prstGeom prst="line">
-            <a:avLst/>
-          </a:prstGeom>
-        </p:spPr>
-        <p:style>
-          <a:lnRef idx="3">
-            <a:schemeClr val="dk1"/>
-          </a:lnRef>
-          <a:fillRef idx="0">
-            <a:schemeClr val="dk1"/>
-          </a:fillRef>
-          <a:effectRef idx="2">
-            <a:schemeClr val="dk1"/>
-          </a:effectRef>
-          <a:fontRef idx="minor">
-            <a:schemeClr val="tx1"/>
-          </a:fontRef>
-        </p:style>
-      </p:cxnSp>
-      <p:cxnSp>
-        <p:nvCxnSpPr>
-          <p:cNvPr id="64" name="Connecteur droit 63">
-            <a:extLst>
-              <a:ext uri="{FF2B5EF4-FFF2-40B4-BE49-F238E27FC236}">
-                <a16:creationId xmlns:a16="http://schemas.microsoft.com/office/drawing/2014/main" id="{BC4D4E5F-5636-45CB-873C-EC085AB307A3}"/>
-              </a:ext>
-            </a:extLst>
-          </p:cNvPr>
-          <p:cNvCxnSpPr>
-            <a:cxnSpLocks/>
-          </p:cNvCxnSpPr>
-          <p:nvPr/>
-        </p:nvCxnSpPr>
-        <p:spPr>
-          <a:xfrm>
-            <a:off x="11715750" y="454801"/>
-            <a:ext cx="476249" cy="10400"/>
-          </a:xfrm>
-          <a:prstGeom prst="line">
-            <a:avLst/>
-          </a:prstGeom>
-        </p:spPr>
-        <p:style>
-          <a:lnRef idx="3">
-            <a:schemeClr val="dk1"/>
-          </a:lnRef>
-          <a:fillRef idx="0">
-            <a:schemeClr val="dk1"/>
-          </a:fillRef>
-          <a:effectRef idx="2">
-            <a:schemeClr val="dk1"/>
-          </a:effectRef>
-          <a:fontRef idx="minor">
-            <a:schemeClr val="tx1"/>
-          </a:fontRef>
-        </p:style>
-      </p:cxnSp>
-      <p:cxnSp>
-        <p:nvCxnSpPr>
-          <p:cNvPr id="65" name="Connecteur droit 64">
-            <a:extLst>
-              <a:ext uri="{FF2B5EF4-FFF2-40B4-BE49-F238E27FC236}">
-                <a16:creationId xmlns:a16="http://schemas.microsoft.com/office/drawing/2014/main" id="{E6F6B4C5-0E3B-46C9-859D-EE774175D36F}"/>
-              </a:ext>
-            </a:extLst>
-          </p:cNvPr>
-          <p:cNvCxnSpPr>
-            <a:cxnSpLocks/>
-          </p:cNvCxnSpPr>
-          <p:nvPr/>
-        </p:nvCxnSpPr>
-        <p:spPr>
-          <a:xfrm flipH="1">
-            <a:off x="2216372" y="446356"/>
-            <a:ext cx="364332" cy="501657"/>
-          </a:xfrm>
-          <a:prstGeom prst="line">
-            <a:avLst/>
-          </a:prstGeom>
-        </p:spPr>
-        <p:style>
-          <a:lnRef idx="3">
-            <a:schemeClr val="dk1"/>
-          </a:lnRef>
-          <a:fillRef idx="0">
-            <a:schemeClr val="dk1"/>
-          </a:fillRef>
-          <a:effectRef idx="2">
-            <a:schemeClr val="dk1"/>
-          </a:effectRef>
-          <a:fontRef idx="minor">
-            <a:schemeClr val="tx1"/>
-          </a:fontRef>
-        </p:style>
-      </p:cxnSp>
-      <p:sp>
-        <p:nvSpPr>
-          <p:cNvPr id="2" name="ZoneTexte 1">
-            <a:extLst>
-              <a:ext uri="{FF2B5EF4-FFF2-40B4-BE49-F238E27FC236}">
-                <a16:creationId xmlns:a16="http://schemas.microsoft.com/office/drawing/2014/main" id="{128A5370-27C5-4A3F-98D7-D74D075851FE}"/>
-              </a:ext>
-            </a:extLst>
-          </p:cNvPr>
-          <p:cNvSpPr txBox="1"/>
-          <p:nvPr/>
-        </p:nvSpPr>
-        <p:spPr>
-          <a:xfrm>
-            <a:off x="4662092" y="481111"/>
-            <a:ext cx="2659224" cy="769441"/>
-          </a:xfrm>
-          <a:prstGeom prst="rect">
-            <a:avLst/>
-          </a:prstGeom>
-          <a:noFill/>
-        </p:spPr>
-        <p:txBody>
-          <a:bodyPr wrap="square" rtlCol="0">
-            <a:spAutoFit/>
-          </a:bodyPr>
-          <a:lstStyle/>
-          <a:p>
-            <a:r>
-              <a:rPr lang="fr-FR" sz="4400" dirty="0">
-                <a:latin typeface="Berlin Sans FB" panose="020E0602020502020306" pitchFamily="34" charset="0"/>
-              </a:rPr>
-              <a:t>Conclusion</a:t>
-            </a:r>
-          </a:p>
-        </p:txBody>
-      </p:sp>
-    </p:spTree>
-    <p:extLst>
-      <p:ext uri="{BB962C8B-B14F-4D97-AF65-F5344CB8AC3E}">
-        <p14:creationId xmlns:p14="http://schemas.microsoft.com/office/powerpoint/2010/main" val="1458497673"/>
       </p:ext>
     </p:extLst>
   </p:cSld>

--- a/oral_projet/revue_2/diaporama_revue_2_dylan.pptx
+++ b/oral_projet/revue_2/diaporama_revue_2_dylan.pptx
@@ -8712,6 +8712,42 @@
           </a:p>
         </p:txBody>
       </p:sp>
+      <p:pic>
+        <p:nvPicPr>
+          <p:cNvPr id="11" name="Image 10">
+            <a:extLst>
+              <a:ext uri="{FF2B5EF4-FFF2-40B4-BE49-F238E27FC236}">
+                <a16:creationId xmlns:a16="http://schemas.microsoft.com/office/drawing/2014/main" id="{08915E6B-B69C-4F8B-91DA-A07DD57B9497}"/>
+              </a:ext>
+            </a:extLst>
+          </p:cNvPr>
+          <p:cNvPicPr>
+            <a:picLocks noChangeAspect="1"/>
+          </p:cNvPicPr>
+          <p:nvPr/>
+        </p:nvPicPr>
+        <p:blipFill>
+          <a:blip r:embed="rId4">
+            <a:extLst>
+              <a:ext uri="{28A0092B-C50C-407E-A947-70E740481C1C}">
+                <a14:useLocalDpi xmlns:a14="http://schemas.microsoft.com/office/drawing/2010/main" val="0"/>
+              </a:ext>
+            </a:extLst>
+          </a:blip>
+          <a:stretch>
+            <a:fillRect/>
+          </a:stretch>
+        </p:blipFill>
+        <p:spPr>
+          <a:xfrm>
+            <a:off x="4329183" y="4932102"/>
+            <a:ext cx="3093703" cy="1930969"/>
+          </a:xfrm>
+          <a:prstGeom prst="rect">
+            <a:avLst/>
+          </a:prstGeom>
+        </p:spPr>
+      </p:pic>
     </p:spTree>
     <p:extLst>
       <p:ext uri="{BB962C8B-B14F-4D97-AF65-F5344CB8AC3E}">
@@ -15150,9 +15186,9 @@
         <p:grpSpPr>
           <a:xfrm>
             <a:off x="1364888" y="4492634"/>
-            <a:ext cx="3931515" cy="923330"/>
+            <a:ext cx="3931515" cy="1200329"/>
             <a:chOff x="636652" y="4577566"/>
-            <a:chExt cx="3931515" cy="923330"/>
+            <a:chExt cx="3931515" cy="1200329"/>
           </a:xfrm>
         </p:grpSpPr>
         <p:pic>
@@ -15209,7 +15245,7 @@
           <p:spPr>
             <a:xfrm>
               <a:off x="1546425" y="4577566"/>
-              <a:ext cx="2039536" cy="923330"/>
+              <a:ext cx="2039536" cy="1200329"/>
             </a:xfrm>
             <a:prstGeom prst="rect">
               <a:avLst/>
@@ -15232,10 +15268,30 @@
               </a:r>
             </a:p>
             <a:p>
+              <a:pPr marL="285750" indent="-285750">
+                <a:buFontTx/>
+                <a:buChar char="-"/>
+              </a:pPr>
               <a:r>
                 <a:rPr lang="fr-FR" i="1" dirty="0"/>
-                <a:t>- Partie Web avec Netbeans</a:t>
+                <a:t>Partie Web avec </a:t>
               </a:r>
+              <a:r>
+                <a:rPr lang="fr-FR" i="1" dirty="0" err="1"/>
+                <a:t>Netbeans</a:t>
+              </a:r>
+              <a:endParaRPr lang="fr-FR" i="1" dirty="0"/>
+            </a:p>
+            <a:p>
+              <a:pPr marL="285750" indent="-285750">
+                <a:buFontTx/>
+                <a:buChar char="-"/>
+              </a:pPr>
+              <a:r>
+                <a:rPr lang="fr-FR" i="1" dirty="0" err="1"/>
+                <a:t>Solarimètre</a:t>
+              </a:r>
+              <a:endParaRPr lang="fr-FR" i="1" dirty="0"/>
             </a:p>
           </p:txBody>
         </p:sp>
@@ -15291,9 +15347,9 @@
         <p:grpSpPr>
           <a:xfrm>
             <a:off x="6768092" y="4349669"/>
-            <a:ext cx="4025405" cy="1200329"/>
+            <a:ext cx="4025405" cy="1477328"/>
             <a:chOff x="6433444" y="4457977"/>
-            <a:chExt cx="4025405" cy="1200329"/>
+            <a:chExt cx="4025405" cy="1477328"/>
           </a:xfrm>
         </p:grpSpPr>
         <p:pic>
@@ -15350,7 +15406,7 @@
           <p:spPr>
             <a:xfrm>
               <a:off x="7347843" y="4457977"/>
-              <a:ext cx="2223995" cy="1200329"/>
+              <a:ext cx="2223995" cy="1477328"/>
             </a:xfrm>
             <a:prstGeom prst="rect">
               <a:avLst/>
@@ -15373,9 +15429,31 @@
               </a:r>
             </a:p>
             <a:p>
+              <a:pPr marL="285750" indent="-285750">
+                <a:buFontTx/>
+                <a:buChar char="-"/>
+              </a:pPr>
               <a:r>
                 <a:rPr lang="fr-FR" i="1" dirty="0"/>
-                <a:t>- Partie Application androïd avec androïd studio</a:t>
+                <a:t>Partie Application </a:t>
+              </a:r>
+              <a:r>
+                <a:rPr lang="fr-FR" i="1" dirty="0" err="1"/>
+                <a:t>android</a:t>
+              </a:r>
+              <a:r>
+                <a:rPr lang="fr-FR" i="1" dirty="0"/>
+                <a:t> avec Android studio</a:t>
+              </a:r>
+            </a:p>
+            <a:p>
+              <a:pPr marL="285750" indent="-285750">
+                <a:buFontTx/>
+                <a:buChar char="-"/>
+              </a:pPr>
+              <a:r>
+                <a:rPr lang="fr-FR" i="1" dirty="0"/>
+                <a:t>Pluviomètre</a:t>
               </a:r>
             </a:p>
           </p:txBody>
@@ -15432,9 +15510,9 @@
         <p:grpSpPr>
           <a:xfrm>
             <a:off x="1364888" y="2596665"/>
-            <a:ext cx="3775957" cy="927638"/>
+            <a:ext cx="3775957" cy="1200329"/>
             <a:chOff x="636652" y="2871088"/>
-            <a:chExt cx="3775957" cy="927638"/>
+            <a:chExt cx="3775957" cy="1200329"/>
           </a:xfrm>
         </p:grpSpPr>
         <p:sp>
@@ -15452,7 +15530,7 @@
           <p:spPr>
             <a:xfrm>
               <a:off x="1551052" y="2871088"/>
-              <a:ext cx="2034908" cy="923330"/>
+              <a:ext cx="2034908" cy="1200329"/>
             </a:xfrm>
             <a:prstGeom prst="rect">
               <a:avLst/>
@@ -15475,10 +15553,10 @@
               </a:r>
             </a:p>
             <a:p>
-              <a:r>
-                <a:rPr lang="fr-FR" dirty="0"/>
-                <a:t>- </a:t>
-              </a:r>
+              <a:pPr marL="285750" indent="-285750">
+                <a:buFontTx/>
+                <a:buChar char="-"/>
+              </a:pPr>
               <a:r>
                 <a:rPr lang="fr-FR" i="1" dirty="0"/>
                 <a:t>Partie </a:t>
@@ -15490,6 +15568,16 @@
               <a:r>
                 <a:rPr lang="fr-FR" i="1" dirty="0"/>
                 <a:t> acquisition</a:t>
+              </a:r>
+            </a:p>
+            <a:p>
+              <a:pPr marL="285750" indent="-285750">
+                <a:buFontTx/>
+                <a:buChar char="-"/>
+              </a:pPr>
+              <a:r>
+                <a:rPr lang="fr-FR" i="1" dirty="0"/>
+                <a:t>Anémomètre</a:t>
               </a:r>
             </a:p>
           </p:txBody>
@@ -15585,9 +15673,9 @@
         <p:grpSpPr>
           <a:xfrm>
             <a:off x="6773198" y="2596665"/>
-            <a:ext cx="4025405" cy="923330"/>
+            <a:ext cx="4025405" cy="1200329"/>
             <a:chOff x="6433444" y="2871088"/>
-            <a:chExt cx="4025405" cy="923330"/>
+            <a:chExt cx="4025405" cy="1200329"/>
           </a:xfrm>
         </p:grpSpPr>
         <p:pic>
@@ -15644,7 +15732,7 @@
           <p:spPr>
             <a:xfrm>
               <a:off x="7347844" y="2871088"/>
-              <a:ext cx="2034908" cy="923330"/>
+              <a:ext cx="2034908" cy="1200329"/>
             </a:xfrm>
             <a:prstGeom prst="rect">
               <a:avLst/>
@@ -15667,15 +15755,24 @@
               </a:r>
             </a:p>
             <a:p>
+              <a:pPr marL="285750" indent="-285750">
+                <a:buFontTx/>
+                <a:buChar char="-"/>
+              </a:pPr>
               <a:r>
                 <a:rPr lang="fr-FR" i="1" dirty="0"/>
-                <a:t>- Partie BDD avec le serveur </a:t>
+                <a:t>Partie BDD</a:t>
               </a:r>
+            </a:p>
+            <a:p>
+              <a:pPr marL="285750" indent="-285750">
+                <a:buFontTx/>
+                <a:buChar char="-"/>
+              </a:pPr>
               <a:r>
-                <a:rPr lang="fr-FR" i="1" dirty="0" err="1"/>
-                <a:t>Wamp</a:t>
+                <a:rPr lang="fr-FR" i="1" dirty="0"/>
+                <a:t>Capteur de température</a:t>
               </a:r>
-              <a:endParaRPr lang="fr-FR" i="1" dirty="0"/>
             </a:p>
           </p:txBody>
         </p:sp>

--- a/oral_projet/revue_2/diaporama_revue_2_dylan.pptx
+++ b/oral_projet/revue_2/diaporama_revue_2_dylan.pptx
@@ -126,6 +126,10 @@
     </p:ext>
   </p:extLst>
 </p:presentation>
+</file>
+
+<file path=ppt/revisionInfo.xml><?xml version="1.0" encoding="utf-8"?>
+<p1510:revInfo xmlns:a="http://schemas.openxmlformats.org/drawingml/2006/main" xmlns:r="http://schemas.openxmlformats.org/officeDocument/2006/relationships" xmlns:p1510="http://schemas.microsoft.com/office/powerpoint/2015/10/main"/>
 </file>
 
 <file path=ppt/notesMasters/notesMaster1.xml><?xml version="1.0" encoding="utf-8"?>
@@ -10594,10 +10598,10 @@
       </p:pic>
       <p:pic>
         <p:nvPicPr>
-          <p:cNvPr id="27" name="Image 26">
-            <a:extLst>
-              <a:ext uri="{FF2B5EF4-FFF2-40B4-BE49-F238E27FC236}">
-                <a16:creationId xmlns:a16="http://schemas.microsoft.com/office/drawing/2014/main" id="{A0BF755E-8B03-40E5-BFE4-8D7EA6B854E9}"/>
+          <p:cNvPr id="3" name="Image 2">
+            <a:extLst>
+              <a:ext uri="{FF2B5EF4-FFF2-40B4-BE49-F238E27FC236}">
+                <a16:creationId xmlns:a16="http://schemas.microsoft.com/office/drawing/2014/main" id="{6052F192-2A2D-4163-BA92-D3F36681BC05}"/>
               </a:ext>
             </a:extLst>
           </p:cNvPr>
@@ -10607,20 +10611,14 @@
           <p:nvPr/>
         </p:nvPicPr>
         <p:blipFill rotWithShape="1">
-          <a:blip r:embed="rId5">
-            <a:extLst>
-              <a:ext uri="{28A0092B-C50C-407E-A947-70E740481C1C}">
-                <a14:useLocalDpi xmlns:a14="http://schemas.microsoft.com/office/drawing/2010/main" val="0"/>
-              </a:ext>
-            </a:extLst>
-          </a:blip>
-          <a:srcRect r="13369"/>
+          <a:blip r:embed="rId5"/>
+          <a:srcRect r="11203"/>
           <a:stretch/>
         </p:blipFill>
         <p:spPr>
           <a:xfrm>
-            <a:off x="194637" y="1779388"/>
-            <a:ext cx="5496298" cy="3210373"/>
+            <a:off x="83295" y="1753043"/>
+            <a:ext cx="5607640" cy="4000500"/>
           </a:xfrm>
           <a:prstGeom prst="rect">
             <a:avLst/>
@@ -11523,7 +11521,7 @@
         </p:blipFill>
         <p:spPr>
           <a:xfrm>
-            <a:off x="2216372" y="2870404"/>
+            <a:off x="211646" y="2870404"/>
             <a:ext cx="2116602" cy="2116602"/>
           </a:xfrm>
           <a:prstGeom prst="rect">
@@ -11559,8 +11557,8 @@
         </p:blipFill>
         <p:spPr>
           <a:xfrm>
-            <a:off x="7164792" y="2870404"/>
-            <a:ext cx="2116602" cy="2116602"/>
+            <a:off x="8006332" y="5679915"/>
+            <a:ext cx="433522" cy="433522"/>
           </a:xfrm>
           <a:prstGeom prst="rect">
             <a:avLst/>
@@ -11595,8 +11593,38 @@
         </p:blipFill>
         <p:spPr>
           <a:xfrm rot="5400000">
-            <a:off x="5159359" y="3339181"/>
+            <a:off x="2573222" y="3339181"/>
             <a:ext cx="1179048" cy="1179048"/>
+          </a:xfrm>
+          <a:prstGeom prst="rect">
+            <a:avLst/>
+          </a:prstGeom>
+        </p:spPr>
+      </p:pic>
+      <p:pic>
+        <p:nvPicPr>
+          <p:cNvPr id="27" name="Image 26">
+            <a:extLst>
+              <a:ext uri="{FF2B5EF4-FFF2-40B4-BE49-F238E27FC236}">
+                <a16:creationId xmlns:a16="http://schemas.microsoft.com/office/drawing/2014/main" id="{D417BDAE-8293-46B5-97B6-A44110322F1C}"/>
+              </a:ext>
+            </a:extLst>
+          </p:cNvPr>
+          <p:cNvPicPr>
+            <a:picLocks noChangeAspect="1"/>
+          </p:cNvPicPr>
+          <p:nvPr/>
+        </p:nvPicPr>
+        <p:blipFill>
+          <a:blip r:embed="rId7"/>
+          <a:stretch>
+            <a:fillRect/>
+          </a:stretch>
+        </p:blipFill>
+        <p:spPr>
+          <a:xfrm>
+            <a:off x="4360052" y="2174251"/>
+            <a:ext cx="7263763" cy="3508906"/>
           </a:xfrm>
           <a:prstGeom prst="rect">
             <a:avLst/>

--- a/oral_projet/revue_2/diaporama_revue_2_dylan.pptx
+++ b/oral_projet/revue_2/diaporama_revue_2_dylan.pptx
@@ -7503,13 +7503,15 @@
               </a:ext>
             </a:extLst>
           </p:cNvPr>
-          <p:cNvCxnSpPr/>
+          <p:cNvCxnSpPr>
+            <a:cxnSpLocks/>
+          </p:cNvCxnSpPr>
           <p:nvPr/>
         </p:nvCxnSpPr>
         <p:spPr>
           <a:xfrm>
             <a:off x="9997638" y="3460082"/>
-            <a:ext cx="0" cy="418423"/>
+            <a:ext cx="0" cy="496800"/>
           </a:xfrm>
           <a:prstGeom prst="line">
             <a:avLst/>
@@ -7535,114 +7537,6 @@
           </a:fontRef>
         </p:style>
       </p:cxnSp>
-      <p:sp>
-        <p:nvSpPr>
-          <p:cNvPr id="76" name="Ellipse 75">
-            <a:extLst>
-              <a:ext uri="{FF2B5EF4-FFF2-40B4-BE49-F238E27FC236}">
-                <a16:creationId xmlns:a16="http://schemas.microsoft.com/office/drawing/2014/main" id="{608670CA-90C1-4555-9741-8D7F619CA117}"/>
-              </a:ext>
-            </a:extLst>
-          </p:cNvPr>
-          <p:cNvSpPr/>
-          <p:nvPr/>
-        </p:nvSpPr>
-        <p:spPr>
-          <a:xfrm>
-            <a:off x="9974778" y="3855645"/>
-            <a:ext cx="45719" cy="45719"/>
-          </a:xfrm>
-          <a:prstGeom prst="ellipse">
-            <a:avLst/>
-          </a:prstGeom>
-          <a:solidFill>
-            <a:schemeClr val="tx1"/>
-          </a:solidFill>
-          <a:ln>
-            <a:solidFill>
-              <a:schemeClr val="tx1"/>
-            </a:solidFill>
-          </a:ln>
-        </p:spPr>
-        <p:style>
-          <a:lnRef idx="2">
-            <a:schemeClr val="accent1">
-              <a:shade val="50000"/>
-            </a:schemeClr>
-          </a:lnRef>
-          <a:fillRef idx="1">
-            <a:schemeClr val="accent1"/>
-          </a:fillRef>
-          <a:effectRef idx="0">
-            <a:schemeClr val="accent1"/>
-          </a:effectRef>
-          <a:fontRef idx="minor">
-            <a:schemeClr val="lt1"/>
-          </a:fontRef>
-        </p:style>
-        <p:txBody>
-          <a:bodyPr rtlCol="0" anchor="ctr"/>
-          <a:lstStyle/>
-          <a:p>
-            <a:pPr algn="ctr"/>
-            <a:endParaRPr lang="fr-FR"/>
-          </a:p>
-        </p:txBody>
-      </p:sp>
-      <p:sp>
-        <p:nvSpPr>
-          <p:cNvPr id="77" name="Ellipse 76">
-            <a:extLst>
-              <a:ext uri="{FF2B5EF4-FFF2-40B4-BE49-F238E27FC236}">
-                <a16:creationId xmlns:a16="http://schemas.microsoft.com/office/drawing/2014/main" id="{AE656000-88C7-4598-9542-FAF1D7CDBE0E}"/>
-              </a:ext>
-            </a:extLst>
-          </p:cNvPr>
-          <p:cNvSpPr/>
-          <p:nvPr/>
-        </p:nvSpPr>
-        <p:spPr>
-          <a:xfrm>
-            <a:off x="9974777" y="4186281"/>
-            <a:ext cx="45719" cy="45719"/>
-          </a:xfrm>
-          <a:prstGeom prst="ellipse">
-            <a:avLst/>
-          </a:prstGeom>
-          <a:solidFill>
-            <a:schemeClr val="tx1"/>
-          </a:solidFill>
-          <a:ln>
-            <a:solidFill>
-              <a:schemeClr val="tx1"/>
-            </a:solidFill>
-          </a:ln>
-        </p:spPr>
-        <p:style>
-          <a:lnRef idx="2">
-            <a:schemeClr val="accent1">
-              <a:shade val="50000"/>
-            </a:schemeClr>
-          </a:lnRef>
-          <a:fillRef idx="1">
-            <a:schemeClr val="accent1"/>
-          </a:fillRef>
-          <a:effectRef idx="0">
-            <a:schemeClr val="accent1"/>
-          </a:effectRef>
-          <a:fontRef idx="minor">
-            <a:schemeClr val="lt1"/>
-          </a:fontRef>
-        </p:style>
-        <p:txBody>
-          <a:bodyPr rtlCol="0" anchor="ctr"/>
-          <a:lstStyle/>
-          <a:p>
-            <a:pPr algn="ctr"/>
-            <a:endParaRPr lang="fr-FR"/>
-          </a:p>
-        </p:txBody>
-      </p:sp>
       <p:cxnSp>
         <p:nvCxnSpPr>
           <p:cNvPr id="78" name="Connecteur droit 77">
@@ -7652,13 +7546,15 @@
               </a:ext>
             </a:extLst>
           </p:cNvPr>
-          <p:cNvCxnSpPr/>
-          <p:nvPr/>
-        </p:nvCxnSpPr>
-        <p:spPr>
-          <a:xfrm>
-            <a:off x="9997636" y="4209140"/>
-            <a:ext cx="0" cy="418423"/>
+          <p:cNvCxnSpPr>
+            <a:cxnSpLocks/>
+          </p:cNvCxnSpPr>
+          <p:nvPr/>
+        </p:nvCxnSpPr>
+        <p:spPr>
+          <a:xfrm>
+            <a:off x="9997636" y="4132657"/>
+            <a:ext cx="0" cy="494906"/>
           </a:xfrm>
           <a:prstGeom prst="line">
             <a:avLst/>
@@ -7700,8 +7596,8 @@
         </p:nvCxnSpPr>
         <p:spPr>
           <a:xfrm flipH="1">
-            <a:off x="9997636" y="3910535"/>
-            <a:ext cx="95687" cy="303247"/>
+            <a:off x="9995742" y="3954500"/>
+            <a:ext cx="47843" cy="182922"/>
           </a:xfrm>
           <a:prstGeom prst="line">
             <a:avLst/>
@@ -8752,6 +8648,101 @@
           </a:prstGeom>
         </p:spPr>
       </p:pic>
+      <p:sp>
+        <p:nvSpPr>
+          <p:cNvPr id="6" name="Rectangle : coins arrondis 5">
+            <a:extLst>
+              <a:ext uri="{FF2B5EF4-FFF2-40B4-BE49-F238E27FC236}">
+                <a16:creationId xmlns:a16="http://schemas.microsoft.com/office/drawing/2014/main" id="{04B89F92-7255-45B7-A10C-661FDDA4EDDB}"/>
+              </a:ext>
+            </a:extLst>
+          </p:cNvPr>
+          <p:cNvSpPr/>
+          <p:nvPr/>
+        </p:nvSpPr>
+        <p:spPr>
+          <a:xfrm>
+            <a:off x="9877260" y="3812381"/>
+            <a:ext cx="235909" cy="454819"/>
+          </a:xfrm>
+          <a:prstGeom prst="roundRect">
+            <a:avLst/>
+          </a:prstGeom>
+          <a:noFill/>
+          <a:ln>
+            <a:solidFill>
+              <a:schemeClr val="tx1"/>
+            </a:solidFill>
+          </a:ln>
+        </p:spPr>
+        <p:style>
+          <a:lnRef idx="2">
+            <a:schemeClr val="accent1">
+              <a:shade val="50000"/>
+            </a:schemeClr>
+          </a:lnRef>
+          <a:fillRef idx="1">
+            <a:schemeClr val="accent1"/>
+          </a:fillRef>
+          <a:effectRef idx="0">
+            <a:schemeClr val="accent1"/>
+          </a:effectRef>
+          <a:fontRef idx="minor">
+            <a:schemeClr val="lt1"/>
+          </a:fontRef>
+        </p:style>
+        <p:txBody>
+          <a:bodyPr rtlCol="0" anchor="ctr"/>
+          <a:lstStyle/>
+          <a:p>
+            <a:pPr algn="ctr"/>
+            <a:endParaRPr lang="fr-FR"/>
+          </a:p>
+        </p:txBody>
+      </p:sp>
+      <p:cxnSp>
+        <p:nvCxnSpPr>
+          <p:cNvPr id="86" name="Connecteur droit 85">
+            <a:extLst>
+              <a:ext uri="{FF2B5EF4-FFF2-40B4-BE49-F238E27FC236}">
+                <a16:creationId xmlns:a16="http://schemas.microsoft.com/office/drawing/2014/main" id="{0B3D18EF-5053-4BB8-90C0-2BB9DCF290D9}"/>
+              </a:ext>
+            </a:extLst>
+          </p:cNvPr>
+          <p:cNvCxnSpPr>
+            <a:cxnSpLocks/>
+          </p:cNvCxnSpPr>
+          <p:nvPr/>
+        </p:nvCxnSpPr>
+        <p:spPr>
+          <a:xfrm flipH="1">
+            <a:off x="9946956" y="3954500"/>
+            <a:ext cx="47844" cy="182922"/>
+          </a:xfrm>
+          <a:prstGeom prst="line">
+            <a:avLst/>
+          </a:prstGeom>
+          <a:ln w="12700">
+            <a:solidFill>
+              <a:schemeClr val="tx1"/>
+            </a:solidFill>
+          </a:ln>
+        </p:spPr>
+        <p:style>
+          <a:lnRef idx="1">
+            <a:schemeClr val="accent1"/>
+          </a:lnRef>
+          <a:fillRef idx="0">
+            <a:schemeClr val="accent1"/>
+          </a:fillRef>
+          <a:effectRef idx="0">
+            <a:schemeClr val="accent1"/>
+          </a:effectRef>
+          <a:fontRef idx="minor">
+            <a:schemeClr val="tx1"/>
+          </a:fontRef>
+        </p:style>
+      </p:cxnSp>
     </p:spTree>
     <p:extLst>
       <p:ext uri="{BB962C8B-B14F-4D97-AF65-F5344CB8AC3E}">
@@ -11625,6 +11616,42 @@
           <a:xfrm>
             <a:off x="4360052" y="2174251"/>
             <a:ext cx="7263763" cy="3508906"/>
+          </a:xfrm>
+          <a:prstGeom prst="rect">
+            <a:avLst/>
+          </a:prstGeom>
+        </p:spPr>
+      </p:pic>
+      <p:pic>
+        <p:nvPicPr>
+          <p:cNvPr id="5" name="Image 4">
+            <a:extLst>
+              <a:ext uri="{FF2B5EF4-FFF2-40B4-BE49-F238E27FC236}">
+                <a16:creationId xmlns:a16="http://schemas.microsoft.com/office/drawing/2014/main" id="{38D634A0-DF16-41F9-912F-DD12393BFB0E}"/>
+              </a:ext>
+            </a:extLst>
+          </p:cNvPr>
+          <p:cNvPicPr>
+            <a:picLocks noChangeAspect="1"/>
+          </p:cNvPicPr>
+          <p:nvPr/>
+        </p:nvPicPr>
+        <p:blipFill>
+          <a:blip r:embed="rId8">
+            <a:extLst>
+              <a:ext uri="{28A0092B-C50C-407E-A947-70E740481C1C}">
+                <a14:useLocalDpi xmlns:a14="http://schemas.microsoft.com/office/drawing/2010/main" val="0"/>
+              </a:ext>
+            </a:extLst>
+          </a:blip>
+          <a:stretch>
+            <a:fillRect/>
+          </a:stretch>
+        </p:blipFill>
+        <p:spPr>
+          <a:xfrm>
+            <a:off x="8707923" y="5679915"/>
+            <a:ext cx="973162" cy="673104"/>
           </a:xfrm>
           <a:prstGeom prst="rect">
             <a:avLst/>
@@ -20669,381 +20696,6 @@
       </p:transition>
     </mc:Fallback>
   </mc:AlternateContent>
-  <p:timing>
-    <p:tnLst>
-      <p:par>
-        <p:cTn id="1" dur="indefinite" restart="never" nodeType="tmRoot">
-          <p:childTnLst>
-            <p:seq concurrent="1" nextAc="seek">
-              <p:cTn id="2" dur="indefinite" nodeType="mainSeq">
-                <p:childTnLst>
-                  <p:par>
-                    <p:cTn id="3" fill="hold">
-                      <p:stCondLst>
-                        <p:cond delay="indefinite"/>
-                        <p:cond evt="onBegin" delay="0">
-                          <p:tn val="2"/>
-                        </p:cond>
-                      </p:stCondLst>
-                      <p:childTnLst>
-                        <p:par>
-                          <p:cTn id="4" fill="hold">
-                            <p:stCondLst>
-                              <p:cond delay="0"/>
-                            </p:stCondLst>
-                            <p:childTnLst>
-                              <p:par>
-                                <p:cTn id="5" presetID="42" presetClass="entr" presetSubtype="0" fill="hold" nodeType="withEffect">
-                                  <p:stCondLst>
-                                    <p:cond delay="0"/>
-                                  </p:stCondLst>
-                                  <p:childTnLst>
-                                    <p:set>
-                                      <p:cBhvr>
-                                        <p:cTn id="6" dur="1" fill="hold">
-                                          <p:stCondLst>
-                                            <p:cond delay="0"/>
-                                          </p:stCondLst>
-                                        </p:cTn>
-                                        <p:tgtEl>
-                                          <p:spTgt spid="24"/>
-                                        </p:tgtEl>
-                                        <p:attrNameLst>
-                                          <p:attrName>style.visibility</p:attrName>
-                                        </p:attrNameLst>
-                                      </p:cBhvr>
-                                      <p:to>
-                                        <p:strVal val="visible"/>
-                                      </p:to>
-                                    </p:set>
-                                    <p:animEffect transition="in" filter="fade">
-                                      <p:cBhvr>
-                                        <p:cTn id="7" dur="1000"/>
-                                        <p:tgtEl>
-                                          <p:spTgt spid="24"/>
-                                        </p:tgtEl>
-                                      </p:cBhvr>
-                                    </p:animEffect>
-                                    <p:anim calcmode="lin" valueType="num">
-                                      <p:cBhvr>
-                                        <p:cTn id="8" dur="1000" fill="hold"/>
-                                        <p:tgtEl>
-                                          <p:spTgt spid="24"/>
-                                        </p:tgtEl>
-                                        <p:attrNameLst>
-                                          <p:attrName>ppt_x</p:attrName>
-                                        </p:attrNameLst>
-                                      </p:cBhvr>
-                                      <p:tavLst>
-                                        <p:tav tm="0">
-                                          <p:val>
-                                            <p:strVal val="#ppt_x"/>
-                                          </p:val>
-                                        </p:tav>
-                                        <p:tav tm="100000">
-                                          <p:val>
-                                            <p:strVal val="#ppt_x"/>
-                                          </p:val>
-                                        </p:tav>
-                                      </p:tavLst>
-                                    </p:anim>
-                                    <p:anim calcmode="lin" valueType="num">
-                                      <p:cBhvr>
-                                        <p:cTn id="9" dur="1000" fill="hold"/>
-                                        <p:tgtEl>
-                                          <p:spTgt spid="24"/>
-                                        </p:tgtEl>
-                                        <p:attrNameLst>
-                                          <p:attrName>ppt_y</p:attrName>
-                                        </p:attrNameLst>
-                                      </p:cBhvr>
-                                      <p:tavLst>
-                                        <p:tav tm="0">
-                                          <p:val>
-                                            <p:strVal val="#ppt_y+.1"/>
-                                          </p:val>
-                                        </p:tav>
-                                        <p:tav tm="100000">
-                                          <p:val>
-                                            <p:strVal val="#ppt_y"/>
-                                          </p:val>
-                                        </p:tav>
-                                      </p:tavLst>
-                                    </p:anim>
-                                  </p:childTnLst>
-                                </p:cTn>
-                              </p:par>
-                              <p:par>
-                                <p:cTn id="10" presetID="42" presetClass="entr" presetSubtype="0" fill="hold" nodeType="withEffect">
-                                  <p:stCondLst>
-                                    <p:cond delay="0"/>
-                                  </p:stCondLst>
-                                  <p:childTnLst>
-                                    <p:set>
-                                      <p:cBhvr>
-                                        <p:cTn id="11" dur="1" fill="hold">
-                                          <p:stCondLst>
-                                            <p:cond delay="0"/>
-                                          </p:stCondLst>
-                                        </p:cTn>
-                                        <p:tgtEl>
-                                          <p:spTgt spid="25"/>
-                                        </p:tgtEl>
-                                        <p:attrNameLst>
-                                          <p:attrName>style.visibility</p:attrName>
-                                        </p:attrNameLst>
-                                      </p:cBhvr>
-                                      <p:to>
-                                        <p:strVal val="visible"/>
-                                      </p:to>
-                                    </p:set>
-                                    <p:animEffect transition="in" filter="fade">
-                                      <p:cBhvr>
-                                        <p:cTn id="12" dur="1000"/>
-                                        <p:tgtEl>
-                                          <p:spTgt spid="25"/>
-                                        </p:tgtEl>
-                                      </p:cBhvr>
-                                    </p:animEffect>
-                                    <p:anim calcmode="lin" valueType="num">
-                                      <p:cBhvr>
-                                        <p:cTn id="13" dur="1000" fill="hold"/>
-                                        <p:tgtEl>
-                                          <p:spTgt spid="25"/>
-                                        </p:tgtEl>
-                                        <p:attrNameLst>
-                                          <p:attrName>ppt_x</p:attrName>
-                                        </p:attrNameLst>
-                                      </p:cBhvr>
-                                      <p:tavLst>
-                                        <p:tav tm="0">
-                                          <p:val>
-                                            <p:strVal val="#ppt_x"/>
-                                          </p:val>
-                                        </p:tav>
-                                        <p:tav tm="100000">
-                                          <p:val>
-                                            <p:strVal val="#ppt_x"/>
-                                          </p:val>
-                                        </p:tav>
-                                      </p:tavLst>
-                                    </p:anim>
-                                    <p:anim calcmode="lin" valueType="num">
-                                      <p:cBhvr>
-                                        <p:cTn id="14" dur="1000" fill="hold"/>
-                                        <p:tgtEl>
-                                          <p:spTgt spid="25"/>
-                                        </p:tgtEl>
-                                        <p:attrNameLst>
-                                          <p:attrName>ppt_y</p:attrName>
-                                        </p:attrNameLst>
-                                      </p:cBhvr>
-                                      <p:tavLst>
-                                        <p:tav tm="0">
-                                          <p:val>
-                                            <p:strVal val="#ppt_y+.1"/>
-                                          </p:val>
-                                        </p:tav>
-                                        <p:tav tm="100000">
-                                          <p:val>
-                                            <p:strVal val="#ppt_y"/>
-                                          </p:val>
-                                        </p:tav>
-                                      </p:tavLst>
-                                    </p:anim>
-                                  </p:childTnLst>
-                                </p:cTn>
-                              </p:par>
-                              <p:par>
-                                <p:cTn id="15" presetID="42" presetClass="entr" presetSubtype="0" fill="hold" nodeType="withEffect">
-                                  <p:stCondLst>
-                                    <p:cond delay="0"/>
-                                  </p:stCondLst>
-                                  <p:childTnLst>
-                                    <p:set>
-                                      <p:cBhvr>
-                                        <p:cTn id="16" dur="1" fill="hold">
-                                          <p:stCondLst>
-                                            <p:cond delay="0"/>
-                                          </p:stCondLst>
-                                        </p:cTn>
-                                        <p:tgtEl>
-                                          <p:spTgt spid="28"/>
-                                        </p:tgtEl>
-                                        <p:attrNameLst>
-                                          <p:attrName>style.visibility</p:attrName>
-                                        </p:attrNameLst>
-                                      </p:cBhvr>
-                                      <p:to>
-                                        <p:strVal val="visible"/>
-                                      </p:to>
-                                    </p:set>
-                                    <p:animEffect transition="in" filter="fade">
-                                      <p:cBhvr>
-                                        <p:cTn id="17" dur="1000"/>
-                                        <p:tgtEl>
-                                          <p:spTgt spid="28"/>
-                                        </p:tgtEl>
-                                      </p:cBhvr>
-                                    </p:animEffect>
-                                    <p:anim calcmode="lin" valueType="num">
-                                      <p:cBhvr>
-                                        <p:cTn id="18" dur="1000" fill="hold"/>
-                                        <p:tgtEl>
-                                          <p:spTgt spid="28"/>
-                                        </p:tgtEl>
-                                        <p:attrNameLst>
-                                          <p:attrName>ppt_x</p:attrName>
-                                        </p:attrNameLst>
-                                      </p:cBhvr>
-                                      <p:tavLst>
-                                        <p:tav tm="0">
-                                          <p:val>
-                                            <p:strVal val="#ppt_x"/>
-                                          </p:val>
-                                        </p:tav>
-                                        <p:tav tm="100000">
-                                          <p:val>
-                                            <p:strVal val="#ppt_x"/>
-                                          </p:val>
-                                        </p:tav>
-                                      </p:tavLst>
-                                    </p:anim>
-                                    <p:anim calcmode="lin" valueType="num">
-                                      <p:cBhvr>
-                                        <p:cTn id="19" dur="1000" fill="hold"/>
-                                        <p:tgtEl>
-                                          <p:spTgt spid="28"/>
-                                        </p:tgtEl>
-                                        <p:attrNameLst>
-                                          <p:attrName>ppt_y</p:attrName>
-                                        </p:attrNameLst>
-                                      </p:cBhvr>
-                                      <p:tavLst>
-                                        <p:tav tm="0">
-                                          <p:val>
-                                            <p:strVal val="#ppt_y+.1"/>
-                                          </p:val>
-                                        </p:tav>
-                                        <p:tav tm="100000">
-                                          <p:val>
-                                            <p:strVal val="#ppt_y"/>
-                                          </p:val>
-                                        </p:tav>
-                                      </p:tavLst>
-                                    </p:anim>
-                                  </p:childTnLst>
-                                </p:cTn>
-                              </p:par>
-                              <p:par>
-                                <p:cTn id="20" presetID="42" presetClass="entr" presetSubtype="0" fill="hold" nodeType="withEffect">
-                                  <p:stCondLst>
-                                    <p:cond delay="0"/>
-                                  </p:stCondLst>
-                                  <p:childTnLst>
-                                    <p:set>
-                                      <p:cBhvr>
-                                        <p:cTn id="21" dur="1" fill="hold">
-                                          <p:stCondLst>
-                                            <p:cond delay="0"/>
-                                          </p:stCondLst>
-                                        </p:cTn>
-                                        <p:tgtEl>
-                                          <p:spTgt spid="29"/>
-                                        </p:tgtEl>
-                                        <p:attrNameLst>
-                                          <p:attrName>style.visibility</p:attrName>
-                                        </p:attrNameLst>
-                                      </p:cBhvr>
-                                      <p:to>
-                                        <p:strVal val="visible"/>
-                                      </p:to>
-                                    </p:set>
-                                    <p:animEffect transition="in" filter="fade">
-                                      <p:cBhvr>
-                                        <p:cTn id="22" dur="1000"/>
-                                        <p:tgtEl>
-                                          <p:spTgt spid="29"/>
-                                        </p:tgtEl>
-                                      </p:cBhvr>
-                                    </p:animEffect>
-                                    <p:anim calcmode="lin" valueType="num">
-                                      <p:cBhvr>
-                                        <p:cTn id="23" dur="1000" fill="hold"/>
-                                        <p:tgtEl>
-                                          <p:spTgt spid="29"/>
-                                        </p:tgtEl>
-                                        <p:attrNameLst>
-                                          <p:attrName>ppt_x</p:attrName>
-                                        </p:attrNameLst>
-                                      </p:cBhvr>
-                                      <p:tavLst>
-                                        <p:tav tm="0">
-                                          <p:val>
-                                            <p:strVal val="#ppt_x"/>
-                                          </p:val>
-                                        </p:tav>
-                                        <p:tav tm="100000">
-                                          <p:val>
-                                            <p:strVal val="#ppt_x"/>
-                                          </p:val>
-                                        </p:tav>
-                                      </p:tavLst>
-                                    </p:anim>
-                                    <p:anim calcmode="lin" valueType="num">
-                                      <p:cBhvr>
-                                        <p:cTn id="24" dur="1000" fill="hold"/>
-                                        <p:tgtEl>
-                                          <p:spTgt spid="29"/>
-                                        </p:tgtEl>
-                                        <p:attrNameLst>
-                                          <p:attrName>ppt_y</p:attrName>
-                                        </p:attrNameLst>
-                                      </p:cBhvr>
-                                      <p:tavLst>
-                                        <p:tav tm="0">
-                                          <p:val>
-                                            <p:strVal val="#ppt_y+.1"/>
-                                          </p:val>
-                                        </p:tav>
-                                        <p:tav tm="100000">
-                                          <p:val>
-                                            <p:strVal val="#ppt_y"/>
-                                          </p:val>
-                                        </p:tav>
-                                      </p:tavLst>
-                                    </p:anim>
-                                  </p:childTnLst>
-                                </p:cTn>
-                              </p:par>
-                            </p:childTnLst>
-                          </p:cTn>
-                        </p:par>
-                      </p:childTnLst>
-                    </p:cTn>
-                  </p:par>
-                </p:childTnLst>
-              </p:cTn>
-              <p:prevCondLst>
-                <p:cond evt="onPrev" delay="0">
-                  <p:tgtEl>
-                    <p:sldTgt/>
-                  </p:tgtEl>
-                </p:cond>
-              </p:prevCondLst>
-              <p:nextCondLst>
-                <p:cond evt="onNext" delay="0">
-                  <p:tgtEl>
-                    <p:sldTgt/>
-                  </p:tgtEl>
-                </p:cond>
-              </p:nextCondLst>
-            </p:seq>
-          </p:childTnLst>
-        </p:cTn>
-      </p:par>
-    </p:tnLst>
-  </p:timing>
 </p:sld>
 </file>
 

--- a/oral_projet/revue_2/diaporama_revue_2_dylan.pptx
+++ b/oral_projet/revue_2/diaporama_revue_2_dylan.pptx
@@ -14674,7 +14674,7 @@
           </p:cNvPicPr>
           <p:nvPr/>
         </p:nvPicPr>
-        <p:blipFill>
+        <p:blipFill rotWithShape="1">
           <a:blip r:embed="rId4">
             <a:extLst>
               <a:ext uri="{28A0092B-C50C-407E-A947-70E740481C1C}">
@@ -14682,57 +14682,19 @@
               </a:ext>
             </a:extLst>
           </a:blip>
-          <a:stretch>
-            <a:fillRect/>
-          </a:stretch>
+          <a:srcRect l="3957" t="2720" r="7068" b="5012"/>
+          <a:stretch/>
         </p:blipFill>
         <p:spPr>
           <a:xfrm>
-            <a:off x="1892238" y="1276553"/>
-            <a:ext cx="8191450" cy="5500573"/>
+            <a:off x="1771162" y="967351"/>
+            <a:ext cx="8433602" cy="5872848"/>
           </a:xfrm>
           <a:prstGeom prst="rect">
             <a:avLst/>
           </a:prstGeom>
         </p:spPr>
       </p:pic>
-      <p:sp>
-        <p:nvSpPr>
-          <p:cNvPr id="2" name="ZoneTexte 1">
-            <a:extLst>
-              <a:ext uri="{FF2B5EF4-FFF2-40B4-BE49-F238E27FC236}">
-                <a16:creationId xmlns:a16="http://schemas.microsoft.com/office/drawing/2014/main" id="{63718871-5263-4630-A9A0-F2F743B5633D}"/>
-              </a:ext>
-            </a:extLst>
-          </p:cNvPr>
-          <p:cNvSpPr txBox="1"/>
-          <p:nvPr/>
-        </p:nvSpPr>
-        <p:spPr>
-          <a:xfrm>
-            <a:off x="3224407" y="481962"/>
-            <a:ext cx="5534593" cy="769441"/>
-          </a:xfrm>
-          <a:prstGeom prst="rect">
-            <a:avLst/>
-          </a:prstGeom>
-          <a:noFill/>
-        </p:spPr>
-        <p:txBody>
-          <a:bodyPr wrap="square" rtlCol="0">
-            <a:spAutoFit/>
-          </a:bodyPr>
-          <a:lstStyle/>
-          <a:p>
-            <a:r>
-              <a:rPr lang="fr-FR" sz="4400" dirty="0">
-                <a:latin typeface="Berlin Sans FB" panose="020E0602020502020306" pitchFamily="34" charset="0"/>
-              </a:rPr>
-              <a:t>Synoptique du projet</a:t>
-            </a:r>
-          </a:p>
-        </p:txBody>
-      </p:sp>
     </p:spTree>
     <p:extLst>
       <p:ext uri="{BB962C8B-B14F-4D97-AF65-F5344CB8AC3E}">

--- a/oral_projet/revue_2/diaporama_revue_2_dylan.pptx
+++ b/oral_projet/revue_2/diaporama_revue_2_dylan.pptx
@@ -5,7 +5,7 @@
     <p:sldMasterId id="2147483648" r:id="rId1"/>
   </p:sldMasterIdLst>
   <p:notesMasterIdLst>
-    <p:notesMasterId r:id="rId16"/>
+    <p:notesMasterId r:id="rId17"/>
   </p:notesMasterIdLst>
   <p:sldIdLst>
     <p:sldId id="256" r:id="rId2"/>
@@ -17,11 +17,12 @@
     <p:sldId id="264" r:id="rId8"/>
     <p:sldId id="265" r:id="rId9"/>
     <p:sldId id="266" r:id="rId10"/>
-    <p:sldId id="274" r:id="rId11"/>
+    <p:sldId id="278" r:id="rId11"/>
     <p:sldId id="268" r:id="rId12"/>
     <p:sldId id="276" r:id="rId13"/>
     <p:sldId id="277" r:id="rId14"/>
-    <p:sldId id="275" r:id="rId15"/>
+    <p:sldId id="274" r:id="rId15"/>
+    <p:sldId id="275" r:id="rId16"/>
   </p:sldIdLst>
   <p:sldSz cx="12192000" cy="6858000"/>
   <p:notesSz cx="6858000" cy="9144000"/>
@@ -5357,8 +5358,8 @@
         </p:nvSpPr>
         <p:spPr>
           <a:xfrm>
-            <a:off x="3951615" y="1235234"/>
-            <a:ext cx="4072695" cy="523220"/>
+            <a:off x="4329183" y="1235234"/>
+            <a:ext cx="3317559" cy="523220"/>
           </a:xfrm>
           <a:prstGeom prst="rect">
             <a:avLst/>
@@ -5373,17 +5374,17 @@
           <a:p>
             <a:r>
               <a:rPr lang="fr-FR" sz="2800" dirty="0"/>
-              <a:t>Partie 1 : Base de données</a:t>
+              <a:t>Partie 1 : Pluviomètre</a:t>
             </a:r>
           </a:p>
         </p:txBody>
       </p:sp>
       <p:pic>
         <p:nvPicPr>
-          <p:cNvPr id="3" name="Image 2">
-            <a:extLst>
-              <a:ext uri="{FF2B5EF4-FFF2-40B4-BE49-F238E27FC236}">
-                <a16:creationId xmlns:a16="http://schemas.microsoft.com/office/drawing/2014/main" id="{D7D6BC20-7C31-4D81-98DC-303F80A6A6B6}"/>
+          <p:cNvPr id="11" name="Image 10">
+            <a:extLst>
+              <a:ext uri="{FF2B5EF4-FFF2-40B4-BE49-F238E27FC236}">
+                <a16:creationId xmlns:a16="http://schemas.microsoft.com/office/drawing/2014/main" id="{08915E6B-B69C-4F8B-91DA-A07DD57B9497}"/>
               </a:ext>
             </a:extLst>
           </p:cNvPr>
@@ -5392,15 +5393,22 @@
           </p:cNvPicPr>
           <p:nvPr/>
         </p:nvPicPr>
-        <p:blipFill rotWithShape="1">
-          <a:blip r:embed="rId4"/>
-          <a:srcRect l="6306" t="6029" r="18060" b="17979"/>
-          <a:stretch/>
+        <p:blipFill>
+          <a:blip r:embed="rId4">
+            <a:extLst>
+              <a:ext uri="{28A0092B-C50C-407E-A947-70E740481C1C}">
+                <a14:useLocalDpi xmlns:a14="http://schemas.microsoft.com/office/drawing/2010/main" val="0"/>
+              </a:ext>
+            </a:extLst>
+          </a:blip>
+          <a:stretch>
+            <a:fillRect/>
+          </a:stretch>
         </p:blipFill>
         <p:spPr>
           <a:xfrm>
-            <a:off x="1536486" y="1890976"/>
-            <a:ext cx="8902952" cy="4633753"/>
+            <a:off x="2803241" y="2203070"/>
+            <a:ext cx="6369442" cy="3975558"/>
           </a:xfrm>
           <a:prstGeom prst="rect">
             <a:avLst/>
@@ -5410,7 +5418,7 @@
     </p:spTree>
     <p:extLst>
       <p:ext uri="{BB962C8B-B14F-4D97-AF65-F5344CB8AC3E}">
-        <p14:creationId xmlns:p14="http://schemas.microsoft.com/office/powerpoint/2010/main" val="3442466105"/>
+        <p14:creationId xmlns:p14="http://schemas.microsoft.com/office/powerpoint/2010/main" val="2957376733"/>
       </p:ext>
     </p:extLst>
   </p:cSld>
@@ -6270,7 +6278,7 @@
           <a:p>
             <a:r>
               <a:rPr lang="fr-FR" sz="2800" dirty="0"/>
-              <a:t>Partie 2 : Pluviomètre</a:t>
+              <a:t>Partie 1 : Pluviomètre</a:t>
             </a:r>
           </a:p>
         </p:txBody>
@@ -8612,42 +8620,6 @@
           </a:p>
         </p:txBody>
       </p:sp>
-      <p:pic>
-        <p:nvPicPr>
-          <p:cNvPr id="11" name="Image 10">
-            <a:extLst>
-              <a:ext uri="{FF2B5EF4-FFF2-40B4-BE49-F238E27FC236}">
-                <a16:creationId xmlns:a16="http://schemas.microsoft.com/office/drawing/2014/main" id="{08915E6B-B69C-4F8B-91DA-A07DD57B9497}"/>
-              </a:ext>
-            </a:extLst>
-          </p:cNvPr>
-          <p:cNvPicPr>
-            <a:picLocks noChangeAspect="1"/>
-          </p:cNvPicPr>
-          <p:nvPr/>
-        </p:nvPicPr>
-        <p:blipFill>
-          <a:blip r:embed="rId4">
-            <a:extLst>
-              <a:ext uri="{28A0092B-C50C-407E-A947-70E740481C1C}">
-                <a14:useLocalDpi xmlns:a14="http://schemas.microsoft.com/office/drawing/2010/main" val="0"/>
-              </a:ext>
-            </a:extLst>
-          </a:blip>
-          <a:stretch>
-            <a:fillRect/>
-          </a:stretch>
-        </p:blipFill>
-        <p:spPr>
-          <a:xfrm>
-            <a:off x="4329183" y="4932102"/>
-            <a:ext cx="3093703" cy="1930969"/>
-          </a:xfrm>
-          <a:prstGeom prst="rect">
-            <a:avLst/>
-          </a:prstGeom>
-        </p:spPr>
-      </p:pic>
       <p:sp>
         <p:nvSpPr>
           <p:cNvPr id="6" name="Rectangle : coins arrondis 5">
@@ -9606,7 +9578,7 @@
           <a:p>
             <a:r>
               <a:rPr lang="fr-FR" sz="2800" dirty="0"/>
-              <a:t>Partie 2 : Pluviomètre</a:t>
+              <a:t>Partie 1 : Pluviomètre</a:t>
             </a:r>
           </a:p>
         </p:txBody>
@@ -10546,7 +10518,7 @@
           <a:p>
             <a:r>
               <a:rPr lang="fr-FR" sz="2800" dirty="0"/>
-              <a:t>Partie 2 : Pluviomètre</a:t>
+              <a:t>Partie 1 : Pluviomètre</a:t>
             </a:r>
           </a:p>
         </p:txBody>
@@ -10642,6 +10614,903 @@
 </file>
 
 <file path=ppt/slides/slide14.xml><?xml version="1.0" encoding="utf-8"?>
+<p:sld xmlns:a="http://schemas.openxmlformats.org/drawingml/2006/main" xmlns:r="http://schemas.openxmlformats.org/officeDocument/2006/relationships" xmlns:p="http://schemas.openxmlformats.org/presentationml/2006/main">
+  <p:cSld>
+    <p:spTree>
+      <p:nvGrpSpPr>
+        <p:cNvPr id="1" name=""/>
+        <p:cNvGrpSpPr/>
+        <p:nvPr/>
+      </p:nvGrpSpPr>
+      <p:grpSpPr>
+        <a:xfrm>
+          <a:off x="0" y="0"/>
+          <a:ext cx="0" cy="0"/>
+          <a:chOff x="0" y="0"/>
+          <a:chExt cx="0" cy="0"/>
+        </a:xfrm>
+      </p:grpSpPr>
+      <p:pic>
+        <p:nvPicPr>
+          <p:cNvPr id="8" name="Image 7">
+            <a:extLst>
+              <a:ext uri="{FF2B5EF4-FFF2-40B4-BE49-F238E27FC236}">
+                <a16:creationId xmlns:a16="http://schemas.microsoft.com/office/drawing/2014/main" id="{2BB825C5-31DA-4A56-85EA-536DBF510A31}"/>
+              </a:ext>
+            </a:extLst>
+          </p:cNvPr>
+          <p:cNvPicPr>
+            <a:picLocks noChangeAspect="1"/>
+          </p:cNvPicPr>
+          <p:nvPr/>
+        </p:nvPicPr>
+        <p:blipFill>
+          <a:blip r:embed="rId2">
+            <a:extLst>
+              <a:ext uri="{28A0092B-C50C-407E-A947-70E740481C1C}">
+                <a14:useLocalDpi xmlns:a14="http://schemas.microsoft.com/office/drawing/2010/main" val="0"/>
+              </a:ext>
+            </a:extLst>
+          </a:blip>
+          <a:stretch>
+            <a:fillRect/>
+          </a:stretch>
+        </p:blipFill>
+        <p:spPr>
+          <a:xfrm>
+            <a:off x="1068751" y="66457"/>
+            <a:ext cx="1259497" cy="776690"/>
+          </a:xfrm>
+          <a:prstGeom prst="rect">
+            <a:avLst/>
+          </a:prstGeom>
+        </p:spPr>
+      </p:pic>
+      <p:pic>
+        <p:nvPicPr>
+          <p:cNvPr id="10" name="Image 9">
+            <a:extLst>
+              <a:ext uri="{FF2B5EF4-FFF2-40B4-BE49-F238E27FC236}">
+                <a16:creationId xmlns:a16="http://schemas.microsoft.com/office/drawing/2014/main" id="{8EE7436F-49F2-41E0-93E4-D247B4705294}"/>
+              </a:ext>
+            </a:extLst>
+          </p:cNvPr>
+          <p:cNvPicPr>
+            <a:picLocks noChangeAspect="1"/>
+          </p:cNvPicPr>
+          <p:nvPr/>
+        </p:nvPicPr>
+        <p:blipFill>
+          <a:blip r:embed="rId3">
+            <a:extLst>
+              <a:ext uri="{28A0092B-C50C-407E-A947-70E740481C1C}">
+                <a14:useLocalDpi xmlns:a14="http://schemas.microsoft.com/office/drawing/2010/main" val="0"/>
+              </a:ext>
+            </a:extLst>
+          </a:blip>
+          <a:stretch>
+            <a:fillRect/>
+          </a:stretch>
+        </p:blipFill>
+        <p:spPr>
+          <a:xfrm>
+            <a:off x="9681085" y="238153"/>
+            <a:ext cx="1802101" cy="569807"/>
+          </a:xfrm>
+          <a:prstGeom prst="rect">
+            <a:avLst/>
+          </a:prstGeom>
+        </p:spPr>
+      </p:pic>
+      <p:cxnSp>
+        <p:nvCxnSpPr>
+          <p:cNvPr id="16" name="Connecteur droit 15">
+            <a:extLst>
+              <a:ext uri="{FF2B5EF4-FFF2-40B4-BE49-F238E27FC236}">
+                <a16:creationId xmlns:a16="http://schemas.microsoft.com/office/drawing/2014/main" id="{7319284A-BD6F-4A96-8E2B-E0A4B52E53C6}"/>
+              </a:ext>
+            </a:extLst>
+          </p:cNvPr>
+          <p:cNvCxnSpPr>
+            <a:cxnSpLocks/>
+          </p:cNvCxnSpPr>
+          <p:nvPr/>
+        </p:nvCxnSpPr>
+        <p:spPr>
+          <a:xfrm flipV="1">
+            <a:off x="0" y="454803"/>
+            <a:ext cx="738231" cy="1798"/>
+          </a:xfrm>
+          <a:prstGeom prst="line">
+            <a:avLst/>
+          </a:prstGeom>
+        </p:spPr>
+        <p:style>
+          <a:lnRef idx="3">
+            <a:schemeClr val="dk1"/>
+          </a:lnRef>
+          <a:fillRef idx="0">
+            <a:schemeClr val="dk1"/>
+          </a:fillRef>
+          <a:effectRef idx="2">
+            <a:schemeClr val="dk1"/>
+          </a:effectRef>
+          <a:fontRef idx="minor">
+            <a:schemeClr val="tx1"/>
+          </a:fontRef>
+        </p:style>
+      </p:cxnSp>
+      <p:cxnSp>
+        <p:nvCxnSpPr>
+          <p:cNvPr id="20" name="Connecteur droit 19">
+            <a:extLst>
+              <a:ext uri="{FF2B5EF4-FFF2-40B4-BE49-F238E27FC236}">
+                <a16:creationId xmlns:a16="http://schemas.microsoft.com/office/drawing/2014/main" id="{08874CF7-F149-4C81-B61E-74E18342BA8A}"/>
+              </a:ext>
+            </a:extLst>
+          </p:cNvPr>
+          <p:cNvCxnSpPr>
+            <a:cxnSpLocks/>
+          </p:cNvCxnSpPr>
+          <p:nvPr/>
+        </p:nvCxnSpPr>
+        <p:spPr>
+          <a:xfrm>
+            <a:off x="2573222" y="454803"/>
+            <a:ext cx="6829482" cy="10398"/>
+          </a:xfrm>
+          <a:prstGeom prst="line">
+            <a:avLst/>
+          </a:prstGeom>
+        </p:spPr>
+        <p:style>
+          <a:lnRef idx="3">
+            <a:schemeClr val="dk1"/>
+          </a:lnRef>
+          <a:fillRef idx="0">
+            <a:schemeClr val="dk1"/>
+          </a:fillRef>
+          <a:effectRef idx="2">
+            <a:schemeClr val="dk1"/>
+          </a:effectRef>
+          <a:fontRef idx="minor">
+            <a:schemeClr val="tx1"/>
+          </a:fontRef>
+        </p:style>
+      </p:cxnSp>
+      <p:cxnSp>
+        <p:nvCxnSpPr>
+          <p:cNvPr id="26" name="Connecteur droit 25">
+            <a:extLst>
+              <a:ext uri="{FF2B5EF4-FFF2-40B4-BE49-F238E27FC236}">
+                <a16:creationId xmlns:a16="http://schemas.microsoft.com/office/drawing/2014/main" id="{BB3B35CC-057B-48C1-880F-3306A6559175}"/>
+              </a:ext>
+            </a:extLst>
+          </p:cNvPr>
+          <p:cNvCxnSpPr>
+            <a:cxnSpLocks/>
+          </p:cNvCxnSpPr>
+          <p:nvPr/>
+        </p:nvCxnSpPr>
+        <p:spPr>
+          <a:xfrm>
+            <a:off x="738231" y="454803"/>
+            <a:ext cx="344203" cy="484764"/>
+          </a:xfrm>
+          <a:prstGeom prst="line">
+            <a:avLst/>
+          </a:prstGeom>
+        </p:spPr>
+        <p:style>
+          <a:lnRef idx="3">
+            <a:schemeClr val="dk1"/>
+          </a:lnRef>
+          <a:fillRef idx="0">
+            <a:schemeClr val="dk1"/>
+          </a:fillRef>
+          <a:effectRef idx="2">
+            <a:schemeClr val="dk1"/>
+          </a:effectRef>
+          <a:fontRef idx="minor">
+            <a:schemeClr val="tx1"/>
+          </a:fontRef>
+        </p:style>
+      </p:cxnSp>
+      <p:cxnSp>
+        <p:nvCxnSpPr>
+          <p:cNvPr id="32" name="Connecteur droit 31">
+            <a:extLst>
+              <a:ext uri="{FF2B5EF4-FFF2-40B4-BE49-F238E27FC236}">
+                <a16:creationId xmlns:a16="http://schemas.microsoft.com/office/drawing/2014/main" id="{4AD96496-1EB6-4E48-9BB2-5C255495C686}"/>
+              </a:ext>
+            </a:extLst>
+          </p:cNvPr>
+          <p:cNvCxnSpPr>
+            <a:cxnSpLocks/>
+          </p:cNvCxnSpPr>
+          <p:nvPr/>
+        </p:nvCxnSpPr>
+        <p:spPr>
+          <a:xfrm>
+            <a:off x="1082434" y="938268"/>
+            <a:ext cx="1146585" cy="0"/>
+          </a:xfrm>
+          <a:prstGeom prst="line">
+            <a:avLst/>
+          </a:prstGeom>
+        </p:spPr>
+        <p:style>
+          <a:lnRef idx="3">
+            <a:schemeClr val="dk1"/>
+          </a:lnRef>
+          <a:fillRef idx="0">
+            <a:schemeClr val="dk1"/>
+          </a:fillRef>
+          <a:effectRef idx="2">
+            <a:schemeClr val="dk1"/>
+          </a:effectRef>
+          <a:fontRef idx="minor">
+            <a:schemeClr val="tx1"/>
+          </a:fontRef>
+        </p:style>
+      </p:cxnSp>
+      <p:cxnSp>
+        <p:nvCxnSpPr>
+          <p:cNvPr id="51" name="Connecteur droit 50">
+            <a:extLst>
+              <a:ext uri="{FF2B5EF4-FFF2-40B4-BE49-F238E27FC236}">
+                <a16:creationId xmlns:a16="http://schemas.microsoft.com/office/drawing/2014/main" id="{C035BFA6-ECBF-4775-BA81-19D2CA41AA8D}"/>
+              </a:ext>
+            </a:extLst>
+          </p:cNvPr>
+          <p:cNvCxnSpPr>
+            <a:cxnSpLocks/>
+          </p:cNvCxnSpPr>
+          <p:nvPr/>
+        </p:nvCxnSpPr>
+        <p:spPr>
+          <a:xfrm>
+            <a:off x="9402704" y="465201"/>
+            <a:ext cx="344203" cy="495163"/>
+          </a:xfrm>
+          <a:prstGeom prst="line">
+            <a:avLst/>
+          </a:prstGeom>
+        </p:spPr>
+        <p:style>
+          <a:lnRef idx="3">
+            <a:schemeClr val="dk1"/>
+          </a:lnRef>
+          <a:fillRef idx="0">
+            <a:schemeClr val="dk1"/>
+          </a:fillRef>
+          <a:effectRef idx="2">
+            <a:schemeClr val="dk1"/>
+          </a:effectRef>
+          <a:fontRef idx="minor">
+            <a:schemeClr val="tx1"/>
+          </a:fontRef>
+        </p:style>
+      </p:cxnSp>
+      <p:cxnSp>
+        <p:nvCxnSpPr>
+          <p:cNvPr id="52" name="Connecteur droit 51">
+            <a:extLst>
+              <a:ext uri="{FF2B5EF4-FFF2-40B4-BE49-F238E27FC236}">
+                <a16:creationId xmlns:a16="http://schemas.microsoft.com/office/drawing/2014/main" id="{FA310BC7-694B-4984-99A2-61A1F4F6EBF9}"/>
+              </a:ext>
+            </a:extLst>
+          </p:cNvPr>
+          <p:cNvCxnSpPr>
+            <a:cxnSpLocks/>
+          </p:cNvCxnSpPr>
+          <p:nvPr/>
+        </p:nvCxnSpPr>
+        <p:spPr>
+          <a:xfrm flipH="1">
+            <a:off x="11370469" y="448308"/>
+            <a:ext cx="364332" cy="501657"/>
+          </a:xfrm>
+          <a:prstGeom prst="line">
+            <a:avLst/>
+          </a:prstGeom>
+        </p:spPr>
+        <p:style>
+          <a:lnRef idx="3">
+            <a:schemeClr val="dk1"/>
+          </a:lnRef>
+          <a:fillRef idx="0">
+            <a:schemeClr val="dk1"/>
+          </a:fillRef>
+          <a:effectRef idx="2">
+            <a:schemeClr val="dk1"/>
+          </a:effectRef>
+          <a:fontRef idx="minor">
+            <a:schemeClr val="tx1"/>
+          </a:fontRef>
+        </p:style>
+      </p:cxnSp>
+      <p:cxnSp>
+        <p:nvCxnSpPr>
+          <p:cNvPr id="53" name="Connecteur droit 52">
+            <a:extLst>
+              <a:ext uri="{FF2B5EF4-FFF2-40B4-BE49-F238E27FC236}">
+                <a16:creationId xmlns:a16="http://schemas.microsoft.com/office/drawing/2014/main" id="{BE0649BD-EE59-4DDA-960F-95B2572F9F13}"/>
+              </a:ext>
+            </a:extLst>
+          </p:cNvPr>
+          <p:cNvCxnSpPr>
+            <a:cxnSpLocks/>
+          </p:cNvCxnSpPr>
+          <p:nvPr/>
+        </p:nvCxnSpPr>
+        <p:spPr>
+          <a:xfrm>
+            <a:off x="9743203" y="949965"/>
+            <a:ext cx="1627266" cy="0"/>
+          </a:xfrm>
+          <a:prstGeom prst="line">
+            <a:avLst/>
+          </a:prstGeom>
+        </p:spPr>
+        <p:style>
+          <a:lnRef idx="3">
+            <a:schemeClr val="dk1"/>
+          </a:lnRef>
+          <a:fillRef idx="0">
+            <a:schemeClr val="dk1"/>
+          </a:fillRef>
+          <a:effectRef idx="2">
+            <a:schemeClr val="dk1"/>
+          </a:effectRef>
+          <a:fontRef idx="minor">
+            <a:schemeClr val="tx1"/>
+          </a:fontRef>
+        </p:style>
+      </p:cxnSp>
+      <p:cxnSp>
+        <p:nvCxnSpPr>
+          <p:cNvPr id="55" name="Connecteur droit 54">
+            <a:extLst>
+              <a:ext uri="{FF2B5EF4-FFF2-40B4-BE49-F238E27FC236}">
+                <a16:creationId xmlns:a16="http://schemas.microsoft.com/office/drawing/2014/main" id="{52AA9200-DAFA-4EEF-AC13-4C7CE82A59EC}"/>
+              </a:ext>
+            </a:extLst>
+          </p:cNvPr>
+          <p:cNvCxnSpPr>
+            <a:cxnSpLocks/>
+          </p:cNvCxnSpPr>
+          <p:nvPr/>
+        </p:nvCxnSpPr>
+        <p:spPr>
+          <a:xfrm>
+            <a:off x="11715750" y="454801"/>
+            <a:ext cx="476249" cy="10400"/>
+          </a:xfrm>
+          <a:prstGeom prst="line">
+            <a:avLst/>
+          </a:prstGeom>
+        </p:spPr>
+        <p:style>
+          <a:lnRef idx="3">
+            <a:schemeClr val="dk1"/>
+          </a:lnRef>
+          <a:fillRef idx="0">
+            <a:schemeClr val="dk1"/>
+          </a:fillRef>
+          <a:effectRef idx="2">
+            <a:schemeClr val="dk1"/>
+          </a:effectRef>
+          <a:fontRef idx="minor">
+            <a:schemeClr val="tx1"/>
+          </a:fontRef>
+        </p:style>
+      </p:cxnSp>
+      <p:cxnSp>
+        <p:nvCxnSpPr>
+          <p:cNvPr id="23" name="Connecteur droit 22">
+            <a:extLst>
+              <a:ext uri="{FF2B5EF4-FFF2-40B4-BE49-F238E27FC236}">
+                <a16:creationId xmlns:a16="http://schemas.microsoft.com/office/drawing/2014/main" id="{BCB092C8-0080-4E56-957E-0046D4C83988}"/>
+              </a:ext>
+            </a:extLst>
+          </p:cNvPr>
+          <p:cNvCxnSpPr>
+            <a:cxnSpLocks/>
+          </p:cNvCxnSpPr>
+          <p:nvPr/>
+        </p:nvCxnSpPr>
+        <p:spPr>
+          <a:xfrm flipH="1">
+            <a:off x="2216372" y="446356"/>
+            <a:ext cx="364332" cy="501657"/>
+          </a:xfrm>
+          <a:prstGeom prst="line">
+            <a:avLst/>
+          </a:prstGeom>
+        </p:spPr>
+        <p:style>
+          <a:lnRef idx="3">
+            <a:schemeClr val="dk1"/>
+          </a:lnRef>
+          <a:fillRef idx="0">
+            <a:schemeClr val="dk1"/>
+          </a:fillRef>
+          <a:effectRef idx="2">
+            <a:schemeClr val="dk1"/>
+          </a:effectRef>
+          <a:fontRef idx="minor">
+            <a:schemeClr val="tx1"/>
+          </a:fontRef>
+        </p:style>
+      </p:cxnSp>
+      <p:pic>
+        <p:nvPicPr>
+          <p:cNvPr id="57" name="Image 56">
+            <a:extLst>
+              <a:ext uri="{FF2B5EF4-FFF2-40B4-BE49-F238E27FC236}">
+                <a16:creationId xmlns:a16="http://schemas.microsoft.com/office/drawing/2014/main" id="{12B16FB2-5844-4B92-AE69-9BAC858C22BB}"/>
+              </a:ext>
+            </a:extLst>
+          </p:cNvPr>
+          <p:cNvPicPr>
+            <a:picLocks noChangeAspect="1"/>
+          </p:cNvPicPr>
+          <p:nvPr/>
+        </p:nvPicPr>
+        <p:blipFill>
+          <a:blip r:embed="rId3">
+            <a:extLst>
+              <a:ext uri="{28A0092B-C50C-407E-A947-70E740481C1C}">
+                <a14:useLocalDpi xmlns:a14="http://schemas.microsoft.com/office/drawing/2010/main" val="0"/>
+              </a:ext>
+            </a:extLst>
+          </a:blip>
+          <a:stretch>
+            <a:fillRect/>
+          </a:stretch>
+        </p:blipFill>
+        <p:spPr>
+          <a:xfrm>
+            <a:off x="9681085" y="238153"/>
+            <a:ext cx="1802101" cy="569807"/>
+          </a:xfrm>
+          <a:prstGeom prst="rect">
+            <a:avLst/>
+          </a:prstGeom>
+        </p:spPr>
+      </p:pic>
+      <p:cxnSp>
+        <p:nvCxnSpPr>
+          <p:cNvPr id="58" name="Connecteur droit 57">
+            <a:extLst>
+              <a:ext uri="{FF2B5EF4-FFF2-40B4-BE49-F238E27FC236}">
+                <a16:creationId xmlns:a16="http://schemas.microsoft.com/office/drawing/2014/main" id="{01599350-F8B0-4FDC-B003-981189A8D654}"/>
+              </a:ext>
+            </a:extLst>
+          </p:cNvPr>
+          <p:cNvCxnSpPr>
+            <a:cxnSpLocks/>
+          </p:cNvCxnSpPr>
+          <p:nvPr/>
+        </p:nvCxnSpPr>
+        <p:spPr>
+          <a:xfrm>
+            <a:off x="2573222" y="454803"/>
+            <a:ext cx="6829482" cy="10398"/>
+          </a:xfrm>
+          <a:prstGeom prst="line">
+            <a:avLst/>
+          </a:prstGeom>
+        </p:spPr>
+        <p:style>
+          <a:lnRef idx="3">
+            <a:schemeClr val="dk1"/>
+          </a:lnRef>
+          <a:fillRef idx="0">
+            <a:schemeClr val="dk1"/>
+          </a:fillRef>
+          <a:effectRef idx="2">
+            <a:schemeClr val="dk1"/>
+          </a:effectRef>
+          <a:fontRef idx="minor">
+            <a:schemeClr val="tx1"/>
+          </a:fontRef>
+        </p:style>
+      </p:cxnSp>
+      <p:cxnSp>
+        <p:nvCxnSpPr>
+          <p:cNvPr id="59" name="Connecteur droit 58">
+            <a:extLst>
+              <a:ext uri="{FF2B5EF4-FFF2-40B4-BE49-F238E27FC236}">
+                <a16:creationId xmlns:a16="http://schemas.microsoft.com/office/drawing/2014/main" id="{BC6E6150-6054-4785-84EC-0C46D82034C2}"/>
+              </a:ext>
+            </a:extLst>
+          </p:cNvPr>
+          <p:cNvCxnSpPr>
+            <a:cxnSpLocks/>
+          </p:cNvCxnSpPr>
+          <p:nvPr/>
+        </p:nvCxnSpPr>
+        <p:spPr>
+          <a:xfrm>
+            <a:off x="738231" y="454803"/>
+            <a:ext cx="344203" cy="484764"/>
+          </a:xfrm>
+          <a:prstGeom prst="line">
+            <a:avLst/>
+          </a:prstGeom>
+        </p:spPr>
+        <p:style>
+          <a:lnRef idx="3">
+            <a:schemeClr val="dk1"/>
+          </a:lnRef>
+          <a:fillRef idx="0">
+            <a:schemeClr val="dk1"/>
+          </a:fillRef>
+          <a:effectRef idx="2">
+            <a:schemeClr val="dk1"/>
+          </a:effectRef>
+          <a:fontRef idx="minor">
+            <a:schemeClr val="tx1"/>
+          </a:fontRef>
+        </p:style>
+      </p:cxnSp>
+      <p:cxnSp>
+        <p:nvCxnSpPr>
+          <p:cNvPr id="60" name="Connecteur droit 59">
+            <a:extLst>
+              <a:ext uri="{FF2B5EF4-FFF2-40B4-BE49-F238E27FC236}">
+                <a16:creationId xmlns:a16="http://schemas.microsoft.com/office/drawing/2014/main" id="{CBC9961A-8EC2-4287-A398-BCA4138D409D}"/>
+              </a:ext>
+            </a:extLst>
+          </p:cNvPr>
+          <p:cNvCxnSpPr>
+            <a:cxnSpLocks/>
+          </p:cNvCxnSpPr>
+          <p:nvPr/>
+        </p:nvCxnSpPr>
+        <p:spPr>
+          <a:xfrm>
+            <a:off x="1082434" y="938268"/>
+            <a:ext cx="1146585" cy="0"/>
+          </a:xfrm>
+          <a:prstGeom prst="line">
+            <a:avLst/>
+          </a:prstGeom>
+        </p:spPr>
+        <p:style>
+          <a:lnRef idx="3">
+            <a:schemeClr val="dk1"/>
+          </a:lnRef>
+          <a:fillRef idx="0">
+            <a:schemeClr val="dk1"/>
+          </a:fillRef>
+          <a:effectRef idx="2">
+            <a:schemeClr val="dk1"/>
+          </a:effectRef>
+          <a:fontRef idx="minor">
+            <a:schemeClr val="tx1"/>
+          </a:fontRef>
+        </p:style>
+      </p:cxnSp>
+      <p:cxnSp>
+        <p:nvCxnSpPr>
+          <p:cNvPr id="61" name="Connecteur droit 60">
+            <a:extLst>
+              <a:ext uri="{FF2B5EF4-FFF2-40B4-BE49-F238E27FC236}">
+                <a16:creationId xmlns:a16="http://schemas.microsoft.com/office/drawing/2014/main" id="{152B7C45-2543-4665-BC07-4DB71CA9F337}"/>
+              </a:ext>
+            </a:extLst>
+          </p:cNvPr>
+          <p:cNvCxnSpPr>
+            <a:cxnSpLocks/>
+          </p:cNvCxnSpPr>
+          <p:nvPr/>
+        </p:nvCxnSpPr>
+        <p:spPr>
+          <a:xfrm>
+            <a:off x="9402704" y="465201"/>
+            <a:ext cx="344203" cy="495163"/>
+          </a:xfrm>
+          <a:prstGeom prst="line">
+            <a:avLst/>
+          </a:prstGeom>
+        </p:spPr>
+        <p:style>
+          <a:lnRef idx="3">
+            <a:schemeClr val="dk1"/>
+          </a:lnRef>
+          <a:fillRef idx="0">
+            <a:schemeClr val="dk1"/>
+          </a:fillRef>
+          <a:effectRef idx="2">
+            <a:schemeClr val="dk1"/>
+          </a:effectRef>
+          <a:fontRef idx="minor">
+            <a:schemeClr val="tx1"/>
+          </a:fontRef>
+        </p:style>
+      </p:cxnSp>
+      <p:cxnSp>
+        <p:nvCxnSpPr>
+          <p:cNvPr id="62" name="Connecteur droit 61">
+            <a:extLst>
+              <a:ext uri="{FF2B5EF4-FFF2-40B4-BE49-F238E27FC236}">
+                <a16:creationId xmlns:a16="http://schemas.microsoft.com/office/drawing/2014/main" id="{00A84DC3-A112-46A3-B71C-04D85339323D}"/>
+              </a:ext>
+            </a:extLst>
+          </p:cNvPr>
+          <p:cNvCxnSpPr>
+            <a:cxnSpLocks/>
+          </p:cNvCxnSpPr>
+          <p:nvPr/>
+        </p:nvCxnSpPr>
+        <p:spPr>
+          <a:xfrm flipH="1">
+            <a:off x="11370469" y="448308"/>
+            <a:ext cx="364332" cy="501657"/>
+          </a:xfrm>
+          <a:prstGeom prst="line">
+            <a:avLst/>
+          </a:prstGeom>
+        </p:spPr>
+        <p:style>
+          <a:lnRef idx="3">
+            <a:schemeClr val="dk1"/>
+          </a:lnRef>
+          <a:fillRef idx="0">
+            <a:schemeClr val="dk1"/>
+          </a:fillRef>
+          <a:effectRef idx="2">
+            <a:schemeClr val="dk1"/>
+          </a:effectRef>
+          <a:fontRef idx="minor">
+            <a:schemeClr val="tx1"/>
+          </a:fontRef>
+        </p:style>
+      </p:cxnSp>
+      <p:cxnSp>
+        <p:nvCxnSpPr>
+          <p:cNvPr id="63" name="Connecteur droit 62">
+            <a:extLst>
+              <a:ext uri="{FF2B5EF4-FFF2-40B4-BE49-F238E27FC236}">
+                <a16:creationId xmlns:a16="http://schemas.microsoft.com/office/drawing/2014/main" id="{C50788C6-8F68-44EC-AB54-94C1D2FE554D}"/>
+              </a:ext>
+            </a:extLst>
+          </p:cNvPr>
+          <p:cNvCxnSpPr>
+            <a:cxnSpLocks/>
+          </p:cNvCxnSpPr>
+          <p:nvPr/>
+        </p:nvCxnSpPr>
+        <p:spPr>
+          <a:xfrm>
+            <a:off x="9743203" y="949965"/>
+            <a:ext cx="1627266" cy="0"/>
+          </a:xfrm>
+          <a:prstGeom prst="line">
+            <a:avLst/>
+          </a:prstGeom>
+        </p:spPr>
+        <p:style>
+          <a:lnRef idx="3">
+            <a:schemeClr val="dk1"/>
+          </a:lnRef>
+          <a:fillRef idx="0">
+            <a:schemeClr val="dk1"/>
+          </a:fillRef>
+          <a:effectRef idx="2">
+            <a:schemeClr val="dk1"/>
+          </a:effectRef>
+          <a:fontRef idx="minor">
+            <a:schemeClr val="tx1"/>
+          </a:fontRef>
+        </p:style>
+      </p:cxnSp>
+      <p:cxnSp>
+        <p:nvCxnSpPr>
+          <p:cNvPr id="64" name="Connecteur droit 63">
+            <a:extLst>
+              <a:ext uri="{FF2B5EF4-FFF2-40B4-BE49-F238E27FC236}">
+                <a16:creationId xmlns:a16="http://schemas.microsoft.com/office/drawing/2014/main" id="{BC4D4E5F-5636-45CB-873C-EC085AB307A3}"/>
+              </a:ext>
+            </a:extLst>
+          </p:cNvPr>
+          <p:cNvCxnSpPr>
+            <a:cxnSpLocks/>
+          </p:cNvCxnSpPr>
+          <p:nvPr/>
+        </p:nvCxnSpPr>
+        <p:spPr>
+          <a:xfrm>
+            <a:off x="11715750" y="454801"/>
+            <a:ext cx="476249" cy="10400"/>
+          </a:xfrm>
+          <a:prstGeom prst="line">
+            <a:avLst/>
+          </a:prstGeom>
+        </p:spPr>
+        <p:style>
+          <a:lnRef idx="3">
+            <a:schemeClr val="dk1"/>
+          </a:lnRef>
+          <a:fillRef idx="0">
+            <a:schemeClr val="dk1"/>
+          </a:fillRef>
+          <a:effectRef idx="2">
+            <a:schemeClr val="dk1"/>
+          </a:effectRef>
+          <a:fontRef idx="minor">
+            <a:schemeClr val="tx1"/>
+          </a:fontRef>
+        </p:style>
+      </p:cxnSp>
+      <p:cxnSp>
+        <p:nvCxnSpPr>
+          <p:cNvPr id="65" name="Connecteur droit 64">
+            <a:extLst>
+              <a:ext uri="{FF2B5EF4-FFF2-40B4-BE49-F238E27FC236}">
+                <a16:creationId xmlns:a16="http://schemas.microsoft.com/office/drawing/2014/main" id="{E6F6B4C5-0E3B-46C9-859D-EE774175D36F}"/>
+              </a:ext>
+            </a:extLst>
+          </p:cNvPr>
+          <p:cNvCxnSpPr>
+            <a:cxnSpLocks/>
+          </p:cNvCxnSpPr>
+          <p:nvPr/>
+        </p:nvCxnSpPr>
+        <p:spPr>
+          <a:xfrm flipH="1">
+            <a:off x="2216372" y="446356"/>
+            <a:ext cx="364332" cy="501657"/>
+          </a:xfrm>
+          <a:prstGeom prst="line">
+            <a:avLst/>
+          </a:prstGeom>
+        </p:spPr>
+        <p:style>
+          <a:lnRef idx="3">
+            <a:schemeClr val="dk1"/>
+          </a:lnRef>
+          <a:fillRef idx="0">
+            <a:schemeClr val="dk1"/>
+          </a:fillRef>
+          <a:effectRef idx="2">
+            <a:schemeClr val="dk1"/>
+          </a:effectRef>
+          <a:fontRef idx="minor">
+            <a:schemeClr val="tx1"/>
+          </a:fontRef>
+        </p:style>
+      </p:cxnSp>
+      <p:sp>
+        <p:nvSpPr>
+          <p:cNvPr id="2" name="ZoneTexte 1">
+            <a:extLst>
+              <a:ext uri="{FF2B5EF4-FFF2-40B4-BE49-F238E27FC236}">
+                <a16:creationId xmlns:a16="http://schemas.microsoft.com/office/drawing/2014/main" id="{128A5370-27C5-4A3F-98D7-D74D075851FE}"/>
+              </a:ext>
+            </a:extLst>
+          </p:cNvPr>
+          <p:cNvSpPr txBox="1"/>
+          <p:nvPr/>
+        </p:nvSpPr>
+        <p:spPr>
+          <a:xfrm>
+            <a:off x="3813920" y="465793"/>
+            <a:ext cx="4355567" cy="769441"/>
+          </a:xfrm>
+          <a:prstGeom prst="rect">
+            <a:avLst/>
+          </a:prstGeom>
+          <a:noFill/>
+        </p:spPr>
+        <p:txBody>
+          <a:bodyPr wrap="square" rtlCol="0">
+            <a:spAutoFit/>
+          </a:bodyPr>
+          <a:lstStyle/>
+          <a:p>
+            <a:r>
+              <a:rPr lang="fr-FR" sz="4400" dirty="0">
+                <a:latin typeface="Berlin Sans FB" panose="020E0602020502020306" pitchFamily="34" charset="0"/>
+              </a:rPr>
+              <a:t>Solutions trouvées</a:t>
+            </a:r>
+          </a:p>
+        </p:txBody>
+      </p:sp>
+      <p:sp>
+        <p:nvSpPr>
+          <p:cNvPr id="7" name="ZoneTexte 6">
+            <a:extLst>
+              <a:ext uri="{FF2B5EF4-FFF2-40B4-BE49-F238E27FC236}">
+                <a16:creationId xmlns:a16="http://schemas.microsoft.com/office/drawing/2014/main" id="{F5143EC5-EF8B-4615-B050-3E12BF28AC28}"/>
+              </a:ext>
+            </a:extLst>
+          </p:cNvPr>
+          <p:cNvSpPr txBox="1"/>
+          <p:nvPr/>
+        </p:nvSpPr>
+        <p:spPr>
+          <a:xfrm>
+            <a:off x="3951615" y="1235234"/>
+            <a:ext cx="4072695" cy="523220"/>
+          </a:xfrm>
+          <a:prstGeom prst="rect">
+            <a:avLst/>
+          </a:prstGeom>
+          <a:noFill/>
+        </p:spPr>
+        <p:txBody>
+          <a:bodyPr wrap="square" rtlCol="0">
+            <a:spAutoFit/>
+          </a:bodyPr>
+          <a:lstStyle/>
+          <a:p>
+            <a:r>
+              <a:rPr lang="fr-FR" sz="2800" dirty="0"/>
+              <a:t>Partie 2 : Base de données</a:t>
+            </a:r>
+          </a:p>
+        </p:txBody>
+      </p:sp>
+      <p:pic>
+        <p:nvPicPr>
+          <p:cNvPr id="3" name="Image 2">
+            <a:extLst>
+              <a:ext uri="{FF2B5EF4-FFF2-40B4-BE49-F238E27FC236}">
+                <a16:creationId xmlns:a16="http://schemas.microsoft.com/office/drawing/2014/main" id="{D7D6BC20-7C31-4D81-98DC-303F80A6A6B6}"/>
+              </a:ext>
+            </a:extLst>
+          </p:cNvPr>
+          <p:cNvPicPr>
+            <a:picLocks noChangeAspect="1"/>
+          </p:cNvPicPr>
+          <p:nvPr/>
+        </p:nvPicPr>
+        <p:blipFill rotWithShape="1">
+          <a:blip r:embed="rId4"/>
+          <a:srcRect l="6306" t="6029" r="18060" b="17979"/>
+          <a:stretch/>
+        </p:blipFill>
+        <p:spPr>
+          <a:xfrm>
+            <a:off x="1536486" y="1890976"/>
+            <a:ext cx="8902952" cy="4633753"/>
+          </a:xfrm>
+          <a:prstGeom prst="rect">
+            <a:avLst/>
+          </a:prstGeom>
+        </p:spPr>
+      </p:pic>
+    </p:spTree>
+    <p:extLst>
+      <p:ext uri="{BB962C8B-B14F-4D97-AF65-F5344CB8AC3E}">
+        <p14:creationId xmlns:p14="http://schemas.microsoft.com/office/powerpoint/2010/main" val="3442466105"/>
+      </p:ext>
+    </p:extLst>
+  </p:cSld>
+  <p:clrMapOvr>
+    <a:masterClrMapping/>
+  </p:clrMapOvr>
+  <mc:AlternateContent xmlns:mc="http://schemas.openxmlformats.org/markup-compatibility/2006" xmlns:p14="http://schemas.microsoft.com/office/powerpoint/2010/main">
+    <mc:Choice Requires="p14">
+      <p:transition spd="slow">
+        <p14:reveal/>
+      </p:transition>
+    </mc:Choice>
+    <mc:Fallback xmlns="">
+      <p:transition spd="slow">
+        <p:fade/>
+      </p:transition>
+    </mc:Fallback>
+  </mc:AlternateContent>
+</p:sld>
+</file>
+
+<file path=ppt/slides/slide15.xml><?xml version="1.0" encoding="utf-8"?>
 <p:sld xmlns:a="http://schemas.openxmlformats.org/drawingml/2006/main" xmlns:r="http://schemas.openxmlformats.org/officeDocument/2006/relationships" xmlns:p="http://schemas.openxmlformats.org/presentationml/2006/main">
   <p:cSld>
     <p:spTree>
